--- a/Треско_презентация.pptx
+++ b/Треско_презентация.pptx
@@ -16,15 +16,16 @@
     <p:sldId id="283" r:id="rId10"/>
     <p:sldId id="284" r:id="rId11"/>
     <p:sldId id="285" r:id="rId12"/>
-    <p:sldId id="269" r:id="rId13"/>
-    <p:sldId id="279" r:id="rId14"/>
-    <p:sldId id="270" r:id="rId15"/>
-    <p:sldId id="271" r:id="rId16"/>
-    <p:sldId id="272" r:id="rId17"/>
-    <p:sldId id="273" r:id="rId18"/>
-    <p:sldId id="274" r:id="rId19"/>
-    <p:sldId id="275" r:id="rId20"/>
-    <p:sldId id="277" r:id="rId21"/>
+    <p:sldId id="287" r:id="rId13"/>
+    <p:sldId id="286" r:id="rId14"/>
+    <p:sldId id="279" r:id="rId15"/>
+    <p:sldId id="270" r:id="rId16"/>
+    <p:sldId id="271" r:id="rId17"/>
+    <p:sldId id="272" r:id="rId18"/>
+    <p:sldId id="273" r:id="rId19"/>
+    <p:sldId id="274" r:id="rId20"/>
+    <p:sldId id="275" r:id="rId21"/>
+    <p:sldId id="277" r:id="rId22"/>
   </p:sldIdLst>
   <p:sldSz cx="9144000" cy="6858000" type="screen4x3"/>
   <p:notesSz cx="6858000" cy="9144000"/>
@@ -307,7 +308,7 @@
           <a:p>
             <a:fld id="{63B30FCC-466E-4632-B112-2BFB79D3226B}" type="datetimeFigureOut">
               <a:rPr lang="en-US" smtClean="0"/>
-              <a:t>4/13/2015</a:t>
+              <a:t>4/14/2015</a:t>
             </a:fld>
             <a:endParaRPr lang="en-US"/>
           </a:p>
@@ -477,7 +478,7 @@
           <a:p>
             <a:fld id="{63B30FCC-466E-4632-B112-2BFB79D3226B}" type="datetimeFigureOut">
               <a:rPr lang="en-US" smtClean="0"/>
-              <a:t>4/13/2015</a:t>
+              <a:t>4/14/2015</a:t>
             </a:fld>
             <a:endParaRPr lang="en-US"/>
           </a:p>
@@ -657,7 +658,7 @@
           <a:p>
             <a:fld id="{63B30FCC-466E-4632-B112-2BFB79D3226B}" type="datetimeFigureOut">
               <a:rPr lang="en-US" smtClean="0"/>
-              <a:t>4/13/2015</a:t>
+              <a:t>4/14/2015</a:t>
             </a:fld>
             <a:endParaRPr lang="en-US"/>
           </a:p>
@@ -827,7 +828,7 @@
           <a:p>
             <a:fld id="{63B30FCC-466E-4632-B112-2BFB79D3226B}" type="datetimeFigureOut">
               <a:rPr lang="en-US" smtClean="0"/>
-              <a:t>4/13/2015</a:t>
+              <a:t>4/14/2015</a:t>
             </a:fld>
             <a:endParaRPr lang="en-US"/>
           </a:p>
@@ -1073,7 +1074,7 @@
           <a:p>
             <a:fld id="{63B30FCC-466E-4632-B112-2BFB79D3226B}" type="datetimeFigureOut">
               <a:rPr lang="en-US" smtClean="0"/>
-              <a:t>4/13/2015</a:t>
+              <a:t>4/14/2015</a:t>
             </a:fld>
             <a:endParaRPr lang="en-US"/>
           </a:p>
@@ -1361,7 +1362,7 @@
           <a:p>
             <a:fld id="{63B30FCC-466E-4632-B112-2BFB79D3226B}" type="datetimeFigureOut">
               <a:rPr lang="en-US" smtClean="0"/>
-              <a:t>4/13/2015</a:t>
+              <a:t>4/14/2015</a:t>
             </a:fld>
             <a:endParaRPr lang="en-US"/>
           </a:p>
@@ -1783,7 +1784,7 @@
           <a:p>
             <a:fld id="{63B30FCC-466E-4632-B112-2BFB79D3226B}" type="datetimeFigureOut">
               <a:rPr lang="en-US" smtClean="0"/>
-              <a:t>4/13/2015</a:t>
+              <a:t>4/14/2015</a:t>
             </a:fld>
             <a:endParaRPr lang="en-US"/>
           </a:p>
@@ -1901,7 +1902,7 @@
           <a:p>
             <a:fld id="{63B30FCC-466E-4632-B112-2BFB79D3226B}" type="datetimeFigureOut">
               <a:rPr lang="en-US" smtClean="0"/>
-              <a:t>4/13/2015</a:t>
+              <a:t>4/14/2015</a:t>
             </a:fld>
             <a:endParaRPr lang="en-US"/>
           </a:p>
@@ -1996,7 +1997,7 @@
           <a:p>
             <a:fld id="{63B30FCC-466E-4632-B112-2BFB79D3226B}" type="datetimeFigureOut">
               <a:rPr lang="en-US" smtClean="0"/>
-              <a:t>4/13/2015</a:t>
+              <a:t>4/14/2015</a:t>
             </a:fld>
             <a:endParaRPr lang="en-US"/>
           </a:p>
@@ -2273,7 +2274,7 @@
           <a:p>
             <a:fld id="{63B30FCC-466E-4632-B112-2BFB79D3226B}" type="datetimeFigureOut">
               <a:rPr lang="en-US" smtClean="0"/>
-              <a:t>4/13/2015</a:t>
+              <a:t>4/14/2015</a:t>
             </a:fld>
             <a:endParaRPr lang="en-US"/>
           </a:p>
@@ -2526,7 +2527,7 @@
           <a:p>
             <a:fld id="{63B30FCC-466E-4632-B112-2BFB79D3226B}" type="datetimeFigureOut">
               <a:rPr lang="en-US" smtClean="0"/>
-              <a:t>4/13/2015</a:t>
+              <a:t>4/14/2015</a:t>
             </a:fld>
             <a:endParaRPr lang="en-US"/>
           </a:p>
@@ -2739,7 +2740,7 @@
           <a:p>
             <a:fld id="{63B30FCC-466E-4632-B112-2BFB79D3226B}" type="datetimeFigureOut">
               <a:rPr lang="en-US" smtClean="0"/>
-              <a:t>4/13/2015</a:t>
+              <a:t>4/14/2015</a:t>
             </a:fld>
             <a:endParaRPr lang="en-US"/>
           </a:p>
@@ -3182,15 +3183,33 @@
             <a:pPr algn="r"/>
             <a:r>
               <a:rPr lang="ru-RU" dirty="0" smtClean="0"/>
-              <a:t>Научные руководители:</a:t>
-            </a:r>
+              <a:t>Научные </a:t>
+            </a:r>
+            <a:r>
+              <a:rPr lang="ru-RU" dirty="0" smtClean="0"/>
+              <a:t>руководители:</a:t>
+            </a:r>
+            <a:endParaRPr lang="en-US" dirty="0" smtClean="0"/>
           </a:p>
           <a:p>
             <a:pPr algn="r"/>
             <a:r>
               <a:rPr lang="ru-RU" dirty="0" smtClean="0"/>
-              <a:t>Царёв Дмитрий Владимирович</a:t>
-            </a:r>
+              <a:t>Петровский М.И.</a:t>
+            </a:r>
+            <a:endParaRPr lang="ru-RU" dirty="0" smtClean="0"/>
+          </a:p>
+          <a:p>
+            <a:pPr algn="r"/>
+            <a:r>
+              <a:rPr lang="ru-RU" dirty="0" smtClean="0"/>
+              <a:t>Царёв </a:t>
+            </a:r>
+            <a:r>
+              <a:rPr lang="ru-RU" dirty="0" smtClean="0"/>
+              <a:t>Д.В.</a:t>
+            </a:r>
+            <a:endParaRPr lang="ru-RU" dirty="0" smtClean="0"/>
           </a:p>
         </p:txBody>
       </p:sp>
@@ -3460,8 +3479,13 @@
             <a:pPr marL="742950" lvl="2" indent="-342900"/>
             <a:r>
               <a:rPr lang="ru-RU" dirty="0" smtClean="0"/>
-              <a:t>Подход требует решения двух задач, что зачастую приводит к высокой вычислительной сложности</a:t>
-            </a:r>
+              <a:t>Высокая </a:t>
+            </a:r>
+            <a:r>
+              <a:rPr lang="ru-RU" smtClean="0"/>
+              <a:t>вычислительная сложность</a:t>
+            </a:r>
+            <a:endParaRPr lang="ru-RU" dirty="0" smtClean="0"/>
           </a:p>
           <a:p>
             <a:pPr marL="742950" lvl="2" indent="-342900"/>
@@ -3519,15 +3543,15 @@
         <p:spPr/>
         <p:txBody>
           <a:bodyPr>
-            <a:normAutofit fontScale="90000"/>
+            <a:noAutofit/>
           </a:bodyPr>
           <a:lstStyle/>
           <a:p>
             <a:r>
-              <a:rPr lang="ru-RU" dirty="0" smtClean="0"/>
-              <a:t>Модуль многотемной классификации</a:t>
-            </a:r>
-            <a:endParaRPr lang="en-US" dirty="0"/>
+              <a:rPr lang="ru-RU" sz="3600" dirty="0" smtClean="0"/>
+              <a:t>Метод многотемной классификации на основе подхода попарных сравнений</a:t>
+            </a:r>
+            <a:endParaRPr lang="en-US" sz="3600" dirty="0"/>
           </a:p>
         </p:txBody>
       </p:sp>
@@ -3543,80 +3567,72 @@
         </p:nvSpPr>
         <p:spPr>
           <a:xfrm>
-            <a:off x="381000" y="1655763"/>
-            <a:ext cx="8229600" cy="2230437"/>
+            <a:off x="457200" y="1600200"/>
+            <a:ext cx="4834880" cy="4997152"/>
           </a:xfrm>
         </p:spPr>
         <p:txBody>
           <a:bodyPr>
-            <a:normAutofit fontScale="62500" lnSpcReduction="20000"/>
+            <a:normAutofit fontScale="70000" lnSpcReduction="20000"/>
           </a:bodyPr>
           <a:lstStyle/>
           <a:p>
-            <a:r>
-              <a:rPr lang="ru-RU" dirty="0" smtClean="0"/>
-              <a:t>Ни один из рассмотренных в обзоре методов не удовлетворяет требованиям, сформулированным в постановке </a:t>
-            </a:r>
-            <a:r>
-              <a:rPr lang="ru-RU" dirty="0" smtClean="0"/>
-              <a:t>задачи, поэтому д</a:t>
-            </a:r>
-            <a:r>
-              <a:rPr lang="ru-RU" dirty="0" smtClean="0"/>
-              <a:t>ля </a:t>
-            </a:r>
-            <a:r>
-              <a:rPr lang="ru-RU" dirty="0"/>
-              <a:t>решения задачи был выбран модуль</a:t>
-            </a:r>
-            <a:r>
-              <a:rPr lang="en-US" dirty="0"/>
-              <a:t> </a:t>
-            </a:r>
-            <a:r>
-              <a:rPr lang="ru-RU" dirty="0"/>
-              <a:t>многотемной </a:t>
-            </a:r>
-            <a:r>
-              <a:rPr lang="ru-RU" dirty="0" smtClean="0"/>
-              <a:t>классификации </a:t>
-            </a:r>
-            <a:r>
-              <a:rPr lang="ru-RU" dirty="0"/>
-              <a:t>на основе подхода попарных сравнений</a:t>
-            </a:r>
-            <a:r>
-              <a:rPr lang="ru-RU" dirty="0" smtClean="0"/>
-              <a:t>, </a:t>
-            </a:r>
-            <a:r>
-              <a:rPr lang="ru-RU" dirty="0"/>
-              <a:t>разработанный в лаборатории Технологий </a:t>
-            </a:r>
-            <a:r>
-              <a:rPr lang="ru-RU" dirty="0" smtClean="0"/>
-              <a:t>Программирования</a:t>
-            </a:r>
-            <a:r>
-              <a:rPr lang="ru-RU" dirty="0"/>
-              <a:t>:</a:t>
-            </a:r>
-            <a:endParaRPr lang="en-US" dirty="0"/>
+            <a:pPr marL="0" indent="0">
+              <a:buNone/>
+            </a:pPr>
+            <a:r>
+              <a:rPr lang="ru-RU" dirty="0" smtClean="0"/>
+              <a:t>Метод, разработанный в лаборатории Технологий Программирования:</a:t>
+            </a:r>
           </a:p>
           <a:p>
             <a:pPr lvl="1"/>
             <a:r>
               <a:rPr lang="ru-RU" dirty="0" smtClean="0"/>
-              <a:t>Использование методов машинного обучение с возможностью дообучения, удаления и добавления тематик</a:t>
+              <a:t>Основан на подходе декомпозиции на бинарные подпроблемы</a:t>
             </a:r>
           </a:p>
           <a:p>
             <a:pPr lvl="1"/>
             <a:r>
               <a:rPr lang="ru-RU" dirty="0" smtClean="0"/>
+              <a:t>Декомпозиция «каждый-против-каждого»</a:t>
+            </a:r>
+          </a:p>
+          <a:p>
+            <a:pPr lvl="2"/>
+            <a:r>
+              <a:rPr lang="ru-RU" dirty="0" smtClean="0"/>
+              <a:t>Повышение качества классификации</a:t>
+            </a:r>
+          </a:p>
+          <a:p>
+            <a:pPr lvl="2"/>
+            <a:r>
+              <a:rPr lang="ru-RU" dirty="0" smtClean="0"/>
+              <a:t>Уменьшения размера каждой из бинарных проблем по сравнению с традиционным подходом</a:t>
+            </a:r>
+          </a:p>
+          <a:p>
+            <a:pPr lvl="1"/>
+            <a:r>
+              <a:rPr lang="ru-RU" dirty="0" smtClean="0"/>
+              <a:t>Уменьшение пространства, в котором ищется пороговая функция</a:t>
+            </a:r>
+          </a:p>
+          <a:p>
+            <a:pPr lvl="2"/>
+            <a:r>
+              <a:rPr lang="ru-RU" dirty="0" smtClean="0"/>
+              <a:t>Меньшая вычислительная сложность по сравнению с традиционным подходом</a:t>
+            </a:r>
+          </a:p>
+          <a:p>
+            <a:pPr lvl="1"/>
+            <a:r>
+              <a:rPr lang="ru-RU" dirty="0" smtClean="0"/>
               <a:t>Метод ранжирования для существенно пересекающихся классов</a:t>
             </a:r>
-            <a:endParaRPr lang="en-US" dirty="0" smtClean="0"/>
           </a:p>
           <a:p>
             <a:pPr lvl="1"/>
@@ -3624,13 +3640,13 @@
           </a:p>
           <a:p>
             <a:pPr lvl="1"/>
-            <a:endParaRPr lang="ru-RU" dirty="0"/>
+            <a:endParaRPr lang="en-US" dirty="0"/>
           </a:p>
         </p:txBody>
       </p:sp>
       <p:pic>
         <p:nvPicPr>
-          <p:cNvPr id="3074" name="Picture 2"/>
+          <p:cNvPr id="4" name="Picture 2"/>
           <p:cNvPicPr>
             <a:picLocks noChangeAspect="1" noChangeArrowheads="1"/>
           </p:cNvPicPr>
@@ -3651,8 +3667,8 @@
         </p:blipFill>
         <p:spPr bwMode="auto">
           <a:xfrm>
-            <a:off x="1828800" y="3733800"/>
-            <a:ext cx="5178879" cy="2915104"/>
+            <a:off x="5153537" y="2317408"/>
+            <a:ext cx="4019855" cy="2915104"/>
           </a:xfrm>
           <a:prstGeom prst="rect">
             <a:avLst/>
@@ -3695,7 +3711,7 @@
     </p:spTree>
     <p:extLst>
       <p:ext uri="{BB962C8B-B14F-4D97-AF65-F5344CB8AC3E}">
-        <p14:creationId xmlns:p14="http://schemas.microsoft.com/office/powerpoint/2010/main" val="4044326622"/>
+        <p14:creationId xmlns:p14="http://schemas.microsoft.com/office/powerpoint/2010/main" val="364670695"/>
       </p:ext>
     </p:extLst>
   </p:cSld>
@@ -3740,8 +3756,8 @@
           <a:lstStyle/>
           <a:p>
             <a:r>
-              <a:rPr lang="ru-RU" dirty="0"/>
-              <a:t>Исследование и построение решения</a:t>
+              <a:rPr lang="ru-RU" dirty="0" smtClean="0"/>
+              <a:t>Выводы из обзора методов многотемной классификации</a:t>
             </a:r>
             <a:endParaRPr lang="en-US" dirty="0"/>
           </a:p>
@@ -3757,87 +3773,261 @@
             <p:ph idx="1"/>
           </p:nvPr>
         </p:nvSpPr>
-        <p:spPr/>
+        <p:spPr>
+          <a:xfrm>
+            <a:off x="539552" y="5661248"/>
+            <a:ext cx="8229600" cy="896963"/>
+          </a:xfrm>
+        </p:spPr>
         <p:txBody>
           <a:bodyPr>
-            <a:normAutofit fontScale="85000" lnSpcReduction="20000"/>
+            <a:normAutofit fontScale="55000" lnSpcReduction="20000"/>
           </a:bodyPr>
           <a:lstStyle/>
           <a:p>
             <a:r>
               <a:rPr lang="ru-RU" dirty="0" smtClean="0"/>
-              <a:t>Реализовать систему сбора и многотемной классификации, состоящую из</a:t>
-            </a:r>
-          </a:p>
-          <a:p>
-            <a:pPr lvl="1"/>
-            <a:r>
-              <a:rPr lang="ru-RU" dirty="0" smtClean="0"/>
-              <a:t>Агента мониторинга</a:t>
-            </a:r>
-          </a:p>
-          <a:p>
-            <a:pPr lvl="2"/>
-            <a:r>
-              <a:rPr lang="ru-RU" dirty="0" smtClean="0"/>
-              <a:t>Сохранение просмотренных пользователем веб-страниц в локальную файловую систему</a:t>
-            </a:r>
-          </a:p>
-          <a:p>
-            <a:pPr lvl="2"/>
-            <a:r>
-              <a:rPr lang="ru-RU" dirty="0" smtClean="0"/>
-              <a:t>Передача данных агенту консолидации</a:t>
-            </a:r>
-          </a:p>
-          <a:p>
-            <a:pPr lvl="1"/>
-            <a:r>
-              <a:rPr lang="ru-RU" dirty="0" smtClean="0"/>
-              <a:t>Агента консолидации</a:t>
-            </a:r>
-          </a:p>
-          <a:p>
-            <a:pPr lvl="2"/>
-            <a:r>
-              <a:rPr lang="ru-RU" dirty="0" smtClean="0"/>
-              <a:t>Сбор данных от агентов мониторинга</a:t>
-            </a:r>
-          </a:p>
-          <a:p>
-            <a:pPr lvl="2"/>
-            <a:r>
-              <a:rPr lang="ru-RU" dirty="0" smtClean="0"/>
-              <a:t>Сохранение в единую базу данных</a:t>
-            </a:r>
-          </a:p>
-          <a:p>
-            <a:pPr lvl="1"/>
-            <a:r>
-              <a:rPr lang="ru-RU" dirty="0" smtClean="0"/>
-              <a:t>Модуля классификации</a:t>
-            </a:r>
-          </a:p>
-          <a:p>
-            <a:pPr lvl="2"/>
-            <a:r>
-              <a:rPr lang="ru-RU" dirty="0" smtClean="0"/>
-              <a:t>Обучение на тренировочном наборе, с возможностью дообучения</a:t>
-            </a:r>
-          </a:p>
-          <a:p>
-            <a:pPr lvl="2"/>
-            <a:r>
-              <a:rPr lang="ru-RU" dirty="0" smtClean="0"/>
-              <a:t>Предобработка и классификация веб-страниц, хранящихся в базе данных</a:t>
-            </a:r>
-          </a:p>
-        </p:txBody>
-      </p:sp>
+              <a:t>Так как ни один из традиционных подходов не удовлетворяет требованиям, то был выбран метод, разработанный в лаборатории Технологий Программирования, отвечающий всем поставленным требованиям</a:t>
+            </a:r>
+            <a:endParaRPr lang="en-US" dirty="0"/>
+          </a:p>
+        </p:txBody>
+      </p:sp>
+      <p:graphicFrame>
+        <p:nvGraphicFramePr>
+          <p:cNvPr id="6" name="Объект 5"/>
+          <p:cNvGraphicFramePr>
+            <a:graphicFrameLocks/>
+          </p:cNvGraphicFramePr>
+          <p:nvPr>
+            <p:extLst>
+              <p:ext uri="{D42A27DB-BD31-4B8C-83A1-F6EECF244321}">
+                <p14:modId xmlns:p14="http://schemas.microsoft.com/office/powerpoint/2010/main" val="2065490268"/>
+              </p:ext>
+            </p:extLst>
+          </p:nvPr>
+        </p:nvGraphicFramePr>
+        <p:xfrm>
+          <a:off x="683568" y="1628800"/>
+          <a:ext cx="7848872" cy="4016764"/>
+        </p:xfrm>
+        <a:graphic>
+          <a:graphicData uri="http://schemas.openxmlformats.org/drawingml/2006/table">
+            <a:tbl>
+              <a:tblPr firstRow="1" bandRow="1">
+                <a:tableStyleId>{5C22544A-7EE6-4342-B048-85BDC9FD1C3A}</a:tableStyleId>
+              </a:tblPr>
+              <a:tblGrid>
+                <a:gridCol w="2829165"/>
+                <a:gridCol w="5019707"/>
+              </a:tblGrid>
+              <a:tr h="450604">
+                <a:tc>
+                  <a:txBody>
+                    <a:bodyPr/>
+                    <a:lstStyle/>
+                    <a:p>
+                      <a:r>
+                        <a:rPr lang="ru-RU" dirty="0" smtClean="0"/>
+                        <a:t>Подход</a:t>
+                      </a:r>
+                      <a:r>
+                        <a:rPr lang="ru-RU" baseline="0" dirty="0" smtClean="0"/>
+                        <a:t> к классификации</a:t>
+                      </a:r>
+                      <a:endParaRPr lang="en-US" dirty="0"/>
+                    </a:p>
+                  </a:txBody>
+                  <a:tcPr/>
+                </a:tc>
+                <a:tc>
+                  <a:txBody>
+                    <a:bodyPr/>
+                    <a:lstStyle/>
+                    <a:p>
+                      <a:r>
+                        <a:rPr lang="ru-RU" dirty="0" smtClean="0"/>
+                        <a:t>Недостатки</a:t>
+                      </a:r>
+                      <a:endParaRPr lang="en-US" dirty="0"/>
+                    </a:p>
+                  </a:txBody>
+                  <a:tcPr/>
+                </a:tc>
+              </a:tr>
+              <a:tr h="1277588">
+                <a:tc>
+                  <a:txBody>
+                    <a:bodyPr/>
+                    <a:lstStyle/>
+                    <a:p>
+                      <a:pPr lvl="1"/>
+                      <a:r>
+                        <a:rPr lang="ru-RU" dirty="0" smtClean="0"/>
+                        <a:t>Оптимизационный подход</a:t>
+                      </a:r>
+                    </a:p>
+                  </a:txBody>
+                  <a:tcPr/>
+                </a:tc>
+                <a:tc>
+                  <a:txBody>
+                    <a:bodyPr/>
+                    <a:lstStyle/>
+                    <a:p>
+                      <a:pPr marL="285750" indent="-285750">
+                        <a:buFont typeface="Arial" pitchFamily="34" charset="0"/>
+                        <a:buChar char="•"/>
+                      </a:pPr>
+                      <a:r>
+                        <a:rPr lang="ru-RU" dirty="0" smtClean="0"/>
+                        <a:t>Нет возможности</a:t>
+                      </a:r>
+                      <a:r>
+                        <a:rPr lang="ru-RU" baseline="0" dirty="0" smtClean="0"/>
+                        <a:t> дообучения</a:t>
+                      </a:r>
+                    </a:p>
+                    <a:p>
+                      <a:pPr marL="285750" indent="-285750">
+                        <a:buFont typeface="Arial" pitchFamily="34" charset="0"/>
+                        <a:buChar char="•"/>
+                      </a:pPr>
+                      <a:r>
+                        <a:rPr lang="ru-RU" baseline="0" dirty="0" smtClean="0"/>
+                        <a:t>Большие затраты памяти</a:t>
+                      </a:r>
+                    </a:p>
+                    <a:p>
+                      <a:pPr marL="285750" indent="-285750">
+                        <a:buFont typeface="Arial" pitchFamily="34" charset="0"/>
+                        <a:buChar char="•"/>
+                      </a:pPr>
+                      <a:r>
+                        <a:rPr lang="ru-RU" baseline="0" dirty="0" smtClean="0"/>
+                        <a:t>Нет возможности удаления и добавления классов</a:t>
+                      </a:r>
+                    </a:p>
+                    <a:p>
+                      <a:pPr marL="285750" indent="-285750">
+                        <a:buFont typeface="Arial" pitchFamily="34" charset="0"/>
+                        <a:buChar char="•"/>
+                      </a:pPr>
+                      <a:endParaRPr lang="en-US" dirty="0"/>
+                    </a:p>
+                  </a:txBody>
+                  <a:tcPr/>
+                </a:tc>
+              </a:tr>
+              <a:tr h="836837">
+                <a:tc>
+                  <a:txBody>
+                    <a:bodyPr/>
+                    <a:lstStyle/>
+                    <a:p>
+                      <a:pPr lvl="1"/>
+                      <a:r>
+                        <a:rPr lang="ru-RU" dirty="0" smtClean="0"/>
+                        <a:t>Подход на основе декомпозиции в набор независимых бинарных проблем </a:t>
+                      </a:r>
+                    </a:p>
+                  </a:txBody>
+                  <a:tcPr/>
+                </a:tc>
+                <a:tc>
+                  <a:txBody>
+                    <a:bodyPr/>
+                    <a:lstStyle/>
+                    <a:p>
+                      <a:pPr marL="285750" indent="-285750">
+                        <a:buFont typeface="Arial" pitchFamily="34" charset="0"/>
+                        <a:buChar char="•"/>
+                      </a:pPr>
+                      <a:r>
+                        <a:rPr lang="ru-RU" dirty="0" smtClean="0"/>
+                        <a:t>Нет</a:t>
+                      </a:r>
+                      <a:r>
+                        <a:rPr lang="ru-RU" baseline="0" dirty="0" smtClean="0"/>
+                        <a:t> учета корреляции между классами</a:t>
+                      </a:r>
+                    </a:p>
+                    <a:p>
+                      <a:pPr marL="285750" indent="-285750">
+                        <a:buFont typeface="Arial" pitchFamily="34" charset="0"/>
+                        <a:buChar char="•"/>
+                      </a:pPr>
+                      <a:r>
+                        <a:rPr lang="ru-RU" baseline="0" dirty="0" smtClean="0"/>
+                        <a:t>Высокая вычислительная сложность</a:t>
+                      </a:r>
+                      <a:endParaRPr lang="en-US" dirty="0"/>
+                    </a:p>
+                  </a:txBody>
+                  <a:tcPr/>
+                </a:tc>
+              </a:tr>
+              <a:tr h="643720">
+                <a:tc>
+                  <a:txBody>
+                    <a:bodyPr/>
+                    <a:lstStyle/>
+                    <a:p>
+                      <a:pPr lvl="1"/>
+                      <a:r>
+                        <a:rPr lang="ru-RU" dirty="0" smtClean="0"/>
+                        <a:t>Подход на основе ранжирования</a:t>
+                      </a:r>
+                    </a:p>
+                    <a:p>
+                      <a:endParaRPr lang="en-US" dirty="0"/>
+                    </a:p>
+                  </a:txBody>
+                  <a:tcPr/>
+                </a:tc>
+                <a:tc>
+                  <a:txBody>
+                    <a:bodyPr/>
+                    <a:lstStyle/>
+                    <a:p>
+                      <a:pPr marL="285750" indent="-285750">
+                        <a:buFont typeface="Arial" pitchFamily="34" charset="0"/>
+                        <a:buChar char="•"/>
+                      </a:pPr>
+                      <a:r>
+                        <a:rPr lang="ru-RU" baseline="0" dirty="0" smtClean="0"/>
+                        <a:t>Высокая вычислительная сложность</a:t>
+                      </a:r>
+                    </a:p>
+                    <a:p>
+                      <a:pPr marL="285750" indent="-285750">
+                        <a:buFont typeface="Arial" pitchFamily="34" charset="0"/>
+                        <a:buChar char="•"/>
+                      </a:pPr>
+                      <a:r>
+                        <a:rPr lang="ru-RU" baseline="0" dirty="0" smtClean="0"/>
+                        <a:t>Нет возможности дообучения</a:t>
+                      </a:r>
+                    </a:p>
+                    <a:p>
+                      <a:pPr marL="285750" indent="-285750">
+                        <a:buFont typeface="Arial" pitchFamily="34" charset="0"/>
+                        <a:buChar char="•"/>
+                      </a:pPr>
+                      <a:endParaRPr lang="en-US" dirty="0"/>
+                    </a:p>
+                  </a:txBody>
+                  <a:tcPr/>
+                </a:tc>
+              </a:tr>
+            </a:tbl>
+          </a:graphicData>
+        </a:graphic>
+      </p:graphicFrame>
     </p:spTree>
     <p:extLst>
       <p:ext uri="{BB962C8B-B14F-4D97-AF65-F5344CB8AC3E}">
-        <p14:creationId xmlns:p14="http://schemas.microsoft.com/office/powerpoint/2010/main" val="3005193644"/>
+        <p14:creationId xmlns:p14="http://schemas.microsoft.com/office/powerpoint/2010/main" val="2739718834"/>
       </p:ext>
     </p:extLst>
   </p:cSld>
@@ -3882,6 +4072,172 @@
           <a:lstStyle/>
           <a:p>
             <a:r>
+              <a:rPr lang="ru-RU" dirty="0"/>
+              <a:t>Исследование и построение решения</a:t>
+            </a:r>
+            <a:endParaRPr lang="en-US" dirty="0"/>
+          </a:p>
+        </p:txBody>
+      </p:sp>
+      <p:sp>
+        <p:nvSpPr>
+          <p:cNvPr id="3" name="Объект 2"/>
+          <p:cNvSpPr>
+            <a:spLocks noGrp="1"/>
+          </p:cNvSpPr>
+          <p:nvPr>
+            <p:ph idx="1"/>
+          </p:nvPr>
+        </p:nvSpPr>
+        <p:spPr/>
+        <p:txBody>
+          <a:bodyPr>
+            <a:normAutofit fontScale="85000" lnSpcReduction="20000"/>
+          </a:bodyPr>
+          <a:lstStyle/>
+          <a:p>
+            <a:r>
+              <a:rPr lang="ru-RU" dirty="0" smtClean="0"/>
+              <a:t>Реализовать </a:t>
+            </a:r>
+            <a:r>
+              <a:rPr lang="ru-RU" dirty="0" smtClean="0"/>
+              <a:t>прототип системы многотемной классификации веб-страниц, </a:t>
+            </a:r>
+            <a:r>
+              <a:rPr lang="ru-RU" dirty="0" smtClean="0"/>
+              <a:t>состоящую из</a:t>
+            </a:r>
+          </a:p>
+          <a:p>
+            <a:pPr lvl="1"/>
+            <a:r>
+              <a:rPr lang="ru-RU" dirty="0" smtClean="0"/>
+              <a:t>Системы сбора</a:t>
+            </a:r>
+          </a:p>
+          <a:p>
+            <a:pPr lvl="2"/>
+            <a:r>
+              <a:rPr lang="ru-RU" dirty="0" smtClean="0"/>
+              <a:t>Агент мониторинга</a:t>
+            </a:r>
+            <a:endParaRPr lang="ru-RU" dirty="0" smtClean="0"/>
+          </a:p>
+          <a:p>
+            <a:pPr lvl="3"/>
+            <a:r>
+              <a:rPr lang="ru-RU" dirty="0" smtClean="0"/>
+              <a:t>Сохранение просмотренных пользователем веб-страниц в локальную файловую систему</a:t>
+            </a:r>
+          </a:p>
+          <a:p>
+            <a:pPr lvl="3"/>
+            <a:r>
+              <a:rPr lang="ru-RU" dirty="0" smtClean="0"/>
+              <a:t>Передача данных агенту </a:t>
+            </a:r>
+            <a:r>
+              <a:rPr lang="ru-RU" dirty="0" smtClean="0"/>
+              <a:t>консолидации</a:t>
+            </a:r>
+          </a:p>
+          <a:p>
+            <a:pPr lvl="2"/>
+            <a:r>
+              <a:rPr lang="ru-RU" dirty="0" smtClean="0"/>
+              <a:t>Агент </a:t>
+            </a:r>
+            <a:r>
+              <a:rPr lang="ru-RU" dirty="0" smtClean="0"/>
+              <a:t>консолидации</a:t>
+            </a:r>
+          </a:p>
+          <a:p>
+            <a:pPr lvl="3"/>
+            <a:r>
+              <a:rPr lang="ru-RU" dirty="0" smtClean="0"/>
+              <a:t>Сбор данных от агентов мониторинга</a:t>
+            </a:r>
+          </a:p>
+          <a:p>
+            <a:pPr lvl="3"/>
+            <a:r>
+              <a:rPr lang="ru-RU" dirty="0" smtClean="0"/>
+              <a:t>Сохранение в единую базу данных</a:t>
+            </a:r>
+          </a:p>
+          <a:p>
+            <a:pPr lvl="1"/>
+            <a:r>
+              <a:rPr lang="ru-RU" dirty="0" smtClean="0"/>
+              <a:t>Модуля классификации</a:t>
+            </a:r>
+          </a:p>
+          <a:p>
+            <a:pPr lvl="2"/>
+            <a:r>
+              <a:rPr lang="ru-RU" dirty="0" smtClean="0"/>
+              <a:t>Обучение на тренировочном наборе, с возможностью дообучения</a:t>
+            </a:r>
+          </a:p>
+          <a:p>
+            <a:pPr lvl="2"/>
+            <a:r>
+              <a:rPr lang="ru-RU" dirty="0" smtClean="0"/>
+              <a:t>Предобработка и классификация веб-страниц, хранящихся в базе данных</a:t>
+            </a:r>
+          </a:p>
+        </p:txBody>
+      </p:sp>
+    </p:spTree>
+    <p:extLst>
+      <p:ext uri="{BB962C8B-B14F-4D97-AF65-F5344CB8AC3E}">
+        <p14:creationId xmlns:p14="http://schemas.microsoft.com/office/powerpoint/2010/main" val="3005193644"/>
+      </p:ext>
+    </p:extLst>
+  </p:cSld>
+  <p:clrMapOvr>
+    <a:masterClrMapping/>
+  </p:clrMapOvr>
+</p:sld>
+</file>
+
+<file path=ppt/slides/slide15.xml><?xml version="1.0" encoding="utf-8"?>
+<p:sld xmlns:a="http://schemas.openxmlformats.org/drawingml/2006/main" xmlns:r="http://schemas.openxmlformats.org/officeDocument/2006/relationships" xmlns:p="http://schemas.openxmlformats.org/presentationml/2006/main">
+  <p:cSld>
+    <p:spTree>
+      <p:nvGrpSpPr>
+        <p:cNvPr id="1" name=""/>
+        <p:cNvGrpSpPr/>
+        <p:nvPr/>
+      </p:nvGrpSpPr>
+      <p:grpSpPr>
+        <a:xfrm>
+          <a:off x="0" y="0"/>
+          <a:ext cx="0" cy="0"/>
+          <a:chOff x="0" y="0"/>
+          <a:chExt cx="0" cy="0"/>
+        </a:xfrm>
+      </p:grpSpPr>
+      <p:sp>
+        <p:nvSpPr>
+          <p:cNvPr id="2" name="Заголовок 1"/>
+          <p:cNvSpPr>
+            <a:spLocks noGrp="1"/>
+          </p:cNvSpPr>
+          <p:nvPr>
+            <p:ph type="title"/>
+          </p:nvPr>
+        </p:nvSpPr>
+        <p:spPr/>
+        <p:txBody>
+          <a:bodyPr>
+            <a:normAutofit fontScale="90000"/>
+          </a:bodyPr>
+          <a:lstStyle/>
+          <a:p>
+            <a:r>
               <a:rPr lang="ru-RU" dirty="0" smtClean="0"/>
               <a:t>Предложенное решение: агент мониторинга</a:t>
             </a:r>
@@ -3901,8 +4257,8 @@
         </p:nvSpPr>
         <p:spPr>
           <a:xfrm>
-            <a:off x="228600" y="1752600"/>
-            <a:ext cx="3352800" cy="4484712"/>
+            <a:off x="-13522" y="1666884"/>
+            <a:ext cx="3911352" cy="5204792"/>
           </a:xfrm>
         </p:spPr>
         <p:txBody>
@@ -3944,16 +4300,24 @@
             <a:pPr lvl="2"/>
             <a:r>
               <a:rPr lang="ru-RU" dirty="0" smtClean="0"/>
-              <a:t>При работе не происходит обработки данных, поэтому расширение </a:t>
-            </a:r>
-            <a:r>
-              <a:rPr lang="ru-RU" smtClean="0"/>
-              <a:t>не влияет </a:t>
-            </a:r>
-            <a:r>
-              <a:rPr lang="ru-RU" dirty="0" smtClean="0"/>
-              <a:t>на работу пользователя</a:t>
-            </a:r>
+              <a:t>При работе не происходит обработки данных, поэтому расширение не влияет на работу </a:t>
+            </a:r>
+            <a:r>
+              <a:rPr lang="ru-RU" dirty="0" smtClean="0"/>
+              <a:t>пользователя</a:t>
+            </a:r>
+          </a:p>
+          <a:p>
+            <a:pPr lvl="2"/>
+            <a:r>
+              <a:rPr lang="ru-RU" dirty="0" smtClean="0"/>
+              <a:t>Защищенность данных обеспечивается установлением прав доступа к директории </a:t>
+            </a:r>
+            <a:r>
+              <a:rPr lang="ru-RU" dirty="0" err="1" smtClean="0"/>
+              <a:t>храненения</a:t>
+            </a:r>
+            <a:endParaRPr lang="ru-RU" dirty="0" smtClean="0"/>
           </a:p>
           <a:p>
             <a:pPr lvl="1"/>
@@ -3974,20 +4338,20 @@
           <p:nvPr>
             <p:extLst>
               <p:ext uri="{D42A27DB-BD31-4B8C-83A1-F6EECF244321}">
-                <p14:modId xmlns:p14="http://schemas.microsoft.com/office/powerpoint/2010/main" val="307225984"/>
+                <p14:modId xmlns:p14="http://schemas.microsoft.com/office/powerpoint/2010/main" val="3123262467"/>
               </p:ext>
             </p:extLst>
           </p:nvPr>
         </p:nvGraphicFramePr>
         <p:xfrm>
-          <a:off x="3657600" y="1600200"/>
-          <a:ext cx="5052227" cy="4419600"/>
+          <a:off x="3995936" y="1600200"/>
+          <a:ext cx="4713891" cy="4123629"/>
         </p:xfrm>
         <a:graphic>
           <a:graphicData uri="http://schemas.openxmlformats.org/presentationml/2006/ole">
             <mc:AlternateContent xmlns:mc="http://schemas.openxmlformats.org/markup-compatibility/2006">
               <mc:Choice xmlns:v="urn:schemas-microsoft-com:vml" Requires="v">
-                <p:oleObj spid="_x0000_s1137" name="Acrobat Document" r:id="rId3" imgW="5476473" imgH="4790822" progId="Acrobat.Document.11">
+                <p:oleObj spid="_x0000_s1165" name="Acrobat Document" r:id="rId3" imgW="5476473" imgH="4790822" progId="Acrobat.Document.11">
                   <p:embed/>
                 </p:oleObj>
               </mc:Choice>
@@ -4008,8 +4372,8 @@
                     </p:blipFill>
                     <p:spPr>
                       <a:xfrm>
-                        <a:off x="3657600" y="1600200"/>
-                        <a:ext cx="5052227" cy="4419600"/>
+                        <a:off x="3995936" y="1600200"/>
+                        <a:ext cx="4713891" cy="4123629"/>
                       </a:xfrm>
                       <a:prstGeom prst="rect">
                         <a:avLst/>
@@ -4035,7 +4399,7 @@
 </p:sld>
 </file>
 
-<file path=ppt/slides/slide15.xml><?xml version="1.0" encoding="utf-8"?>
+<file path=ppt/slides/slide16.xml><?xml version="1.0" encoding="utf-8"?>
 <p:sld xmlns:a="http://schemas.openxmlformats.org/drawingml/2006/main" xmlns:r="http://schemas.openxmlformats.org/officeDocument/2006/relationships" xmlns:p="http://schemas.openxmlformats.org/presentationml/2006/main">
   <p:cSld>
     <p:spTree>
@@ -4205,179 +4569,6 @@
 </p:sld>
 </file>
 
-<file path=ppt/slides/slide16.xml><?xml version="1.0" encoding="utf-8"?>
-<p:sld xmlns:a="http://schemas.openxmlformats.org/drawingml/2006/main" xmlns:r="http://schemas.openxmlformats.org/officeDocument/2006/relationships" xmlns:p="http://schemas.openxmlformats.org/presentationml/2006/main">
-  <p:cSld>
-    <p:spTree>
-      <p:nvGrpSpPr>
-        <p:cNvPr id="1" name=""/>
-        <p:cNvGrpSpPr/>
-        <p:nvPr/>
-      </p:nvGrpSpPr>
-      <p:grpSpPr>
-        <a:xfrm>
-          <a:off x="0" y="0"/>
-          <a:ext cx="0" cy="0"/>
-          <a:chOff x="0" y="0"/>
-          <a:chExt cx="0" cy="0"/>
-        </a:xfrm>
-      </p:grpSpPr>
-      <p:sp>
-        <p:nvSpPr>
-          <p:cNvPr id="2" name="Заголовок 1"/>
-          <p:cNvSpPr>
-            <a:spLocks noGrp="1"/>
-          </p:cNvSpPr>
-          <p:nvPr>
-            <p:ph type="title"/>
-          </p:nvPr>
-        </p:nvSpPr>
-        <p:spPr/>
-        <p:txBody>
-          <a:bodyPr>
-            <a:normAutofit fontScale="90000"/>
-          </a:bodyPr>
-          <a:lstStyle/>
-          <a:p>
-            <a:r>
-              <a:rPr lang="ru-RU" dirty="0"/>
-              <a:t>Предложенное решение: </a:t>
-            </a:r>
-            <a:r>
-              <a:rPr lang="ru-RU" dirty="0" smtClean="0"/>
-              <a:t>модуль классификации</a:t>
-            </a:r>
-            <a:endParaRPr lang="en-US" dirty="0"/>
-          </a:p>
-        </p:txBody>
-      </p:sp>
-      <p:sp>
-        <p:nvSpPr>
-          <p:cNvPr id="3" name="Объект 2"/>
-          <p:cNvSpPr>
-            <a:spLocks noGrp="1"/>
-          </p:cNvSpPr>
-          <p:nvPr>
-            <p:ph idx="1"/>
-          </p:nvPr>
-        </p:nvSpPr>
-        <p:spPr/>
-        <p:txBody>
-          <a:bodyPr>
-            <a:normAutofit fontScale="85000" lnSpcReduction="10000"/>
-          </a:bodyPr>
-          <a:lstStyle/>
-          <a:p>
-            <a:r>
-              <a:rPr lang="ru-RU" dirty="0" smtClean="0"/>
-              <a:t>Модуль классификации</a:t>
-            </a:r>
-            <a:endParaRPr lang="en-US" dirty="0" smtClean="0"/>
-          </a:p>
-          <a:p>
-            <a:pPr lvl="1"/>
-            <a:r>
-              <a:rPr lang="ru-RU" dirty="0" smtClean="0"/>
-              <a:t>Обучение</a:t>
-            </a:r>
-            <a:r>
-              <a:rPr lang="ru-RU" dirty="0"/>
-              <a:t> </a:t>
-            </a:r>
-          </a:p>
-          <a:p>
-            <a:pPr lvl="2"/>
-            <a:r>
-              <a:rPr lang="ru-RU" dirty="0"/>
-              <a:t>Построение модели классификации на основе совокупности заранее рубрицированных гипертекстовых </a:t>
-            </a:r>
-            <a:r>
-              <a:rPr lang="ru-RU" dirty="0" smtClean="0"/>
-              <a:t>документов</a:t>
-            </a:r>
-            <a:endParaRPr lang="ru-RU" dirty="0"/>
-          </a:p>
-          <a:p>
-            <a:pPr lvl="1"/>
-            <a:r>
-              <a:rPr lang="ru-RU" dirty="0" smtClean="0"/>
-              <a:t>Классификация</a:t>
-            </a:r>
-            <a:endParaRPr lang="ru-RU" dirty="0"/>
-          </a:p>
-          <a:p>
-            <a:pPr lvl="2"/>
-            <a:r>
-              <a:rPr lang="ru-RU" dirty="0"/>
-              <a:t>Применение построенной модели к новому классифицируемому </a:t>
-            </a:r>
-            <a:r>
-              <a:rPr lang="ru-RU" dirty="0" smtClean="0"/>
-              <a:t>документу</a:t>
-            </a:r>
-            <a:endParaRPr lang="ru-RU" dirty="0"/>
-          </a:p>
-          <a:p>
-            <a:pPr lvl="1"/>
-            <a:r>
-              <a:rPr lang="ru-RU" dirty="0" smtClean="0"/>
-              <a:t>Дообучение</a:t>
-            </a:r>
-            <a:endParaRPr lang="ru-RU" dirty="0"/>
-          </a:p>
-          <a:p>
-            <a:pPr lvl="2"/>
-            <a:r>
-              <a:rPr lang="ru-RU" dirty="0"/>
-              <a:t>Модификация модели классификации на основе дообучения на новых документах с релевантными для них тематиками.</a:t>
-            </a:r>
-          </a:p>
-          <a:p>
-            <a:pPr lvl="1"/>
-            <a:r>
-              <a:rPr lang="ru-RU" dirty="0"/>
-              <a:t>Удаление </a:t>
-            </a:r>
-            <a:r>
-              <a:rPr lang="ru-RU" dirty="0" smtClean="0"/>
-              <a:t>темы</a:t>
-            </a:r>
-            <a:endParaRPr lang="ru-RU" dirty="0"/>
-          </a:p>
-          <a:p>
-            <a:pPr lvl="2"/>
-            <a:r>
-              <a:rPr lang="ru-RU" dirty="0"/>
-              <a:t>Удаление тематики классификации из модели без необходимости последующего обучения "с нуля</a:t>
-            </a:r>
-            <a:r>
-              <a:rPr lang="ru-RU" dirty="0" smtClean="0"/>
-              <a:t>"</a:t>
-            </a:r>
-            <a:endParaRPr lang="ru-RU" dirty="0"/>
-          </a:p>
-          <a:p>
-            <a:pPr lvl="1"/>
-            <a:endParaRPr lang="en-US" dirty="0" smtClean="0"/>
-          </a:p>
-          <a:p>
-            <a:endParaRPr lang="ru-RU" dirty="0" smtClean="0"/>
-          </a:p>
-        </p:txBody>
-      </p:sp>
-    </p:spTree>
-    <p:extLst>
-      <p:ext uri="{BB962C8B-B14F-4D97-AF65-F5344CB8AC3E}">
-        <p14:creationId xmlns:p14="http://schemas.microsoft.com/office/powerpoint/2010/main" val="3477908417"/>
-      </p:ext>
-    </p:extLst>
-  </p:cSld>
-  <p:clrMapOvr>
-    <a:masterClrMapping/>
-  </p:clrMapOvr>
-</p:sld>
-</file>
-
 <file path=ppt/slides/slide17.xml><?xml version="1.0" encoding="utf-8"?>
 <p:sld xmlns:a="http://schemas.openxmlformats.org/drawingml/2006/main" xmlns:r="http://schemas.openxmlformats.org/officeDocument/2006/relationships" xmlns:p="http://schemas.openxmlformats.org/presentationml/2006/main">
   <p:cSld>
@@ -4413,8 +4604,185 @@
           <a:lstStyle/>
           <a:p>
             <a:r>
-              <a:rPr lang="ru-RU" dirty="0" smtClean="0"/>
-              <a:t>Архитектура разработанной системы</a:t>
+              <a:rPr lang="ru-RU" dirty="0"/>
+              <a:t>Предложенное решение: </a:t>
+            </a:r>
+            <a:r>
+              <a:rPr lang="ru-RU" dirty="0" smtClean="0"/>
+              <a:t>модуль классификации</a:t>
+            </a:r>
+            <a:endParaRPr lang="en-US" dirty="0"/>
+          </a:p>
+        </p:txBody>
+      </p:sp>
+      <p:sp>
+        <p:nvSpPr>
+          <p:cNvPr id="3" name="Объект 2"/>
+          <p:cNvSpPr>
+            <a:spLocks noGrp="1"/>
+          </p:cNvSpPr>
+          <p:nvPr>
+            <p:ph idx="1"/>
+          </p:nvPr>
+        </p:nvSpPr>
+        <p:spPr/>
+        <p:txBody>
+          <a:bodyPr>
+            <a:normAutofit fontScale="85000" lnSpcReduction="10000"/>
+          </a:bodyPr>
+          <a:lstStyle/>
+          <a:p>
+            <a:r>
+              <a:rPr lang="ru-RU" dirty="0" smtClean="0"/>
+              <a:t>Модуль классификации</a:t>
+            </a:r>
+            <a:endParaRPr lang="en-US" dirty="0" smtClean="0"/>
+          </a:p>
+          <a:p>
+            <a:pPr lvl="1"/>
+            <a:r>
+              <a:rPr lang="ru-RU" dirty="0" smtClean="0"/>
+              <a:t>Обучение</a:t>
+            </a:r>
+            <a:r>
+              <a:rPr lang="ru-RU" dirty="0"/>
+              <a:t> </a:t>
+            </a:r>
+          </a:p>
+          <a:p>
+            <a:pPr lvl="2"/>
+            <a:r>
+              <a:rPr lang="ru-RU" dirty="0"/>
+              <a:t>Построение модели классификации на основе совокупности заранее рубрицированных гипертекстовых </a:t>
+            </a:r>
+            <a:r>
+              <a:rPr lang="ru-RU" dirty="0" smtClean="0"/>
+              <a:t>документов</a:t>
+            </a:r>
+            <a:endParaRPr lang="ru-RU" dirty="0"/>
+          </a:p>
+          <a:p>
+            <a:pPr lvl="1"/>
+            <a:r>
+              <a:rPr lang="ru-RU" dirty="0" smtClean="0"/>
+              <a:t>Классификация</a:t>
+            </a:r>
+            <a:endParaRPr lang="ru-RU" dirty="0"/>
+          </a:p>
+          <a:p>
+            <a:pPr lvl="2"/>
+            <a:r>
+              <a:rPr lang="ru-RU" dirty="0"/>
+              <a:t>Применение построенной модели к новому классифицируемому </a:t>
+            </a:r>
+            <a:r>
+              <a:rPr lang="ru-RU" dirty="0" smtClean="0"/>
+              <a:t>документу</a:t>
+            </a:r>
+            <a:endParaRPr lang="ru-RU" dirty="0"/>
+          </a:p>
+          <a:p>
+            <a:pPr lvl="1"/>
+            <a:r>
+              <a:rPr lang="ru-RU" dirty="0" smtClean="0"/>
+              <a:t>Дообучение</a:t>
+            </a:r>
+            <a:endParaRPr lang="ru-RU" dirty="0"/>
+          </a:p>
+          <a:p>
+            <a:pPr lvl="2"/>
+            <a:r>
+              <a:rPr lang="ru-RU" dirty="0"/>
+              <a:t>Модификация модели классификации на основе дообучения на новых документах с релевантными для них тематиками.</a:t>
+            </a:r>
+          </a:p>
+          <a:p>
+            <a:pPr lvl="1"/>
+            <a:r>
+              <a:rPr lang="ru-RU" dirty="0"/>
+              <a:t>Удаление </a:t>
+            </a:r>
+            <a:r>
+              <a:rPr lang="ru-RU" dirty="0" smtClean="0"/>
+              <a:t>темы</a:t>
+            </a:r>
+            <a:endParaRPr lang="ru-RU" dirty="0"/>
+          </a:p>
+          <a:p>
+            <a:pPr lvl="2"/>
+            <a:r>
+              <a:rPr lang="ru-RU" dirty="0"/>
+              <a:t>Удаление тематики классификации из модели без необходимости последующего обучения "с нуля</a:t>
+            </a:r>
+            <a:r>
+              <a:rPr lang="ru-RU" dirty="0" smtClean="0"/>
+              <a:t>"</a:t>
+            </a:r>
+            <a:endParaRPr lang="ru-RU" dirty="0"/>
+          </a:p>
+          <a:p>
+            <a:pPr lvl="1"/>
+            <a:endParaRPr lang="en-US" dirty="0" smtClean="0"/>
+          </a:p>
+          <a:p>
+            <a:endParaRPr lang="ru-RU" dirty="0" smtClean="0"/>
+          </a:p>
+        </p:txBody>
+      </p:sp>
+    </p:spTree>
+    <p:extLst>
+      <p:ext uri="{BB962C8B-B14F-4D97-AF65-F5344CB8AC3E}">
+        <p14:creationId xmlns:p14="http://schemas.microsoft.com/office/powerpoint/2010/main" val="3477908417"/>
+      </p:ext>
+    </p:extLst>
+  </p:cSld>
+  <p:clrMapOvr>
+    <a:masterClrMapping/>
+  </p:clrMapOvr>
+</p:sld>
+</file>
+
+<file path=ppt/slides/slide18.xml><?xml version="1.0" encoding="utf-8"?>
+<p:sld xmlns:a="http://schemas.openxmlformats.org/drawingml/2006/main" xmlns:r="http://schemas.openxmlformats.org/officeDocument/2006/relationships" xmlns:p="http://schemas.openxmlformats.org/presentationml/2006/main">
+  <p:cSld>
+    <p:spTree>
+      <p:nvGrpSpPr>
+        <p:cNvPr id="1" name=""/>
+        <p:cNvGrpSpPr/>
+        <p:nvPr/>
+      </p:nvGrpSpPr>
+      <p:grpSpPr>
+        <a:xfrm>
+          <a:off x="0" y="0"/>
+          <a:ext cx="0" cy="0"/>
+          <a:chOff x="0" y="0"/>
+          <a:chExt cx="0" cy="0"/>
+        </a:xfrm>
+      </p:grpSpPr>
+      <p:sp>
+        <p:nvSpPr>
+          <p:cNvPr id="2" name="Заголовок 1"/>
+          <p:cNvSpPr>
+            <a:spLocks noGrp="1"/>
+          </p:cNvSpPr>
+          <p:nvPr>
+            <p:ph type="title"/>
+          </p:nvPr>
+        </p:nvSpPr>
+        <p:spPr/>
+        <p:txBody>
+          <a:bodyPr>
+            <a:normAutofit fontScale="90000"/>
+          </a:bodyPr>
+          <a:lstStyle/>
+          <a:p>
+            <a:r>
+              <a:rPr lang="ru-RU" dirty="0" smtClean="0"/>
+              <a:t>Архитектура </a:t>
+            </a:r>
+            <a:r>
+              <a:rPr lang="ru-RU" dirty="0" smtClean="0"/>
+              <a:t>разработанного прототипа</a:t>
             </a:r>
             <a:endParaRPr lang="en-US" dirty="0"/>
           </a:p>
@@ -4497,7 +4865,7 @@
 </p:sld>
 </file>
 
-<file path=ppt/slides/slide18.xml><?xml version="1.0" encoding="utf-8"?>
+<file path=ppt/slides/slide19.xml><?xml version="1.0" encoding="utf-8"?>
 <p:sld xmlns:a="http://schemas.openxmlformats.org/drawingml/2006/main" xmlns:r="http://schemas.openxmlformats.org/officeDocument/2006/relationships" xmlns:p="http://schemas.openxmlformats.org/presentationml/2006/main">
   <p:cSld>
     <p:spTree>
@@ -4861,7 +5229,7 @@
         </p:spPr>
         <p:txBody>
           <a:bodyPr vert="horz" lIns="91440" tIns="45720" rIns="91440" bIns="45720" rtlCol="0">
-            <a:normAutofit fontScale="77500" lnSpcReduction="20000"/>
+            <a:normAutofit fontScale="92500" lnSpcReduction="10000"/>
           </a:bodyPr>
           <a:lstStyle>
             <a:lvl1pPr marL="342900" indent="-342900" algn="l" defTabSz="914400" rtl="0" eaLnBrk="1" latinLnBrk="0" hangingPunct="1">
@@ -5003,7 +5371,15 @@
           <a:p>
             <a:r>
               <a:rPr lang="ru-RU" dirty="0"/>
-              <a:t>Рост загрузки ЦП от количества клиентов достаточно линейный, что говорит о масштабируемости</a:t>
+              <a:t>Рост загрузки ЦП от количества клиентов </a:t>
+            </a:r>
+            <a:r>
+              <a:rPr lang="ru-RU" dirty="0" smtClean="0"/>
+              <a:t>линейный</a:t>
+            </a:r>
+            <a:r>
+              <a:rPr lang="ru-RU" dirty="0"/>
+              <a:t>, что говорит о масштабируемости</a:t>
             </a:r>
           </a:p>
         </p:txBody>
@@ -5021,7 +5397,181 @@
 </p:sld>
 </file>
 
-<file path=ppt/slides/slide19.xml><?xml version="1.0" encoding="utf-8"?>
+<file path=ppt/slides/slide2.xml><?xml version="1.0" encoding="utf-8"?>
+<p:sld xmlns:a="http://schemas.openxmlformats.org/drawingml/2006/main" xmlns:r="http://schemas.openxmlformats.org/officeDocument/2006/relationships" xmlns:p="http://schemas.openxmlformats.org/presentationml/2006/main">
+  <p:cSld>
+    <p:spTree>
+      <p:nvGrpSpPr>
+        <p:cNvPr id="1" name=""/>
+        <p:cNvGrpSpPr/>
+        <p:nvPr/>
+      </p:nvGrpSpPr>
+      <p:grpSpPr>
+        <a:xfrm>
+          <a:off x="0" y="0"/>
+          <a:ext cx="0" cy="0"/>
+          <a:chOff x="0" y="0"/>
+          <a:chExt cx="0" cy="0"/>
+        </a:xfrm>
+      </p:grpSpPr>
+      <p:sp>
+        <p:nvSpPr>
+          <p:cNvPr id="2" name="Заголовок 1"/>
+          <p:cNvSpPr>
+            <a:spLocks noGrp="1"/>
+          </p:cNvSpPr>
+          <p:nvPr>
+            <p:ph type="title"/>
+          </p:nvPr>
+        </p:nvSpPr>
+        <p:spPr/>
+        <p:txBody>
+          <a:bodyPr>
+            <a:normAutofit/>
+          </a:bodyPr>
+          <a:lstStyle/>
+          <a:p>
+            <a:r>
+              <a:rPr lang="ru-RU" dirty="0" smtClean="0"/>
+              <a:t>Задача классификации</a:t>
+            </a:r>
+            <a:endParaRPr lang="en-US" dirty="0"/>
+          </a:p>
+        </p:txBody>
+      </p:sp>
+      <p:sp>
+        <p:nvSpPr>
+          <p:cNvPr id="3" name="Объект 2"/>
+          <p:cNvSpPr>
+            <a:spLocks noGrp="1"/>
+          </p:cNvSpPr>
+          <p:nvPr>
+            <p:ph idx="1"/>
+          </p:nvPr>
+        </p:nvSpPr>
+        <p:spPr>
+          <a:xfrm>
+            <a:off x="457200" y="1600200"/>
+            <a:ext cx="8229600" cy="2971800"/>
+          </a:xfrm>
+        </p:spPr>
+        <p:txBody>
+          <a:bodyPr>
+            <a:normAutofit fontScale="77500" lnSpcReduction="20000"/>
+          </a:bodyPr>
+          <a:lstStyle/>
+          <a:p>
+            <a:r>
+              <a:rPr lang="ru-RU" dirty="0" smtClean="0"/>
+              <a:t>Задача классификации – определение принадлежности документа к одному или нескольким классам из предопределённого набора классов</a:t>
+            </a:r>
+          </a:p>
+          <a:p>
+            <a:pPr lvl="1"/>
+            <a:r>
+              <a:rPr lang="ru-RU" dirty="0" err="1" smtClean="0"/>
+              <a:t>Многоклассовая</a:t>
+            </a:r>
+            <a:r>
+              <a:rPr lang="ru-RU" dirty="0" smtClean="0"/>
+              <a:t> классификация – документ принадлежит </a:t>
+            </a:r>
+            <a:r>
+              <a:rPr lang="ru-RU" dirty="0"/>
+              <a:t>к</a:t>
+            </a:r>
+            <a:r>
+              <a:rPr lang="ru-RU" dirty="0" smtClean="0"/>
+              <a:t> одному классу</a:t>
+            </a:r>
+          </a:p>
+          <a:p>
+            <a:pPr lvl="1"/>
+            <a:r>
+              <a:rPr lang="ru-RU" dirty="0" smtClean="0"/>
+              <a:t>Многотемная классификация – документ может принадлежать нескольким классам, т.е. классы могут пересекаться или быть вложенными</a:t>
+            </a:r>
+          </a:p>
+        </p:txBody>
+      </p:sp>
+      <p:pic>
+        <p:nvPicPr>
+          <p:cNvPr id="4" name="Picture 3"/>
+          <p:cNvPicPr>
+            <a:picLocks noChangeAspect="1" noChangeArrowheads="1"/>
+          </p:cNvPicPr>
+          <p:nvPr/>
+        </p:nvPicPr>
+        <p:blipFill>
+          <a:blip r:embed="rId2">
+            <a:extLst>
+              <a:ext uri="{28A0092B-C50C-407E-A947-70E740481C1C}">
+                <a14:useLocalDpi xmlns:a14="http://schemas.microsoft.com/office/drawing/2010/main" val="0"/>
+              </a:ext>
+            </a:extLst>
+          </a:blip>
+          <a:srcRect/>
+          <a:stretch>
+            <a:fillRect/>
+          </a:stretch>
+        </p:blipFill>
+        <p:spPr bwMode="auto">
+          <a:xfrm>
+            <a:off x="1524000" y="4198257"/>
+            <a:ext cx="6235988" cy="2488565"/>
+          </a:xfrm>
+          <a:prstGeom prst="rect">
+            <a:avLst/>
+          </a:prstGeom>
+          <a:noFill/>
+          <a:ln>
+            <a:noFill/>
+          </a:ln>
+          <a:effectLst/>
+          <a:extLst>
+            <a:ext uri="{909E8E84-426E-40DD-AFC4-6F175D3DCCD1}">
+              <a14:hiddenFill xmlns:a14="http://schemas.microsoft.com/office/drawing/2010/main">
+                <a:solidFill>
+                  <a:schemeClr val="accent1"/>
+                </a:solidFill>
+              </a14:hiddenFill>
+            </a:ext>
+            <a:ext uri="{91240B29-F687-4F45-9708-019B960494DF}">
+              <a14:hiddenLine xmlns:a14="http://schemas.microsoft.com/office/drawing/2010/main" w="9525">
+                <a:solidFill>
+                  <a:schemeClr val="tx1"/>
+                </a:solidFill>
+                <a:miter lim="800000"/>
+                <a:headEnd/>
+                <a:tailEnd/>
+              </a14:hiddenLine>
+            </a:ext>
+            <a:ext uri="{AF507438-7753-43E0-B8FC-AC1667EBCBE1}">
+              <a14:hiddenEffects xmlns:a14="http://schemas.microsoft.com/office/drawing/2010/main">
+                <a:effectLst>
+                  <a:outerShdw dist="35921" dir="2700000" algn="ctr" rotWithShape="0">
+                    <a:schemeClr val="bg2"/>
+                  </a:outerShdw>
+                </a:effectLst>
+              </a14:hiddenEffects>
+            </a:ext>
+          </a:extLst>
+        </p:spPr>
+      </p:pic>
+    </p:spTree>
+    <p:extLst>
+      <p:ext uri="{BB962C8B-B14F-4D97-AF65-F5344CB8AC3E}">
+        <p14:creationId xmlns:p14="http://schemas.microsoft.com/office/powerpoint/2010/main" val="1231849281"/>
+      </p:ext>
+    </p:extLst>
+  </p:cSld>
+  <p:clrMapOvr>
+    <a:masterClrMapping/>
+  </p:clrMapOvr>
+</p:sld>
+</file>
+
+<file path=ppt/slides/slide20.xml><?xml version="1.0" encoding="utf-8"?>
 <p:sld xmlns:a="http://schemas.openxmlformats.org/drawingml/2006/main" xmlns:r="http://schemas.openxmlformats.org/officeDocument/2006/relationships" xmlns:p="http://schemas.openxmlformats.org/presentationml/2006/main">
   <p:cSld>
     <p:spTree>
@@ -5342,7 +5892,15 @@
           <a:p>
             <a:r>
               <a:rPr lang="ru-RU" sz="2200" dirty="0"/>
-              <a:t>Уменьшение количества доступной памяти от числа пользователей достаточно линейно, что говорит о масштабируемости</a:t>
+              <a:t>Уменьшение количества доступной памяти от числа пользователей </a:t>
+            </a:r>
+            <a:r>
+              <a:rPr lang="ru-RU" sz="2200" dirty="0" smtClean="0"/>
+              <a:t> линейно</a:t>
+            </a:r>
+            <a:r>
+              <a:rPr lang="ru-RU" sz="2200" dirty="0"/>
+              <a:t>, что говорит о масштабируемости</a:t>
             </a:r>
           </a:p>
         </p:txBody>
@@ -5360,7 +5918,7 @@
 </p:sld>
 </file>
 
-<file path=ppt/slides/slide2.xml><?xml version="1.0" encoding="utf-8"?>
+<file path=ppt/slides/slide21.xml><?xml version="1.0" encoding="utf-8"?>
 <p:sld xmlns:a="http://schemas.openxmlformats.org/drawingml/2006/main" xmlns:r="http://schemas.openxmlformats.org/officeDocument/2006/relationships" xmlns:p="http://schemas.openxmlformats.org/presentationml/2006/main">
   <p:cSld>
     <p:spTree>
@@ -5389,180 +5947,6 @@
         </p:nvSpPr>
         <p:spPr/>
         <p:txBody>
-          <a:bodyPr>
-            <a:normAutofit/>
-          </a:bodyPr>
-          <a:lstStyle/>
-          <a:p>
-            <a:r>
-              <a:rPr lang="ru-RU" dirty="0" smtClean="0"/>
-              <a:t>Задача классификации</a:t>
-            </a:r>
-            <a:endParaRPr lang="en-US" dirty="0"/>
-          </a:p>
-        </p:txBody>
-      </p:sp>
-      <p:sp>
-        <p:nvSpPr>
-          <p:cNvPr id="3" name="Объект 2"/>
-          <p:cNvSpPr>
-            <a:spLocks noGrp="1"/>
-          </p:cNvSpPr>
-          <p:nvPr>
-            <p:ph idx="1"/>
-          </p:nvPr>
-        </p:nvSpPr>
-        <p:spPr>
-          <a:xfrm>
-            <a:off x="457200" y="1600200"/>
-            <a:ext cx="8229600" cy="2971800"/>
-          </a:xfrm>
-        </p:spPr>
-        <p:txBody>
-          <a:bodyPr>
-            <a:normAutofit fontScale="77500" lnSpcReduction="20000"/>
-          </a:bodyPr>
-          <a:lstStyle/>
-          <a:p>
-            <a:r>
-              <a:rPr lang="ru-RU" dirty="0" smtClean="0"/>
-              <a:t>Задача классификации – определение принадлежности документа к одному или нескольким классам из предопределённого набора классов</a:t>
-            </a:r>
-          </a:p>
-          <a:p>
-            <a:pPr lvl="1"/>
-            <a:r>
-              <a:rPr lang="ru-RU" dirty="0" err="1" smtClean="0"/>
-              <a:t>Многоклассовая</a:t>
-            </a:r>
-            <a:r>
-              <a:rPr lang="ru-RU" dirty="0" smtClean="0"/>
-              <a:t> классификация – документ принадлежит </a:t>
-            </a:r>
-            <a:r>
-              <a:rPr lang="ru-RU" dirty="0"/>
-              <a:t>к</a:t>
-            </a:r>
-            <a:r>
-              <a:rPr lang="ru-RU" dirty="0" smtClean="0"/>
-              <a:t> одному классу</a:t>
-            </a:r>
-          </a:p>
-          <a:p>
-            <a:pPr lvl="1"/>
-            <a:r>
-              <a:rPr lang="ru-RU" dirty="0" smtClean="0"/>
-              <a:t>Многотемная классификация – документ может принадлежать нескольким классам, т.е. классы могут пересекаться или быть вложенными</a:t>
-            </a:r>
-          </a:p>
-        </p:txBody>
-      </p:sp>
-      <p:pic>
-        <p:nvPicPr>
-          <p:cNvPr id="4" name="Picture 3"/>
-          <p:cNvPicPr>
-            <a:picLocks noChangeAspect="1" noChangeArrowheads="1"/>
-          </p:cNvPicPr>
-          <p:nvPr/>
-        </p:nvPicPr>
-        <p:blipFill>
-          <a:blip r:embed="rId2">
-            <a:extLst>
-              <a:ext uri="{28A0092B-C50C-407E-A947-70E740481C1C}">
-                <a14:useLocalDpi xmlns:a14="http://schemas.microsoft.com/office/drawing/2010/main" val="0"/>
-              </a:ext>
-            </a:extLst>
-          </a:blip>
-          <a:srcRect/>
-          <a:stretch>
-            <a:fillRect/>
-          </a:stretch>
-        </p:blipFill>
-        <p:spPr bwMode="auto">
-          <a:xfrm>
-            <a:off x="1524000" y="4198257"/>
-            <a:ext cx="6235988" cy="2488565"/>
-          </a:xfrm>
-          <a:prstGeom prst="rect">
-            <a:avLst/>
-          </a:prstGeom>
-          <a:noFill/>
-          <a:ln>
-            <a:noFill/>
-          </a:ln>
-          <a:effectLst/>
-          <a:extLst>
-            <a:ext uri="{909E8E84-426E-40DD-AFC4-6F175D3DCCD1}">
-              <a14:hiddenFill xmlns:a14="http://schemas.microsoft.com/office/drawing/2010/main">
-                <a:solidFill>
-                  <a:schemeClr val="accent1"/>
-                </a:solidFill>
-              </a14:hiddenFill>
-            </a:ext>
-            <a:ext uri="{91240B29-F687-4F45-9708-019B960494DF}">
-              <a14:hiddenLine xmlns:a14="http://schemas.microsoft.com/office/drawing/2010/main" w="9525">
-                <a:solidFill>
-                  <a:schemeClr val="tx1"/>
-                </a:solidFill>
-                <a:miter lim="800000"/>
-                <a:headEnd/>
-                <a:tailEnd/>
-              </a14:hiddenLine>
-            </a:ext>
-            <a:ext uri="{AF507438-7753-43E0-B8FC-AC1667EBCBE1}">
-              <a14:hiddenEffects xmlns:a14="http://schemas.microsoft.com/office/drawing/2010/main">
-                <a:effectLst>
-                  <a:outerShdw dist="35921" dir="2700000" algn="ctr" rotWithShape="0">
-                    <a:schemeClr val="bg2"/>
-                  </a:outerShdw>
-                </a:effectLst>
-              </a14:hiddenEffects>
-            </a:ext>
-          </a:extLst>
-        </p:spPr>
-      </p:pic>
-    </p:spTree>
-    <p:extLst>
-      <p:ext uri="{BB962C8B-B14F-4D97-AF65-F5344CB8AC3E}">
-        <p14:creationId xmlns:p14="http://schemas.microsoft.com/office/powerpoint/2010/main" val="1231849281"/>
-      </p:ext>
-    </p:extLst>
-  </p:cSld>
-  <p:clrMapOvr>
-    <a:masterClrMapping/>
-  </p:clrMapOvr>
-</p:sld>
-</file>
-
-<file path=ppt/slides/slide20.xml><?xml version="1.0" encoding="utf-8"?>
-<p:sld xmlns:a="http://schemas.openxmlformats.org/drawingml/2006/main" xmlns:r="http://schemas.openxmlformats.org/officeDocument/2006/relationships" xmlns:p="http://schemas.openxmlformats.org/presentationml/2006/main">
-  <p:cSld>
-    <p:spTree>
-      <p:nvGrpSpPr>
-        <p:cNvPr id="1" name=""/>
-        <p:cNvGrpSpPr/>
-        <p:nvPr/>
-      </p:nvGrpSpPr>
-      <p:grpSpPr>
-        <a:xfrm>
-          <a:off x="0" y="0"/>
-          <a:ext cx="0" cy="0"/>
-          <a:chOff x="0" y="0"/>
-          <a:chExt cx="0" cy="0"/>
-        </a:xfrm>
-      </p:grpSpPr>
-      <p:sp>
-        <p:nvSpPr>
-          <p:cNvPr id="2" name="Заголовок 1"/>
-          <p:cNvSpPr>
-            <a:spLocks noGrp="1"/>
-          </p:cNvSpPr>
-          <p:nvPr>
-            <p:ph type="title"/>
-          </p:nvPr>
-        </p:nvSpPr>
-        <p:spPr/>
-        <p:txBody>
           <a:bodyPr/>
           <a:lstStyle/>
           <a:p>
@@ -5599,8 +5983,12 @@
           <a:p>
             <a:pPr lvl="1"/>
             <a:r>
+              <a:rPr lang="ru-RU" dirty="0" smtClean="0"/>
+              <a:t>Реализован экспериментальный прототип системы сбора </a:t>
+            </a:r>
+            <a:r>
               <a:rPr lang="ru-RU" dirty="0"/>
-              <a:t>Спроектирована архитектура системы сбора и </a:t>
+              <a:t>и </a:t>
             </a:r>
             <a:r>
               <a:rPr lang="ru-RU" dirty="0" smtClean="0"/>
@@ -5684,8 +6072,21 @@
             <a:pPr lvl="1"/>
             <a:r>
               <a:rPr lang="ru-RU" dirty="0" smtClean="0"/>
-              <a:t>Произведено тестирование реализованной системы, показавшее приемлемую масштабируемость</a:t>
-            </a:r>
+              <a:t>Произведено тестирование </a:t>
+            </a:r>
+            <a:r>
+              <a:rPr lang="ru-RU" dirty="0" smtClean="0"/>
+              <a:t>реализованного прототипа, </a:t>
+            </a:r>
+            <a:r>
+              <a:rPr lang="ru-RU" dirty="0" smtClean="0"/>
+              <a:t>показавшее </a:t>
+            </a:r>
+            <a:r>
+              <a:rPr lang="ru-RU" dirty="0" smtClean="0"/>
+              <a:t>масштабируемость и защищенность</a:t>
+            </a:r>
+            <a:endParaRPr lang="ru-RU" dirty="0" smtClean="0"/>
           </a:p>
         </p:txBody>
       </p:sp>
@@ -5757,23 +6158,69 @@
         <p:spPr/>
         <p:txBody>
           <a:bodyPr>
-            <a:normAutofit fontScale="70000" lnSpcReduction="20000"/>
+            <a:normAutofit fontScale="62500" lnSpcReduction="20000"/>
           </a:bodyPr>
           <a:lstStyle/>
           <a:p>
             <a:r>
-              <a:rPr lang="ru-RU" dirty="0" smtClean="0"/>
+              <a:rPr lang="ru-RU" dirty="0"/>
+              <a:t>На сегодняшний день существует ряд задач, для решения которых требуются системы сбора и классификации контента, частным случаем которого является </a:t>
+            </a:r>
+            <a:r>
+              <a:rPr lang="ru-RU" dirty="0" smtClean="0"/>
+              <a:t>веб-контент</a:t>
+            </a:r>
+          </a:p>
+          <a:p>
+            <a:pPr lvl="1"/>
+            <a:r>
+              <a:rPr lang="ru-RU" dirty="0" smtClean="0"/>
+              <a:t>Определения </a:t>
+            </a:r>
+            <a:r>
+              <a:rPr lang="ru-RU" dirty="0"/>
+              <a:t>категорий информации, с которой работает </a:t>
+            </a:r>
+            <a:r>
+              <a:rPr lang="ru-RU" dirty="0" smtClean="0"/>
+              <a:t>пользователь, для применения политик безопасности</a:t>
+            </a:r>
+          </a:p>
+          <a:p>
+            <a:pPr lvl="1"/>
+            <a:r>
+              <a:rPr lang="ru-RU" dirty="0" smtClean="0"/>
+              <a:t>Фильтрации контента, для обнаружения информации, относящейся к определенному делу</a:t>
+            </a:r>
+          </a:p>
+          <a:p>
+            <a:pPr lvl="1"/>
+            <a:r>
+              <a:rPr lang="ru-RU" dirty="0" smtClean="0"/>
+              <a:t>Определения конфиденциальности документа, для предотвращения утечек информации</a:t>
+            </a:r>
+          </a:p>
+          <a:p>
+            <a:pPr lvl="1"/>
+            <a:r>
+              <a:rPr lang="ru-RU" dirty="0" smtClean="0"/>
+              <a:t>И других</a:t>
+            </a:r>
+          </a:p>
+          <a:p>
+            <a:r>
+              <a:rPr lang="ru-RU" dirty="0"/>
               <a:t>Классификация контентных данных пользователя, в частности веб-страниц, применяется в </a:t>
             </a:r>
           </a:p>
           <a:p>
             <a:pPr lvl="1"/>
             <a:r>
-              <a:rPr lang="ru-RU" dirty="0" smtClean="0"/>
+              <a:rPr lang="ru-RU" dirty="0"/>
               <a:t>Системах</a:t>
             </a:r>
             <a:r>
-              <a:rPr lang="en-US" dirty="0" smtClean="0"/>
+              <a:rPr lang="en-US" dirty="0"/>
               <a:t> </a:t>
             </a:r>
             <a:r>
@@ -5792,12 +6239,8 @@
           <a:p>
             <a:pPr lvl="1"/>
             <a:r>
-              <a:rPr lang="ru-RU" dirty="0" smtClean="0"/>
-              <a:t>Системах управления </a:t>
-            </a:r>
-            <a:r>
               <a:rPr lang="ru-RU" dirty="0"/>
-              <a:t>корпоративным контентом (</a:t>
+              <a:t>Системах управления корпоративным контентом (</a:t>
             </a:r>
             <a:r>
               <a:rPr lang="en-US" dirty="0"/>
@@ -5811,70 +6254,17 @@
           <a:p>
             <a:pPr lvl="2"/>
             <a:r>
-              <a:rPr lang="ru-RU" dirty="0" smtClean="0"/>
-              <a:t>Системах </a:t>
-            </a:r>
-            <a:r>
               <a:rPr lang="ru-RU" dirty="0"/>
-              <a:t>обнаружения информации </a:t>
-            </a:r>
-            <a:r>
-              <a:rPr lang="ru-RU" dirty="0" smtClean="0"/>
-              <a:t>(</a:t>
-            </a:r>
-            <a:r>
-              <a:rPr lang="en-US" dirty="0" smtClean="0"/>
+              <a:t>Системах обнаружения информации (</a:t>
+            </a:r>
+            <a:r>
+              <a:rPr lang="en-US" dirty="0"/>
               <a:t>e-Discovery</a:t>
             </a:r>
             <a:r>
               <a:rPr lang="ru-RU" dirty="0"/>
               <a:t>)</a:t>
             </a:r>
-          </a:p>
-          <a:p>
-            <a:r>
-              <a:rPr lang="ru-RU" dirty="0" smtClean="0"/>
-              <a:t>Для решения задач</a:t>
-            </a:r>
-          </a:p>
-          <a:p>
-            <a:pPr lvl="1"/>
-            <a:r>
-              <a:rPr lang="ru-RU" dirty="0" smtClean="0"/>
-              <a:t>Определения </a:t>
-            </a:r>
-            <a:r>
-              <a:rPr lang="ru-RU" dirty="0"/>
-              <a:t>категорий информации, с которой работает </a:t>
-            </a:r>
-            <a:r>
-              <a:rPr lang="ru-RU" dirty="0" smtClean="0"/>
-              <a:t>пользователь, для применения политик безопасности</a:t>
-            </a:r>
-          </a:p>
-          <a:p>
-            <a:pPr lvl="1"/>
-            <a:r>
-              <a:rPr lang="ru-RU" dirty="0" smtClean="0"/>
-              <a:t>Фильтрации контента, для обнаружения информации, относящейся к определенному делу</a:t>
-            </a:r>
-          </a:p>
-          <a:p>
-            <a:pPr lvl="1"/>
-            <a:r>
-              <a:rPr lang="ru-RU" dirty="0" smtClean="0"/>
-              <a:t>Определения конфиденциальности документа, для предотвращения утечек информации</a:t>
-            </a:r>
-          </a:p>
-          <a:p>
-            <a:pPr lvl="1"/>
-            <a:r>
-              <a:rPr lang="ru-RU" dirty="0" smtClean="0"/>
-              <a:t>И других</a:t>
-            </a:r>
-          </a:p>
-          <a:p>
-            <a:pPr lvl="1"/>
             <a:endParaRPr lang="en-US" dirty="0"/>
           </a:p>
         </p:txBody>
@@ -5934,106 +6324,362 @@
           </a:p>
         </p:txBody>
       </p:sp>
-      <p:sp>
-        <p:nvSpPr>
-          <p:cNvPr id="3" name="Объект 2"/>
-          <p:cNvSpPr>
-            <a:spLocks noGrp="1"/>
-          </p:cNvSpPr>
-          <p:nvPr>
-            <p:ph idx="1"/>
-          </p:nvPr>
-        </p:nvSpPr>
-        <p:spPr/>
-        <p:txBody>
-          <a:bodyPr>
-            <a:normAutofit fontScale="85000" lnSpcReduction="10000"/>
-          </a:bodyPr>
-          <a:lstStyle/>
-          <a:p>
-            <a:r>
-              <a:rPr lang="ru-RU" dirty="0" smtClean="0"/>
-              <a:t>Подходы к классификации </a:t>
-            </a:r>
-          </a:p>
-          <a:p>
-            <a:pPr lvl="1"/>
-            <a:r>
-              <a:rPr lang="ru-RU" dirty="0"/>
-              <a:t>Анализ шаблонов</a:t>
-            </a:r>
-          </a:p>
-          <a:p>
-            <a:pPr lvl="2"/>
-            <a:r>
-              <a:rPr lang="ru-RU" dirty="0"/>
-              <a:t> Обнаружение в тексте цитат из документов-образцов</a:t>
-            </a:r>
-          </a:p>
-          <a:p>
-            <a:pPr lvl="1"/>
-            <a:r>
-              <a:rPr lang="ru-RU" dirty="0"/>
-              <a:t>Цифровые отпечатки</a:t>
-            </a:r>
-          </a:p>
-          <a:p>
-            <a:pPr lvl="2"/>
-            <a:r>
-              <a:rPr lang="ru-RU" dirty="0"/>
-              <a:t>Анализ текстов на основе словарей и регулярных выражений</a:t>
-            </a:r>
-          </a:p>
-          <a:p>
-            <a:pPr lvl="1"/>
-            <a:r>
-              <a:rPr lang="ru-RU" dirty="0"/>
-              <a:t>Классификация на основе методов машинного </a:t>
-            </a:r>
-            <a:r>
-              <a:rPr lang="ru-RU" dirty="0" smtClean="0"/>
-              <a:t>обучения</a:t>
-            </a:r>
-          </a:p>
-          <a:p>
-            <a:pPr lvl="2"/>
-            <a:r>
-              <a:rPr lang="ru-RU" dirty="0" smtClean="0"/>
-              <a:t>Построение статистической модели на основе обучающей выборки</a:t>
-            </a:r>
-          </a:p>
-          <a:p>
-            <a:pPr lvl="2"/>
-            <a:r>
-              <a:rPr lang="ru-RU" dirty="0" smtClean="0"/>
-              <a:t>На основе построенной модели определяется принадлежность документа одному из предопределённого набору классу</a:t>
-            </a:r>
-          </a:p>
-          <a:p>
-            <a:pPr lvl="2"/>
-            <a:r>
-              <a:rPr lang="ru-RU" dirty="0" smtClean="0"/>
-              <a:t>Решается задача </a:t>
-            </a:r>
-            <a:r>
-              <a:rPr lang="ru-RU" i="1" dirty="0" smtClean="0"/>
-              <a:t>многоклассовой</a:t>
-            </a:r>
-            <a:r>
-              <a:rPr lang="ru-RU" dirty="0" smtClean="0"/>
-              <a:t> классификации</a:t>
-            </a:r>
-          </a:p>
-          <a:p>
-            <a:pPr marL="571500" indent="-457200"/>
-            <a:endParaRPr lang="ru-RU" dirty="0" smtClean="0"/>
-          </a:p>
-          <a:p>
-            <a:pPr lvl="1"/>
-            <a:endParaRPr lang="ru-RU" dirty="0"/>
-          </a:p>
-        </p:txBody>
-      </p:sp>
+      <p:graphicFrame>
+        <p:nvGraphicFramePr>
+          <p:cNvPr id="4" name="Объект 3"/>
+          <p:cNvGraphicFramePr>
+            <a:graphicFrameLocks/>
+          </p:cNvGraphicFramePr>
+          <p:nvPr>
+            <p:extLst>
+              <p:ext uri="{D42A27DB-BD31-4B8C-83A1-F6EECF244321}">
+                <p14:modId xmlns:p14="http://schemas.microsoft.com/office/powerpoint/2010/main" val="2183400570"/>
+              </p:ext>
+            </p:extLst>
+          </p:nvPr>
+        </p:nvGraphicFramePr>
+        <p:xfrm>
+          <a:off x="467544" y="1484784"/>
+          <a:ext cx="8229600" cy="5034280"/>
+        </p:xfrm>
+        <a:graphic>
+          <a:graphicData uri="http://schemas.openxmlformats.org/drawingml/2006/table">
+            <a:tbl>
+              <a:tblPr firstRow="1" bandRow="1">
+                <a:tableStyleId>{5C22544A-7EE6-4342-B048-85BDC9FD1C3A}</a:tableStyleId>
+              </a:tblPr>
+              <a:tblGrid>
+                <a:gridCol w="2743200"/>
+                <a:gridCol w="2743200"/>
+                <a:gridCol w="2743200"/>
+              </a:tblGrid>
+              <a:tr h="370840">
+                <a:tc>
+                  <a:txBody>
+                    <a:bodyPr/>
+                    <a:lstStyle/>
+                    <a:p>
+                      <a:endParaRPr lang="en-US" i="0" dirty="0"/>
+                    </a:p>
+                  </a:txBody>
+                  <a:tcPr/>
+                </a:tc>
+                <a:tc>
+                  <a:txBody>
+                    <a:bodyPr/>
+                    <a:lstStyle/>
+                    <a:p>
+                      <a:r>
+                        <a:rPr lang="ru-RU" i="0" dirty="0" smtClean="0"/>
+                        <a:t>Достоинства</a:t>
+                      </a:r>
+                      <a:endParaRPr lang="en-US" i="0" dirty="0"/>
+                    </a:p>
+                  </a:txBody>
+                  <a:tcPr/>
+                </a:tc>
+                <a:tc>
+                  <a:txBody>
+                    <a:bodyPr/>
+                    <a:lstStyle/>
+                    <a:p>
+                      <a:r>
+                        <a:rPr lang="ru-RU" i="0" dirty="0" smtClean="0"/>
+                        <a:t>Недостатки</a:t>
+                      </a:r>
+                      <a:endParaRPr lang="en-US" i="0" dirty="0"/>
+                    </a:p>
+                  </a:txBody>
+                  <a:tcPr/>
+                </a:tc>
+              </a:tr>
+              <a:tr h="370840">
+                <a:tc>
+                  <a:txBody>
+                    <a:bodyPr/>
+                    <a:lstStyle/>
+                    <a:p>
+                      <a:r>
+                        <a:rPr lang="ru-RU" b="1" i="0" dirty="0" smtClean="0"/>
+                        <a:t>Цифровые</a:t>
+                      </a:r>
+                      <a:r>
+                        <a:rPr lang="ru-RU" b="1" i="0" baseline="0" dirty="0" smtClean="0"/>
+                        <a:t> отпечатки </a:t>
+                      </a:r>
+                      <a:r>
+                        <a:rPr lang="ru-RU" i="0" baseline="0" dirty="0" smtClean="0"/>
+                        <a:t>- </a:t>
+                      </a:r>
+                      <a:r>
+                        <a:rPr lang="ru-RU" i="0" dirty="0" smtClean="0"/>
+                        <a:t>обнаружение в тексте цитат из документов-образцов</a:t>
+                      </a:r>
+                      <a:endParaRPr lang="en-US" i="0" dirty="0"/>
+                    </a:p>
+                  </a:txBody>
+                  <a:tcPr/>
+                </a:tc>
+                <a:tc>
+                  <a:txBody>
+                    <a:bodyPr/>
+                    <a:lstStyle/>
+                    <a:p>
+                      <a:r>
+                        <a:rPr lang="ru-RU" sz="1800" i="0" kern="1200" dirty="0" smtClean="0">
+                          <a:solidFill>
+                            <a:schemeClr val="dk1"/>
+                          </a:solidFill>
+                          <a:effectLst/>
+                          <a:latin typeface="+mn-lt"/>
+                          <a:ea typeface="+mn-ea"/>
+                          <a:cs typeface="+mn-cs"/>
+                        </a:rPr>
+                        <a:t>Высокая точность детектирования статичных документов</a:t>
+                      </a:r>
+                      <a:endParaRPr lang="en-US" i="0" dirty="0"/>
+                    </a:p>
+                  </a:txBody>
+                  <a:tcPr/>
+                </a:tc>
+                <a:tc>
+                  <a:txBody>
+                    <a:bodyPr/>
+                    <a:lstStyle/>
+                    <a:p>
+                      <a:r>
+                        <a:rPr lang="ru-RU" sz="1800" i="0" kern="1200" dirty="0" smtClean="0">
+                          <a:solidFill>
+                            <a:schemeClr val="dk1"/>
+                          </a:solidFill>
+                          <a:effectLst/>
+                          <a:latin typeface="+mn-lt"/>
+                          <a:ea typeface="+mn-ea"/>
+                          <a:cs typeface="+mn-cs"/>
+                        </a:rPr>
+                        <a:t>Чувствительность к текстовым изменениям</a:t>
+                      </a:r>
+                      <a:endParaRPr lang="en-US" i="0" dirty="0"/>
+                    </a:p>
+                  </a:txBody>
+                  <a:tcPr/>
+                </a:tc>
+              </a:tr>
+              <a:tr h="370840">
+                <a:tc>
+                  <a:txBody>
+                    <a:bodyPr/>
+                    <a:lstStyle/>
+                    <a:p>
+                      <a:pPr marL="0" marR="0" lvl="1" indent="0" algn="l" defTabSz="914400" rtl="0" eaLnBrk="1" fontAlgn="auto" latinLnBrk="0" hangingPunct="1">
+                        <a:lnSpc>
+                          <a:spcPct val="100000"/>
+                        </a:lnSpc>
+                        <a:spcBef>
+                          <a:spcPts val="0"/>
+                        </a:spcBef>
+                        <a:spcAft>
+                          <a:spcPts val="0"/>
+                        </a:spcAft>
+                        <a:buClrTx/>
+                        <a:buSzTx/>
+                        <a:buFontTx/>
+                        <a:buNone/>
+                        <a:tabLst/>
+                        <a:defRPr/>
+                      </a:pPr>
+                      <a:r>
+                        <a:rPr lang="ru-RU" b="1" i="0" dirty="0" smtClean="0"/>
+                        <a:t>Анализ</a:t>
+                      </a:r>
+                      <a:r>
+                        <a:rPr lang="ru-RU" b="1" i="0" baseline="0" dirty="0" smtClean="0"/>
+                        <a:t> шаблонов </a:t>
+                      </a:r>
+                      <a:r>
+                        <a:rPr lang="ru-RU" i="0" baseline="0" dirty="0" smtClean="0"/>
+                        <a:t>- </a:t>
+                      </a:r>
+                      <a:r>
+                        <a:rPr lang="ru-RU" i="0" dirty="0" smtClean="0"/>
+                        <a:t>анализ текстов на основе словарей и регулярных выражений</a:t>
+                      </a:r>
+                    </a:p>
+                    <a:p>
+                      <a:endParaRPr lang="en-US" i="0" dirty="0"/>
+                    </a:p>
+                  </a:txBody>
+                  <a:tcPr/>
+                </a:tc>
+                <a:tc>
+                  <a:txBody>
+                    <a:bodyPr/>
+                    <a:lstStyle/>
+                    <a:p>
+                      <a:r>
+                        <a:rPr lang="ru-RU" sz="1800" i="0" kern="1200" dirty="0" smtClean="0">
+                          <a:solidFill>
+                            <a:schemeClr val="dk1"/>
+                          </a:solidFill>
+                          <a:effectLst/>
+                          <a:latin typeface="+mn-lt"/>
+                          <a:ea typeface="+mn-ea"/>
+                          <a:cs typeface="+mn-cs"/>
+                        </a:rPr>
+                        <a:t>Эффективность в детектировании формализованных данных</a:t>
+                      </a:r>
+                      <a:endParaRPr lang="en-US" i="0" dirty="0"/>
+                    </a:p>
+                  </a:txBody>
+                  <a:tcPr/>
+                </a:tc>
+                <a:tc>
+                  <a:txBody>
+                    <a:bodyPr/>
+                    <a:lstStyle/>
+                    <a:p>
+                      <a:r>
+                        <a:rPr lang="ru-RU" sz="1800" i="0" kern="1200" dirty="0" smtClean="0">
+                          <a:solidFill>
+                            <a:schemeClr val="dk1"/>
+                          </a:solidFill>
+                          <a:effectLst/>
+                          <a:latin typeface="+mn-lt"/>
+                          <a:ea typeface="+mn-ea"/>
+                          <a:cs typeface="+mn-cs"/>
+                        </a:rPr>
+                        <a:t>Не применим для детектирования неформализованных данных</a:t>
+                      </a:r>
+                      <a:endParaRPr lang="en-US" i="0" dirty="0"/>
+                    </a:p>
+                  </a:txBody>
+                  <a:tcPr/>
+                </a:tc>
+              </a:tr>
+              <a:tr h="1930400">
+                <a:tc>
+                  <a:txBody>
+                    <a:bodyPr/>
+                    <a:lstStyle/>
+                    <a:p>
+                      <a:r>
+                        <a:rPr lang="ru-RU" b="1" i="0" dirty="0" smtClean="0"/>
+                        <a:t>Машинное обучение </a:t>
+                      </a:r>
+                      <a:r>
+                        <a:rPr lang="ru-RU" i="0" dirty="0" smtClean="0"/>
+                        <a:t>– построение на основе обучающего набора статистической модели</a:t>
+                      </a:r>
+                      <a:endParaRPr lang="en-US" i="0" dirty="0"/>
+                    </a:p>
+                  </a:txBody>
+                  <a:tcPr/>
+                </a:tc>
+                <a:tc>
+                  <a:txBody>
+                    <a:bodyPr/>
+                    <a:lstStyle/>
+                    <a:p>
+                      <a:r>
+                        <a:rPr lang="ru-RU" sz="1800" i="0" kern="1200" dirty="0" smtClean="0">
+                          <a:solidFill>
+                            <a:schemeClr val="dk1"/>
+                          </a:solidFill>
+                          <a:effectLst/>
+                          <a:latin typeface="+mn-lt"/>
+                          <a:ea typeface="+mn-ea"/>
+                          <a:cs typeface="+mn-cs"/>
+                        </a:rPr>
+                        <a:t>Работают напрямую с содержимым документов</a:t>
+                      </a:r>
+                    </a:p>
+                    <a:p>
+                      <a:r>
+                        <a:rPr lang="ru-RU" sz="1800" i="0" kern="1200" dirty="0" smtClean="0">
+                          <a:solidFill>
+                            <a:schemeClr val="dk1"/>
+                          </a:solidFill>
+                          <a:effectLst/>
+                          <a:latin typeface="+mn-lt"/>
+                          <a:ea typeface="+mn-ea"/>
+                          <a:cs typeface="+mn-cs"/>
+                        </a:rPr>
+                        <a:t>Обучаемость</a:t>
+                      </a:r>
+                    </a:p>
+                    <a:p>
+                      <a:r>
+                        <a:rPr lang="ru-RU" sz="1800" i="0" kern="1200" dirty="0" smtClean="0">
+                          <a:solidFill>
+                            <a:schemeClr val="dk1"/>
+                          </a:solidFill>
+                          <a:effectLst/>
+                          <a:latin typeface="+mn-lt"/>
+                          <a:ea typeface="+mn-ea"/>
+                          <a:cs typeface="+mn-cs"/>
+                        </a:rPr>
+                        <a:t>Возможность обобщения</a:t>
+                      </a:r>
+                      <a:endParaRPr lang="en-US" i="0" dirty="0"/>
+                    </a:p>
+                  </a:txBody>
+                  <a:tcPr/>
+                </a:tc>
+                <a:tc>
+                  <a:txBody>
+                    <a:bodyPr/>
+                    <a:lstStyle/>
+                    <a:p>
+                      <a:r>
+                        <a:rPr lang="ru-RU" sz="1800" i="0" kern="1200" dirty="0" smtClean="0">
+                          <a:solidFill>
+                            <a:schemeClr val="dk1"/>
+                          </a:solidFill>
+                          <a:effectLst/>
+                          <a:latin typeface="+mn-lt"/>
+                          <a:ea typeface="+mn-ea"/>
+                          <a:cs typeface="+mn-cs"/>
+                        </a:rPr>
+                        <a:t>Требуется формирование обучающего набора</a:t>
+                      </a:r>
+                    </a:p>
+                    <a:p>
+                      <a:r>
+                        <a:rPr lang="ru-RU" sz="1800" i="0" kern="1200" dirty="0" smtClean="0">
+                          <a:solidFill>
+                            <a:schemeClr val="dk1"/>
+                          </a:solidFill>
+                          <a:effectLst/>
+                          <a:latin typeface="+mn-lt"/>
+                          <a:ea typeface="+mn-ea"/>
+                          <a:cs typeface="+mn-cs"/>
+                        </a:rPr>
+                        <a:t>Возможность ложноотрицательных и ложноположительные срабатываний</a:t>
+                      </a:r>
+                    </a:p>
+                    <a:p>
+                      <a:r>
+                        <a:rPr lang="ru-RU" sz="1800" i="0" kern="1200" dirty="0" smtClean="0">
+                          <a:solidFill>
+                            <a:schemeClr val="dk1"/>
+                          </a:solidFill>
+                          <a:effectLst/>
+                          <a:latin typeface="+mn-lt"/>
+                          <a:ea typeface="+mn-ea"/>
+                          <a:cs typeface="+mn-cs"/>
+                        </a:rPr>
+                        <a:t>Возможность обобщения</a:t>
+                      </a:r>
+                      <a:endParaRPr lang="en-US" i="0" dirty="0"/>
+                    </a:p>
+                  </a:txBody>
+                  <a:tcPr/>
+                </a:tc>
+              </a:tr>
+            </a:tbl>
+          </a:graphicData>
+        </a:graphic>
+      </p:graphicFrame>
     </p:spTree>
     <p:extLst>
       <p:ext uri="{BB962C8B-B14F-4D97-AF65-F5344CB8AC3E}">
@@ -6436,7 +7082,7 @@
         <p:spPr/>
         <p:txBody>
           <a:bodyPr>
-            <a:normAutofit fontScale="62500" lnSpcReduction="20000"/>
+            <a:normAutofit fontScale="70000" lnSpcReduction="20000"/>
           </a:bodyPr>
           <a:lstStyle/>
           <a:p>
@@ -6487,15 +7133,11 @@
             <a:pPr lvl="1"/>
             <a:r>
               <a:rPr lang="ru-RU" dirty="0" smtClean="0"/>
-              <a:t>Производительность (компоненты сбора, установленные на пользовательских машинах, не должны влиять на работу пользователя)</a:t>
-            </a:r>
-            <a:endParaRPr lang="ru-RU" dirty="0"/>
-          </a:p>
-          <a:p>
-            <a:pPr lvl="1"/>
-            <a:r>
-              <a:rPr lang="ru-RU" dirty="0" smtClean="0"/>
-              <a:t>Защищенность (пользователь не должен иметь возможности фальсифицировать данные)</a:t>
+              <a:t>Защищенность </a:t>
+            </a:r>
+            <a:r>
+              <a:rPr lang="ru-RU" dirty="0" smtClean="0"/>
+              <a:t>(пользователь не должен иметь возможности фальсифицировать данные)</a:t>
             </a:r>
             <a:endParaRPr lang="en-US" dirty="0" smtClean="0"/>
           </a:p>
@@ -7355,7 +7997,9 @@
         </p:nvSpPr>
         <p:spPr/>
         <p:txBody>
-          <a:bodyPr/>
+          <a:bodyPr>
+            <a:normAutofit fontScale="85000" lnSpcReduction="10000"/>
+          </a:bodyPr>
           <a:lstStyle/>
           <a:p>
             <a:r>
@@ -7407,6 +8051,41 @@
             <a:r>
               <a:rPr lang="ru-RU" dirty="0" smtClean="0"/>
               <a:t>ранжирования</a:t>
+            </a:r>
+          </a:p>
+          <a:p>
+            <a:r>
+              <a:rPr lang="ru-RU" dirty="0" smtClean="0"/>
+              <a:t>Требования к алгоритмам</a:t>
+            </a:r>
+          </a:p>
+          <a:p>
+            <a:pPr lvl="1"/>
+            <a:r>
+              <a:rPr lang="ru-RU" dirty="0" smtClean="0"/>
+              <a:t>Классификация на основе машинного обучения</a:t>
+            </a:r>
+          </a:p>
+          <a:p>
+            <a:pPr lvl="1"/>
+            <a:r>
+              <a:rPr lang="ru-RU" dirty="0" smtClean="0"/>
+              <a:t>Возможность добавления и удаления тематик</a:t>
+            </a:r>
+          </a:p>
+          <a:p>
+            <a:pPr lvl="1"/>
+            <a:r>
+              <a:rPr lang="ru-RU" dirty="0"/>
+              <a:t>С</a:t>
+            </a:r>
+            <a:r>
+              <a:rPr lang="ru-RU" dirty="0" smtClean="0"/>
+              <a:t>корость </a:t>
+            </a:r>
+            <a:r>
+              <a:rPr lang="ru-RU" dirty="0"/>
+              <a:t>классификации, удовлетворяющая интерактивному режиму работы пользователей</a:t>
             </a:r>
             <a:endParaRPr lang="en-US" dirty="0" smtClean="0"/>
           </a:p>

--- a/Треско_презентация.pptx
+++ b/Треско_презентация.pptx
@@ -4,6 +4,9 @@
   <p:sldMasterIdLst>
     <p:sldMasterId id="2147483792" r:id="rId1"/>
   </p:sldMasterIdLst>
+  <p:notesMasterIdLst>
+    <p:notesMasterId r:id="rId24"/>
+  </p:notesMasterIdLst>
   <p:sldIdLst>
     <p:sldId id="257" r:id="rId2"/>
     <p:sldId id="258" r:id="rId3"/>
@@ -17,15 +20,16 @@
     <p:sldId id="284" r:id="rId11"/>
     <p:sldId id="285" r:id="rId12"/>
     <p:sldId id="287" r:id="rId13"/>
-    <p:sldId id="286" r:id="rId14"/>
-    <p:sldId id="279" r:id="rId15"/>
-    <p:sldId id="270" r:id="rId16"/>
-    <p:sldId id="271" r:id="rId17"/>
-    <p:sldId id="272" r:id="rId18"/>
-    <p:sldId id="273" r:id="rId19"/>
-    <p:sldId id="274" r:id="rId20"/>
-    <p:sldId id="275" r:id="rId21"/>
-    <p:sldId id="277" r:id="rId22"/>
+    <p:sldId id="288" r:id="rId14"/>
+    <p:sldId id="286" r:id="rId15"/>
+    <p:sldId id="279" r:id="rId16"/>
+    <p:sldId id="270" r:id="rId17"/>
+    <p:sldId id="271" r:id="rId18"/>
+    <p:sldId id="272" r:id="rId19"/>
+    <p:sldId id="273" r:id="rId20"/>
+    <p:sldId id="274" r:id="rId21"/>
+    <p:sldId id="275" r:id="rId22"/>
+    <p:sldId id="277" r:id="rId23"/>
   </p:sldIdLst>
   <p:sldSz cx="9144000" cy="6858000" type="screen4x3"/>
   <p:notesSz cx="6858000" cy="9144000"/>
@@ -127,6 +131,440 @@
 </p:presentation>
 </file>
 
+<file path=ppt/notesMasters/notesMaster1.xml><?xml version="1.0" encoding="utf-8"?>
+<p:notesMaster xmlns:a="http://schemas.openxmlformats.org/drawingml/2006/main" xmlns:r="http://schemas.openxmlformats.org/officeDocument/2006/relationships" xmlns:p="http://schemas.openxmlformats.org/presentationml/2006/main">
+  <p:cSld>
+    <p:bg>
+      <p:bgRef idx="1001">
+        <a:schemeClr val="bg1"/>
+      </p:bgRef>
+    </p:bg>
+    <p:spTree>
+      <p:nvGrpSpPr>
+        <p:cNvPr id="1" name=""/>
+        <p:cNvGrpSpPr/>
+        <p:nvPr/>
+      </p:nvGrpSpPr>
+      <p:grpSpPr>
+        <a:xfrm>
+          <a:off x="0" y="0"/>
+          <a:ext cx="0" cy="0"/>
+          <a:chOff x="0" y="0"/>
+          <a:chExt cx="0" cy="0"/>
+        </a:xfrm>
+      </p:grpSpPr>
+      <p:sp>
+        <p:nvSpPr>
+          <p:cNvPr id="2" name="Верхний колонтитул 1"/>
+          <p:cNvSpPr>
+            <a:spLocks noGrp="1"/>
+          </p:cNvSpPr>
+          <p:nvPr>
+            <p:ph type="hdr" sz="quarter"/>
+          </p:nvPr>
+        </p:nvSpPr>
+        <p:spPr>
+          <a:xfrm>
+            <a:off x="0" y="0"/>
+            <a:ext cx="2971800" cy="457200"/>
+          </a:xfrm>
+          <a:prstGeom prst="rect">
+            <a:avLst/>
+          </a:prstGeom>
+        </p:spPr>
+        <p:txBody>
+          <a:bodyPr vert="horz" lIns="91440" tIns="45720" rIns="91440" bIns="45720" rtlCol="0"/>
+          <a:lstStyle>
+            <a:lvl1pPr algn="l">
+              <a:defRPr sz="1200"/>
+            </a:lvl1pPr>
+          </a:lstStyle>
+          <a:p>
+            <a:endParaRPr lang="en-US"/>
+          </a:p>
+        </p:txBody>
+      </p:sp>
+      <p:sp>
+        <p:nvSpPr>
+          <p:cNvPr id="3" name="Дата 2"/>
+          <p:cNvSpPr>
+            <a:spLocks noGrp="1"/>
+          </p:cNvSpPr>
+          <p:nvPr>
+            <p:ph type="dt" idx="1"/>
+          </p:nvPr>
+        </p:nvSpPr>
+        <p:spPr>
+          <a:xfrm>
+            <a:off x="3884613" y="0"/>
+            <a:ext cx="2971800" cy="457200"/>
+          </a:xfrm>
+          <a:prstGeom prst="rect">
+            <a:avLst/>
+          </a:prstGeom>
+        </p:spPr>
+        <p:txBody>
+          <a:bodyPr vert="horz" lIns="91440" tIns="45720" rIns="91440" bIns="45720" rtlCol="0"/>
+          <a:lstStyle>
+            <a:lvl1pPr algn="r">
+              <a:defRPr sz="1200"/>
+            </a:lvl1pPr>
+          </a:lstStyle>
+          <a:p>
+            <a:fld id="{493709DA-A562-41A9-895D-FFD376667FE3}" type="datetimeFigureOut">
+              <a:rPr lang="en-US" smtClean="0"/>
+              <a:t>4/20/2015</a:t>
+            </a:fld>
+            <a:endParaRPr lang="en-US"/>
+          </a:p>
+        </p:txBody>
+      </p:sp>
+      <p:sp>
+        <p:nvSpPr>
+          <p:cNvPr id="4" name="Образ слайда 3"/>
+          <p:cNvSpPr>
+            <a:spLocks noGrp="1" noRot="1" noChangeAspect="1"/>
+          </p:cNvSpPr>
+          <p:nvPr>
+            <p:ph type="sldImg" idx="2"/>
+          </p:nvPr>
+        </p:nvSpPr>
+        <p:spPr>
+          <a:xfrm>
+            <a:off x="1143000" y="685800"/>
+            <a:ext cx="4572000" cy="3429000"/>
+          </a:xfrm>
+          <a:prstGeom prst="rect">
+            <a:avLst/>
+          </a:prstGeom>
+          <a:noFill/>
+          <a:ln w="12700">
+            <a:solidFill>
+              <a:prstClr val="black"/>
+            </a:solidFill>
+          </a:ln>
+        </p:spPr>
+        <p:txBody>
+          <a:bodyPr vert="horz" lIns="91440" tIns="45720" rIns="91440" bIns="45720" rtlCol="0" anchor="ctr"/>
+          <a:lstStyle/>
+          <a:p>
+            <a:endParaRPr lang="en-US"/>
+          </a:p>
+        </p:txBody>
+      </p:sp>
+      <p:sp>
+        <p:nvSpPr>
+          <p:cNvPr id="5" name="Заметки 4"/>
+          <p:cNvSpPr>
+            <a:spLocks noGrp="1"/>
+          </p:cNvSpPr>
+          <p:nvPr>
+            <p:ph type="body" sz="quarter" idx="3"/>
+          </p:nvPr>
+        </p:nvSpPr>
+        <p:spPr>
+          <a:xfrm>
+            <a:off x="685800" y="4343400"/>
+            <a:ext cx="5486400" cy="4114800"/>
+          </a:xfrm>
+          <a:prstGeom prst="rect">
+            <a:avLst/>
+          </a:prstGeom>
+        </p:spPr>
+        <p:txBody>
+          <a:bodyPr vert="horz" lIns="91440" tIns="45720" rIns="91440" bIns="45720" rtlCol="0"/>
+          <a:lstStyle/>
+          <a:p>
+            <a:pPr lvl="0"/>
+            <a:r>
+              <a:rPr lang="ru-RU" smtClean="0"/>
+              <a:t>Образец текста</a:t>
+            </a:r>
+          </a:p>
+          <a:p>
+            <a:pPr lvl="1"/>
+            <a:r>
+              <a:rPr lang="ru-RU" smtClean="0"/>
+              <a:t>Второй уровень</a:t>
+            </a:r>
+          </a:p>
+          <a:p>
+            <a:pPr lvl="2"/>
+            <a:r>
+              <a:rPr lang="ru-RU" smtClean="0"/>
+              <a:t>Третий уровень</a:t>
+            </a:r>
+          </a:p>
+          <a:p>
+            <a:pPr lvl="3"/>
+            <a:r>
+              <a:rPr lang="ru-RU" smtClean="0"/>
+              <a:t>Четвертый уровень</a:t>
+            </a:r>
+          </a:p>
+          <a:p>
+            <a:pPr lvl="4"/>
+            <a:r>
+              <a:rPr lang="ru-RU" smtClean="0"/>
+              <a:t>Пятый уровень</a:t>
+            </a:r>
+            <a:endParaRPr lang="en-US"/>
+          </a:p>
+        </p:txBody>
+      </p:sp>
+      <p:sp>
+        <p:nvSpPr>
+          <p:cNvPr id="6" name="Нижний колонтитул 5"/>
+          <p:cNvSpPr>
+            <a:spLocks noGrp="1"/>
+          </p:cNvSpPr>
+          <p:nvPr>
+            <p:ph type="ftr" sz="quarter" idx="4"/>
+          </p:nvPr>
+        </p:nvSpPr>
+        <p:spPr>
+          <a:xfrm>
+            <a:off x="0" y="8685213"/>
+            <a:ext cx="2971800" cy="457200"/>
+          </a:xfrm>
+          <a:prstGeom prst="rect">
+            <a:avLst/>
+          </a:prstGeom>
+        </p:spPr>
+        <p:txBody>
+          <a:bodyPr vert="horz" lIns="91440" tIns="45720" rIns="91440" bIns="45720" rtlCol="0" anchor="b"/>
+          <a:lstStyle>
+            <a:lvl1pPr algn="l">
+              <a:defRPr sz="1200"/>
+            </a:lvl1pPr>
+          </a:lstStyle>
+          <a:p>
+            <a:endParaRPr lang="en-US"/>
+          </a:p>
+        </p:txBody>
+      </p:sp>
+      <p:sp>
+        <p:nvSpPr>
+          <p:cNvPr id="7" name="Номер слайда 6"/>
+          <p:cNvSpPr>
+            <a:spLocks noGrp="1"/>
+          </p:cNvSpPr>
+          <p:nvPr>
+            <p:ph type="sldNum" sz="quarter" idx="5"/>
+          </p:nvPr>
+        </p:nvSpPr>
+        <p:spPr>
+          <a:xfrm>
+            <a:off x="3884613" y="8685213"/>
+            <a:ext cx="2971800" cy="457200"/>
+          </a:xfrm>
+          <a:prstGeom prst="rect">
+            <a:avLst/>
+          </a:prstGeom>
+        </p:spPr>
+        <p:txBody>
+          <a:bodyPr vert="horz" lIns="91440" tIns="45720" rIns="91440" bIns="45720" rtlCol="0" anchor="b"/>
+          <a:lstStyle>
+            <a:lvl1pPr algn="r">
+              <a:defRPr sz="1200"/>
+            </a:lvl1pPr>
+          </a:lstStyle>
+          <a:p>
+            <a:fld id="{1A131737-F01D-4C50-B97F-FE04FA3491FA}" type="slidenum">
+              <a:rPr lang="en-US" smtClean="0"/>
+              <a:t>‹#›</a:t>
+            </a:fld>
+            <a:endParaRPr lang="en-US"/>
+          </a:p>
+        </p:txBody>
+      </p:sp>
+    </p:spTree>
+    <p:extLst>
+      <p:ext uri="{BB962C8B-B14F-4D97-AF65-F5344CB8AC3E}">
+        <p14:creationId xmlns:p14="http://schemas.microsoft.com/office/powerpoint/2010/main" val="2028211636"/>
+      </p:ext>
+    </p:extLst>
+  </p:cSld>
+  <p:clrMap bg1="lt1" tx1="dk1" bg2="lt2" tx2="dk2" accent1="accent1" accent2="accent2" accent3="accent3" accent4="accent4" accent5="accent5" accent6="accent6" hlink="hlink" folHlink="folHlink"/>
+  <p:notesStyle>
+    <a:lvl1pPr marL="0" algn="l" defTabSz="914400" rtl="0" eaLnBrk="1" latinLnBrk="0" hangingPunct="1">
+      <a:defRPr sz="1200" kern="1200">
+        <a:solidFill>
+          <a:schemeClr val="tx1"/>
+        </a:solidFill>
+        <a:latin typeface="+mn-lt"/>
+        <a:ea typeface="+mn-ea"/>
+        <a:cs typeface="+mn-cs"/>
+      </a:defRPr>
+    </a:lvl1pPr>
+    <a:lvl2pPr marL="457200" algn="l" defTabSz="914400" rtl="0" eaLnBrk="1" latinLnBrk="0" hangingPunct="1">
+      <a:defRPr sz="1200" kern="1200">
+        <a:solidFill>
+          <a:schemeClr val="tx1"/>
+        </a:solidFill>
+        <a:latin typeface="+mn-lt"/>
+        <a:ea typeface="+mn-ea"/>
+        <a:cs typeface="+mn-cs"/>
+      </a:defRPr>
+    </a:lvl2pPr>
+    <a:lvl3pPr marL="914400" algn="l" defTabSz="914400" rtl="0" eaLnBrk="1" latinLnBrk="0" hangingPunct="1">
+      <a:defRPr sz="1200" kern="1200">
+        <a:solidFill>
+          <a:schemeClr val="tx1"/>
+        </a:solidFill>
+        <a:latin typeface="+mn-lt"/>
+        <a:ea typeface="+mn-ea"/>
+        <a:cs typeface="+mn-cs"/>
+      </a:defRPr>
+    </a:lvl3pPr>
+    <a:lvl4pPr marL="1371600" algn="l" defTabSz="914400" rtl="0" eaLnBrk="1" latinLnBrk="0" hangingPunct="1">
+      <a:defRPr sz="1200" kern="1200">
+        <a:solidFill>
+          <a:schemeClr val="tx1"/>
+        </a:solidFill>
+        <a:latin typeface="+mn-lt"/>
+        <a:ea typeface="+mn-ea"/>
+        <a:cs typeface="+mn-cs"/>
+      </a:defRPr>
+    </a:lvl4pPr>
+    <a:lvl5pPr marL="1828800" algn="l" defTabSz="914400" rtl="0" eaLnBrk="1" latinLnBrk="0" hangingPunct="1">
+      <a:defRPr sz="1200" kern="1200">
+        <a:solidFill>
+          <a:schemeClr val="tx1"/>
+        </a:solidFill>
+        <a:latin typeface="+mn-lt"/>
+        <a:ea typeface="+mn-ea"/>
+        <a:cs typeface="+mn-cs"/>
+      </a:defRPr>
+    </a:lvl5pPr>
+    <a:lvl6pPr marL="2286000" algn="l" defTabSz="914400" rtl="0" eaLnBrk="1" latinLnBrk="0" hangingPunct="1">
+      <a:defRPr sz="1200" kern="1200">
+        <a:solidFill>
+          <a:schemeClr val="tx1"/>
+        </a:solidFill>
+        <a:latin typeface="+mn-lt"/>
+        <a:ea typeface="+mn-ea"/>
+        <a:cs typeface="+mn-cs"/>
+      </a:defRPr>
+    </a:lvl6pPr>
+    <a:lvl7pPr marL="2743200" algn="l" defTabSz="914400" rtl="0" eaLnBrk="1" latinLnBrk="0" hangingPunct="1">
+      <a:defRPr sz="1200" kern="1200">
+        <a:solidFill>
+          <a:schemeClr val="tx1"/>
+        </a:solidFill>
+        <a:latin typeface="+mn-lt"/>
+        <a:ea typeface="+mn-ea"/>
+        <a:cs typeface="+mn-cs"/>
+      </a:defRPr>
+    </a:lvl7pPr>
+    <a:lvl8pPr marL="3200400" algn="l" defTabSz="914400" rtl="0" eaLnBrk="1" latinLnBrk="0" hangingPunct="1">
+      <a:defRPr sz="1200" kern="1200">
+        <a:solidFill>
+          <a:schemeClr val="tx1"/>
+        </a:solidFill>
+        <a:latin typeface="+mn-lt"/>
+        <a:ea typeface="+mn-ea"/>
+        <a:cs typeface="+mn-cs"/>
+      </a:defRPr>
+    </a:lvl8pPr>
+    <a:lvl9pPr marL="3657600" algn="l" defTabSz="914400" rtl="0" eaLnBrk="1" latinLnBrk="0" hangingPunct="1">
+      <a:defRPr sz="1200" kern="1200">
+        <a:solidFill>
+          <a:schemeClr val="tx1"/>
+        </a:solidFill>
+        <a:latin typeface="+mn-lt"/>
+        <a:ea typeface="+mn-ea"/>
+        <a:cs typeface="+mn-cs"/>
+      </a:defRPr>
+    </a:lvl9pPr>
+  </p:notesStyle>
+</p:notesMaster>
+</file>
+
+<file path=ppt/notesSlides/notesSlide1.xml><?xml version="1.0" encoding="utf-8"?>
+<p:notes xmlns:a="http://schemas.openxmlformats.org/drawingml/2006/main" xmlns:r="http://schemas.openxmlformats.org/officeDocument/2006/relationships" xmlns:p="http://schemas.openxmlformats.org/presentationml/2006/main">
+  <p:cSld>
+    <p:spTree>
+      <p:nvGrpSpPr>
+        <p:cNvPr id="1" name=""/>
+        <p:cNvGrpSpPr/>
+        <p:nvPr/>
+      </p:nvGrpSpPr>
+      <p:grpSpPr>
+        <a:xfrm>
+          <a:off x="0" y="0"/>
+          <a:ext cx="0" cy="0"/>
+          <a:chOff x="0" y="0"/>
+          <a:chExt cx="0" cy="0"/>
+        </a:xfrm>
+      </p:grpSpPr>
+      <p:sp>
+        <p:nvSpPr>
+          <p:cNvPr id="2" name="Образ слайда 1"/>
+          <p:cNvSpPr>
+            <a:spLocks noGrp="1" noRot="1" noChangeAspect="1"/>
+          </p:cNvSpPr>
+          <p:nvPr>
+            <p:ph type="sldImg"/>
+          </p:nvPr>
+        </p:nvSpPr>
+        <p:spPr/>
+      </p:sp>
+      <p:sp>
+        <p:nvSpPr>
+          <p:cNvPr id="3" name="Заметки 2"/>
+          <p:cNvSpPr>
+            <a:spLocks noGrp="1"/>
+          </p:cNvSpPr>
+          <p:nvPr>
+            <p:ph type="body" idx="1"/>
+          </p:nvPr>
+        </p:nvSpPr>
+        <p:spPr/>
+        <p:txBody>
+          <a:bodyPr/>
+          <a:lstStyle/>
+          <a:p>
+            <a:endParaRPr lang="en-US" dirty="0"/>
+          </a:p>
+        </p:txBody>
+      </p:sp>
+      <p:sp>
+        <p:nvSpPr>
+          <p:cNvPr id="4" name="Номер слайда 3"/>
+          <p:cNvSpPr>
+            <a:spLocks noGrp="1"/>
+          </p:cNvSpPr>
+          <p:nvPr>
+            <p:ph type="sldNum" sz="quarter" idx="10"/>
+          </p:nvPr>
+        </p:nvSpPr>
+        <p:spPr/>
+        <p:txBody>
+          <a:bodyPr/>
+          <a:lstStyle/>
+          <a:p>
+            <a:fld id="{1A131737-F01D-4C50-B97F-FE04FA3491FA}" type="slidenum">
+              <a:rPr lang="en-US" smtClean="0"/>
+              <a:t>14</a:t>
+            </a:fld>
+            <a:endParaRPr lang="en-US"/>
+          </a:p>
+        </p:txBody>
+      </p:sp>
+    </p:spTree>
+    <p:extLst>
+      <p:ext uri="{BB962C8B-B14F-4D97-AF65-F5344CB8AC3E}">
+        <p14:creationId xmlns:p14="http://schemas.microsoft.com/office/powerpoint/2010/main" val="3038913706"/>
+      </p:ext>
+    </p:extLst>
+  </p:cSld>
+  <p:clrMapOvr>
+    <a:masterClrMapping/>
+  </p:clrMapOvr>
+</p:notes>
+</file>
+
 <file path=ppt/slideLayouts/slideLayout1.xml><?xml version="1.0" encoding="utf-8"?>
 <p:sldLayout xmlns:a="http://schemas.openxmlformats.org/drawingml/2006/main" xmlns:r="http://schemas.openxmlformats.org/officeDocument/2006/relationships" xmlns:p="http://schemas.openxmlformats.org/presentationml/2006/main" type="title" preserve="1">
   <p:cSld name="Титульный слайд">
@@ -308,7 +746,7 @@
           <a:p>
             <a:fld id="{63B30FCC-466E-4632-B112-2BFB79D3226B}" type="datetimeFigureOut">
               <a:rPr lang="en-US" smtClean="0"/>
-              <a:t>4/14/2015</a:t>
+              <a:t>4/20/2015</a:t>
             </a:fld>
             <a:endParaRPr lang="en-US"/>
           </a:p>
@@ -478,7 +916,7 @@
           <a:p>
             <a:fld id="{63B30FCC-466E-4632-B112-2BFB79D3226B}" type="datetimeFigureOut">
               <a:rPr lang="en-US" smtClean="0"/>
-              <a:t>4/14/2015</a:t>
+              <a:t>4/20/2015</a:t>
             </a:fld>
             <a:endParaRPr lang="en-US"/>
           </a:p>
@@ -658,7 +1096,7 @@
           <a:p>
             <a:fld id="{63B30FCC-466E-4632-B112-2BFB79D3226B}" type="datetimeFigureOut">
               <a:rPr lang="en-US" smtClean="0"/>
-              <a:t>4/14/2015</a:t>
+              <a:t>4/20/2015</a:t>
             </a:fld>
             <a:endParaRPr lang="en-US"/>
           </a:p>
@@ -828,7 +1266,7 @@
           <a:p>
             <a:fld id="{63B30FCC-466E-4632-B112-2BFB79D3226B}" type="datetimeFigureOut">
               <a:rPr lang="en-US" smtClean="0"/>
-              <a:t>4/14/2015</a:t>
+              <a:t>4/20/2015</a:t>
             </a:fld>
             <a:endParaRPr lang="en-US"/>
           </a:p>
@@ -1074,7 +1512,7 @@
           <a:p>
             <a:fld id="{63B30FCC-466E-4632-B112-2BFB79D3226B}" type="datetimeFigureOut">
               <a:rPr lang="en-US" smtClean="0"/>
-              <a:t>4/14/2015</a:t>
+              <a:t>4/20/2015</a:t>
             </a:fld>
             <a:endParaRPr lang="en-US"/>
           </a:p>
@@ -1362,7 +1800,7 @@
           <a:p>
             <a:fld id="{63B30FCC-466E-4632-B112-2BFB79D3226B}" type="datetimeFigureOut">
               <a:rPr lang="en-US" smtClean="0"/>
-              <a:t>4/14/2015</a:t>
+              <a:t>4/20/2015</a:t>
             </a:fld>
             <a:endParaRPr lang="en-US"/>
           </a:p>
@@ -1784,7 +2222,7 @@
           <a:p>
             <a:fld id="{63B30FCC-466E-4632-B112-2BFB79D3226B}" type="datetimeFigureOut">
               <a:rPr lang="en-US" smtClean="0"/>
-              <a:t>4/14/2015</a:t>
+              <a:t>4/20/2015</a:t>
             </a:fld>
             <a:endParaRPr lang="en-US"/>
           </a:p>
@@ -1902,7 +2340,7 @@
           <a:p>
             <a:fld id="{63B30FCC-466E-4632-B112-2BFB79D3226B}" type="datetimeFigureOut">
               <a:rPr lang="en-US" smtClean="0"/>
-              <a:t>4/14/2015</a:t>
+              <a:t>4/20/2015</a:t>
             </a:fld>
             <a:endParaRPr lang="en-US"/>
           </a:p>
@@ -1997,7 +2435,7 @@
           <a:p>
             <a:fld id="{63B30FCC-466E-4632-B112-2BFB79D3226B}" type="datetimeFigureOut">
               <a:rPr lang="en-US" smtClean="0"/>
-              <a:t>4/14/2015</a:t>
+              <a:t>4/20/2015</a:t>
             </a:fld>
             <a:endParaRPr lang="en-US"/>
           </a:p>
@@ -2274,7 +2712,7 @@
           <a:p>
             <a:fld id="{63B30FCC-466E-4632-B112-2BFB79D3226B}" type="datetimeFigureOut">
               <a:rPr lang="en-US" smtClean="0"/>
-              <a:t>4/14/2015</a:t>
+              <a:t>4/20/2015</a:t>
             </a:fld>
             <a:endParaRPr lang="en-US"/>
           </a:p>
@@ -2527,7 +2965,7 @@
           <a:p>
             <a:fld id="{63B30FCC-466E-4632-B112-2BFB79D3226B}" type="datetimeFigureOut">
               <a:rPr lang="en-US" smtClean="0"/>
-              <a:t>4/14/2015</a:t>
+              <a:t>4/20/2015</a:t>
             </a:fld>
             <a:endParaRPr lang="en-US"/>
           </a:p>
@@ -2740,7 +3178,7 @@
           <a:p>
             <a:fld id="{63B30FCC-466E-4632-B112-2BFB79D3226B}" type="datetimeFigureOut">
               <a:rPr lang="en-US" smtClean="0"/>
-              <a:t>4/14/2015</a:t>
+              <a:t>4/20/2015</a:t>
             </a:fld>
             <a:endParaRPr lang="en-US"/>
           </a:p>
@@ -3183,11 +3621,7 @@
             <a:pPr algn="r"/>
             <a:r>
               <a:rPr lang="ru-RU" dirty="0" smtClean="0"/>
-              <a:t>Научные </a:t>
-            </a:r>
-            <a:r>
-              <a:rPr lang="ru-RU" dirty="0" smtClean="0"/>
-              <a:t>руководители:</a:t>
+              <a:t>Научные руководители:</a:t>
             </a:r>
             <a:endParaRPr lang="en-US" dirty="0" smtClean="0"/>
           </a:p>
@@ -3195,21 +3629,12 @@
             <a:pPr algn="r"/>
             <a:r>
               <a:rPr lang="ru-RU" dirty="0" smtClean="0"/>
-              <a:t>Петровский М.И.</a:t>
-            </a:r>
-            <a:endParaRPr lang="ru-RU" dirty="0" smtClean="0"/>
-          </a:p>
-          <a:p>
-            <a:pPr algn="r"/>
-            <a:r>
-              <a:rPr lang="ru-RU" dirty="0" smtClean="0"/>
               <a:t>Царёв </a:t>
             </a:r>
             <a:r>
               <a:rPr lang="ru-RU" dirty="0" smtClean="0"/>
               <a:t>Д.В.</a:t>
             </a:r>
-            <a:endParaRPr lang="ru-RU" dirty="0" smtClean="0"/>
           </a:p>
         </p:txBody>
       </p:sp>
@@ -3223,6 +3648,13 @@
   <p:clrMapOvr>
     <a:masterClrMapping/>
   </p:clrMapOvr>
+  <p:timing>
+    <p:tnLst>
+      <p:par>
+        <p:cTn id="1" dur="indefinite" restart="never" nodeType="tmRoot"/>
+      </p:par>
+    </p:tnLst>
+  </p:timing>
 </p:sld>
 </file>
 
@@ -3374,6 +3806,13 @@
   <p:clrMapOvr>
     <a:masterClrMapping/>
   </p:clrMapOvr>
+  <p:timing>
+    <p:tnLst>
+      <p:par>
+        <p:cTn id="1" dur="indefinite" restart="never" nodeType="tmRoot"/>
+      </p:par>
+    </p:tnLst>
+  </p:timing>
 </p:sld>
 </file>
 
@@ -3479,19 +3918,7 @@
             <a:pPr marL="742950" lvl="2" indent="-342900"/>
             <a:r>
               <a:rPr lang="ru-RU" dirty="0" smtClean="0"/>
-              <a:t>Высокая </a:t>
-            </a:r>
-            <a:r>
-              <a:rPr lang="ru-RU" smtClean="0"/>
-              <a:t>вычислительная сложность</a:t>
-            </a:r>
-            <a:endParaRPr lang="ru-RU" dirty="0" smtClean="0"/>
-          </a:p>
-          <a:p>
-            <a:pPr marL="742950" lvl="2" indent="-342900"/>
-            <a:r>
-              <a:rPr lang="ru-RU" dirty="0" smtClean="0"/>
-              <a:t>Нет возможности добавления новых тем</a:t>
+              <a:t>Алгоритмы либо не имеют возможности дообучения, либо показывают низкую точность</a:t>
             </a:r>
           </a:p>
           <a:p>
@@ -3510,6 +3937,13 @@
   <p:clrMapOvr>
     <a:masterClrMapping/>
   </p:clrMapOvr>
+  <p:timing>
+    <p:tnLst>
+      <p:par>
+        <p:cTn id="1" dur="indefinite" restart="never" nodeType="tmRoot"/>
+      </p:par>
+    </p:tnLst>
+  </p:timing>
 </p:sld>
 </file>
 
@@ -3547,6 +3981,7 @@
           </a:bodyPr>
           <a:lstStyle/>
           <a:p>
+            <a:pPr algn="l"/>
             <a:r>
               <a:rPr lang="ru-RU" sz="3600" dirty="0" smtClean="0"/>
               <a:t>Метод многотемной классификации на основе подхода попарных сравнений</a:t>
@@ -3568,70 +4003,18 @@
         <p:spPr>
           <a:xfrm>
             <a:off x="457200" y="1600200"/>
-            <a:ext cx="4834880" cy="4997152"/>
+            <a:ext cx="8579296" cy="1252736"/>
           </a:xfrm>
         </p:spPr>
         <p:txBody>
           <a:bodyPr>
-            <a:normAutofit fontScale="70000" lnSpcReduction="20000"/>
+            <a:normAutofit fontScale="62500" lnSpcReduction="20000"/>
           </a:bodyPr>
           <a:lstStyle/>
           <a:p>
-            <a:pPr marL="0" indent="0">
-              <a:buNone/>
-            </a:pPr>
-            <a:r>
-              <a:rPr lang="ru-RU" dirty="0" smtClean="0"/>
-              <a:t>Метод, разработанный в лаборатории Технологий Программирования:</a:t>
-            </a:r>
-          </a:p>
-          <a:p>
-            <a:pPr lvl="1"/>
-            <a:r>
-              <a:rPr lang="ru-RU" dirty="0" smtClean="0"/>
-              <a:t>Основан на подходе декомпозиции на бинарные подпроблемы</a:t>
-            </a:r>
-          </a:p>
-          <a:p>
-            <a:pPr lvl="1"/>
-            <a:r>
-              <a:rPr lang="ru-RU" dirty="0" smtClean="0"/>
-              <a:t>Декомпозиция «каждый-против-каждого»</a:t>
-            </a:r>
-          </a:p>
-          <a:p>
-            <a:pPr lvl="2"/>
-            <a:r>
-              <a:rPr lang="ru-RU" dirty="0" smtClean="0"/>
-              <a:t>Повышение качества классификации</a:t>
-            </a:r>
-          </a:p>
-          <a:p>
-            <a:pPr lvl="2"/>
-            <a:r>
-              <a:rPr lang="ru-RU" dirty="0" smtClean="0"/>
-              <a:t>Уменьшения размера каждой из бинарных проблем по сравнению с традиционным подходом</a:t>
-            </a:r>
-          </a:p>
-          <a:p>
-            <a:pPr lvl="1"/>
-            <a:r>
-              <a:rPr lang="ru-RU" dirty="0" smtClean="0"/>
-              <a:t>Уменьшение пространства, в котором ищется пороговая функция</a:t>
-            </a:r>
-          </a:p>
-          <a:p>
-            <a:pPr lvl="2"/>
-            <a:r>
-              <a:rPr lang="ru-RU" dirty="0" smtClean="0"/>
-              <a:t>Меньшая вычислительная сложность по сравнению с традиционным подходом</a:t>
-            </a:r>
-          </a:p>
-          <a:p>
-            <a:pPr lvl="1"/>
-            <a:r>
-              <a:rPr lang="ru-RU" dirty="0" smtClean="0"/>
-              <a:t>Метод ранжирования для существенно пересекающихся классов</a:t>
+            <a:r>
+              <a:rPr lang="ru-RU" dirty="0" smtClean="0"/>
+              <a:t>Рассмотренные подходы не учитывают специфику задачи, поэтому в лаборатории Технологий Программирования был разработан метод, основанный на подходе декомпозиции на бинарные подпроблемы, что обеспечивает возможность дообучения, удаления, и добавления тематик</a:t>
             </a:r>
           </a:p>
           <a:p>
@@ -3667,7 +4050,7 @@
         </p:blipFill>
         <p:spPr bwMode="auto">
           <a:xfrm>
-            <a:off x="5153537" y="2317408"/>
+            <a:off x="5008277" y="3375026"/>
             <a:ext cx="4019855" cy="2915104"/>
           </a:xfrm>
           <a:prstGeom prst="rect">
@@ -3708,6 +4091,109 @@
           </a:extLst>
         </p:spPr>
       </p:pic>
+      <p:sp>
+        <p:nvSpPr>
+          <p:cNvPr id="5" name="Прямоугольник 4"/>
+          <p:cNvSpPr/>
+          <p:nvPr/>
+        </p:nvSpPr>
+        <p:spPr>
+          <a:xfrm>
+            <a:off x="463666" y="2610683"/>
+            <a:ext cx="4572000" cy="4247317"/>
+          </a:xfrm>
+          <a:prstGeom prst="rect">
+            <a:avLst/>
+          </a:prstGeom>
+        </p:spPr>
+        <p:txBody>
+          <a:bodyPr>
+            <a:spAutoFit/>
+          </a:bodyPr>
+          <a:lstStyle/>
+          <a:p>
+            <a:r>
+              <a:rPr lang="ru-RU" dirty="0" smtClean="0"/>
+              <a:t>Модификации</a:t>
+            </a:r>
+          </a:p>
+          <a:p>
+            <a:pPr marL="342900" indent="-342900">
+              <a:buFont typeface="Arial" pitchFamily="34" charset="0"/>
+              <a:buChar char="•"/>
+            </a:pPr>
+            <a:r>
+              <a:rPr lang="ru-RU" dirty="0" smtClean="0"/>
+              <a:t>Декомпозиция </a:t>
+            </a:r>
+            <a:r>
+              <a:rPr lang="ru-RU" dirty="0"/>
+              <a:t>«каждый-против-каждого»</a:t>
+            </a:r>
+          </a:p>
+          <a:p>
+            <a:pPr marL="742950" lvl="1" indent="-285750">
+              <a:buFont typeface="Arial" pitchFamily="34" charset="0"/>
+              <a:buChar char="•"/>
+            </a:pPr>
+            <a:r>
+              <a:rPr lang="ru-RU" dirty="0"/>
+              <a:t>Повышение качества классификации</a:t>
+            </a:r>
+          </a:p>
+          <a:p>
+            <a:pPr marL="742950" lvl="1" indent="-285750">
+              <a:buFont typeface="Arial" pitchFamily="34" charset="0"/>
+              <a:buChar char="•"/>
+            </a:pPr>
+            <a:r>
+              <a:rPr lang="ru-RU" dirty="0"/>
+              <a:t>Уменьшения размера каждой из бинарных проблем по сравнению с традиционным подходом</a:t>
+            </a:r>
+          </a:p>
+          <a:p>
+            <a:pPr marL="285750" indent="-285750">
+              <a:buFont typeface="Arial" pitchFamily="34" charset="0"/>
+              <a:buChar char="•"/>
+            </a:pPr>
+            <a:r>
+              <a:rPr lang="ru-RU" dirty="0"/>
+              <a:t>Уменьшение пространства, в котором ищется пороговая функция</a:t>
+            </a:r>
+          </a:p>
+          <a:p>
+            <a:pPr marL="742950" lvl="1" indent="-285750">
+              <a:buFont typeface="Arial" pitchFamily="34" charset="0"/>
+              <a:buChar char="•"/>
+            </a:pPr>
+            <a:r>
+              <a:rPr lang="ru-RU" dirty="0"/>
+              <a:t>Меньшая вычислительная сложность по сравнению с традиционным подходом</a:t>
+            </a:r>
+          </a:p>
+          <a:p>
+            <a:pPr marL="285750" indent="-285750">
+              <a:buFont typeface="Arial" pitchFamily="34" charset="0"/>
+              <a:buChar char="•"/>
+            </a:pPr>
+            <a:r>
+              <a:rPr lang="ru-RU" dirty="0"/>
+              <a:t>Метод ранжирования для существенно пересекающихся классов</a:t>
+            </a:r>
+          </a:p>
+          <a:p>
+            <a:pPr marL="742950" lvl="1" indent="-285750">
+              <a:buFont typeface="Arial" pitchFamily="34" charset="0"/>
+              <a:buChar char="•"/>
+            </a:pPr>
+            <a:r>
+              <a:rPr lang="ru-RU" dirty="0"/>
+              <a:t>Повышение точности</a:t>
+            </a:r>
+            <a:endParaRPr lang="en-US" dirty="0"/>
+          </a:p>
+        </p:txBody>
+      </p:sp>
     </p:spTree>
     <p:extLst>
       <p:ext uri="{BB962C8B-B14F-4D97-AF65-F5344CB8AC3E}">
@@ -3718,6 +4204,13 @@
   <p:clrMapOvr>
     <a:masterClrMapping/>
   </p:clrMapOvr>
+  <p:timing>
+    <p:tnLst>
+      <p:par>
+        <p:cTn id="1" dur="indefinite" restart="never" nodeType="tmRoot"/>
+      </p:par>
+    </p:tnLst>
+  </p:timing>
 </p:sld>
 </file>
 
@@ -3773,21 +4266,116 @@
             <p:ph idx="1"/>
           </p:nvPr>
         </p:nvSpPr>
-        <p:spPr>
-          <a:xfrm>
-            <a:off x="539552" y="5661248"/>
-            <a:ext cx="8229600" cy="896963"/>
-          </a:xfrm>
-        </p:spPr>
+        <p:spPr/>
         <p:txBody>
           <a:bodyPr>
-            <a:normAutofit fontScale="55000" lnSpcReduction="20000"/>
+            <a:normAutofit/>
           </a:bodyPr>
           <a:lstStyle/>
           <a:p>
             <a:r>
               <a:rPr lang="ru-RU" dirty="0" smtClean="0"/>
-              <a:t>Так как ни один из традиционных подходов не удовлетворяет требованиям, то был выбран метод, разработанный в лаборатории Технологий Программирования, отвечающий всем поставленным требованиям</a:t>
+              <a:t>Ни один из существующих традиционных подходов не удовлетворяет поставленным требованиям</a:t>
+            </a:r>
+          </a:p>
+          <a:p>
+            <a:r>
+              <a:rPr lang="ru-RU" dirty="0"/>
+              <a:t>В</a:t>
+            </a:r>
+            <a:r>
+              <a:rPr lang="ru-RU" dirty="0" smtClean="0"/>
+              <a:t>ыбран метод </a:t>
+            </a:r>
+            <a:r>
+              <a:rPr lang="ru-RU" dirty="0"/>
+              <a:t>на основе подхода попарных сравнений</a:t>
+            </a:r>
+            <a:r>
+              <a:rPr lang="ru-RU" dirty="0" smtClean="0"/>
+              <a:t>, разработанный в лаборатории Технологий Программирования , который учитывает специфику поставленной задачи</a:t>
+            </a:r>
+            <a:endParaRPr lang="en-US" dirty="0" smtClean="0"/>
+          </a:p>
+          <a:p>
+            <a:pPr lvl="1"/>
+            <a:endParaRPr lang="ru-RU" dirty="0" smtClean="0"/>
+          </a:p>
+          <a:p>
+            <a:pPr lvl="1"/>
+            <a:endParaRPr lang="ru-RU" dirty="0" smtClean="0"/>
+          </a:p>
+          <a:p>
+            <a:pPr lvl="1"/>
+            <a:endParaRPr lang="ru-RU" dirty="0" smtClean="0"/>
+          </a:p>
+          <a:p>
+            <a:pPr lvl="1"/>
+            <a:endParaRPr lang="ru-RU" dirty="0" smtClean="0"/>
+          </a:p>
+          <a:p>
+            <a:pPr lvl="1"/>
+            <a:endParaRPr lang="ru-RU" dirty="0" smtClean="0"/>
+          </a:p>
+        </p:txBody>
+      </p:sp>
+    </p:spTree>
+    <p:extLst>
+      <p:ext uri="{BB962C8B-B14F-4D97-AF65-F5344CB8AC3E}">
+        <p14:creationId xmlns:p14="http://schemas.microsoft.com/office/powerpoint/2010/main" val="2381797986"/>
+      </p:ext>
+    </p:extLst>
+  </p:cSld>
+  <p:clrMapOvr>
+    <a:masterClrMapping/>
+  </p:clrMapOvr>
+  <p:timing>
+    <p:tnLst>
+      <p:par>
+        <p:cTn id="1" dur="indefinite" restart="never" nodeType="tmRoot"/>
+      </p:par>
+    </p:tnLst>
+  </p:timing>
+</p:sld>
+</file>
+
+<file path=ppt/slides/slide14.xml><?xml version="1.0" encoding="utf-8"?>
+<p:sld xmlns:a="http://schemas.openxmlformats.org/drawingml/2006/main" xmlns:r="http://schemas.openxmlformats.org/officeDocument/2006/relationships" xmlns:p="http://schemas.openxmlformats.org/presentationml/2006/main" show="0">
+  <p:cSld>
+    <p:spTree>
+      <p:nvGrpSpPr>
+        <p:cNvPr id="1" name=""/>
+        <p:cNvGrpSpPr/>
+        <p:nvPr/>
+      </p:nvGrpSpPr>
+      <p:grpSpPr>
+        <a:xfrm>
+          <a:off x="0" y="0"/>
+          <a:ext cx="0" cy="0"/>
+          <a:chOff x="0" y="0"/>
+          <a:chExt cx="0" cy="0"/>
+        </a:xfrm>
+      </p:grpSpPr>
+      <p:sp>
+        <p:nvSpPr>
+          <p:cNvPr id="2" name="Заголовок 1"/>
+          <p:cNvSpPr>
+            <a:spLocks noGrp="1"/>
+          </p:cNvSpPr>
+          <p:nvPr>
+            <p:ph type="title"/>
+          </p:nvPr>
+        </p:nvSpPr>
+        <p:spPr/>
+        <p:txBody>
+          <a:bodyPr>
+            <a:normAutofit fontScale="90000"/>
+          </a:bodyPr>
+          <a:lstStyle/>
+          <a:p>
+            <a:r>
+              <a:rPr lang="ru-RU" dirty="0" smtClean="0"/>
+              <a:t>Обзор методов многотемной классификации</a:t>
             </a:r>
             <a:endParaRPr lang="en-US" dirty="0"/>
           </a:p>
@@ -3802,14 +4390,14 @@
           <p:nvPr>
             <p:extLst>
               <p:ext uri="{D42A27DB-BD31-4B8C-83A1-F6EECF244321}">
-                <p14:modId xmlns:p14="http://schemas.microsoft.com/office/powerpoint/2010/main" val="2065490268"/>
+                <p14:modId xmlns:p14="http://schemas.microsoft.com/office/powerpoint/2010/main" val="1679100491"/>
               </p:ext>
             </p:extLst>
           </p:nvPr>
         </p:nvGraphicFramePr>
         <p:xfrm>
-          <a:off x="683568" y="1628800"/>
-          <a:ext cx="7848872" cy="4016764"/>
+          <a:off x="683568" y="1556792"/>
+          <a:ext cx="7848872" cy="5205484"/>
         </p:xfrm>
         <a:graphic>
           <a:graphicData uri="http://schemas.openxmlformats.org/drawingml/2006/table">
@@ -3818,8 +4406,8 @@
                 <a:tableStyleId>{5C22544A-7EE6-4342-B048-85BDC9FD1C3A}</a:tableStyleId>
               </a:tblPr>
               <a:tblGrid>
-                <a:gridCol w="2829165"/>
-                <a:gridCol w="5019707"/>
+                <a:gridCol w="2808312"/>
+                <a:gridCol w="5040560"/>
               </a:tblGrid>
               <a:tr h="450604">
                 <a:tc>
@@ -3855,17 +4443,17 @@
                   <a:tcPr/>
                 </a:tc>
               </a:tr>
-              <a:tr h="1277588">
+              <a:tr h="643720">
                 <a:tc>
                   <a:txBody>
                     <a:bodyPr/>
                     <a:lstStyle/>
                     <a:p>
-                      <a:pPr lvl="1"/>
                       <a:r>
                         <a:rPr lang="ru-RU" dirty="0" smtClean="0"/>
                         <a:t>Оптимизационный подход</a:t>
                       </a:r>
+                      <a:endParaRPr lang="en-US" dirty="0"/>
                     </a:p>
                   </a:txBody>
                   <a:tcPr/>
@@ -3909,9 +4497,9 @@
                       </a:r>
                     </a:p>
                     <a:p>
-                      <a:pPr marL="285750" indent="-285750">
+                      <a:pPr marL="0" indent="0">
                         <a:buFont typeface="Arial" pitchFamily="34" charset="0"/>
-                        <a:buChar char="•"/>
+                        <a:buNone/>
                       </a:pPr>
                       <a:endParaRPr lang="en-US" dirty="0"/>
                     </a:p>
@@ -3919,17 +4507,21 @@
                   <a:tcPr/>
                 </a:tc>
               </a:tr>
-              <a:tr h="836837">
+              <a:tr h="643720">
                 <a:tc>
                   <a:txBody>
                     <a:bodyPr/>
                     <a:lstStyle/>
                     <a:p>
-                      <a:pPr lvl="1"/>
                       <a:r>
                         <a:rPr lang="ru-RU" dirty="0" smtClean="0"/>
-                        <a:t>Подход на основе декомпозиции в набор независимых бинарных проблем </a:t>
+                        <a:t>Подход</a:t>
                       </a:r>
+                      <a:r>
+                        <a:rPr lang="ru-RU" baseline="0" dirty="0" smtClean="0"/>
+                        <a:t> на основе декомпозиции в набор независимых бинарных проблем</a:t>
+                      </a:r>
+                      <a:endParaRPr lang="en-US" dirty="0"/>
                     </a:p>
                   </a:txBody>
                   <a:tcPr/>
@@ -3961,6 +4553,13 @@
                         <a:rPr lang="ru-RU" baseline="0" dirty="0" smtClean="0"/>
                         <a:t>Высокая вычислительная сложность</a:t>
                       </a:r>
+                      <a:endParaRPr lang="en-US" dirty="0" smtClean="0"/>
+                    </a:p>
+                    <a:p>
+                      <a:pPr marL="0" indent="0">
+                        <a:buFont typeface="Arial" pitchFamily="34" charset="0"/>
+                        <a:buNone/>
+                      </a:pPr>
                       <a:endParaRPr lang="en-US" dirty="0"/>
                     </a:p>
                   </a:txBody>
@@ -3973,13 +4572,10 @@
                     <a:bodyPr/>
                     <a:lstStyle/>
                     <a:p>
-                      <a:pPr lvl="1"/>
                       <a:r>
                         <a:rPr lang="ru-RU" dirty="0" smtClean="0"/>
                         <a:t>Подход на основе ранжирования</a:t>
                       </a:r>
-                    </a:p>
-                    <a:p>
                       <a:endParaRPr lang="en-US" dirty="0"/>
                     </a:p>
                   </a:txBody>
@@ -4010,10 +4606,48 @@
                       </a:r>
                     </a:p>
                     <a:p>
+                      <a:pPr marL="0" indent="0">
+                        <a:buFont typeface="Arial" pitchFamily="34" charset="0"/>
+                        <a:buNone/>
+                      </a:pPr>
+                      <a:endParaRPr lang="en-US" dirty="0"/>
+                    </a:p>
+                  </a:txBody>
+                  <a:tcPr/>
+                </a:tc>
+              </a:tr>
+              <a:tr h="643720">
+                <a:tc>
+                  <a:txBody>
+                    <a:bodyPr/>
+                    <a:lstStyle/>
+                    <a:p>
+                      <a:r>
+                        <a:rPr lang="ru-RU" dirty="0" smtClean="0"/>
+                        <a:t>Модифицированный</a:t>
+                      </a:r>
+                      <a:r>
+                        <a:rPr lang="ru-RU" baseline="0" dirty="0" smtClean="0"/>
+                        <a:t> подход,  разработанный в лаборатории Технологий Программирования</a:t>
+                      </a:r>
+                      <a:endParaRPr lang="en-US" dirty="0"/>
+                    </a:p>
+                  </a:txBody>
+                  <a:tcPr/>
+                </a:tc>
+                <a:tc>
+                  <a:txBody>
+                    <a:bodyPr/>
+                    <a:lstStyle/>
+                    <a:p>
                       <a:pPr marL="285750" indent="-285750">
                         <a:buFont typeface="Arial" pitchFamily="34" charset="0"/>
                         <a:buChar char="•"/>
                       </a:pPr>
+                      <a:r>
+                        <a:rPr lang="ru-RU" baseline="0" dirty="0" smtClean="0"/>
+                        <a:t>Разработанный метод модифицирован с учетом недостатков существующих подходов, поэтому, с точки зрения сформулированных требований, недостатков нет</a:t>
+                      </a:r>
                       <a:endParaRPr lang="en-US" dirty="0"/>
                     </a:p>
                   </a:txBody>
@@ -4034,172 +4668,21 @@
   <p:clrMapOvr>
     <a:masterClrMapping/>
   </p:clrMapOvr>
-</p:sld>
-</file>
-
-<file path=ppt/slides/slide14.xml><?xml version="1.0" encoding="utf-8"?>
-<p:sld xmlns:a="http://schemas.openxmlformats.org/drawingml/2006/main" xmlns:r="http://schemas.openxmlformats.org/officeDocument/2006/relationships" xmlns:p="http://schemas.openxmlformats.org/presentationml/2006/main">
-  <p:cSld>
-    <p:spTree>
-      <p:nvGrpSpPr>
-        <p:cNvPr id="1" name=""/>
-        <p:cNvGrpSpPr/>
-        <p:nvPr/>
-      </p:nvGrpSpPr>
-      <p:grpSpPr>
-        <a:xfrm>
-          <a:off x="0" y="0"/>
-          <a:ext cx="0" cy="0"/>
-          <a:chOff x="0" y="0"/>
-          <a:chExt cx="0" cy="0"/>
-        </a:xfrm>
-      </p:grpSpPr>
-      <p:sp>
-        <p:nvSpPr>
-          <p:cNvPr id="2" name="Заголовок 1"/>
-          <p:cNvSpPr>
-            <a:spLocks noGrp="1"/>
-          </p:cNvSpPr>
-          <p:nvPr>
-            <p:ph type="title"/>
-          </p:nvPr>
-        </p:nvSpPr>
-        <p:spPr/>
-        <p:txBody>
-          <a:bodyPr>
-            <a:normAutofit fontScale="90000"/>
-          </a:bodyPr>
-          <a:lstStyle/>
-          <a:p>
-            <a:r>
-              <a:rPr lang="ru-RU" dirty="0"/>
-              <a:t>Исследование и построение решения</a:t>
-            </a:r>
-            <a:endParaRPr lang="en-US" dirty="0"/>
-          </a:p>
-        </p:txBody>
-      </p:sp>
-      <p:sp>
-        <p:nvSpPr>
-          <p:cNvPr id="3" name="Объект 2"/>
-          <p:cNvSpPr>
-            <a:spLocks noGrp="1"/>
-          </p:cNvSpPr>
-          <p:nvPr>
-            <p:ph idx="1"/>
-          </p:nvPr>
-        </p:nvSpPr>
-        <p:spPr/>
-        <p:txBody>
-          <a:bodyPr>
-            <a:normAutofit fontScale="85000" lnSpcReduction="20000"/>
-          </a:bodyPr>
-          <a:lstStyle/>
-          <a:p>
-            <a:r>
-              <a:rPr lang="ru-RU" dirty="0" smtClean="0"/>
-              <a:t>Реализовать </a:t>
-            </a:r>
-            <a:r>
-              <a:rPr lang="ru-RU" dirty="0" smtClean="0"/>
-              <a:t>прототип системы многотемной классификации веб-страниц, </a:t>
-            </a:r>
-            <a:r>
-              <a:rPr lang="ru-RU" dirty="0" smtClean="0"/>
-              <a:t>состоящую из</a:t>
-            </a:r>
-          </a:p>
-          <a:p>
-            <a:pPr lvl="1"/>
-            <a:r>
-              <a:rPr lang="ru-RU" dirty="0" smtClean="0"/>
-              <a:t>Системы сбора</a:t>
-            </a:r>
-          </a:p>
-          <a:p>
-            <a:pPr lvl="2"/>
-            <a:r>
-              <a:rPr lang="ru-RU" dirty="0" smtClean="0"/>
-              <a:t>Агент мониторинга</a:t>
-            </a:r>
-            <a:endParaRPr lang="ru-RU" dirty="0" smtClean="0"/>
-          </a:p>
-          <a:p>
-            <a:pPr lvl="3"/>
-            <a:r>
-              <a:rPr lang="ru-RU" dirty="0" smtClean="0"/>
-              <a:t>Сохранение просмотренных пользователем веб-страниц в локальную файловую систему</a:t>
-            </a:r>
-          </a:p>
-          <a:p>
-            <a:pPr lvl="3"/>
-            <a:r>
-              <a:rPr lang="ru-RU" dirty="0" smtClean="0"/>
-              <a:t>Передача данных агенту </a:t>
-            </a:r>
-            <a:r>
-              <a:rPr lang="ru-RU" dirty="0" smtClean="0"/>
-              <a:t>консолидации</a:t>
-            </a:r>
-          </a:p>
-          <a:p>
-            <a:pPr lvl="2"/>
-            <a:r>
-              <a:rPr lang="ru-RU" dirty="0" smtClean="0"/>
-              <a:t>Агент </a:t>
-            </a:r>
-            <a:r>
-              <a:rPr lang="ru-RU" dirty="0" smtClean="0"/>
-              <a:t>консолидации</a:t>
-            </a:r>
-          </a:p>
-          <a:p>
-            <a:pPr lvl="3"/>
-            <a:r>
-              <a:rPr lang="ru-RU" dirty="0" smtClean="0"/>
-              <a:t>Сбор данных от агентов мониторинга</a:t>
-            </a:r>
-          </a:p>
-          <a:p>
-            <a:pPr lvl="3"/>
-            <a:r>
-              <a:rPr lang="ru-RU" dirty="0" smtClean="0"/>
-              <a:t>Сохранение в единую базу данных</a:t>
-            </a:r>
-          </a:p>
-          <a:p>
-            <a:pPr lvl="1"/>
-            <a:r>
-              <a:rPr lang="ru-RU" dirty="0" smtClean="0"/>
-              <a:t>Модуля классификации</a:t>
-            </a:r>
-          </a:p>
-          <a:p>
-            <a:pPr lvl="2"/>
-            <a:r>
-              <a:rPr lang="ru-RU" dirty="0" smtClean="0"/>
-              <a:t>Обучение на тренировочном наборе, с возможностью дообучения</a:t>
-            </a:r>
-          </a:p>
-          <a:p>
-            <a:pPr lvl="2"/>
-            <a:r>
-              <a:rPr lang="ru-RU" dirty="0" smtClean="0"/>
-              <a:t>Предобработка и классификация веб-страниц, хранящихся в базе данных</a:t>
-            </a:r>
-          </a:p>
-        </p:txBody>
-      </p:sp>
-    </p:spTree>
-    <p:extLst>
-      <p:ext uri="{BB962C8B-B14F-4D97-AF65-F5344CB8AC3E}">
-        <p14:creationId xmlns:p14="http://schemas.microsoft.com/office/powerpoint/2010/main" val="3005193644"/>
-      </p:ext>
-    </p:extLst>
-  </p:cSld>
-  <p:clrMapOvr>
-    <a:masterClrMapping/>
-  </p:clrMapOvr>
+  <mc:AlternateContent xmlns:mc="http://schemas.openxmlformats.org/markup-compatibility/2006" xmlns:p14="http://schemas.microsoft.com/office/powerpoint/2010/main">
+    <mc:Choice Requires="p14">
+      <p:transition spd="slow" p14:dur="2000"/>
+    </mc:Choice>
+    <mc:Fallback xmlns="">
+      <p:transition spd="slow"/>
+    </mc:Fallback>
+  </mc:AlternateContent>
+  <p:timing>
+    <p:tnLst>
+      <p:par>
+        <p:cTn id="1" dur="indefinite" restart="never" nodeType="tmRoot"/>
+      </p:par>
+    </p:tnLst>
+  </p:timing>
 </p:sld>
 </file>
 
@@ -4238,6 +4721,162 @@
           <a:lstStyle/>
           <a:p>
             <a:r>
+              <a:rPr lang="ru-RU" dirty="0"/>
+              <a:t>Исследование и построение решения</a:t>
+            </a:r>
+            <a:endParaRPr lang="en-US" dirty="0"/>
+          </a:p>
+        </p:txBody>
+      </p:sp>
+      <p:sp>
+        <p:nvSpPr>
+          <p:cNvPr id="3" name="Объект 2"/>
+          <p:cNvSpPr>
+            <a:spLocks noGrp="1"/>
+          </p:cNvSpPr>
+          <p:nvPr>
+            <p:ph idx="1"/>
+          </p:nvPr>
+        </p:nvSpPr>
+        <p:spPr/>
+        <p:txBody>
+          <a:bodyPr>
+            <a:normAutofit fontScale="85000" lnSpcReduction="20000"/>
+          </a:bodyPr>
+          <a:lstStyle/>
+          <a:p>
+            <a:r>
+              <a:rPr lang="ru-RU" dirty="0" smtClean="0"/>
+              <a:t>Реализовать прототип системы многотемной классификации веб-страниц, состоящую из</a:t>
+            </a:r>
+          </a:p>
+          <a:p>
+            <a:pPr lvl="1"/>
+            <a:r>
+              <a:rPr lang="ru-RU" dirty="0" smtClean="0"/>
+              <a:t>Системы сбора</a:t>
+            </a:r>
+          </a:p>
+          <a:p>
+            <a:pPr lvl="2"/>
+            <a:r>
+              <a:rPr lang="ru-RU" dirty="0" smtClean="0"/>
+              <a:t>Агент мониторинга</a:t>
+            </a:r>
+          </a:p>
+          <a:p>
+            <a:pPr lvl="3"/>
+            <a:r>
+              <a:rPr lang="ru-RU" dirty="0" smtClean="0"/>
+              <a:t>Сохранение просмотренных пользователем веб-страниц в локальную файловую систему</a:t>
+            </a:r>
+          </a:p>
+          <a:p>
+            <a:pPr lvl="3"/>
+            <a:r>
+              <a:rPr lang="ru-RU" dirty="0" smtClean="0"/>
+              <a:t>Передача данных агенту консолидации</a:t>
+            </a:r>
+          </a:p>
+          <a:p>
+            <a:pPr lvl="2"/>
+            <a:r>
+              <a:rPr lang="ru-RU" dirty="0" smtClean="0"/>
+              <a:t>Агент консолидации</a:t>
+            </a:r>
+          </a:p>
+          <a:p>
+            <a:pPr lvl="3"/>
+            <a:r>
+              <a:rPr lang="ru-RU" dirty="0" smtClean="0"/>
+              <a:t>Сбор данных от агентов мониторинга</a:t>
+            </a:r>
+          </a:p>
+          <a:p>
+            <a:pPr lvl="3"/>
+            <a:r>
+              <a:rPr lang="ru-RU" dirty="0" smtClean="0"/>
+              <a:t>Сохранение в единую базу данных</a:t>
+            </a:r>
+          </a:p>
+          <a:p>
+            <a:pPr lvl="1"/>
+            <a:r>
+              <a:rPr lang="ru-RU" dirty="0" smtClean="0"/>
+              <a:t>Модуля классификации</a:t>
+            </a:r>
+          </a:p>
+          <a:p>
+            <a:pPr lvl="2"/>
+            <a:r>
+              <a:rPr lang="ru-RU" dirty="0" smtClean="0"/>
+              <a:t>Обучение на тренировочном наборе, с возможностью дообучения</a:t>
+            </a:r>
+          </a:p>
+          <a:p>
+            <a:pPr lvl="2"/>
+            <a:r>
+              <a:rPr lang="ru-RU" dirty="0" smtClean="0"/>
+              <a:t>Предобработка и классификация веб-страниц, хранящихся в базе данных</a:t>
+            </a:r>
+          </a:p>
+        </p:txBody>
+      </p:sp>
+    </p:spTree>
+    <p:extLst>
+      <p:ext uri="{BB962C8B-B14F-4D97-AF65-F5344CB8AC3E}">
+        <p14:creationId xmlns:p14="http://schemas.microsoft.com/office/powerpoint/2010/main" val="3005193644"/>
+      </p:ext>
+    </p:extLst>
+  </p:cSld>
+  <p:clrMapOvr>
+    <a:masterClrMapping/>
+  </p:clrMapOvr>
+  <p:timing>
+    <p:tnLst>
+      <p:par>
+        <p:cTn id="1" dur="indefinite" restart="never" nodeType="tmRoot"/>
+      </p:par>
+    </p:tnLst>
+  </p:timing>
+</p:sld>
+</file>
+
+<file path=ppt/slides/slide16.xml><?xml version="1.0" encoding="utf-8"?>
+<p:sld xmlns:a="http://schemas.openxmlformats.org/drawingml/2006/main" xmlns:r="http://schemas.openxmlformats.org/officeDocument/2006/relationships" xmlns:p="http://schemas.openxmlformats.org/presentationml/2006/main">
+  <p:cSld>
+    <p:spTree>
+      <p:nvGrpSpPr>
+        <p:cNvPr id="1" name=""/>
+        <p:cNvGrpSpPr/>
+        <p:nvPr/>
+      </p:nvGrpSpPr>
+      <p:grpSpPr>
+        <a:xfrm>
+          <a:off x="0" y="0"/>
+          <a:ext cx="0" cy="0"/>
+          <a:chOff x="0" y="0"/>
+          <a:chExt cx="0" cy="0"/>
+        </a:xfrm>
+      </p:grpSpPr>
+      <p:sp>
+        <p:nvSpPr>
+          <p:cNvPr id="2" name="Заголовок 1"/>
+          <p:cNvSpPr>
+            <a:spLocks noGrp="1"/>
+          </p:cNvSpPr>
+          <p:nvPr>
+            <p:ph type="title"/>
+          </p:nvPr>
+        </p:nvSpPr>
+        <p:spPr/>
+        <p:txBody>
+          <a:bodyPr>
+            <a:normAutofit fontScale="90000"/>
+          </a:bodyPr>
+          <a:lstStyle/>
+          <a:p>
+            <a:r>
               <a:rPr lang="ru-RU" dirty="0" smtClean="0"/>
               <a:t>Предложенное решение: агент мониторинга</a:t>
             </a:r>
@@ -4300,24 +4939,15 @@
             <a:pPr lvl="2"/>
             <a:r>
               <a:rPr lang="ru-RU" dirty="0" smtClean="0"/>
-              <a:t>При работе не происходит обработки данных, поэтому расширение не влияет на работу </a:t>
-            </a:r>
-            <a:r>
-              <a:rPr lang="ru-RU" dirty="0" smtClean="0"/>
-              <a:t>пользователя</a:t>
+              <a:t>При работе не происходит обработки данных, поэтому расширение не влияет на работу пользователя</a:t>
             </a:r>
           </a:p>
           <a:p>
             <a:pPr lvl="2"/>
             <a:r>
               <a:rPr lang="ru-RU" dirty="0" smtClean="0"/>
-              <a:t>Защищенность данных обеспечивается установлением прав доступа к директории </a:t>
-            </a:r>
-            <a:r>
-              <a:rPr lang="ru-RU" dirty="0" err="1" smtClean="0"/>
-              <a:t>храненения</a:t>
-            </a:r>
-            <a:endParaRPr lang="ru-RU" dirty="0" smtClean="0"/>
+              <a:t>Защищенность данных обеспечивается установлением прав доступа к директории хранения</a:t>
+            </a:r>
           </a:p>
           <a:p>
             <a:pPr lvl="1"/>
@@ -4351,7 +4981,7 @@
           <a:graphicData uri="http://schemas.openxmlformats.org/presentationml/2006/ole">
             <mc:AlternateContent xmlns:mc="http://schemas.openxmlformats.org/markup-compatibility/2006">
               <mc:Choice xmlns:v="urn:schemas-microsoft-com:vml" Requires="v">
-                <p:oleObj spid="_x0000_s1165" name="Acrobat Document" r:id="rId3" imgW="5476473" imgH="4790822" progId="Acrobat.Document.11">
+                <p:oleObj spid="_x0000_s1213" name="Acrobat Document" r:id="rId3" imgW="5476473" imgH="4790822" progId="Acrobat.Document.11">
                   <p:embed/>
                 </p:oleObj>
               </mc:Choice>
@@ -4396,10 +5026,17 @@
   <p:clrMapOvr>
     <a:masterClrMapping/>
   </p:clrMapOvr>
+  <p:timing>
+    <p:tnLst>
+      <p:par>
+        <p:cTn id="1" dur="indefinite" restart="never" nodeType="tmRoot"/>
+      </p:par>
+    </p:tnLst>
+  </p:timing>
 </p:sld>
 </file>
 
-<file path=ppt/slides/slide16.xml><?xml version="1.0" encoding="utf-8"?>
+<file path=ppt/slides/slide17.xml><?xml version="1.0" encoding="utf-8"?>
 <p:sld xmlns:a="http://schemas.openxmlformats.org/drawingml/2006/main" xmlns:r="http://schemas.openxmlformats.org/officeDocument/2006/relationships" xmlns:p="http://schemas.openxmlformats.org/presentationml/2006/main">
   <p:cSld>
     <p:spTree>
@@ -4569,179 +5206,6 @@
 </p:sld>
 </file>
 
-<file path=ppt/slides/slide17.xml><?xml version="1.0" encoding="utf-8"?>
-<p:sld xmlns:a="http://schemas.openxmlformats.org/drawingml/2006/main" xmlns:r="http://schemas.openxmlformats.org/officeDocument/2006/relationships" xmlns:p="http://schemas.openxmlformats.org/presentationml/2006/main">
-  <p:cSld>
-    <p:spTree>
-      <p:nvGrpSpPr>
-        <p:cNvPr id="1" name=""/>
-        <p:cNvGrpSpPr/>
-        <p:nvPr/>
-      </p:nvGrpSpPr>
-      <p:grpSpPr>
-        <a:xfrm>
-          <a:off x="0" y="0"/>
-          <a:ext cx="0" cy="0"/>
-          <a:chOff x="0" y="0"/>
-          <a:chExt cx="0" cy="0"/>
-        </a:xfrm>
-      </p:grpSpPr>
-      <p:sp>
-        <p:nvSpPr>
-          <p:cNvPr id="2" name="Заголовок 1"/>
-          <p:cNvSpPr>
-            <a:spLocks noGrp="1"/>
-          </p:cNvSpPr>
-          <p:nvPr>
-            <p:ph type="title"/>
-          </p:nvPr>
-        </p:nvSpPr>
-        <p:spPr/>
-        <p:txBody>
-          <a:bodyPr>
-            <a:normAutofit fontScale="90000"/>
-          </a:bodyPr>
-          <a:lstStyle/>
-          <a:p>
-            <a:r>
-              <a:rPr lang="ru-RU" dirty="0"/>
-              <a:t>Предложенное решение: </a:t>
-            </a:r>
-            <a:r>
-              <a:rPr lang="ru-RU" dirty="0" smtClean="0"/>
-              <a:t>модуль классификации</a:t>
-            </a:r>
-            <a:endParaRPr lang="en-US" dirty="0"/>
-          </a:p>
-        </p:txBody>
-      </p:sp>
-      <p:sp>
-        <p:nvSpPr>
-          <p:cNvPr id="3" name="Объект 2"/>
-          <p:cNvSpPr>
-            <a:spLocks noGrp="1"/>
-          </p:cNvSpPr>
-          <p:nvPr>
-            <p:ph idx="1"/>
-          </p:nvPr>
-        </p:nvSpPr>
-        <p:spPr/>
-        <p:txBody>
-          <a:bodyPr>
-            <a:normAutofit fontScale="85000" lnSpcReduction="10000"/>
-          </a:bodyPr>
-          <a:lstStyle/>
-          <a:p>
-            <a:r>
-              <a:rPr lang="ru-RU" dirty="0" smtClean="0"/>
-              <a:t>Модуль классификации</a:t>
-            </a:r>
-            <a:endParaRPr lang="en-US" dirty="0" smtClean="0"/>
-          </a:p>
-          <a:p>
-            <a:pPr lvl="1"/>
-            <a:r>
-              <a:rPr lang="ru-RU" dirty="0" smtClean="0"/>
-              <a:t>Обучение</a:t>
-            </a:r>
-            <a:r>
-              <a:rPr lang="ru-RU" dirty="0"/>
-              <a:t> </a:t>
-            </a:r>
-          </a:p>
-          <a:p>
-            <a:pPr lvl="2"/>
-            <a:r>
-              <a:rPr lang="ru-RU" dirty="0"/>
-              <a:t>Построение модели классификации на основе совокупности заранее рубрицированных гипертекстовых </a:t>
-            </a:r>
-            <a:r>
-              <a:rPr lang="ru-RU" dirty="0" smtClean="0"/>
-              <a:t>документов</a:t>
-            </a:r>
-            <a:endParaRPr lang="ru-RU" dirty="0"/>
-          </a:p>
-          <a:p>
-            <a:pPr lvl="1"/>
-            <a:r>
-              <a:rPr lang="ru-RU" dirty="0" smtClean="0"/>
-              <a:t>Классификация</a:t>
-            </a:r>
-            <a:endParaRPr lang="ru-RU" dirty="0"/>
-          </a:p>
-          <a:p>
-            <a:pPr lvl="2"/>
-            <a:r>
-              <a:rPr lang="ru-RU" dirty="0"/>
-              <a:t>Применение построенной модели к новому классифицируемому </a:t>
-            </a:r>
-            <a:r>
-              <a:rPr lang="ru-RU" dirty="0" smtClean="0"/>
-              <a:t>документу</a:t>
-            </a:r>
-            <a:endParaRPr lang="ru-RU" dirty="0"/>
-          </a:p>
-          <a:p>
-            <a:pPr lvl="1"/>
-            <a:r>
-              <a:rPr lang="ru-RU" dirty="0" smtClean="0"/>
-              <a:t>Дообучение</a:t>
-            </a:r>
-            <a:endParaRPr lang="ru-RU" dirty="0"/>
-          </a:p>
-          <a:p>
-            <a:pPr lvl="2"/>
-            <a:r>
-              <a:rPr lang="ru-RU" dirty="0"/>
-              <a:t>Модификация модели классификации на основе дообучения на новых документах с релевантными для них тематиками.</a:t>
-            </a:r>
-          </a:p>
-          <a:p>
-            <a:pPr lvl="1"/>
-            <a:r>
-              <a:rPr lang="ru-RU" dirty="0"/>
-              <a:t>Удаление </a:t>
-            </a:r>
-            <a:r>
-              <a:rPr lang="ru-RU" dirty="0" smtClean="0"/>
-              <a:t>темы</a:t>
-            </a:r>
-            <a:endParaRPr lang="ru-RU" dirty="0"/>
-          </a:p>
-          <a:p>
-            <a:pPr lvl="2"/>
-            <a:r>
-              <a:rPr lang="ru-RU" dirty="0"/>
-              <a:t>Удаление тематики классификации из модели без необходимости последующего обучения "с нуля</a:t>
-            </a:r>
-            <a:r>
-              <a:rPr lang="ru-RU" dirty="0" smtClean="0"/>
-              <a:t>"</a:t>
-            </a:r>
-            <a:endParaRPr lang="ru-RU" dirty="0"/>
-          </a:p>
-          <a:p>
-            <a:pPr lvl="1"/>
-            <a:endParaRPr lang="en-US" dirty="0" smtClean="0"/>
-          </a:p>
-          <a:p>
-            <a:endParaRPr lang="ru-RU" dirty="0" smtClean="0"/>
-          </a:p>
-        </p:txBody>
-      </p:sp>
-    </p:spTree>
-    <p:extLst>
-      <p:ext uri="{BB962C8B-B14F-4D97-AF65-F5344CB8AC3E}">
-        <p14:creationId xmlns:p14="http://schemas.microsoft.com/office/powerpoint/2010/main" val="3477908417"/>
-      </p:ext>
-    </p:extLst>
-  </p:cSld>
-  <p:clrMapOvr>
-    <a:masterClrMapping/>
-  </p:clrMapOvr>
-</p:sld>
-</file>
-
 <file path=ppt/slides/slide18.xml><?xml version="1.0" encoding="utf-8"?>
 <p:sld xmlns:a="http://schemas.openxmlformats.org/drawingml/2006/main" xmlns:r="http://schemas.openxmlformats.org/officeDocument/2006/relationships" xmlns:p="http://schemas.openxmlformats.org/presentationml/2006/main">
   <p:cSld>
@@ -4777,12 +5241,181 @@
           <a:lstStyle/>
           <a:p>
             <a:r>
-              <a:rPr lang="ru-RU" dirty="0" smtClean="0"/>
-              <a:t>Архитектура </a:t>
-            </a:r>
-            <a:r>
-              <a:rPr lang="ru-RU" dirty="0" smtClean="0"/>
-              <a:t>разработанного прототипа</a:t>
+              <a:rPr lang="ru-RU" dirty="0"/>
+              <a:t>Предложенное решение: </a:t>
+            </a:r>
+            <a:r>
+              <a:rPr lang="ru-RU" dirty="0" smtClean="0"/>
+              <a:t>модуль классификации</a:t>
+            </a:r>
+            <a:endParaRPr lang="en-US" dirty="0"/>
+          </a:p>
+        </p:txBody>
+      </p:sp>
+      <p:sp>
+        <p:nvSpPr>
+          <p:cNvPr id="3" name="Объект 2"/>
+          <p:cNvSpPr>
+            <a:spLocks noGrp="1"/>
+          </p:cNvSpPr>
+          <p:nvPr>
+            <p:ph idx="1"/>
+          </p:nvPr>
+        </p:nvSpPr>
+        <p:spPr/>
+        <p:txBody>
+          <a:bodyPr>
+            <a:normAutofit fontScale="85000" lnSpcReduction="10000"/>
+          </a:bodyPr>
+          <a:lstStyle/>
+          <a:p>
+            <a:r>
+              <a:rPr lang="ru-RU" dirty="0" smtClean="0"/>
+              <a:t>Сценарии работы модуля классификации</a:t>
+            </a:r>
+            <a:endParaRPr lang="en-US" dirty="0" smtClean="0"/>
+          </a:p>
+          <a:p>
+            <a:pPr lvl="1"/>
+            <a:r>
+              <a:rPr lang="ru-RU" dirty="0" smtClean="0"/>
+              <a:t>Обучение</a:t>
+            </a:r>
+            <a:r>
+              <a:rPr lang="ru-RU" dirty="0"/>
+              <a:t> </a:t>
+            </a:r>
+          </a:p>
+          <a:p>
+            <a:pPr lvl="2"/>
+            <a:r>
+              <a:rPr lang="ru-RU" dirty="0"/>
+              <a:t>Построение модели классификации на основе совокупности заранее рубрицированных гипертекстовых </a:t>
+            </a:r>
+            <a:r>
+              <a:rPr lang="ru-RU" dirty="0" smtClean="0"/>
+              <a:t>документов</a:t>
+            </a:r>
+            <a:endParaRPr lang="ru-RU" dirty="0"/>
+          </a:p>
+          <a:p>
+            <a:pPr lvl="1"/>
+            <a:r>
+              <a:rPr lang="ru-RU" dirty="0" smtClean="0"/>
+              <a:t>Классификация</a:t>
+            </a:r>
+            <a:endParaRPr lang="ru-RU" dirty="0"/>
+          </a:p>
+          <a:p>
+            <a:pPr lvl="2"/>
+            <a:r>
+              <a:rPr lang="ru-RU" dirty="0"/>
+              <a:t>Применение построенной модели к новому классифицируемому </a:t>
+            </a:r>
+            <a:r>
+              <a:rPr lang="ru-RU" dirty="0" smtClean="0"/>
+              <a:t>документу</a:t>
+            </a:r>
+            <a:endParaRPr lang="ru-RU" dirty="0"/>
+          </a:p>
+          <a:p>
+            <a:pPr lvl="1"/>
+            <a:r>
+              <a:rPr lang="ru-RU" dirty="0" smtClean="0"/>
+              <a:t>Дообучение</a:t>
+            </a:r>
+            <a:endParaRPr lang="ru-RU" dirty="0"/>
+          </a:p>
+          <a:p>
+            <a:pPr lvl="2"/>
+            <a:r>
+              <a:rPr lang="ru-RU" dirty="0"/>
+              <a:t>Модификация модели классификации на основе дообучения на новых документах с релевантными для них тематиками.</a:t>
+            </a:r>
+          </a:p>
+          <a:p>
+            <a:pPr lvl="1"/>
+            <a:r>
+              <a:rPr lang="ru-RU" dirty="0"/>
+              <a:t>Удаление </a:t>
+            </a:r>
+            <a:r>
+              <a:rPr lang="ru-RU" dirty="0" smtClean="0"/>
+              <a:t>темы</a:t>
+            </a:r>
+            <a:endParaRPr lang="ru-RU" dirty="0"/>
+          </a:p>
+          <a:p>
+            <a:pPr lvl="2"/>
+            <a:r>
+              <a:rPr lang="ru-RU" dirty="0"/>
+              <a:t>Удаление тематики классификации из модели без необходимости последующего обучения "с нуля</a:t>
+            </a:r>
+            <a:r>
+              <a:rPr lang="ru-RU" dirty="0" smtClean="0"/>
+              <a:t>"</a:t>
+            </a:r>
+            <a:endParaRPr lang="ru-RU" dirty="0"/>
+          </a:p>
+          <a:p>
+            <a:pPr lvl="1"/>
+            <a:endParaRPr lang="en-US" dirty="0" smtClean="0"/>
+          </a:p>
+          <a:p>
+            <a:endParaRPr lang="ru-RU" dirty="0" smtClean="0"/>
+          </a:p>
+        </p:txBody>
+      </p:sp>
+    </p:spTree>
+    <p:extLst>
+      <p:ext uri="{BB962C8B-B14F-4D97-AF65-F5344CB8AC3E}">
+        <p14:creationId xmlns:p14="http://schemas.microsoft.com/office/powerpoint/2010/main" val="3477908417"/>
+      </p:ext>
+    </p:extLst>
+  </p:cSld>
+  <p:clrMapOvr>
+    <a:masterClrMapping/>
+  </p:clrMapOvr>
+</p:sld>
+</file>
+
+<file path=ppt/slides/slide19.xml><?xml version="1.0" encoding="utf-8"?>
+<p:sld xmlns:a="http://schemas.openxmlformats.org/drawingml/2006/main" xmlns:r="http://schemas.openxmlformats.org/officeDocument/2006/relationships" xmlns:p="http://schemas.openxmlformats.org/presentationml/2006/main">
+  <p:cSld>
+    <p:spTree>
+      <p:nvGrpSpPr>
+        <p:cNvPr id="1" name=""/>
+        <p:cNvGrpSpPr/>
+        <p:nvPr/>
+      </p:nvGrpSpPr>
+      <p:grpSpPr>
+        <a:xfrm>
+          <a:off x="0" y="0"/>
+          <a:ext cx="0" cy="0"/>
+          <a:chOff x="0" y="0"/>
+          <a:chExt cx="0" cy="0"/>
+        </a:xfrm>
+      </p:grpSpPr>
+      <p:sp>
+        <p:nvSpPr>
+          <p:cNvPr id="2" name="Заголовок 1"/>
+          <p:cNvSpPr>
+            <a:spLocks noGrp="1"/>
+          </p:cNvSpPr>
+          <p:nvPr>
+            <p:ph type="title"/>
+          </p:nvPr>
+        </p:nvSpPr>
+        <p:spPr/>
+        <p:txBody>
+          <a:bodyPr>
+            <a:normAutofit fontScale="90000"/>
+          </a:bodyPr>
+          <a:lstStyle/>
+          <a:p>
+            <a:r>
+              <a:rPr lang="ru-RU" dirty="0" smtClean="0"/>
+              <a:t>Архитектура разработанного прототипа</a:t>
             </a:r>
             <a:endParaRPr lang="en-US" dirty="0"/>
           </a:p>
@@ -4865,7 +5498,188 @@
 </p:sld>
 </file>
 
-<file path=ppt/slides/slide19.xml><?xml version="1.0" encoding="utf-8"?>
+<file path=ppt/slides/slide2.xml><?xml version="1.0" encoding="utf-8"?>
+<p:sld xmlns:a="http://schemas.openxmlformats.org/drawingml/2006/main" xmlns:r="http://schemas.openxmlformats.org/officeDocument/2006/relationships" xmlns:p="http://schemas.openxmlformats.org/presentationml/2006/main">
+  <p:cSld>
+    <p:spTree>
+      <p:nvGrpSpPr>
+        <p:cNvPr id="1" name=""/>
+        <p:cNvGrpSpPr/>
+        <p:nvPr/>
+      </p:nvGrpSpPr>
+      <p:grpSpPr>
+        <a:xfrm>
+          <a:off x="0" y="0"/>
+          <a:ext cx="0" cy="0"/>
+          <a:chOff x="0" y="0"/>
+          <a:chExt cx="0" cy="0"/>
+        </a:xfrm>
+      </p:grpSpPr>
+      <p:sp>
+        <p:nvSpPr>
+          <p:cNvPr id="2" name="Заголовок 1"/>
+          <p:cNvSpPr>
+            <a:spLocks noGrp="1"/>
+          </p:cNvSpPr>
+          <p:nvPr>
+            <p:ph type="title"/>
+          </p:nvPr>
+        </p:nvSpPr>
+        <p:spPr/>
+        <p:txBody>
+          <a:bodyPr>
+            <a:normAutofit/>
+          </a:bodyPr>
+          <a:lstStyle/>
+          <a:p>
+            <a:r>
+              <a:rPr lang="ru-RU" dirty="0" smtClean="0"/>
+              <a:t>Задача классификации</a:t>
+            </a:r>
+            <a:endParaRPr lang="en-US" dirty="0"/>
+          </a:p>
+        </p:txBody>
+      </p:sp>
+      <p:sp>
+        <p:nvSpPr>
+          <p:cNvPr id="3" name="Объект 2"/>
+          <p:cNvSpPr>
+            <a:spLocks noGrp="1"/>
+          </p:cNvSpPr>
+          <p:nvPr>
+            <p:ph idx="1"/>
+          </p:nvPr>
+        </p:nvSpPr>
+        <p:spPr>
+          <a:xfrm>
+            <a:off x="457200" y="1600200"/>
+            <a:ext cx="8229600" cy="2971800"/>
+          </a:xfrm>
+        </p:spPr>
+        <p:txBody>
+          <a:bodyPr>
+            <a:normAutofit fontScale="77500" lnSpcReduction="20000"/>
+          </a:bodyPr>
+          <a:lstStyle/>
+          <a:p>
+            <a:r>
+              <a:rPr lang="ru-RU" dirty="0" smtClean="0"/>
+              <a:t>Задача классификации – определение принадлежности документа к одному или нескольким классам из предопределённого набора классов</a:t>
+            </a:r>
+          </a:p>
+          <a:p>
+            <a:pPr lvl="1"/>
+            <a:r>
+              <a:rPr lang="ru-RU" dirty="0" err="1" smtClean="0"/>
+              <a:t>Многоклассовая</a:t>
+            </a:r>
+            <a:r>
+              <a:rPr lang="ru-RU" dirty="0" smtClean="0"/>
+              <a:t> классификация – документ принадлежит </a:t>
+            </a:r>
+            <a:r>
+              <a:rPr lang="ru-RU" dirty="0"/>
+              <a:t>к</a:t>
+            </a:r>
+            <a:r>
+              <a:rPr lang="ru-RU" dirty="0" smtClean="0"/>
+              <a:t> одному классу</a:t>
+            </a:r>
+          </a:p>
+          <a:p>
+            <a:pPr lvl="1"/>
+            <a:r>
+              <a:rPr lang="ru-RU" dirty="0" smtClean="0"/>
+              <a:t>Многотемная классификация – документ может принадлежать нескольким классам, т.е. классы могут пересекаться или быть вложенными</a:t>
+            </a:r>
+          </a:p>
+        </p:txBody>
+      </p:sp>
+      <p:pic>
+        <p:nvPicPr>
+          <p:cNvPr id="4" name="Picture 3"/>
+          <p:cNvPicPr>
+            <a:picLocks noChangeAspect="1" noChangeArrowheads="1"/>
+          </p:cNvPicPr>
+          <p:nvPr/>
+        </p:nvPicPr>
+        <p:blipFill>
+          <a:blip r:embed="rId2">
+            <a:extLst>
+              <a:ext uri="{28A0092B-C50C-407E-A947-70E740481C1C}">
+                <a14:useLocalDpi xmlns:a14="http://schemas.microsoft.com/office/drawing/2010/main" val="0"/>
+              </a:ext>
+            </a:extLst>
+          </a:blip>
+          <a:srcRect/>
+          <a:stretch>
+            <a:fillRect/>
+          </a:stretch>
+        </p:blipFill>
+        <p:spPr bwMode="auto">
+          <a:xfrm>
+            <a:off x="1524000" y="4198257"/>
+            <a:ext cx="6235988" cy="2488565"/>
+          </a:xfrm>
+          <a:prstGeom prst="rect">
+            <a:avLst/>
+          </a:prstGeom>
+          <a:noFill/>
+          <a:ln>
+            <a:noFill/>
+          </a:ln>
+          <a:effectLst/>
+          <a:extLst>
+            <a:ext uri="{909E8E84-426E-40DD-AFC4-6F175D3DCCD1}">
+              <a14:hiddenFill xmlns:a14="http://schemas.microsoft.com/office/drawing/2010/main">
+                <a:solidFill>
+                  <a:schemeClr val="accent1"/>
+                </a:solidFill>
+              </a14:hiddenFill>
+            </a:ext>
+            <a:ext uri="{91240B29-F687-4F45-9708-019B960494DF}">
+              <a14:hiddenLine xmlns:a14="http://schemas.microsoft.com/office/drawing/2010/main" w="9525">
+                <a:solidFill>
+                  <a:schemeClr val="tx1"/>
+                </a:solidFill>
+                <a:miter lim="800000"/>
+                <a:headEnd/>
+                <a:tailEnd/>
+              </a14:hiddenLine>
+            </a:ext>
+            <a:ext uri="{AF507438-7753-43E0-B8FC-AC1667EBCBE1}">
+              <a14:hiddenEffects xmlns:a14="http://schemas.microsoft.com/office/drawing/2010/main">
+                <a:effectLst>
+                  <a:outerShdw dist="35921" dir="2700000" algn="ctr" rotWithShape="0">
+                    <a:schemeClr val="bg2"/>
+                  </a:outerShdw>
+                </a:effectLst>
+              </a14:hiddenEffects>
+            </a:ext>
+          </a:extLst>
+        </p:spPr>
+      </p:pic>
+    </p:spTree>
+    <p:extLst>
+      <p:ext uri="{BB962C8B-B14F-4D97-AF65-F5344CB8AC3E}">
+        <p14:creationId xmlns:p14="http://schemas.microsoft.com/office/powerpoint/2010/main" val="1231849281"/>
+      </p:ext>
+    </p:extLst>
+  </p:cSld>
+  <p:clrMapOvr>
+    <a:masterClrMapping/>
+  </p:clrMapOvr>
+  <p:timing>
+    <p:tnLst>
+      <p:par>
+        <p:cTn id="1" dur="indefinite" restart="never" nodeType="tmRoot"/>
+      </p:par>
+    </p:tnLst>
+  </p:timing>
+</p:sld>
+</file>
+
+<file path=ppt/slides/slide20.xml><?xml version="1.0" encoding="utf-8"?>
 <p:sld xmlns:a="http://schemas.openxmlformats.org/drawingml/2006/main" xmlns:r="http://schemas.openxmlformats.org/officeDocument/2006/relationships" xmlns:p="http://schemas.openxmlformats.org/presentationml/2006/main">
   <p:cSld>
     <p:spTree>
@@ -5397,181 +6211,7 @@
 </p:sld>
 </file>
 
-<file path=ppt/slides/slide2.xml><?xml version="1.0" encoding="utf-8"?>
-<p:sld xmlns:a="http://schemas.openxmlformats.org/drawingml/2006/main" xmlns:r="http://schemas.openxmlformats.org/officeDocument/2006/relationships" xmlns:p="http://schemas.openxmlformats.org/presentationml/2006/main">
-  <p:cSld>
-    <p:spTree>
-      <p:nvGrpSpPr>
-        <p:cNvPr id="1" name=""/>
-        <p:cNvGrpSpPr/>
-        <p:nvPr/>
-      </p:nvGrpSpPr>
-      <p:grpSpPr>
-        <a:xfrm>
-          <a:off x="0" y="0"/>
-          <a:ext cx="0" cy="0"/>
-          <a:chOff x="0" y="0"/>
-          <a:chExt cx="0" cy="0"/>
-        </a:xfrm>
-      </p:grpSpPr>
-      <p:sp>
-        <p:nvSpPr>
-          <p:cNvPr id="2" name="Заголовок 1"/>
-          <p:cNvSpPr>
-            <a:spLocks noGrp="1"/>
-          </p:cNvSpPr>
-          <p:nvPr>
-            <p:ph type="title"/>
-          </p:nvPr>
-        </p:nvSpPr>
-        <p:spPr/>
-        <p:txBody>
-          <a:bodyPr>
-            <a:normAutofit/>
-          </a:bodyPr>
-          <a:lstStyle/>
-          <a:p>
-            <a:r>
-              <a:rPr lang="ru-RU" dirty="0" smtClean="0"/>
-              <a:t>Задача классификации</a:t>
-            </a:r>
-            <a:endParaRPr lang="en-US" dirty="0"/>
-          </a:p>
-        </p:txBody>
-      </p:sp>
-      <p:sp>
-        <p:nvSpPr>
-          <p:cNvPr id="3" name="Объект 2"/>
-          <p:cNvSpPr>
-            <a:spLocks noGrp="1"/>
-          </p:cNvSpPr>
-          <p:nvPr>
-            <p:ph idx="1"/>
-          </p:nvPr>
-        </p:nvSpPr>
-        <p:spPr>
-          <a:xfrm>
-            <a:off x="457200" y="1600200"/>
-            <a:ext cx="8229600" cy="2971800"/>
-          </a:xfrm>
-        </p:spPr>
-        <p:txBody>
-          <a:bodyPr>
-            <a:normAutofit fontScale="77500" lnSpcReduction="20000"/>
-          </a:bodyPr>
-          <a:lstStyle/>
-          <a:p>
-            <a:r>
-              <a:rPr lang="ru-RU" dirty="0" smtClean="0"/>
-              <a:t>Задача классификации – определение принадлежности документа к одному или нескольким классам из предопределённого набора классов</a:t>
-            </a:r>
-          </a:p>
-          <a:p>
-            <a:pPr lvl="1"/>
-            <a:r>
-              <a:rPr lang="ru-RU" dirty="0" err="1" smtClean="0"/>
-              <a:t>Многоклассовая</a:t>
-            </a:r>
-            <a:r>
-              <a:rPr lang="ru-RU" dirty="0" smtClean="0"/>
-              <a:t> классификация – документ принадлежит </a:t>
-            </a:r>
-            <a:r>
-              <a:rPr lang="ru-RU" dirty="0"/>
-              <a:t>к</a:t>
-            </a:r>
-            <a:r>
-              <a:rPr lang="ru-RU" dirty="0" smtClean="0"/>
-              <a:t> одному классу</a:t>
-            </a:r>
-          </a:p>
-          <a:p>
-            <a:pPr lvl="1"/>
-            <a:r>
-              <a:rPr lang="ru-RU" dirty="0" smtClean="0"/>
-              <a:t>Многотемная классификация – документ может принадлежать нескольким классам, т.е. классы могут пересекаться или быть вложенными</a:t>
-            </a:r>
-          </a:p>
-        </p:txBody>
-      </p:sp>
-      <p:pic>
-        <p:nvPicPr>
-          <p:cNvPr id="4" name="Picture 3"/>
-          <p:cNvPicPr>
-            <a:picLocks noChangeAspect="1" noChangeArrowheads="1"/>
-          </p:cNvPicPr>
-          <p:nvPr/>
-        </p:nvPicPr>
-        <p:blipFill>
-          <a:blip r:embed="rId2">
-            <a:extLst>
-              <a:ext uri="{28A0092B-C50C-407E-A947-70E740481C1C}">
-                <a14:useLocalDpi xmlns:a14="http://schemas.microsoft.com/office/drawing/2010/main" val="0"/>
-              </a:ext>
-            </a:extLst>
-          </a:blip>
-          <a:srcRect/>
-          <a:stretch>
-            <a:fillRect/>
-          </a:stretch>
-        </p:blipFill>
-        <p:spPr bwMode="auto">
-          <a:xfrm>
-            <a:off x="1524000" y="4198257"/>
-            <a:ext cx="6235988" cy="2488565"/>
-          </a:xfrm>
-          <a:prstGeom prst="rect">
-            <a:avLst/>
-          </a:prstGeom>
-          <a:noFill/>
-          <a:ln>
-            <a:noFill/>
-          </a:ln>
-          <a:effectLst/>
-          <a:extLst>
-            <a:ext uri="{909E8E84-426E-40DD-AFC4-6F175D3DCCD1}">
-              <a14:hiddenFill xmlns:a14="http://schemas.microsoft.com/office/drawing/2010/main">
-                <a:solidFill>
-                  <a:schemeClr val="accent1"/>
-                </a:solidFill>
-              </a14:hiddenFill>
-            </a:ext>
-            <a:ext uri="{91240B29-F687-4F45-9708-019B960494DF}">
-              <a14:hiddenLine xmlns:a14="http://schemas.microsoft.com/office/drawing/2010/main" w="9525">
-                <a:solidFill>
-                  <a:schemeClr val="tx1"/>
-                </a:solidFill>
-                <a:miter lim="800000"/>
-                <a:headEnd/>
-                <a:tailEnd/>
-              </a14:hiddenLine>
-            </a:ext>
-            <a:ext uri="{AF507438-7753-43E0-B8FC-AC1667EBCBE1}">
-              <a14:hiddenEffects xmlns:a14="http://schemas.microsoft.com/office/drawing/2010/main">
-                <a:effectLst>
-                  <a:outerShdw dist="35921" dir="2700000" algn="ctr" rotWithShape="0">
-                    <a:schemeClr val="bg2"/>
-                  </a:outerShdw>
-                </a:effectLst>
-              </a14:hiddenEffects>
-            </a:ext>
-          </a:extLst>
-        </p:spPr>
-      </p:pic>
-    </p:spTree>
-    <p:extLst>
-      <p:ext uri="{BB962C8B-B14F-4D97-AF65-F5344CB8AC3E}">
-        <p14:creationId xmlns:p14="http://schemas.microsoft.com/office/powerpoint/2010/main" val="1231849281"/>
-      </p:ext>
-    </p:extLst>
-  </p:cSld>
-  <p:clrMapOvr>
-    <a:masterClrMapping/>
-  </p:clrMapOvr>
-</p:sld>
-</file>
-
-<file path=ppt/slides/slide20.xml><?xml version="1.0" encoding="utf-8"?>
+<file path=ppt/slides/slide21.xml><?xml version="1.0" encoding="utf-8"?>
 <p:sld xmlns:a="http://schemas.openxmlformats.org/drawingml/2006/main" xmlns:r="http://schemas.openxmlformats.org/officeDocument/2006/relationships" xmlns:p="http://schemas.openxmlformats.org/presentationml/2006/main">
   <p:cSld>
     <p:spTree>
@@ -5918,7 +6558,7 @@
 </p:sld>
 </file>
 
-<file path=ppt/slides/slide21.xml><?xml version="1.0" encoding="utf-8"?>
+<file path=ppt/slides/slide22.xml><?xml version="1.0" encoding="utf-8"?>
 <p:sld xmlns:a="http://schemas.openxmlformats.org/drawingml/2006/main" xmlns:r="http://schemas.openxmlformats.org/officeDocument/2006/relationships" xmlns:p="http://schemas.openxmlformats.org/presentationml/2006/main">
   <p:cSld>
     <p:spTree>
@@ -5971,7 +6611,7 @@
         <p:spPr/>
         <p:txBody>
           <a:bodyPr>
-            <a:normAutofit fontScale="85000" lnSpcReduction="10000"/>
+            <a:normAutofit fontScale="92500"/>
           </a:bodyPr>
           <a:lstStyle/>
           <a:p>
@@ -5984,6 +6624,26 @@
             <a:pPr lvl="1"/>
             <a:r>
               <a:rPr lang="ru-RU" dirty="0" smtClean="0"/>
+              <a:t>Проведено исследование современных </a:t>
+            </a:r>
+            <a:r>
+              <a:rPr lang="ru-RU" dirty="0" smtClean="0"/>
+              <a:t>подходов к </a:t>
+            </a:r>
+            <a:r>
+              <a:rPr lang="ru-RU" dirty="0" smtClean="0"/>
+              <a:t>решению задачи многотемной классификации </a:t>
+            </a:r>
+            <a:r>
+              <a:rPr lang="ru-RU" dirty="0" smtClean="0"/>
+              <a:t>и выбран метод на основе машинного обучения с возможностью дообучения, добавления и удаления тематик</a:t>
+            </a:r>
+            <a:endParaRPr lang="ru-RU" dirty="0" smtClean="0"/>
+          </a:p>
+          <a:p>
+            <a:pPr lvl="1"/>
+            <a:r>
+              <a:rPr lang="ru-RU" dirty="0" smtClean="0"/>
               <a:t>Реализован экспериментальный прототип системы сбора </a:t>
             </a:r>
             <a:r>
@@ -5992,99 +6652,15 @@
             </a:r>
             <a:r>
               <a:rPr lang="ru-RU" dirty="0" smtClean="0"/>
-              <a:t>многотемной классификации веб-страниц пользователя, удовлетворяющая сформулированным </a:t>
-            </a:r>
-            <a:r>
-              <a:rPr lang="ru-RU" dirty="0"/>
-              <a:t>в постановке задачи </a:t>
-            </a:r>
-            <a:r>
-              <a:rPr lang="ru-RU" dirty="0" smtClean="0"/>
-              <a:t>требованиям</a:t>
-            </a:r>
-          </a:p>
-          <a:p>
-            <a:pPr lvl="1"/>
-            <a:r>
-              <a:rPr lang="ru-RU" dirty="0" smtClean="0"/>
-              <a:t>Осуществлена программная реализация</a:t>
-            </a:r>
-          </a:p>
-          <a:p>
-            <a:pPr lvl="2"/>
-            <a:r>
-              <a:rPr lang="ru-RU" dirty="0" smtClean="0"/>
-              <a:t>Агент мониторинга  - язык </a:t>
-            </a:r>
-            <a:r>
-              <a:rPr lang="en-US" dirty="0" smtClean="0"/>
-              <a:t>C# (700 </a:t>
-            </a:r>
-            <a:r>
-              <a:rPr lang="ru-RU" dirty="0" smtClean="0"/>
-              <a:t>строк кода</a:t>
-            </a:r>
-            <a:r>
-              <a:rPr lang="en-US" dirty="0" smtClean="0"/>
-              <a:t>)</a:t>
-            </a:r>
-            <a:endParaRPr lang="ru-RU" dirty="0" smtClean="0"/>
-          </a:p>
-          <a:p>
-            <a:pPr lvl="2"/>
-            <a:r>
-              <a:rPr lang="ru-RU" dirty="0" smtClean="0"/>
-              <a:t>Агент консолидации – язык </a:t>
-            </a:r>
-            <a:r>
-              <a:rPr lang="en-US" dirty="0" smtClean="0"/>
-              <a:t>C# </a:t>
-            </a:r>
-            <a:r>
-              <a:rPr lang="ru-RU" dirty="0" smtClean="0"/>
-              <a:t>(600 строк кода)</a:t>
-            </a:r>
-          </a:p>
-          <a:p>
-            <a:pPr lvl="2"/>
-            <a:r>
-              <a:rPr lang="ru-RU" dirty="0" smtClean="0"/>
-              <a:t>Интеграция с модулем классификации </a:t>
-            </a:r>
-            <a:r>
-              <a:rPr lang="en-US" dirty="0" smtClean="0"/>
-              <a:t>– </a:t>
-            </a:r>
-            <a:r>
-              <a:rPr lang="ru-RU" dirty="0" smtClean="0"/>
-              <a:t>язык </a:t>
-            </a:r>
-            <a:r>
-              <a:rPr lang="en-US" dirty="0" smtClean="0"/>
-              <a:t>Python</a:t>
-            </a:r>
-            <a:r>
-              <a:rPr lang="ru-RU" dirty="0" smtClean="0"/>
-              <a:t>(200 строк кода)</a:t>
-            </a:r>
-          </a:p>
-          <a:p>
-            <a:pPr lvl="1"/>
-            <a:r>
-              <a:rPr lang="ru-RU" dirty="0" smtClean="0"/>
-              <a:t>Произведено тестирование </a:t>
-            </a:r>
-            <a:r>
-              <a:rPr lang="ru-RU" dirty="0" smtClean="0"/>
-              <a:t>реализованного прототипа, </a:t>
-            </a:r>
-            <a:r>
-              <a:rPr lang="ru-RU" dirty="0" smtClean="0"/>
-              <a:t>показавшее </a:t>
-            </a:r>
-            <a:r>
-              <a:rPr lang="ru-RU" dirty="0" smtClean="0"/>
-              <a:t>масштабируемость и защищенность</a:t>
+              <a:t>многотемной классификации веб-страниц пользователя, </a:t>
+            </a:r>
+            <a:r>
+              <a:rPr lang="ru-RU" dirty="0" smtClean="0"/>
+              <a:t>удовлетворяющий требованиям масштабируемости </a:t>
+            </a:r>
+            <a:r>
+              <a:rPr lang="ru-RU" smtClean="0"/>
+              <a:t>и защищенности</a:t>
             </a:r>
             <a:endParaRPr lang="ru-RU" dirty="0" smtClean="0"/>
           </a:p>
@@ -6164,7 +6740,15 @@
           <a:p>
             <a:r>
               <a:rPr lang="ru-RU" dirty="0"/>
-              <a:t>На сегодняшний день существует ряд задач, для решения которых требуются системы сбора и классификации контента, частным случаем которого является </a:t>
+              <a:t>На сегодняшний день существует ряд </a:t>
+            </a:r>
+            <a:r>
+              <a:rPr lang="ru-RU" dirty="0" smtClean="0"/>
+              <a:t>актуальных задач</a:t>
+            </a:r>
+            <a:r>
+              <a:rPr lang="ru-RU" dirty="0"/>
+              <a:t>, для решения которых требуются системы сбора и классификации контента, частным случаем которого является </a:t>
             </a:r>
             <a:r>
               <a:rPr lang="ru-RU" dirty="0" smtClean="0"/>
@@ -6279,6 +6863,13 @@
   <p:clrMapOvr>
     <a:masterClrMapping/>
   </p:clrMapOvr>
+  <p:timing>
+    <p:tnLst>
+      <p:par>
+        <p:cTn id="1" dur="indefinite" restart="never" nodeType="tmRoot"/>
+      </p:par>
+    </p:tnLst>
+  </p:timing>
 </p:sld>
 </file>
 
@@ -6333,14 +6924,14 @@
           <p:nvPr>
             <p:extLst>
               <p:ext uri="{D42A27DB-BD31-4B8C-83A1-F6EECF244321}">
-                <p14:modId xmlns:p14="http://schemas.microsoft.com/office/powerpoint/2010/main" val="2183400570"/>
+                <p14:modId xmlns:p14="http://schemas.microsoft.com/office/powerpoint/2010/main" val="975980278"/>
               </p:ext>
             </p:extLst>
           </p:nvPr>
         </p:nvGraphicFramePr>
         <p:xfrm>
           <a:off x="467544" y="1484784"/>
-          <a:ext cx="8229600" cy="5034280"/>
+          <a:ext cx="8229600" cy="4953000"/>
         </p:xfrm>
         <a:graphic>
           <a:graphicData uri="http://schemas.openxmlformats.org/drawingml/2006/table">
@@ -6526,7 +7117,7 @@
                           <a:ea typeface="+mn-ea"/>
                           <a:cs typeface="+mn-cs"/>
                         </a:rPr>
-                        <a:t>Эффективность в детектировании формализованных данных</a:t>
+                        <a:t>Эффективность детектирования формализованных данных</a:t>
                       </a:r>
                       <a:endParaRPr lang="en-US" i="0" dirty="0"/>
                     </a:p>
@@ -6657,21 +7248,6 @@
                         <a:t>Возможность ложноотрицательных и ложноположительные срабатываний</a:t>
                       </a:r>
                     </a:p>
-                    <a:p>
-                      <a:r>
-                        <a:rPr lang="ru-RU" sz="1800" i="0" kern="1200" dirty="0" smtClean="0">
-                          <a:solidFill>
-                            <a:schemeClr val="dk1"/>
-                          </a:solidFill>
-                          <a:effectLst/>
-                          <a:latin typeface="+mn-lt"/>
-                          <a:ea typeface="+mn-ea"/>
-                          <a:cs typeface="+mn-cs"/>
-                        </a:rPr>
-                        <a:t>Возможность обобщения</a:t>
-                      </a:r>
-                      <a:endParaRPr lang="en-US" i="0" dirty="0"/>
-                    </a:p>
                   </a:txBody>
                   <a:tcPr/>
                 </a:tc>
@@ -6690,6 +7266,13 @@
   <p:clrMapOvr>
     <a:masterClrMapping/>
   </p:clrMapOvr>
+  <p:timing>
+    <p:tnLst>
+      <p:par>
+        <p:cTn id="1" dur="indefinite" restart="never" nodeType="tmRoot"/>
+      </p:par>
+    </p:tnLst>
+  </p:timing>
 </p:sld>
 </file>
 
@@ -7024,6 +7607,13 @@
   <p:clrMapOvr>
     <a:masterClrMapping/>
   </p:clrMapOvr>
+  <p:timing>
+    <p:tnLst>
+      <p:par>
+        <p:cTn id="1" dur="indefinite" restart="never" nodeType="tmRoot"/>
+      </p:par>
+    </p:tnLst>
+  </p:timing>
 </p:sld>
 </file>
 
@@ -7133,11 +7723,7 @@
             <a:pPr lvl="1"/>
             <a:r>
               <a:rPr lang="ru-RU" dirty="0" smtClean="0"/>
-              <a:t>Защищенность </a:t>
-            </a:r>
-            <a:r>
-              <a:rPr lang="ru-RU" dirty="0" smtClean="0"/>
-              <a:t>(пользователь не должен иметь возможности фальсифицировать данные)</a:t>
+              <a:t>Защищенность (пользователь не должен иметь возможности фальсифицировать данные)</a:t>
             </a:r>
             <a:endParaRPr lang="en-US" dirty="0" smtClean="0"/>
           </a:p>
@@ -7940,6 +8526,13 @@
   <p:clrMapOvr>
     <a:masterClrMapping/>
   </p:clrMapOvr>
+  <p:timing>
+    <p:tnLst>
+      <p:par>
+        <p:cTn id="1" dur="indefinite" restart="never" nodeType="tmRoot"/>
+      </p:par>
+    </p:tnLst>
+  </p:timing>
 </p:sld>
 </file>
 
@@ -8004,7 +8597,7 @@
           <a:p>
             <a:r>
               <a:rPr lang="ru-RU" dirty="0" smtClean="0"/>
-              <a:t>Можно выделить три основных подхода к решению задачи многотемной классификации	</a:t>
+              <a:t>Можно выделить три традиционных подхода к решению задачи многотемной классификации	</a:t>
             </a:r>
           </a:p>
           <a:p>
@@ -8101,6 +8694,13 @@
   <p:clrMapOvr>
     <a:masterClrMapping/>
   </p:clrMapOvr>
+  <p:timing>
+    <p:tnLst>
+      <p:par>
+        <p:cTn id="1" dur="indefinite" restart="never" nodeType="tmRoot"/>
+      </p:par>
+    </p:tnLst>
+  </p:timing>
 </p:sld>
 </file>
 
@@ -8159,7 +8759,7 @@
         <p:spPr/>
         <p:txBody>
           <a:bodyPr>
-            <a:normAutofit fontScale="92500" lnSpcReduction="10000"/>
+            <a:normAutofit fontScale="85000" lnSpcReduction="20000"/>
           </a:bodyPr>
           <a:lstStyle/>
           <a:p>
@@ -8187,31 +8787,35 @@
             </a:r>
             <a:r>
               <a:rPr lang="ru-RU" dirty="0" smtClean="0"/>
-              <a:t>- минимизируется </a:t>
+              <a:t>- минимизируется функция </a:t>
+            </a:r>
+            <a:r>
+              <a:rPr lang="en-US" dirty="0" smtClean="0"/>
+              <a:t>Hamming Loss</a:t>
+            </a:r>
+            <a:r>
+              <a:rPr lang="ru-RU" dirty="0" smtClean="0"/>
+              <a:t> (критерий оценивает количество неверных предсказаний)</a:t>
+            </a:r>
+            <a:r>
+              <a:rPr lang="en-US" dirty="0" smtClean="0"/>
+              <a:t> </a:t>
+            </a:r>
+            <a:r>
+              <a:rPr lang="ru-RU" dirty="0" smtClean="0"/>
+              <a:t>для оценки </a:t>
             </a:r>
             <a:r>
               <a:rPr lang="ru-RU" dirty="0"/>
-              <a:t>функция </a:t>
-            </a:r>
-            <a:r>
-              <a:rPr lang="en-US" dirty="0"/>
-              <a:t>Hamming Loss </a:t>
-            </a:r>
-            <a:r>
-              <a:rPr lang="ru-RU" dirty="0"/>
-              <a:t>для оценки потерь </a:t>
-            </a:r>
-            <a:r>
-              <a:rPr lang="en-GB" dirty="0"/>
-              <a:t>multi</a:t>
-            </a:r>
-            <a:r>
-              <a:rPr lang="ru-RU" dirty="0"/>
-              <a:t>-</a:t>
-            </a:r>
-            <a:r>
-              <a:rPr lang="en-GB" dirty="0"/>
-              <a:t>label </a:t>
+              <a:t>потерь </a:t>
+            </a:r>
+            <a:r>
+              <a:rPr lang="ru-RU" dirty="0" smtClean="0"/>
+              <a:t>многотемной</a:t>
+            </a:r>
+            <a:r>
+              <a:rPr lang="en-GB" dirty="0" smtClean="0"/>
+              <a:t> </a:t>
             </a:r>
             <a:r>
               <a:rPr lang="ru-RU" dirty="0" smtClean="0"/>
@@ -8281,10 +8885,17 @@
               <a:rPr lang="ru-RU" dirty="0" smtClean="0"/>
               <a:t>классам</a:t>
             </a:r>
+          </a:p>
+          <a:p>
+            <a:pPr lvl="1"/>
+            <a:r>
+              <a:rPr lang="ru-RU" dirty="0" smtClean="0"/>
+              <a:t>Недостатки</a:t>
+            </a:r>
             <a:endParaRPr lang="en-US" dirty="0" smtClean="0"/>
           </a:p>
           <a:p>
-            <a:pPr lvl="1"/>
+            <a:pPr lvl="2"/>
             <a:r>
               <a:rPr lang="ru-RU" dirty="0" smtClean="0"/>
               <a:t>Для данной задачи требуется весь тренировочный набор, т.е. не поддерживается </a:t>
@@ -8311,6 +8922,13 @@
   <p:clrMapOvr>
     <a:masterClrMapping/>
   </p:clrMapOvr>
+  <p:timing>
+    <p:tnLst>
+      <p:par>
+        <p:cTn id="1" dur="indefinite" restart="never" nodeType="tmRoot"/>
+      </p:par>
+    </p:tnLst>
+  </p:timing>
 </p:sld>
 </file>
 
@@ -8597,4 +9215,289 @@
   <a:objectDefaults/>
   <a:extraClrSchemeLst/>
 </a:theme>
+</file>
+
+<file path=ppt/theme/theme2.xml><?xml version="1.0" encoding="utf-8"?>
+<a:theme xmlns:a="http://schemas.openxmlformats.org/drawingml/2006/main" name="Тема Office">
+  <a:themeElements>
+    <a:clrScheme name="Стандартная">
+      <a:dk1>
+        <a:sysClr val="windowText" lastClr="000000"/>
+      </a:dk1>
+      <a:lt1>
+        <a:sysClr val="window" lastClr="FFFFFF"/>
+      </a:lt1>
+      <a:dk2>
+        <a:srgbClr val="1F497D"/>
+      </a:dk2>
+      <a:lt2>
+        <a:srgbClr val="EEECE1"/>
+      </a:lt2>
+      <a:accent1>
+        <a:srgbClr val="4F81BD"/>
+      </a:accent1>
+      <a:accent2>
+        <a:srgbClr val="C0504D"/>
+      </a:accent2>
+      <a:accent3>
+        <a:srgbClr val="9BBB59"/>
+      </a:accent3>
+      <a:accent4>
+        <a:srgbClr val="8064A2"/>
+      </a:accent4>
+      <a:accent5>
+        <a:srgbClr val="4BACC6"/>
+      </a:accent5>
+      <a:accent6>
+        <a:srgbClr val="F79646"/>
+      </a:accent6>
+      <a:hlink>
+        <a:srgbClr val="0000FF"/>
+      </a:hlink>
+      <a:folHlink>
+        <a:srgbClr val="800080"/>
+      </a:folHlink>
+    </a:clrScheme>
+    <a:fontScheme name="Стандартная">
+      <a:majorFont>
+        <a:latin typeface="Calibri"/>
+        <a:ea typeface=""/>
+        <a:cs typeface=""/>
+        <a:font script="Jpan" typeface="ＭＳ Ｐゴシック"/>
+        <a:font script="Hang" typeface="맑은 고딕"/>
+        <a:font script="Hans" typeface="宋体"/>
+        <a:font script="Hant" typeface="新細明體"/>
+        <a:font script="Arab" typeface="Times New Roman"/>
+        <a:font script="Hebr" typeface="Times New Roman"/>
+        <a:font script="Thai" typeface="Angsana New"/>
+        <a:font script="Ethi" typeface="Nyala"/>
+        <a:font script="Beng" typeface="Vrinda"/>
+        <a:font script="Gujr" typeface="Shruti"/>
+        <a:font script="Khmr" typeface="MoolBoran"/>
+        <a:font script="Knda" typeface="Tunga"/>
+        <a:font script="Guru" typeface="Raavi"/>
+        <a:font script="Cans" typeface="Euphemia"/>
+        <a:font script="Cher" typeface="Plantagenet Cherokee"/>
+        <a:font script="Yiii" typeface="Microsoft Yi Baiti"/>
+        <a:font script="Tibt" typeface="Microsoft Himalaya"/>
+        <a:font script="Thaa" typeface="MV Boli"/>
+        <a:font script="Deva" typeface="Mangal"/>
+        <a:font script="Telu" typeface="Gautami"/>
+        <a:font script="Taml" typeface="Latha"/>
+        <a:font script="Syrc" typeface="Estrangelo Edessa"/>
+        <a:font script="Orya" typeface="Kalinga"/>
+        <a:font script="Mlym" typeface="Kartika"/>
+        <a:font script="Laoo" typeface="DokChampa"/>
+        <a:font script="Sinh" typeface="Iskoola Pota"/>
+        <a:font script="Mong" typeface="Mongolian Baiti"/>
+        <a:font script="Viet" typeface="Times New Roman"/>
+        <a:font script="Uigh" typeface="Microsoft Uighur"/>
+        <a:font script="Geor" typeface="Sylfaen"/>
+      </a:majorFont>
+      <a:minorFont>
+        <a:latin typeface="Calibri"/>
+        <a:ea typeface=""/>
+        <a:cs typeface=""/>
+        <a:font script="Jpan" typeface="ＭＳ Ｐゴシック"/>
+        <a:font script="Hang" typeface="맑은 고딕"/>
+        <a:font script="Hans" typeface="宋体"/>
+        <a:font script="Hant" typeface="新細明體"/>
+        <a:font script="Arab" typeface="Arial"/>
+        <a:font script="Hebr" typeface="Arial"/>
+        <a:font script="Thai" typeface="Cordia New"/>
+        <a:font script="Ethi" typeface="Nyala"/>
+        <a:font script="Beng" typeface="Vrinda"/>
+        <a:font script="Gujr" typeface="Shruti"/>
+        <a:font script="Khmr" typeface="DaunPenh"/>
+        <a:font script="Knda" typeface="Tunga"/>
+        <a:font script="Guru" typeface="Raavi"/>
+        <a:font script="Cans" typeface="Euphemia"/>
+        <a:font script="Cher" typeface="Plantagenet Cherokee"/>
+        <a:font script="Yiii" typeface="Microsoft Yi Baiti"/>
+        <a:font script="Tibt" typeface="Microsoft Himalaya"/>
+        <a:font script="Thaa" typeface="MV Boli"/>
+        <a:font script="Deva" typeface="Mangal"/>
+        <a:font script="Telu" typeface="Gautami"/>
+        <a:font script="Taml" typeface="Latha"/>
+        <a:font script="Syrc" typeface="Estrangelo Edessa"/>
+        <a:font script="Orya" typeface="Kalinga"/>
+        <a:font script="Mlym" typeface="Kartika"/>
+        <a:font script="Laoo" typeface="DokChampa"/>
+        <a:font script="Sinh" typeface="Iskoola Pota"/>
+        <a:font script="Mong" typeface="Mongolian Baiti"/>
+        <a:font script="Viet" typeface="Arial"/>
+        <a:font script="Uigh" typeface="Microsoft Uighur"/>
+        <a:font script="Geor" typeface="Sylfaen"/>
+      </a:minorFont>
+    </a:fontScheme>
+    <a:fmtScheme name="Стандартная">
+      <a:fillStyleLst>
+        <a:solidFill>
+          <a:schemeClr val="phClr"/>
+        </a:solidFill>
+        <a:gradFill rotWithShape="1">
+          <a:gsLst>
+            <a:gs pos="0">
+              <a:schemeClr val="phClr">
+                <a:tint val="50000"/>
+                <a:satMod val="300000"/>
+              </a:schemeClr>
+            </a:gs>
+            <a:gs pos="35000">
+              <a:schemeClr val="phClr">
+                <a:tint val="37000"/>
+                <a:satMod val="300000"/>
+              </a:schemeClr>
+            </a:gs>
+            <a:gs pos="100000">
+              <a:schemeClr val="phClr">
+                <a:tint val="15000"/>
+                <a:satMod val="350000"/>
+              </a:schemeClr>
+            </a:gs>
+          </a:gsLst>
+          <a:lin ang="16200000" scaled="1"/>
+        </a:gradFill>
+        <a:gradFill rotWithShape="1">
+          <a:gsLst>
+            <a:gs pos="0">
+              <a:schemeClr val="phClr">
+                <a:shade val="51000"/>
+                <a:satMod val="130000"/>
+              </a:schemeClr>
+            </a:gs>
+            <a:gs pos="80000">
+              <a:schemeClr val="phClr">
+                <a:shade val="93000"/>
+                <a:satMod val="130000"/>
+              </a:schemeClr>
+            </a:gs>
+            <a:gs pos="100000">
+              <a:schemeClr val="phClr">
+                <a:shade val="94000"/>
+                <a:satMod val="135000"/>
+              </a:schemeClr>
+            </a:gs>
+          </a:gsLst>
+          <a:lin ang="16200000" scaled="0"/>
+        </a:gradFill>
+      </a:fillStyleLst>
+      <a:lnStyleLst>
+        <a:ln w="9525" cap="flat" cmpd="sng" algn="ctr">
+          <a:solidFill>
+            <a:schemeClr val="phClr">
+              <a:shade val="95000"/>
+              <a:satMod val="105000"/>
+            </a:schemeClr>
+          </a:solidFill>
+          <a:prstDash val="solid"/>
+        </a:ln>
+        <a:ln w="25400" cap="flat" cmpd="sng" algn="ctr">
+          <a:solidFill>
+            <a:schemeClr val="phClr"/>
+          </a:solidFill>
+          <a:prstDash val="solid"/>
+        </a:ln>
+        <a:ln w="38100" cap="flat" cmpd="sng" algn="ctr">
+          <a:solidFill>
+            <a:schemeClr val="phClr"/>
+          </a:solidFill>
+          <a:prstDash val="solid"/>
+        </a:ln>
+      </a:lnStyleLst>
+      <a:effectStyleLst>
+        <a:effectStyle>
+          <a:effectLst>
+            <a:outerShdw blurRad="40000" dist="20000" dir="5400000" rotWithShape="0">
+              <a:srgbClr val="000000">
+                <a:alpha val="38000"/>
+              </a:srgbClr>
+            </a:outerShdw>
+          </a:effectLst>
+        </a:effectStyle>
+        <a:effectStyle>
+          <a:effectLst>
+            <a:outerShdw blurRad="40000" dist="23000" dir="5400000" rotWithShape="0">
+              <a:srgbClr val="000000">
+                <a:alpha val="35000"/>
+              </a:srgbClr>
+            </a:outerShdw>
+          </a:effectLst>
+        </a:effectStyle>
+        <a:effectStyle>
+          <a:effectLst>
+            <a:outerShdw blurRad="40000" dist="23000" dir="5400000" rotWithShape="0">
+              <a:srgbClr val="000000">
+                <a:alpha val="35000"/>
+              </a:srgbClr>
+            </a:outerShdw>
+          </a:effectLst>
+          <a:scene3d>
+            <a:camera prst="orthographicFront">
+              <a:rot lat="0" lon="0" rev="0"/>
+            </a:camera>
+            <a:lightRig rig="threePt" dir="t">
+              <a:rot lat="0" lon="0" rev="1200000"/>
+            </a:lightRig>
+          </a:scene3d>
+          <a:sp3d>
+            <a:bevelT w="63500" h="25400"/>
+          </a:sp3d>
+        </a:effectStyle>
+      </a:effectStyleLst>
+      <a:bgFillStyleLst>
+        <a:solidFill>
+          <a:schemeClr val="phClr"/>
+        </a:solidFill>
+        <a:gradFill rotWithShape="1">
+          <a:gsLst>
+            <a:gs pos="0">
+              <a:schemeClr val="phClr">
+                <a:tint val="40000"/>
+                <a:satMod val="350000"/>
+              </a:schemeClr>
+            </a:gs>
+            <a:gs pos="40000">
+              <a:schemeClr val="phClr">
+                <a:tint val="45000"/>
+                <a:shade val="99000"/>
+                <a:satMod val="350000"/>
+              </a:schemeClr>
+            </a:gs>
+            <a:gs pos="100000">
+              <a:schemeClr val="phClr">
+                <a:shade val="20000"/>
+                <a:satMod val="255000"/>
+              </a:schemeClr>
+            </a:gs>
+          </a:gsLst>
+          <a:path path="circle">
+            <a:fillToRect l="50000" t="-80000" r="50000" b="180000"/>
+          </a:path>
+        </a:gradFill>
+        <a:gradFill rotWithShape="1">
+          <a:gsLst>
+            <a:gs pos="0">
+              <a:schemeClr val="phClr">
+                <a:tint val="80000"/>
+                <a:satMod val="300000"/>
+              </a:schemeClr>
+            </a:gs>
+            <a:gs pos="100000">
+              <a:schemeClr val="phClr">
+                <a:shade val="30000"/>
+                <a:satMod val="200000"/>
+              </a:schemeClr>
+            </a:gs>
+          </a:gsLst>
+          <a:path path="circle">
+            <a:fillToRect l="50000" t="50000" r="50000" b="50000"/>
+          </a:path>
+        </a:gradFill>
+      </a:bgFillStyleLst>
+    </a:fmtScheme>
+  </a:themeElements>
+  <a:objectDefaults/>
+  <a:extraClrSchemeLst/>
+</a:theme>
 </file>
--- a/Треско_презентация.pptx
+++ b/Треско_презентация.pptx
@@ -16,20 +16,20 @@
     <p:sldId id="266" r:id="rId7"/>
     <p:sldId id="267" r:id="rId8"/>
     <p:sldId id="282" r:id="rId9"/>
-    <p:sldId id="283" r:id="rId10"/>
-    <p:sldId id="284" r:id="rId11"/>
-    <p:sldId id="285" r:id="rId12"/>
-    <p:sldId id="287" r:id="rId13"/>
-    <p:sldId id="288" r:id="rId14"/>
-    <p:sldId id="286" r:id="rId15"/>
-    <p:sldId id="279" r:id="rId16"/>
-    <p:sldId id="270" r:id="rId17"/>
-    <p:sldId id="271" r:id="rId18"/>
-    <p:sldId id="272" r:id="rId19"/>
-    <p:sldId id="273" r:id="rId20"/>
-    <p:sldId id="274" r:id="rId21"/>
-    <p:sldId id="275" r:id="rId22"/>
-    <p:sldId id="277" r:id="rId23"/>
+    <p:sldId id="289" r:id="rId10"/>
+    <p:sldId id="287" r:id="rId11"/>
+    <p:sldId id="288" r:id="rId12"/>
+    <p:sldId id="279" r:id="rId13"/>
+    <p:sldId id="270" r:id="rId14"/>
+    <p:sldId id="271" r:id="rId15"/>
+    <p:sldId id="272" r:id="rId16"/>
+    <p:sldId id="273" r:id="rId17"/>
+    <p:sldId id="275" r:id="rId18"/>
+    <p:sldId id="277" r:id="rId19"/>
+    <p:sldId id="283" r:id="rId20"/>
+    <p:sldId id="284" r:id="rId21"/>
+    <p:sldId id="285" r:id="rId22"/>
+    <p:sldId id="286" r:id="rId23"/>
   </p:sldIdLst>
   <p:sldSz cx="9144000" cy="6858000" type="screen4x3"/>
   <p:notesSz cx="6858000" cy="9144000"/>
@@ -131,6 +131,656 @@
 </p:presentation>
 </file>
 
+<file path=ppt/charts/chart1.xml><?xml version="1.0" encoding="utf-8"?>
+<c:chartSpace xmlns:c="http://schemas.openxmlformats.org/drawingml/2006/chart" xmlns:a="http://schemas.openxmlformats.org/drawingml/2006/main" xmlns:r="http://schemas.openxmlformats.org/officeDocument/2006/relationships">
+  <c:date1904 val="0"/>
+  <c:lang val="en-US"/>
+  <c:roundedCorners val="0"/>
+  <mc:AlternateContent xmlns:mc="http://schemas.openxmlformats.org/markup-compatibility/2006">
+    <mc:Choice xmlns:c14="http://schemas.microsoft.com/office/drawing/2007/8/2/chart" Requires="c14">
+      <c14:style val="102"/>
+    </mc:Choice>
+    <mc:Fallback>
+      <c:style val="2"/>
+    </mc:Fallback>
+  </mc:AlternateContent>
+  <c:chart>
+    <c:autoTitleDeleted val="1"/>
+    <c:plotArea>
+      <c:layout>
+        <c:manualLayout>
+          <c:layoutTarget val="inner"/>
+          <c:xMode val="edge"/>
+          <c:yMode val="edge"/>
+          <c:x val="0.10784405152070663"/>
+          <c:y val="9.4666333370366243E-2"/>
+          <c:w val="0.84203755936909674"/>
+          <c:h val="0.64586758878643113"/>
+        </c:manualLayout>
+      </c:layout>
+      <c:lineChart>
+        <c:grouping val="standard"/>
+        <c:varyColors val="0"/>
+        <c:ser>
+          <c:idx val="0"/>
+          <c:order val="0"/>
+          <c:tx>
+            <c:v>Количество доступной оперативной памяти</c:v>
+          </c:tx>
+          <c:cat>
+            <c:numRef>
+              <c:f>RAM!$A$3:$A$27</c:f>
+              <c:numCache>
+                <c:formatCode>h:mm</c:formatCode>
+                <c:ptCount val="25"/>
+                <c:pt idx="0">
+                  <c:v>3.472222222222222E-3</c:v>
+                </c:pt>
+                <c:pt idx="1">
+                  <c:v>6.9444444444444441E-3</c:v>
+                </c:pt>
+                <c:pt idx="2">
+                  <c:v>1.0416666666666666E-2</c:v>
+                </c:pt>
+                <c:pt idx="3">
+                  <c:v>1.3888888888888888E-2</c:v>
+                </c:pt>
+                <c:pt idx="4">
+                  <c:v>1.7361111111111112E-2</c:v>
+                </c:pt>
+                <c:pt idx="5">
+                  <c:v>2.0833333333333332E-2</c:v>
+                </c:pt>
+                <c:pt idx="6">
+                  <c:v>2.4305555555555556E-2</c:v>
+                </c:pt>
+                <c:pt idx="7">
+                  <c:v>2.7777777777777776E-2</c:v>
+                </c:pt>
+                <c:pt idx="8">
+                  <c:v>3.125E-2</c:v>
+                </c:pt>
+                <c:pt idx="9">
+                  <c:v>3.4722222222222224E-2</c:v>
+                </c:pt>
+                <c:pt idx="10">
+                  <c:v>3.8194444444444441E-2</c:v>
+                </c:pt>
+                <c:pt idx="11">
+                  <c:v>4.1666666666666664E-2</c:v>
+                </c:pt>
+                <c:pt idx="12">
+                  <c:v>4.5138888888888888E-2</c:v>
+                </c:pt>
+                <c:pt idx="13">
+                  <c:v>4.8611111111111112E-2</c:v>
+                </c:pt>
+                <c:pt idx="14">
+                  <c:v>5.2083333333333336E-2</c:v>
+                </c:pt>
+                <c:pt idx="15">
+                  <c:v>5.5555555555555552E-2</c:v>
+                </c:pt>
+                <c:pt idx="16">
+                  <c:v>5.9027777777777783E-2</c:v>
+                </c:pt>
+                <c:pt idx="17">
+                  <c:v>6.25E-2</c:v>
+                </c:pt>
+                <c:pt idx="18">
+                  <c:v>6.5972222222222224E-2</c:v>
+                </c:pt>
+                <c:pt idx="19">
+                  <c:v>6.9444444444444434E-2</c:v>
+                </c:pt>
+                <c:pt idx="20">
+                  <c:v>7.2916666666666671E-2</c:v>
+                </c:pt>
+                <c:pt idx="21">
+                  <c:v>7.6388888888888895E-2</c:v>
+                </c:pt>
+                <c:pt idx="22">
+                  <c:v>7.9861111111111105E-2</c:v>
+                </c:pt>
+                <c:pt idx="23">
+                  <c:v>8.3333333333333329E-2</c:v>
+                </c:pt>
+                <c:pt idx="24">
+                  <c:v>8.6805555555555566E-2</c:v>
+                </c:pt>
+              </c:numCache>
+            </c:numRef>
+          </c:cat>
+          <c:val>
+            <c:numRef>
+              <c:f>RAM!$H$3:$H$27</c:f>
+              <c:numCache>
+                <c:formatCode>General</c:formatCode>
+                <c:ptCount val="25"/>
+                <c:pt idx="0">
+                  <c:v>1931</c:v>
+                </c:pt>
+                <c:pt idx="1">
+                  <c:v>1905</c:v>
+                </c:pt>
+                <c:pt idx="2">
+                  <c:v>1872</c:v>
+                </c:pt>
+                <c:pt idx="3">
+                  <c:v>1837</c:v>
+                </c:pt>
+                <c:pt idx="4">
+                  <c:v>1813</c:v>
+                </c:pt>
+                <c:pt idx="5">
+                  <c:v>1770</c:v>
+                </c:pt>
+                <c:pt idx="6">
+                  <c:v>1751</c:v>
+                </c:pt>
+                <c:pt idx="7">
+                  <c:v>1736</c:v>
+                </c:pt>
+                <c:pt idx="8">
+                  <c:v>1708</c:v>
+                </c:pt>
+                <c:pt idx="9">
+                  <c:v>1690</c:v>
+                </c:pt>
+                <c:pt idx="10">
+                  <c:v>1674</c:v>
+                </c:pt>
+                <c:pt idx="11">
+                  <c:v>1671</c:v>
+                </c:pt>
+                <c:pt idx="12">
+                  <c:v>1652</c:v>
+                </c:pt>
+                <c:pt idx="13">
+                  <c:v>1614</c:v>
+                </c:pt>
+                <c:pt idx="14">
+                  <c:v>1591</c:v>
+                </c:pt>
+                <c:pt idx="15">
+                  <c:v>1575</c:v>
+                </c:pt>
+                <c:pt idx="16">
+                  <c:v>1549</c:v>
+                </c:pt>
+                <c:pt idx="17">
+                  <c:v>1544</c:v>
+                </c:pt>
+                <c:pt idx="18">
+                  <c:v>1520</c:v>
+                </c:pt>
+                <c:pt idx="19">
+                  <c:v>1490</c:v>
+                </c:pt>
+                <c:pt idx="20">
+                  <c:v>1459</c:v>
+                </c:pt>
+                <c:pt idx="21">
+                  <c:v>1437</c:v>
+                </c:pt>
+                <c:pt idx="22">
+                  <c:v>1423</c:v>
+                </c:pt>
+                <c:pt idx="23">
+                  <c:v>1379</c:v>
+                </c:pt>
+                <c:pt idx="24">
+                  <c:v>1366</c:v>
+                </c:pt>
+              </c:numCache>
+            </c:numRef>
+          </c:val>
+          <c:smooth val="0"/>
+        </c:ser>
+        <c:dLbls>
+          <c:showLegendKey val="0"/>
+          <c:showVal val="0"/>
+          <c:showCatName val="0"/>
+          <c:showSerName val="0"/>
+          <c:showPercent val="0"/>
+          <c:showBubbleSize val="0"/>
+        </c:dLbls>
+        <c:marker val="1"/>
+        <c:smooth val="0"/>
+        <c:axId val="61112704"/>
+        <c:axId val="61114624"/>
+      </c:lineChart>
+      <c:catAx>
+        <c:axId val="61112704"/>
+        <c:scaling>
+          <c:orientation val="minMax"/>
+        </c:scaling>
+        <c:delete val="0"/>
+        <c:axPos val="b"/>
+        <c:numFmt formatCode="h:mm" sourceLinked="1"/>
+        <c:majorTickMark val="out"/>
+        <c:minorTickMark val="none"/>
+        <c:tickLblPos val="nextTo"/>
+        <c:crossAx val="61114624"/>
+        <c:crosses val="autoZero"/>
+        <c:auto val="1"/>
+        <c:lblAlgn val="ctr"/>
+        <c:lblOffset val="100"/>
+        <c:noMultiLvlLbl val="0"/>
+      </c:catAx>
+      <c:valAx>
+        <c:axId val="61114624"/>
+        <c:scaling>
+          <c:orientation val="minMax"/>
+        </c:scaling>
+        <c:delete val="0"/>
+        <c:axPos val="l"/>
+        <c:majorGridlines/>
+        <c:numFmt formatCode="General" sourceLinked="1"/>
+        <c:majorTickMark val="out"/>
+        <c:minorTickMark val="none"/>
+        <c:tickLblPos val="nextTo"/>
+        <c:crossAx val="61112704"/>
+        <c:crosses val="autoZero"/>
+        <c:crossBetween val="between"/>
+      </c:valAx>
+    </c:plotArea>
+    <c:legend>
+      <c:legendPos val="b"/>
+      <c:layout/>
+      <c:overlay val="0"/>
+    </c:legend>
+    <c:plotVisOnly val="1"/>
+    <c:dispBlanksAs val="gap"/>
+    <c:showDLblsOverMax val="0"/>
+  </c:chart>
+  <c:externalData r:id="rId1">
+    <c:autoUpdate val="0"/>
+  </c:externalData>
+</c:chartSpace>
+</file>
+
+<file path=ppt/charts/chart2.xml><?xml version="1.0" encoding="utf-8"?>
+<c:chartSpace xmlns:c="http://schemas.openxmlformats.org/drawingml/2006/chart" xmlns:a="http://schemas.openxmlformats.org/drawingml/2006/main" xmlns:r="http://schemas.openxmlformats.org/officeDocument/2006/relationships">
+  <c:date1904 val="1"/>
+  <c:lang val="en-US"/>
+  <c:roundedCorners val="0"/>
+  <mc:AlternateContent xmlns:mc="http://schemas.openxmlformats.org/markup-compatibility/2006">
+    <mc:Choice xmlns:c14="http://schemas.microsoft.com/office/drawing/2007/8/2/chart" Requires="c14">
+      <c14:style val="102"/>
+    </mc:Choice>
+    <mc:Fallback>
+      <c:style val="2"/>
+    </mc:Fallback>
+  </mc:AlternateContent>
+  <c:chart>
+    <c:autoTitleDeleted val="0"/>
+    <c:plotArea>
+      <c:layout/>
+      <c:lineChart>
+        <c:grouping val="standard"/>
+        <c:varyColors val="0"/>
+        <c:ser>
+          <c:idx val="0"/>
+          <c:order val="0"/>
+          <c:tx>
+            <c:v>Количество клиентов</c:v>
+          </c:tx>
+          <c:cat>
+            <c:numRef>
+              <c:f>'111.csv'!$A$7:$A$26</c:f>
+              <c:numCache>
+                <c:formatCode>h:mm</c:formatCode>
+                <c:ptCount val="20"/>
+                <c:pt idx="0">
+                  <c:v>1.7361111111111112E-2</c:v>
+                </c:pt>
+                <c:pt idx="1">
+                  <c:v>2.0833333333333332E-2</c:v>
+                </c:pt>
+                <c:pt idx="2">
+                  <c:v>2.4305555555555556E-2</c:v>
+                </c:pt>
+                <c:pt idx="3">
+                  <c:v>2.7777777777777776E-2</c:v>
+                </c:pt>
+                <c:pt idx="4">
+                  <c:v>3.125E-2</c:v>
+                </c:pt>
+                <c:pt idx="5">
+                  <c:v>3.4722222222222224E-2</c:v>
+                </c:pt>
+                <c:pt idx="6">
+                  <c:v>3.8194444444444441E-2</c:v>
+                </c:pt>
+                <c:pt idx="7">
+                  <c:v>4.1666666666666664E-2</c:v>
+                </c:pt>
+                <c:pt idx="8">
+                  <c:v>4.5138888888888888E-2</c:v>
+                </c:pt>
+                <c:pt idx="9">
+                  <c:v>4.8611111111111112E-2</c:v>
+                </c:pt>
+                <c:pt idx="10">
+                  <c:v>5.2083333333333336E-2</c:v>
+                </c:pt>
+                <c:pt idx="11">
+                  <c:v>5.5555555555555552E-2</c:v>
+                </c:pt>
+                <c:pt idx="12">
+                  <c:v>5.9027777777777783E-2</c:v>
+                </c:pt>
+                <c:pt idx="13">
+                  <c:v>6.25E-2</c:v>
+                </c:pt>
+                <c:pt idx="14">
+                  <c:v>6.5972222222222224E-2</c:v>
+                </c:pt>
+                <c:pt idx="15">
+                  <c:v>6.9444444444444434E-2</c:v>
+                </c:pt>
+                <c:pt idx="16">
+                  <c:v>7.2916666666666671E-2</c:v>
+                </c:pt>
+                <c:pt idx="17">
+                  <c:v>7.6388888888888895E-2</c:v>
+                </c:pt>
+                <c:pt idx="18">
+                  <c:v>7.9861111111111105E-2</c:v>
+                </c:pt>
+                <c:pt idx="19">
+                  <c:v>8.3333333333333329E-2</c:v>
+                </c:pt>
+              </c:numCache>
+            </c:numRef>
+          </c:cat>
+          <c:val>
+            <c:numRef>
+              <c:f>'111.csv'!$B$7:$B$26</c:f>
+              <c:numCache>
+                <c:formatCode>General</c:formatCode>
+                <c:ptCount val="20"/>
+                <c:pt idx="0">
+                  <c:v>24</c:v>
+                </c:pt>
+                <c:pt idx="1">
+                  <c:v>29</c:v>
+                </c:pt>
+                <c:pt idx="2">
+                  <c:v>34</c:v>
+                </c:pt>
+                <c:pt idx="3">
+                  <c:v>39</c:v>
+                </c:pt>
+                <c:pt idx="4">
+                  <c:v>44</c:v>
+                </c:pt>
+                <c:pt idx="5">
+                  <c:v>49</c:v>
+                </c:pt>
+                <c:pt idx="6">
+                  <c:v>54</c:v>
+                </c:pt>
+                <c:pt idx="7">
+                  <c:v>59</c:v>
+                </c:pt>
+                <c:pt idx="8">
+                  <c:v>64</c:v>
+                </c:pt>
+                <c:pt idx="9">
+                  <c:v>69</c:v>
+                </c:pt>
+                <c:pt idx="10">
+                  <c:v>74</c:v>
+                </c:pt>
+                <c:pt idx="11">
+                  <c:v>79</c:v>
+                </c:pt>
+                <c:pt idx="12">
+                  <c:v>84</c:v>
+                </c:pt>
+                <c:pt idx="13">
+                  <c:v>89</c:v>
+                </c:pt>
+                <c:pt idx="14">
+                  <c:v>94</c:v>
+                </c:pt>
+                <c:pt idx="15">
+                  <c:v>99</c:v>
+                </c:pt>
+                <c:pt idx="16">
+                  <c:v>100</c:v>
+                </c:pt>
+                <c:pt idx="17">
+                  <c:v>100</c:v>
+                </c:pt>
+                <c:pt idx="18">
+                  <c:v>100</c:v>
+                </c:pt>
+                <c:pt idx="19">
+                  <c:v>100</c:v>
+                </c:pt>
+              </c:numCache>
+            </c:numRef>
+          </c:val>
+          <c:smooth val="0"/>
+        </c:ser>
+        <c:ser>
+          <c:idx val="2"/>
+          <c:order val="1"/>
+          <c:tx>
+            <c:v>Загрузка ЦП</c:v>
+          </c:tx>
+          <c:cat>
+            <c:numRef>
+              <c:f>'111.csv'!$A$7:$A$26</c:f>
+              <c:numCache>
+                <c:formatCode>h:mm</c:formatCode>
+                <c:ptCount val="20"/>
+                <c:pt idx="0">
+                  <c:v>1.7361111111111112E-2</c:v>
+                </c:pt>
+                <c:pt idx="1">
+                  <c:v>2.0833333333333332E-2</c:v>
+                </c:pt>
+                <c:pt idx="2">
+                  <c:v>2.4305555555555556E-2</c:v>
+                </c:pt>
+                <c:pt idx="3">
+                  <c:v>2.7777777777777776E-2</c:v>
+                </c:pt>
+                <c:pt idx="4">
+                  <c:v>3.125E-2</c:v>
+                </c:pt>
+                <c:pt idx="5">
+                  <c:v>3.4722222222222224E-2</c:v>
+                </c:pt>
+                <c:pt idx="6">
+                  <c:v>3.8194444444444441E-2</c:v>
+                </c:pt>
+                <c:pt idx="7">
+                  <c:v>4.1666666666666664E-2</c:v>
+                </c:pt>
+                <c:pt idx="8">
+                  <c:v>4.5138888888888888E-2</c:v>
+                </c:pt>
+                <c:pt idx="9">
+                  <c:v>4.8611111111111112E-2</c:v>
+                </c:pt>
+                <c:pt idx="10">
+                  <c:v>5.2083333333333336E-2</c:v>
+                </c:pt>
+                <c:pt idx="11">
+                  <c:v>5.5555555555555552E-2</c:v>
+                </c:pt>
+                <c:pt idx="12">
+                  <c:v>5.9027777777777783E-2</c:v>
+                </c:pt>
+                <c:pt idx="13">
+                  <c:v>6.25E-2</c:v>
+                </c:pt>
+                <c:pt idx="14">
+                  <c:v>6.5972222222222224E-2</c:v>
+                </c:pt>
+                <c:pt idx="15">
+                  <c:v>6.9444444444444434E-2</c:v>
+                </c:pt>
+                <c:pt idx="16">
+                  <c:v>7.2916666666666671E-2</c:v>
+                </c:pt>
+                <c:pt idx="17">
+                  <c:v>7.6388888888888895E-2</c:v>
+                </c:pt>
+                <c:pt idx="18">
+                  <c:v>7.9861111111111105E-2</c:v>
+                </c:pt>
+                <c:pt idx="19">
+                  <c:v>8.3333333333333329E-2</c:v>
+                </c:pt>
+              </c:numCache>
+            </c:numRef>
+          </c:cat>
+          <c:val>
+            <c:numRef>
+              <c:f>'111.csv'!$I$7:$I$26</c:f>
+              <c:numCache>
+                <c:formatCode>General</c:formatCode>
+                <c:ptCount val="20"/>
+                <c:pt idx="0">
+                  <c:v>13.59918</c:v>
+                </c:pt>
+                <c:pt idx="1">
+                  <c:v>13.59951</c:v>
+                </c:pt>
+                <c:pt idx="2">
+                  <c:v>17.957799999999999</c:v>
+                </c:pt>
+                <c:pt idx="3">
+                  <c:v>19.272580000000001</c:v>
+                </c:pt>
+                <c:pt idx="4">
+                  <c:v>23.614149999999999</c:v>
+                </c:pt>
+                <c:pt idx="5">
+                  <c:v>27.09094</c:v>
+                </c:pt>
+                <c:pt idx="6">
+                  <c:v>30.16093</c:v>
+                </c:pt>
+                <c:pt idx="7">
+                  <c:v>31.160879999999999</c:v>
+                </c:pt>
+                <c:pt idx="8">
+                  <c:v>34.398429999999998</c:v>
+                </c:pt>
+                <c:pt idx="9">
+                  <c:v>36.754420000000003</c:v>
+                </c:pt>
+                <c:pt idx="10">
+                  <c:v>41.64452</c:v>
+                </c:pt>
+                <c:pt idx="11">
+                  <c:v>42.730269999999997</c:v>
+                </c:pt>
+                <c:pt idx="12">
+                  <c:v>44.096209999999999</c:v>
+                </c:pt>
+                <c:pt idx="13">
+                  <c:v>46.927480000000003</c:v>
+                </c:pt>
+                <c:pt idx="14">
+                  <c:v>48.576599999999999</c:v>
+                </c:pt>
+                <c:pt idx="15">
+                  <c:v>47.581600000000002</c:v>
+                </c:pt>
+                <c:pt idx="16">
+                  <c:v>48.258600000000001</c:v>
+                </c:pt>
+                <c:pt idx="17">
+                  <c:v>48.284689999999998</c:v>
+                </c:pt>
+                <c:pt idx="18">
+                  <c:v>48.519069999999999</c:v>
+                </c:pt>
+                <c:pt idx="19">
+                  <c:v>49.232300000000002</c:v>
+                </c:pt>
+              </c:numCache>
+            </c:numRef>
+          </c:val>
+          <c:smooth val="0"/>
+        </c:ser>
+        <c:dLbls>
+          <c:showLegendKey val="0"/>
+          <c:showVal val="0"/>
+          <c:showCatName val="0"/>
+          <c:showSerName val="0"/>
+          <c:showPercent val="0"/>
+          <c:showBubbleSize val="0"/>
+        </c:dLbls>
+        <c:marker val="1"/>
+        <c:smooth val="0"/>
+        <c:axId val="89762048"/>
+        <c:axId val="108969984"/>
+      </c:lineChart>
+      <c:catAx>
+        <c:axId val="89762048"/>
+        <c:scaling>
+          <c:orientation val="minMax"/>
+        </c:scaling>
+        <c:delete val="0"/>
+        <c:axPos val="b"/>
+        <c:numFmt formatCode="h:mm" sourceLinked="1"/>
+        <c:majorTickMark val="none"/>
+        <c:minorTickMark val="none"/>
+        <c:tickLblPos val="nextTo"/>
+        <c:crossAx val="108969984"/>
+        <c:crosses val="autoZero"/>
+        <c:auto val="1"/>
+        <c:lblAlgn val="ctr"/>
+        <c:lblOffset val="100"/>
+        <c:noMultiLvlLbl val="0"/>
+      </c:catAx>
+      <c:valAx>
+        <c:axId val="108969984"/>
+        <c:scaling>
+          <c:orientation val="minMax"/>
+          <c:max val="100"/>
+        </c:scaling>
+        <c:delete val="0"/>
+        <c:axPos val="l"/>
+        <c:majorGridlines/>
+        <c:numFmt formatCode="General" sourceLinked="1"/>
+        <c:majorTickMark val="none"/>
+        <c:minorTickMark val="none"/>
+        <c:tickLblPos val="nextTo"/>
+        <c:spPr>
+          <a:ln w="9525">
+            <a:noFill/>
+          </a:ln>
+        </c:spPr>
+        <c:crossAx val="89762048"/>
+        <c:crosses val="autoZero"/>
+        <c:crossBetween val="between"/>
+      </c:valAx>
+    </c:plotArea>
+    <c:legend>
+      <c:legendPos val="b"/>
+      <c:layout/>
+      <c:overlay val="0"/>
+    </c:legend>
+    <c:plotVisOnly val="1"/>
+    <c:dispBlanksAs val="gap"/>
+    <c:showDLblsOverMax val="0"/>
+  </c:chart>
+  <c:externalData r:id="rId1">
+    <c:autoUpdate val="0"/>
+  </c:externalData>
+</c:chartSpace>
+</file>
+
 <file path=ppt/notesMasters/notesMaster1.xml><?xml version="1.0" encoding="utf-8"?>
 <p:notesMaster xmlns:a="http://schemas.openxmlformats.org/drawingml/2006/main" xmlns:r="http://schemas.openxmlformats.org/officeDocument/2006/relationships" xmlns:p="http://schemas.openxmlformats.org/presentationml/2006/main">
   <p:cSld>
@@ -213,7 +863,7 @@
           <a:p>
             <a:fld id="{493709DA-A562-41A9-895D-FFD376667FE3}" type="datetimeFigureOut">
               <a:rPr lang="en-US" smtClean="0"/>
-              <a:t>4/20/2015</a:t>
+              <a:t>5/6/2015</a:t>
             </a:fld>
             <a:endParaRPr lang="en-US"/>
           </a:p>
@@ -546,7 +1196,7 @@
           <a:p>
             <a:fld id="{1A131737-F01D-4C50-B97F-FE04FA3491FA}" type="slidenum">
               <a:rPr lang="en-US" smtClean="0"/>
-              <a:t>14</a:t>
+              <a:t>22</a:t>
             </a:fld>
             <a:endParaRPr lang="en-US"/>
           </a:p>
@@ -746,7 +1396,7 @@
           <a:p>
             <a:fld id="{63B30FCC-466E-4632-B112-2BFB79D3226B}" type="datetimeFigureOut">
               <a:rPr lang="en-US" smtClean="0"/>
-              <a:t>4/20/2015</a:t>
+              <a:t>5/6/2015</a:t>
             </a:fld>
             <a:endParaRPr lang="en-US"/>
           </a:p>
@@ -916,7 +1566,7 @@
           <a:p>
             <a:fld id="{63B30FCC-466E-4632-B112-2BFB79D3226B}" type="datetimeFigureOut">
               <a:rPr lang="en-US" smtClean="0"/>
-              <a:t>4/20/2015</a:t>
+              <a:t>5/6/2015</a:t>
             </a:fld>
             <a:endParaRPr lang="en-US"/>
           </a:p>
@@ -1096,7 +1746,7 @@
           <a:p>
             <a:fld id="{63B30FCC-466E-4632-B112-2BFB79D3226B}" type="datetimeFigureOut">
               <a:rPr lang="en-US" smtClean="0"/>
-              <a:t>4/20/2015</a:t>
+              <a:t>5/6/2015</a:t>
             </a:fld>
             <a:endParaRPr lang="en-US"/>
           </a:p>
@@ -1266,7 +1916,7 @@
           <a:p>
             <a:fld id="{63B30FCC-466E-4632-B112-2BFB79D3226B}" type="datetimeFigureOut">
               <a:rPr lang="en-US" smtClean="0"/>
-              <a:t>4/20/2015</a:t>
+              <a:t>5/6/2015</a:t>
             </a:fld>
             <a:endParaRPr lang="en-US"/>
           </a:p>
@@ -1512,7 +2162,7 @@
           <a:p>
             <a:fld id="{63B30FCC-466E-4632-B112-2BFB79D3226B}" type="datetimeFigureOut">
               <a:rPr lang="en-US" smtClean="0"/>
-              <a:t>4/20/2015</a:t>
+              <a:t>5/6/2015</a:t>
             </a:fld>
             <a:endParaRPr lang="en-US"/>
           </a:p>
@@ -1800,7 +2450,7 @@
           <a:p>
             <a:fld id="{63B30FCC-466E-4632-B112-2BFB79D3226B}" type="datetimeFigureOut">
               <a:rPr lang="en-US" smtClean="0"/>
-              <a:t>4/20/2015</a:t>
+              <a:t>5/6/2015</a:t>
             </a:fld>
             <a:endParaRPr lang="en-US"/>
           </a:p>
@@ -2222,7 +2872,7 @@
           <a:p>
             <a:fld id="{63B30FCC-466E-4632-B112-2BFB79D3226B}" type="datetimeFigureOut">
               <a:rPr lang="en-US" smtClean="0"/>
-              <a:t>4/20/2015</a:t>
+              <a:t>5/6/2015</a:t>
             </a:fld>
             <a:endParaRPr lang="en-US"/>
           </a:p>
@@ -2340,7 +2990,7 @@
           <a:p>
             <a:fld id="{63B30FCC-466E-4632-B112-2BFB79D3226B}" type="datetimeFigureOut">
               <a:rPr lang="en-US" smtClean="0"/>
-              <a:t>4/20/2015</a:t>
+              <a:t>5/6/2015</a:t>
             </a:fld>
             <a:endParaRPr lang="en-US"/>
           </a:p>
@@ -2435,7 +3085,7 @@
           <a:p>
             <a:fld id="{63B30FCC-466E-4632-B112-2BFB79D3226B}" type="datetimeFigureOut">
               <a:rPr lang="en-US" smtClean="0"/>
-              <a:t>4/20/2015</a:t>
+              <a:t>5/6/2015</a:t>
             </a:fld>
             <a:endParaRPr lang="en-US"/>
           </a:p>
@@ -2712,7 +3362,7 @@
           <a:p>
             <a:fld id="{63B30FCC-466E-4632-B112-2BFB79D3226B}" type="datetimeFigureOut">
               <a:rPr lang="en-US" smtClean="0"/>
-              <a:t>4/20/2015</a:t>
+              <a:t>5/6/2015</a:t>
             </a:fld>
             <a:endParaRPr lang="en-US"/>
           </a:p>
@@ -2965,7 +3615,7 @@
           <a:p>
             <a:fld id="{63B30FCC-466E-4632-B112-2BFB79D3226B}" type="datetimeFigureOut">
               <a:rPr lang="en-US" smtClean="0"/>
-              <a:t>4/20/2015</a:t>
+              <a:t>5/6/2015</a:t>
             </a:fld>
             <a:endParaRPr lang="en-US"/>
           </a:p>
@@ -3178,7 +3828,7 @@
           <a:p>
             <a:fld id="{63B30FCC-466E-4632-B112-2BFB79D3226B}" type="datetimeFigureOut">
               <a:rPr lang="en-US" smtClean="0"/>
-              <a:t>4/20/2015</a:t>
+              <a:t>5/6/2015</a:t>
             </a:fld>
             <a:endParaRPr lang="en-US"/>
           </a:p>
@@ -3629,11 +4279,7 @@
             <a:pPr algn="r"/>
             <a:r>
               <a:rPr lang="ru-RU" dirty="0" smtClean="0"/>
-              <a:t>Царёв </a:t>
-            </a:r>
-            <a:r>
-              <a:rPr lang="ru-RU" dirty="0" smtClean="0"/>
-              <a:t>Д.В.</a:t>
+              <a:t>Царёв Д.В.</a:t>
             </a:r>
           </a:p>
         </p:txBody>
@@ -3688,342 +4334,16 @@
         <p:spPr/>
         <p:txBody>
           <a:bodyPr>
-            <a:normAutofit fontScale="90000"/>
-          </a:bodyPr>
-          <a:lstStyle/>
-          <a:p>
-            <a:r>
-              <a:rPr lang="ru-RU" dirty="0"/>
-              <a:t>Методы многотемной классификации</a:t>
-            </a:r>
-            <a:endParaRPr lang="en-US" dirty="0"/>
-          </a:p>
-        </p:txBody>
-      </p:sp>
-      <p:sp>
-        <p:nvSpPr>
-          <p:cNvPr id="3" name="Объект 2"/>
-          <p:cNvSpPr>
-            <a:spLocks noGrp="1"/>
-          </p:cNvSpPr>
-          <p:nvPr>
-            <p:ph idx="1"/>
-          </p:nvPr>
-        </p:nvSpPr>
-        <p:spPr/>
-        <p:txBody>
-          <a:bodyPr>
-            <a:normAutofit fontScale="92500"/>
-          </a:bodyPr>
-          <a:lstStyle/>
-          <a:p>
-            <a:pPr marL="457200" lvl="1" indent="-457200"/>
-            <a:r>
-              <a:rPr lang="ru-RU" dirty="0" smtClean="0"/>
-              <a:t>Подход </a:t>
-            </a:r>
-            <a:r>
-              <a:rPr lang="ru-RU" dirty="0"/>
-              <a:t>на основе декомпозиции в набор независимых бинарных </a:t>
-            </a:r>
-            <a:r>
-              <a:rPr lang="ru-RU" dirty="0" smtClean="0"/>
-              <a:t>проблем</a:t>
-            </a:r>
-          </a:p>
-          <a:p>
-            <a:pPr marL="742950" lvl="2" indent="-342900"/>
-            <a:r>
-              <a:rPr lang="ru-RU" dirty="0" smtClean="0"/>
-              <a:t>Для каждого из </a:t>
-            </a:r>
-            <a:r>
-              <a:rPr lang="en-US" dirty="0" smtClean="0"/>
-              <a:t>N </a:t>
-            </a:r>
-            <a:r>
-              <a:rPr lang="ru-RU" dirty="0" smtClean="0"/>
-              <a:t>классов строится бинарный классификатор</a:t>
-            </a:r>
-          </a:p>
-          <a:p>
-            <a:pPr marL="742950" lvl="2" indent="-342900"/>
-            <a:r>
-              <a:rPr lang="ru-RU" dirty="0" smtClean="0"/>
-              <a:t>Далее, используя решающую функцию как функцию ранжирования, определяется релевантность класса</a:t>
-            </a:r>
-          </a:p>
-          <a:p>
-            <a:pPr marL="342900" lvl="1" indent="-342900"/>
-            <a:r>
-              <a:rPr lang="ru-RU" dirty="0" smtClean="0"/>
-              <a:t>Недостатки</a:t>
-            </a:r>
-          </a:p>
-          <a:p>
-            <a:pPr marL="742950" lvl="2" indent="-342900"/>
-            <a:r>
-              <a:rPr lang="ru-RU" dirty="0" smtClean="0"/>
-              <a:t>Высокая вычислительная сложность (для каждого класса строится отдельный классификатор)</a:t>
-            </a:r>
-          </a:p>
-          <a:p>
-            <a:pPr marL="742950" lvl="2" indent="-342900"/>
-            <a:r>
-              <a:rPr lang="ru-RU" dirty="0" smtClean="0"/>
-              <a:t>Строятся независимые классификаторы, которые не учитывают корреляци</a:t>
-            </a:r>
-            <a:r>
-              <a:rPr lang="ru-RU" dirty="0"/>
-              <a:t>ю</a:t>
-            </a:r>
-            <a:r>
-              <a:rPr lang="ru-RU" dirty="0" smtClean="0"/>
-              <a:t> между классами, что существенно для задачи многотемной классификации</a:t>
-            </a:r>
-          </a:p>
-          <a:p>
-            <a:pPr marL="342900" lvl="1" indent="-342900"/>
-            <a:endParaRPr lang="ru-RU" dirty="0" smtClean="0"/>
-          </a:p>
-          <a:p>
-            <a:pPr marL="742950" lvl="2" indent="-342900"/>
-            <a:endParaRPr lang="ru-RU" dirty="0"/>
-          </a:p>
-          <a:p>
-            <a:pPr lvl="1"/>
-            <a:endParaRPr lang="en-US" dirty="0"/>
-          </a:p>
-        </p:txBody>
-      </p:sp>
-    </p:spTree>
-    <p:extLst>
-      <p:ext uri="{BB962C8B-B14F-4D97-AF65-F5344CB8AC3E}">
-        <p14:creationId xmlns:p14="http://schemas.microsoft.com/office/powerpoint/2010/main" val="596553632"/>
-      </p:ext>
-    </p:extLst>
-  </p:cSld>
-  <p:clrMapOvr>
-    <a:masterClrMapping/>
-  </p:clrMapOvr>
-  <p:timing>
-    <p:tnLst>
-      <p:par>
-        <p:cTn id="1" dur="indefinite" restart="never" nodeType="tmRoot"/>
-      </p:par>
-    </p:tnLst>
-  </p:timing>
-</p:sld>
-</file>
-
-<file path=ppt/slides/slide11.xml><?xml version="1.0" encoding="utf-8"?>
-<p:sld xmlns:a="http://schemas.openxmlformats.org/drawingml/2006/main" xmlns:r="http://schemas.openxmlformats.org/officeDocument/2006/relationships" xmlns:p="http://schemas.openxmlformats.org/presentationml/2006/main">
-  <p:cSld>
-    <p:spTree>
-      <p:nvGrpSpPr>
-        <p:cNvPr id="1" name=""/>
-        <p:cNvGrpSpPr/>
-        <p:nvPr/>
-      </p:nvGrpSpPr>
-      <p:grpSpPr>
-        <a:xfrm>
-          <a:off x="0" y="0"/>
-          <a:ext cx="0" cy="0"/>
-          <a:chOff x="0" y="0"/>
-          <a:chExt cx="0" cy="0"/>
-        </a:xfrm>
-      </p:grpSpPr>
-      <p:sp>
-        <p:nvSpPr>
-          <p:cNvPr id="2" name="Заголовок 1"/>
-          <p:cNvSpPr>
-            <a:spLocks noGrp="1"/>
-          </p:cNvSpPr>
-          <p:nvPr>
-            <p:ph type="title"/>
-          </p:nvPr>
-        </p:nvSpPr>
-        <p:spPr/>
-        <p:txBody>
-          <a:bodyPr>
-            <a:normAutofit fontScale="90000"/>
-          </a:bodyPr>
-          <a:lstStyle/>
-          <a:p>
-            <a:r>
-              <a:rPr lang="ru-RU" dirty="0"/>
-              <a:t>Методы многотемной классификации</a:t>
-            </a:r>
-            <a:endParaRPr lang="en-US" dirty="0"/>
-          </a:p>
-        </p:txBody>
-      </p:sp>
-      <p:sp>
-        <p:nvSpPr>
-          <p:cNvPr id="3" name="Объект 2"/>
-          <p:cNvSpPr>
-            <a:spLocks noGrp="1"/>
-          </p:cNvSpPr>
-          <p:nvPr>
-            <p:ph idx="1"/>
-          </p:nvPr>
-        </p:nvSpPr>
-        <p:spPr/>
-        <p:txBody>
-          <a:bodyPr>
             <a:noAutofit/>
           </a:bodyPr>
           <a:lstStyle/>
           <a:p>
-            <a:pPr marL="400050" lvl="1" indent="-400050"/>
-            <a:r>
-              <a:rPr lang="ru-RU" dirty="0" smtClean="0"/>
-              <a:t>Подход ранжирования с отсечением нерелевантных классов</a:t>
-            </a:r>
-            <a:endParaRPr lang="en-US" dirty="0" smtClean="0"/>
-          </a:p>
-          <a:p>
-            <a:pPr marL="742950" lvl="2" indent="-342900"/>
-            <a:r>
-              <a:rPr lang="ru-RU" dirty="0" smtClean="0"/>
-              <a:t>Алгоритмы работают в два этапа:</a:t>
-            </a:r>
-          </a:p>
-          <a:p>
-            <a:pPr marL="1200150" lvl="3" indent="-342900"/>
-            <a:r>
-              <a:rPr lang="ru-RU" dirty="0" smtClean="0"/>
-              <a:t>Классы ранжируются по релевантности относительно заданного классифицируемого объекта</a:t>
-            </a:r>
-          </a:p>
-          <a:p>
-            <a:pPr marL="1200150" lvl="3" indent="-342900"/>
-            <a:r>
-              <a:rPr lang="ru-RU" dirty="0"/>
-              <a:t>Н</a:t>
-            </a:r>
-            <a:r>
-              <a:rPr lang="ru-RU" dirty="0" smtClean="0"/>
-              <a:t>ерелевантные классы отсекаются с помощью пороговой функции</a:t>
-            </a:r>
-          </a:p>
-          <a:p>
-            <a:pPr marL="342900" lvl="1" indent="-342900"/>
-            <a:r>
-              <a:rPr lang="ru-RU" dirty="0" smtClean="0"/>
-              <a:t>Недостатки</a:t>
-            </a:r>
-          </a:p>
-          <a:p>
-            <a:pPr marL="742950" lvl="2" indent="-342900"/>
-            <a:r>
-              <a:rPr lang="ru-RU" dirty="0" smtClean="0"/>
-              <a:t>Алгоритмы либо не имеют возможности дообучения, либо показывают низкую точность</a:t>
-            </a:r>
-          </a:p>
-          <a:p>
-            <a:pPr lvl="1"/>
-            <a:endParaRPr lang="en-US" dirty="0"/>
-          </a:p>
-        </p:txBody>
-      </p:sp>
-    </p:spTree>
-    <p:extLst>
-      <p:ext uri="{BB962C8B-B14F-4D97-AF65-F5344CB8AC3E}">
-        <p14:creationId xmlns:p14="http://schemas.microsoft.com/office/powerpoint/2010/main" val="1448234633"/>
-      </p:ext>
-    </p:extLst>
-  </p:cSld>
-  <p:clrMapOvr>
-    <a:masterClrMapping/>
-  </p:clrMapOvr>
-  <p:timing>
-    <p:tnLst>
-      <p:par>
-        <p:cTn id="1" dur="indefinite" restart="never" nodeType="tmRoot"/>
-      </p:par>
-    </p:tnLst>
-  </p:timing>
-</p:sld>
-</file>
-
-<file path=ppt/slides/slide12.xml><?xml version="1.0" encoding="utf-8"?>
-<p:sld xmlns:a="http://schemas.openxmlformats.org/drawingml/2006/main" xmlns:r="http://schemas.openxmlformats.org/officeDocument/2006/relationships" xmlns:p="http://schemas.openxmlformats.org/presentationml/2006/main">
-  <p:cSld>
-    <p:spTree>
-      <p:nvGrpSpPr>
-        <p:cNvPr id="1" name=""/>
-        <p:cNvGrpSpPr/>
-        <p:nvPr/>
-      </p:nvGrpSpPr>
-      <p:grpSpPr>
-        <a:xfrm>
-          <a:off x="0" y="0"/>
-          <a:ext cx="0" cy="0"/>
-          <a:chOff x="0" y="0"/>
-          <a:chExt cx="0" cy="0"/>
-        </a:xfrm>
-      </p:grpSpPr>
-      <p:sp>
-        <p:nvSpPr>
-          <p:cNvPr id="2" name="Заголовок 1"/>
-          <p:cNvSpPr>
-            <a:spLocks noGrp="1"/>
-          </p:cNvSpPr>
-          <p:nvPr>
-            <p:ph type="title"/>
-          </p:nvPr>
-        </p:nvSpPr>
-        <p:spPr/>
-        <p:txBody>
-          <a:bodyPr>
-            <a:noAutofit/>
-          </a:bodyPr>
-          <a:lstStyle/>
-          <a:p>
             <a:pPr algn="l"/>
             <a:r>
               <a:rPr lang="ru-RU" sz="3600" dirty="0" smtClean="0"/>
               <a:t>Метод многотемной классификации на основе подхода попарных сравнений</a:t>
             </a:r>
             <a:endParaRPr lang="en-US" sz="3600" dirty="0"/>
-          </a:p>
-        </p:txBody>
-      </p:sp>
-      <p:sp>
-        <p:nvSpPr>
-          <p:cNvPr id="3" name="Объект 2"/>
-          <p:cNvSpPr>
-            <a:spLocks noGrp="1"/>
-          </p:cNvSpPr>
-          <p:nvPr>
-            <p:ph idx="1"/>
-          </p:nvPr>
-        </p:nvSpPr>
-        <p:spPr>
-          <a:xfrm>
-            <a:off x="457200" y="1600200"/>
-            <a:ext cx="8579296" cy="1252736"/>
-          </a:xfrm>
-        </p:spPr>
-        <p:txBody>
-          <a:bodyPr>
-            <a:normAutofit fontScale="62500" lnSpcReduction="20000"/>
-          </a:bodyPr>
-          <a:lstStyle/>
-          <a:p>
-            <a:r>
-              <a:rPr lang="ru-RU" dirty="0" smtClean="0"/>
-              <a:t>Рассмотренные подходы не учитывают специфику задачи, поэтому в лаборатории Технологий Программирования был разработан метод, основанный на подходе декомпозиции на бинарные подпроблемы, что обеспечивает возможность дообучения, удаления, и добавления тематик</a:t>
-            </a:r>
-          </a:p>
-          <a:p>
-            <a:pPr lvl="1"/>
-            <a:endParaRPr lang="ru-RU" dirty="0" smtClean="0"/>
-          </a:p>
-          <a:p>
-            <a:pPr lvl="1"/>
-            <a:endParaRPr lang="en-US" dirty="0"/>
           </a:p>
         </p:txBody>
       </p:sp>
@@ -4050,7 +4370,7 @@
         </p:blipFill>
         <p:spPr bwMode="auto">
           <a:xfrm>
-            <a:off x="5008277" y="3375026"/>
+            <a:off x="4860032" y="2492896"/>
             <a:ext cx="4019855" cy="2915104"/>
           </a:xfrm>
           <a:prstGeom prst="rect">
@@ -4099,8 +4419,8 @@
         </p:nvSpPr>
         <p:spPr>
           <a:xfrm>
-            <a:off x="463666" y="2610683"/>
-            <a:ext cx="4572000" cy="4247317"/>
+            <a:off x="463666" y="1628800"/>
+            <a:ext cx="4572000" cy="4801314"/>
           </a:xfrm>
           <a:prstGeom prst="rect">
             <a:avLst/>
@@ -4157,8 +4477,8 @@
               <a:buChar char="•"/>
             </a:pPr>
             <a:r>
-              <a:rPr lang="ru-RU" dirty="0"/>
-              <a:t>Уменьшение пространства, в котором ищется пороговая функция</a:t>
+              <a:rPr lang="ru-RU" dirty="0" smtClean="0"/>
+              <a:t>Пороговая функция ищется в пространстве меньшей размерности (не в пространстве признаков, а пространстве релевантностей классов)</a:t>
             </a:r>
           </a:p>
           <a:p>
@@ -4167,8 +4487,8 @@
               <a:buChar char="•"/>
             </a:pPr>
             <a:r>
-              <a:rPr lang="ru-RU" dirty="0"/>
-              <a:t>Меньшая вычислительная сложность по сравнению с традиционным подходом</a:t>
+              <a:rPr lang="ru-RU" dirty="0" smtClean="0"/>
+              <a:t>Меньшая вычислительная сложность</a:t>
             </a:r>
           </a:p>
           <a:p>
@@ -4177,9 +4497,22 @@
               <a:buChar char="•"/>
             </a:pPr>
             <a:r>
+              <a:rPr lang="ru-RU" dirty="0" smtClean="0"/>
+              <a:t>Метод ранжирования для существенно пересекающихся классов с использованием </a:t>
+            </a:r>
+            <a:r>
               <a:rPr lang="ru-RU" dirty="0"/>
-              <a:t>Метод ранжирования для существенно пересекающихся классов</a:t>
-            </a:r>
+              <a:t>модели Брэдли-Терри с </a:t>
+            </a:r>
+            <a:r>
+              <a:rPr lang="ru-RU" dirty="0" smtClean="0"/>
+              <a:t> </a:t>
+            </a:r>
+            <a:r>
+              <a:rPr lang="ru-RU" dirty="0"/>
+              <a:t>«ничьей»</a:t>
+            </a:r>
+            <a:endParaRPr lang="ru-RU" dirty="0" smtClean="0"/>
           </a:p>
           <a:p>
             <a:pPr marL="742950" lvl="1" indent="-285750">
@@ -4187,8 +4520,12 @@
               <a:buChar char="•"/>
             </a:pPr>
             <a:r>
+              <a:rPr lang="ru-RU" dirty="0" smtClean="0"/>
+              <a:t>Повышение </a:t>
+            </a:r>
+            <a:r>
               <a:rPr lang="ru-RU" dirty="0"/>
-              <a:t>Повышение точности</a:t>
+              <a:t>точности</a:t>
             </a:r>
             <a:endParaRPr lang="en-US" dirty="0"/>
           </a:p>
@@ -4198,6 +4535,295 @@
     <p:extLst>
       <p:ext uri="{BB962C8B-B14F-4D97-AF65-F5344CB8AC3E}">
         <p14:creationId xmlns:p14="http://schemas.microsoft.com/office/powerpoint/2010/main" val="364670695"/>
+      </p:ext>
+    </p:extLst>
+  </p:cSld>
+  <p:clrMapOvr>
+    <a:masterClrMapping/>
+  </p:clrMapOvr>
+  <p:timing>
+    <p:tnLst>
+      <p:par>
+        <p:cTn id="1" dur="indefinite" restart="never" nodeType="tmRoot"/>
+      </p:par>
+    </p:tnLst>
+  </p:timing>
+</p:sld>
+</file>
+
+<file path=ppt/slides/slide11.xml><?xml version="1.0" encoding="utf-8"?>
+<p:sld xmlns:a="http://schemas.openxmlformats.org/drawingml/2006/main" xmlns:r="http://schemas.openxmlformats.org/officeDocument/2006/relationships" xmlns:p="http://schemas.openxmlformats.org/presentationml/2006/main">
+  <p:cSld>
+    <p:spTree>
+      <p:nvGrpSpPr>
+        <p:cNvPr id="1" name=""/>
+        <p:cNvGrpSpPr/>
+        <p:nvPr/>
+      </p:nvGrpSpPr>
+      <p:grpSpPr>
+        <a:xfrm>
+          <a:off x="0" y="0"/>
+          <a:ext cx="0" cy="0"/>
+          <a:chOff x="0" y="0"/>
+          <a:chExt cx="0" cy="0"/>
+        </a:xfrm>
+      </p:grpSpPr>
+      <p:sp>
+        <p:nvSpPr>
+          <p:cNvPr id="2" name="Заголовок 1"/>
+          <p:cNvSpPr>
+            <a:spLocks noGrp="1"/>
+          </p:cNvSpPr>
+          <p:nvPr>
+            <p:ph type="title"/>
+          </p:nvPr>
+        </p:nvSpPr>
+        <p:spPr/>
+        <p:txBody>
+          <a:bodyPr>
+            <a:normAutofit fontScale="90000"/>
+          </a:bodyPr>
+          <a:lstStyle/>
+          <a:p>
+            <a:r>
+              <a:rPr lang="ru-RU" dirty="0" smtClean="0"/>
+              <a:t>Выводы из обзора методов многотемной классификации</a:t>
+            </a:r>
+            <a:endParaRPr lang="en-US" dirty="0"/>
+          </a:p>
+        </p:txBody>
+      </p:sp>
+      <p:sp>
+        <p:nvSpPr>
+          <p:cNvPr id="3" name="Объект 2"/>
+          <p:cNvSpPr>
+            <a:spLocks noGrp="1"/>
+          </p:cNvSpPr>
+          <p:nvPr>
+            <p:ph idx="1"/>
+          </p:nvPr>
+        </p:nvSpPr>
+        <p:spPr/>
+        <p:txBody>
+          <a:bodyPr>
+            <a:normAutofit lnSpcReduction="10000"/>
+          </a:bodyPr>
+          <a:lstStyle/>
+          <a:p>
+            <a:r>
+              <a:rPr lang="ru-RU" dirty="0" smtClean="0"/>
+              <a:t>Ни один из существующих традиционных подходов не удовлетворяет поставленным </a:t>
+            </a:r>
+            <a:r>
+              <a:rPr lang="ru-RU" dirty="0" smtClean="0"/>
+              <a:t>требованиям</a:t>
+            </a:r>
+          </a:p>
+          <a:p>
+            <a:r>
+              <a:rPr lang="ru-RU" dirty="0" smtClean="0"/>
+              <a:t>Выбран </a:t>
+            </a:r>
+            <a:r>
+              <a:rPr lang="ru-RU" dirty="0" smtClean="0"/>
+              <a:t>метод </a:t>
+            </a:r>
+            <a:r>
+              <a:rPr lang="ru-RU" dirty="0"/>
+              <a:t>на основе подхода попарных сравнений</a:t>
+            </a:r>
+            <a:r>
+              <a:rPr lang="ru-RU" dirty="0" smtClean="0"/>
+              <a:t>, разработанный в лаборатории Технологий Программирования , </a:t>
+            </a:r>
+            <a:r>
+              <a:rPr lang="ru-RU" dirty="0" smtClean="0"/>
+              <a:t>модифицированный  с учетом недостатков существующих методов и отвечающий всем требованиям поставленной задачи</a:t>
+            </a:r>
+            <a:endParaRPr lang="en-US" dirty="0" smtClean="0"/>
+          </a:p>
+          <a:p>
+            <a:pPr lvl="1"/>
+            <a:endParaRPr lang="ru-RU" dirty="0" smtClean="0"/>
+          </a:p>
+          <a:p>
+            <a:pPr lvl="1"/>
+            <a:endParaRPr lang="ru-RU" dirty="0" smtClean="0"/>
+          </a:p>
+          <a:p>
+            <a:pPr lvl="1"/>
+            <a:endParaRPr lang="ru-RU" dirty="0" smtClean="0"/>
+          </a:p>
+          <a:p>
+            <a:pPr lvl="1"/>
+            <a:endParaRPr lang="ru-RU" dirty="0" smtClean="0"/>
+          </a:p>
+          <a:p>
+            <a:pPr lvl="1"/>
+            <a:endParaRPr lang="ru-RU" dirty="0" smtClean="0"/>
+          </a:p>
+        </p:txBody>
+      </p:sp>
+    </p:spTree>
+    <p:extLst>
+      <p:ext uri="{BB962C8B-B14F-4D97-AF65-F5344CB8AC3E}">
+        <p14:creationId xmlns:p14="http://schemas.microsoft.com/office/powerpoint/2010/main" val="2381797986"/>
+      </p:ext>
+    </p:extLst>
+  </p:cSld>
+  <p:clrMapOvr>
+    <a:masterClrMapping/>
+  </p:clrMapOvr>
+  <p:timing>
+    <p:tnLst>
+      <p:par>
+        <p:cTn id="1" dur="indefinite" restart="never" nodeType="tmRoot"/>
+      </p:par>
+    </p:tnLst>
+  </p:timing>
+</p:sld>
+</file>
+
+<file path=ppt/slides/slide12.xml><?xml version="1.0" encoding="utf-8"?>
+<p:sld xmlns:a="http://schemas.openxmlformats.org/drawingml/2006/main" xmlns:r="http://schemas.openxmlformats.org/officeDocument/2006/relationships" xmlns:p="http://schemas.openxmlformats.org/presentationml/2006/main">
+  <p:cSld>
+    <p:spTree>
+      <p:nvGrpSpPr>
+        <p:cNvPr id="1" name=""/>
+        <p:cNvGrpSpPr/>
+        <p:nvPr/>
+      </p:nvGrpSpPr>
+      <p:grpSpPr>
+        <a:xfrm>
+          <a:off x="0" y="0"/>
+          <a:ext cx="0" cy="0"/>
+          <a:chOff x="0" y="0"/>
+          <a:chExt cx="0" cy="0"/>
+        </a:xfrm>
+      </p:grpSpPr>
+      <p:sp>
+        <p:nvSpPr>
+          <p:cNvPr id="2" name="Заголовок 1"/>
+          <p:cNvSpPr>
+            <a:spLocks noGrp="1"/>
+          </p:cNvSpPr>
+          <p:nvPr>
+            <p:ph type="title"/>
+          </p:nvPr>
+        </p:nvSpPr>
+        <p:spPr/>
+        <p:txBody>
+          <a:bodyPr>
+            <a:normAutofit fontScale="90000"/>
+          </a:bodyPr>
+          <a:lstStyle/>
+          <a:p>
+            <a:r>
+              <a:rPr lang="ru-RU" dirty="0"/>
+              <a:t>Исследование и построение решения</a:t>
+            </a:r>
+            <a:endParaRPr lang="en-US" dirty="0"/>
+          </a:p>
+        </p:txBody>
+      </p:sp>
+      <p:sp>
+        <p:nvSpPr>
+          <p:cNvPr id="3" name="Объект 2"/>
+          <p:cNvSpPr>
+            <a:spLocks noGrp="1"/>
+          </p:cNvSpPr>
+          <p:nvPr>
+            <p:ph idx="1"/>
+          </p:nvPr>
+        </p:nvSpPr>
+        <p:spPr/>
+        <p:txBody>
+          <a:bodyPr>
+            <a:normAutofit fontScale="85000" lnSpcReduction="20000"/>
+          </a:bodyPr>
+          <a:lstStyle/>
+          <a:p>
+            <a:r>
+              <a:rPr lang="ru-RU" dirty="0" smtClean="0"/>
+              <a:t>Реализовать прототип системы многотемной классификации веб-страниц, состоящую из</a:t>
+            </a:r>
+          </a:p>
+          <a:p>
+            <a:pPr lvl="1"/>
+            <a:r>
+              <a:rPr lang="ru-RU" dirty="0" smtClean="0"/>
+              <a:t>Системы сбора</a:t>
+            </a:r>
+          </a:p>
+          <a:p>
+            <a:pPr lvl="2"/>
+            <a:r>
+              <a:rPr lang="ru-RU" dirty="0" smtClean="0"/>
+              <a:t>Агент мониторинга</a:t>
+            </a:r>
+          </a:p>
+          <a:p>
+            <a:pPr lvl="3"/>
+            <a:r>
+              <a:rPr lang="ru-RU" dirty="0" smtClean="0"/>
+              <a:t>Сохранение просмотренных пользователем веб-страниц в локальную файловую систему</a:t>
+            </a:r>
+          </a:p>
+          <a:p>
+            <a:pPr lvl="3"/>
+            <a:r>
+              <a:rPr lang="ru-RU" dirty="0" smtClean="0"/>
+              <a:t>Передача данных агенту консолидации</a:t>
+            </a:r>
+          </a:p>
+          <a:p>
+            <a:pPr lvl="2"/>
+            <a:r>
+              <a:rPr lang="ru-RU" dirty="0" smtClean="0"/>
+              <a:t>Агент консолидации</a:t>
+            </a:r>
+          </a:p>
+          <a:p>
+            <a:pPr lvl="3"/>
+            <a:r>
+              <a:rPr lang="ru-RU" dirty="0" smtClean="0"/>
+              <a:t>Сбор данных от агентов мониторинга</a:t>
+            </a:r>
+          </a:p>
+          <a:p>
+            <a:pPr lvl="3"/>
+            <a:r>
+              <a:rPr lang="ru-RU" dirty="0" smtClean="0"/>
+              <a:t>Сохранение в единую базу данных</a:t>
+            </a:r>
+          </a:p>
+          <a:p>
+            <a:pPr lvl="1"/>
+            <a:r>
+              <a:rPr lang="ru-RU" dirty="0" smtClean="0"/>
+              <a:t>Модуля классификации</a:t>
+            </a:r>
+          </a:p>
+          <a:p>
+            <a:pPr lvl="2"/>
+            <a:r>
+              <a:rPr lang="ru-RU" dirty="0" smtClean="0"/>
+              <a:t>Обучение на тренировочном наборе, с возможностью дообучения</a:t>
+            </a:r>
+          </a:p>
+          <a:p>
+            <a:pPr lvl="2"/>
+            <a:r>
+              <a:rPr lang="ru-RU" dirty="0" smtClean="0"/>
+              <a:t>Предобработка и классификация веб-страниц, хранящихся в базе данных</a:t>
+            </a:r>
+          </a:p>
+        </p:txBody>
+      </p:sp>
+    </p:spTree>
+    <p:extLst>
+      <p:ext uri="{BB962C8B-B14F-4D97-AF65-F5344CB8AC3E}">
+        <p14:creationId xmlns:p14="http://schemas.microsoft.com/office/powerpoint/2010/main" val="3005193644"/>
       </p:ext>
     </p:extLst>
   </p:cSld>
@@ -4250,634 +4876,6 @@
           <a:p>
             <a:r>
               <a:rPr lang="ru-RU" dirty="0" smtClean="0"/>
-              <a:t>Выводы из обзора методов многотемной классификации</a:t>
-            </a:r>
-            <a:endParaRPr lang="en-US" dirty="0"/>
-          </a:p>
-        </p:txBody>
-      </p:sp>
-      <p:sp>
-        <p:nvSpPr>
-          <p:cNvPr id="3" name="Объект 2"/>
-          <p:cNvSpPr>
-            <a:spLocks noGrp="1"/>
-          </p:cNvSpPr>
-          <p:nvPr>
-            <p:ph idx="1"/>
-          </p:nvPr>
-        </p:nvSpPr>
-        <p:spPr/>
-        <p:txBody>
-          <a:bodyPr>
-            <a:normAutofit/>
-          </a:bodyPr>
-          <a:lstStyle/>
-          <a:p>
-            <a:r>
-              <a:rPr lang="ru-RU" dirty="0" smtClean="0"/>
-              <a:t>Ни один из существующих традиционных подходов не удовлетворяет поставленным требованиям</a:t>
-            </a:r>
-          </a:p>
-          <a:p>
-            <a:r>
-              <a:rPr lang="ru-RU" dirty="0"/>
-              <a:t>В</a:t>
-            </a:r>
-            <a:r>
-              <a:rPr lang="ru-RU" dirty="0" smtClean="0"/>
-              <a:t>ыбран метод </a:t>
-            </a:r>
-            <a:r>
-              <a:rPr lang="ru-RU" dirty="0"/>
-              <a:t>на основе подхода попарных сравнений</a:t>
-            </a:r>
-            <a:r>
-              <a:rPr lang="ru-RU" dirty="0" smtClean="0"/>
-              <a:t>, разработанный в лаборатории Технологий Программирования , который учитывает специфику поставленной задачи</a:t>
-            </a:r>
-            <a:endParaRPr lang="en-US" dirty="0" smtClean="0"/>
-          </a:p>
-          <a:p>
-            <a:pPr lvl="1"/>
-            <a:endParaRPr lang="ru-RU" dirty="0" smtClean="0"/>
-          </a:p>
-          <a:p>
-            <a:pPr lvl="1"/>
-            <a:endParaRPr lang="ru-RU" dirty="0" smtClean="0"/>
-          </a:p>
-          <a:p>
-            <a:pPr lvl="1"/>
-            <a:endParaRPr lang="ru-RU" dirty="0" smtClean="0"/>
-          </a:p>
-          <a:p>
-            <a:pPr lvl="1"/>
-            <a:endParaRPr lang="ru-RU" dirty="0" smtClean="0"/>
-          </a:p>
-          <a:p>
-            <a:pPr lvl="1"/>
-            <a:endParaRPr lang="ru-RU" dirty="0" smtClean="0"/>
-          </a:p>
-        </p:txBody>
-      </p:sp>
-    </p:spTree>
-    <p:extLst>
-      <p:ext uri="{BB962C8B-B14F-4D97-AF65-F5344CB8AC3E}">
-        <p14:creationId xmlns:p14="http://schemas.microsoft.com/office/powerpoint/2010/main" val="2381797986"/>
-      </p:ext>
-    </p:extLst>
-  </p:cSld>
-  <p:clrMapOvr>
-    <a:masterClrMapping/>
-  </p:clrMapOvr>
-  <p:timing>
-    <p:tnLst>
-      <p:par>
-        <p:cTn id="1" dur="indefinite" restart="never" nodeType="tmRoot"/>
-      </p:par>
-    </p:tnLst>
-  </p:timing>
-</p:sld>
-</file>
-
-<file path=ppt/slides/slide14.xml><?xml version="1.0" encoding="utf-8"?>
-<p:sld xmlns:a="http://schemas.openxmlformats.org/drawingml/2006/main" xmlns:r="http://schemas.openxmlformats.org/officeDocument/2006/relationships" xmlns:p="http://schemas.openxmlformats.org/presentationml/2006/main" show="0">
-  <p:cSld>
-    <p:spTree>
-      <p:nvGrpSpPr>
-        <p:cNvPr id="1" name=""/>
-        <p:cNvGrpSpPr/>
-        <p:nvPr/>
-      </p:nvGrpSpPr>
-      <p:grpSpPr>
-        <a:xfrm>
-          <a:off x="0" y="0"/>
-          <a:ext cx="0" cy="0"/>
-          <a:chOff x="0" y="0"/>
-          <a:chExt cx="0" cy="0"/>
-        </a:xfrm>
-      </p:grpSpPr>
-      <p:sp>
-        <p:nvSpPr>
-          <p:cNvPr id="2" name="Заголовок 1"/>
-          <p:cNvSpPr>
-            <a:spLocks noGrp="1"/>
-          </p:cNvSpPr>
-          <p:nvPr>
-            <p:ph type="title"/>
-          </p:nvPr>
-        </p:nvSpPr>
-        <p:spPr/>
-        <p:txBody>
-          <a:bodyPr>
-            <a:normAutofit fontScale="90000"/>
-          </a:bodyPr>
-          <a:lstStyle/>
-          <a:p>
-            <a:r>
-              <a:rPr lang="ru-RU" dirty="0" smtClean="0"/>
-              <a:t>Обзор методов многотемной классификации</a:t>
-            </a:r>
-            <a:endParaRPr lang="en-US" dirty="0"/>
-          </a:p>
-        </p:txBody>
-      </p:sp>
-      <p:graphicFrame>
-        <p:nvGraphicFramePr>
-          <p:cNvPr id="6" name="Объект 5"/>
-          <p:cNvGraphicFramePr>
-            <a:graphicFrameLocks/>
-          </p:cNvGraphicFramePr>
-          <p:nvPr>
-            <p:extLst>
-              <p:ext uri="{D42A27DB-BD31-4B8C-83A1-F6EECF244321}">
-                <p14:modId xmlns:p14="http://schemas.microsoft.com/office/powerpoint/2010/main" val="1679100491"/>
-              </p:ext>
-            </p:extLst>
-          </p:nvPr>
-        </p:nvGraphicFramePr>
-        <p:xfrm>
-          <a:off x="683568" y="1556792"/>
-          <a:ext cx="7848872" cy="5205484"/>
-        </p:xfrm>
-        <a:graphic>
-          <a:graphicData uri="http://schemas.openxmlformats.org/drawingml/2006/table">
-            <a:tbl>
-              <a:tblPr firstRow="1" bandRow="1">
-                <a:tableStyleId>{5C22544A-7EE6-4342-B048-85BDC9FD1C3A}</a:tableStyleId>
-              </a:tblPr>
-              <a:tblGrid>
-                <a:gridCol w="2808312"/>
-                <a:gridCol w="5040560"/>
-              </a:tblGrid>
-              <a:tr h="450604">
-                <a:tc>
-                  <a:txBody>
-                    <a:bodyPr/>
-                    <a:lstStyle/>
-                    <a:p>
-                      <a:r>
-                        <a:rPr lang="ru-RU" dirty="0" smtClean="0"/>
-                        <a:t>Подход</a:t>
-                      </a:r>
-                      <a:r>
-                        <a:rPr lang="ru-RU" baseline="0" dirty="0" smtClean="0"/>
-                        <a:t> к классификации</a:t>
-                      </a:r>
-                      <a:endParaRPr lang="en-US" dirty="0"/>
-                    </a:p>
-                  </a:txBody>
-                  <a:tcPr/>
-                </a:tc>
-                <a:tc>
-                  <a:txBody>
-                    <a:bodyPr/>
-                    <a:lstStyle/>
-                    <a:p>
-                      <a:r>
-                        <a:rPr lang="ru-RU" dirty="0" smtClean="0"/>
-                        <a:t>Недостатки</a:t>
-                      </a:r>
-                      <a:endParaRPr lang="en-US" dirty="0"/>
-                    </a:p>
-                  </a:txBody>
-                  <a:tcPr/>
-                </a:tc>
-              </a:tr>
-              <a:tr h="643720">
-                <a:tc>
-                  <a:txBody>
-                    <a:bodyPr/>
-                    <a:lstStyle/>
-                    <a:p>
-                      <a:r>
-                        <a:rPr lang="ru-RU" dirty="0" smtClean="0"/>
-                        <a:t>Оптимизационный подход</a:t>
-                      </a:r>
-                      <a:endParaRPr lang="en-US" dirty="0"/>
-                    </a:p>
-                  </a:txBody>
-                  <a:tcPr/>
-                </a:tc>
-                <a:tc>
-                  <a:txBody>
-                    <a:bodyPr/>
-                    <a:lstStyle/>
-                    <a:p>
-                      <a:pPr marL="285750" indent="-285750">
-                        <a:buFont typeface="Arial" pitchFamily="34" charset="0"/>
-                        <a:buChar char="•"/>
-                      </a:pPr>
-                      <a:r>
-                        <a:rPr lang="ru-RU" dirty="0" smtClean="0"/>
-                        <a:t>Нет возможности</a:t>
-                      </a:r>
-                      <a:r>
-                        <a:rPr lang="ru-RU" baseline="0" dirty="0" smtClean="0"/>
-                        <a:t> дообучения</a:t>
-                      </a:r>
-                    </a:p>
-                    <a:p>
-                      <a:pPr marL="285750" indent="-285750">
-                        <a:buFont typeface="Arial" pitchFamily="34" charset="0"/>
-                        <a:buChar char="•"/>
-                      </a:pPr>
-                      <a:r>
-                        <a:rPr lang="ru-RU" baseline="0" dirty="0" smtClean="0"/>
-                        <a:t>Большие затраты памяти</a:t>
-                      </a:r>
-                    </a:p>
-                    <a:p>
-                      <a:pPr marL="285750" indent="-285750">
-                        <a:buFont typeface="Arial" pitchFamily="34" charset="0"/>
-                        <a:buChar char="•"/>
-                      </a:pPr>
-                      <a:r>
-                        <a:rPr lang="ru-RU" baseline="0" dirty="0" smtClean="0"/>
-                        <a:t>Нет возможности удаления и добавления классов</a:t>
-                      </a:r>
-                    </a:p>
-                    <a:p>
-                      <a:pPr marL="0" indent="0">
-                        <a:buFont typeface="Arial" pitchFamily="34" charset="0"/>
-                        <a:buNone/>
-                      </a:pPr>
-                      <a:endParaRPr lang="en-US" dirty="0"/>
-                    </a:p>
-                  </a:txBody>
-                  <a:tcPr/>
-                </a:tc>
-              </a:tr>
-              <a:tr h="643720">
-                <a:tc>
-                  <a:txBody>
-                    <a:bodyPr/>
-                    <a:lstStyle/>
-                    <a:p>
-                      <a:r>
-                        <a:rPr lang="ru-RU" dirty="0" smtClean="0"/>
-                        <a:t>Подход</a:t>
-                      </a:r>
-                      <a:r>
-                        <a:rPr lang="ru-RU" baseline="0" dirty="0" smtClean="0"/>
-                        <a:t> на основе декомпозиции в набор независимых бинарных проблем</a:t>
-                      </a:r>
-                      <a:endParaRPr lang="en-US" dirty="0"/>
-                    </a:p>
-                  </a:txBody>
-                  <a:tcPr/>
-                </a:tc>
-                <a:tc>
-                  <a:txBody>
-                    <a:bodyPr/>
-                    <a:lstStyle/>
-                    <a:p>
-                      <a:pPr marL="285750" indent="-285750">
-                        <a:buFont typeface="Arial" pitchFamily="34" charset="0"/>
-                        <a:buChar char="•"/>
-                      </a:pPr>
-                      <a:r>
-                        <a:rPr lang="ru-RU" dirty="0" smtClean="0"/>
-                        <a:t>Нет</a:t>
-                      </a:r>
-                      <a:r>
-                        <a:rPr lang="ru-RU" baseline="0" dirty="0" smtClean="0"/>
-                        <a:t> учета корреляции между классами</a:t>
-                      </a:r>
-                    </a:p>
-                    <a:p>
-                      <a:pPr marL="285750" indent="-285750">
-                        <a:buFont typeface="Arial" pitchFamily="34" charset="0"/>
-                        <a:buChar char="•"/>
-                      </a:pPr>
-                      <a:r>
-                        <a:rPr lang="ru-RU" baseline="0" dirty="0" smtClean="0"/>
-                        <a:t>Высокая вычислительная сложность</a:t>
-                      </a:r>
-                      <a:endParaRPr lang="en-US" dirty="0" smtClean="0"/>
-                    </a:p>
-                    <a:p>
-                      <a:pPr marL="0" indent="0">
-                        <a:buFont typeface="Arial" pitchFamily="34" charset="0"/>
-                        <a:buNone/>
-                      </a:pPr>
-                      <a:endParaRPr lang="en-US" dirty="0"/>
-                    </a:p>
-                  </a:txBody>
-                  <a:tcPr/>
-                </a:tc>
-              </a:tr>
-              <a:tr h="643720">
-                <a:tc>
-                  <a:txBody>
-                    <a:bodyPr/>
-                    <a:lstStyle/>
-                    <a:p>
-                      <a:r>
-                        <a:rPr lang="ru-RU" dirty="0" smtClean="0"/>
-                        <a:t>Подход на основе ранжирования</a:t>
-                      </a:r>
-                      <a:endParaRPr lang="en-US" dirty="0"/>
-                    </a:p>
-                  </a:txBody>
-                  <a:tcPr/>
-                </a:tc>
-                <a:tc>
-                  <a:txBody>
-                    <a:bodyPr/>
-                    <a:lstStyle/>
-                    <a:p>
-                      <a:pPr marL="285750" indent="-285750">
-                        <a:buFont typeface="Arial" pitchFamily="34" charset="0"/>
-                        <a:buChar char="•"/>
-                      </a:pPr>
-                      <a:r>
-                        <a:rPr lang="ru-RU" baseline="0" dirty="0" smtClean="0"/>
-                        <a:t>Высокая вычислительная сложность</a:t>
-                      </a:r>
-                    </a:p>
-                    <a:p>
-                      <a:pPr marL="285750" indent="-285750">
-                        <a:buFont typeface="Arial" pitchFamily="34" charset="0"/>
-                        <a:buChar char="•"/>
-                      </a:pPr>
-                      <a:r>
-                        <a:rPr lang="ru-RU" baseline="0" dirty="0" smtClean="0"/>
-                        <a:t>Нет возможности дообучения</a:t>
-                      </a:r>
-                    </a:p>
-                    <a:p>
-                      <a:pPr marL="0" indent="0">
-                        <a:buFont typeface="Arial" pitchFamily="34" charset="0"/>
-                        <a:buNone/>
-                      </a:pPr>
-                      <a:endParaRPr lang="en-US" dirty="0"/>
-                    </a:p>
-                  </a:txBody>
-                  <a:tcPr/>
-                </a:tc>
-              </a:tr>
-              <a:tr h="643720">
-                <a:tc>
-                  <a:txBody>
-                    <a:bodyPr/>
-                    <a:lstStyle/>
-                    <a:p>
-                      <a:r>
-                        <a:rPr lang="ru-RU" dirty="0" smtClean="0"/>
-                        <a:t>Модифицированный</a:t>
-                      </a:r>
-                      <a:r>
-                        <a:rPr lang="ru-RU" baseline="0" dirty="0" smtClean="0"/>
-                        <a:t> подход,  разработанный в лаборатории Технологий Программирования</a:t>
-                      </a:r>
-                      <a:endParaRPr lang="en-US" dirty="0"/>
-                    </a:p>
-                  </a:txBody>
-                  <a:tcPr/>
-                </a:tc>
-                <a:tc>
-                  <a:txBody>
-                    <a:bodyPr/>
-                    <a:lstStyle/>
-                    <a:p>
-                      <a:pPr marL="285750" indent="-285750">
-                        <a:buFont typeface="Arial" pitchFamily="34" charset="0"/>
-                        <a:buChar char="•"/>
-                      </a:pPr>
-                      <a:r>
-                        <a:rPr lang="ru-RU" baseline="0" dirty="0" smtClean="0"/>
-                        <a:t>Разработанный метод модифицирован с учетом недостатков существующих подходов, поэтому, с точки зрения сформулированных требований, недостатков нет</a:t>
-                      </a:r>
-                      <a:endParaRPr lang="en-US" dirty="0"/>
-                    </a:p>
-                  </a:txBody>
-                  <a:tcPr/>
-                </a:tc>
-              </a:tr>
-            </a:tbl>
-          </a:graphicData>
-        </a:graphic>
-      </p:graphicFrame>
-    </p:spTree>
-    <p:extLst>
-      <p:ext uri="{BB962C8B-B14F-4D97-AF65-F5344CB8AC3E}">
-        <p14:creationId xmlns:p14="http://schemas.microsoft.com/office/powerpoint/2010/main" val="2739718834"/>
-      </p:ext>
-    </p:extLst>
-  </p:cSld>
-  <p:clrMapOvr>
-    <a:masterClrMapping/>
-  </p:clrMapOvr>
-  <mc:AlternateContent xmlns:mc="http://schemas.openxmlformats.org/markup-compatibility/2006" xmlns:p14="http://schemas.microsoft.com/office/powerpoint/2010/main">
-    <mc:Choice Requires="p14">
-      <p:transition spd="slow" p14:dur="2000"/>
-    </mc:Choice>
-    <mc:Fallback xmlns="">
-      <p:transition spd="slow"/>
-    </mc:Fallback>
-  </mc:AlternateContent>
-  <p:timing>
-    <p:tnLst>
-      <p:par>
-        <p:cTn id="1" dur="indefinite" restart="never" nodeType="tmRoot"/>
-      </p:par>
-    </p:tnLst>
-  </p:timing>
-</p:sld>
-</file>
-
-<file path=ppt/slides/slide15.xml><?xml version="1.0" encoding="utf-8"?>
-<p:sld xmlns:a="http://schemas.openxmlformats.org/drawingml/2006/main" xmlns:r="http://schemas.openxmlformats.org/officeDocument/2006/relationships" xmlns:p="http://schemas.openxmlformats.org/presentationml/2006/main">
-  <p:cSld>
-    <p:spTree>
-      <p:nvGrpSpPr>
-        <p:cNvPr id="1" name=""/>
-        <p:cNvGrpSpPr/>
-        <p:nvPr/>
-      </p:nvGrpSpPr>
-      <p:grpSpPr>
-        <a:xfrm>
-          <a:off x="0" y="0"/>
-          <a:ext cx="0" cy="0"/>
-          <a:chOff x="0" y="0"/>
-          <a:chExt cx="0" cy="0"/>
-        </a:xfrm>
-      </p:grpSpPr>
-      <p:sp>
-        <p:nvSpPr>
-          <p:cNvPr id="2" name="Заголовок 1"/>
-          <p:cNvSpPr>
-            <a:spLocks noGrp="1"/>
-          </p:cNvSpPr>
-          <p:nvPr>
-            <p:ph type="title"/>
-          </p:nvPr>
-        </p:nvSpPr>
-        <p:spPr/>
-        <p:txBody>
-          <a:bodyPr>
-            <a:normAutofit fontScale="90000"/>
-          </a:bodyPr>
-          <a:lstStyle/>
-          <a:p>
-            <a:r>
-              <a:rPr lang="ru-RU" dirty="0"/>
-              <a:t>Исследование и построение решения</a:t>
-            </a:r>
-            <a:endParaRPr lang="en-US" dirty="0"/>
-          </a:p>
-        </p:txBody>
-      </p:sp>
-      <p:sp>
-        <p:nvSpPr>
-          <p:cNvPr id="3" name="Объект 2"/>
-          <p:cNvSpPr>
-            <a:spLocks noGrp="1"/>
-          </p:cNvSpPr>
-          <p:nvPr>
-            <p:ph idx="1"/>
-          </p:nvPr>
-        </p:nvSpPr>
-        <p:spPr/>
-        <p:txBody>
-          <a:bodyPr>
-            <a:normAutofit fontScale="85000" lnSpcReduction="20000"/>
-          </a:bodyPr>
-          <a:lstStyle/>
-          <a:p>
-            <a:r>
-              <a:rPr lang="ru-RU" dirty="0" smtClean="0"/>
-              <a:t>Реализовать прототип системы многотемной классификации веб-страниц, состоящую из</a:t>
-            </a:r>
-          </a:p>
-          <a:p>
-            <a:pPr lvl="1"/>
-            <a:r>
-              <a:rPr lang="ru-RU" dirty="0" smtClean="0"/>
-              <a:t>Системы сбора</a:t>
-            </a:r>
-          </a:p>
-          <a:p>
-            <a:pPr lvl="2"/>
-            <a:r>
-              <a:rPr lang="ru-RU" dirty="0" smtClean="0"/>
-              <a:t>Агент мониторинга</a:t>
-            </a:r>
-          </a:p>
-          <a:p>
-            <a:pPr lvl="3"/>
-            <a:r>
-              <a:rPr lang="ru-RU" dirty="0" smtClean="0"/>
-              <a:t>Сохранение просмотренных пользователем веб-страниц в локальную файловую систему</a:t>
-            </a:r>
-          </a:p>
-          <a:p>
-            <a:pPr lvl="3"/>
-            <a:r>
-              <a:rPr lang="ru-RU" dirty="0" smtClean="0"/>
-              <a:t>Передача данных агенту консолидации</a:t>
-            </a:r>
-          </a:p>
-          <a:p>
-            <a:pPr lvl="2"/>
-            <a:r>
-              <a:rPr lang="ru-RU" dirty="0" smtClean="0"/>
-              <a:t>Агент консолидации</a:t>
-            </a:r>
-          </a:p>
-          <a:p>
-            <a:pPr lvl="3"/>
-            <a:r>
-              <a:rPr lang="ru-RU" dirty="0" smtClean="0"/>
-              <a:t>Сбор данных от агентов мониторинга</a:t>
-            </a:r>
-          </a:p>
-          <a:p>
-            <a:pPr lvl="3"/>
-            <a:r>
-              <a:rPr lang="ru-RU" dirty="0" smtClean="0"/>
-              <a:t>Сохранение в единую базу данных</a:t>
-            </a:r>
-          </a:p>
-          <a:p>
-            <a:pPr lvl="1"/>
-            <a:r>
-              <a:rPr lang="ru-RU" dirty="0" smtClean="0"/>
-              <a:t>Модуля классификации</a:t>
-            </a:r>
-          </a:p>
-          <a:p>
-            <a:pPr lvl="2"/>
-            <a:r>
-              <a:rPr lang="ru-RU" dirty="0" smtClean="0"/>
-              <a:t>Обучение на тренировочном наборе, с возможностью дообучения</a:t>
-            </a:r>
-          </a:p>
-          <a:p>
-            <a:pPr lvl="2"/>
-            <a:r>
-              <a:rPr lang="ru-RU" dirty="0" smtClean="0"/>
-              <a:t>Предобработка и классификация веб-страниц, хранящихся в базе данных</a:t>
-            </a:r>
-          </a:p>
-        </p:txBody>
-      </p:sp>
-    </p:spTree>
-    <p:extLst>
-      <p:ext uri="{BB962C8B-B14F-4D97-AF65-F5344CB8AC3E}">
-        <p14:creationId xmlns:p14="http://schemas.microsoft.com/office/powerpoint/2010/main" val="3005193644"/>
-      </p:ext>
-    </p:extLst>
-  </p:cSld>
-  <p:clrMapOvr>
-    <a:masterClrMapping/>
-  </p:clrMapOvr>
-  <p:timing>
-    <p:tnLst>
-      <p:par>
-        <p:cTn id="1" dur="indefinite" restart="never" nodeType="tmRoot"/>
-      </p:par>
-    </p:tnLst>
-  </p:timing>
-</p:sld>
-</file>
-
-<file path=ppt/slides/slide16.xml><?xml version="1.0" encoding="utf-8"?>
-<p:sld xmlns:a="http://schemas.openxmlformats.org/drawingml/2006/main" xmlns:r="http://schemas.openxmlformats.org/officeDocument/2006/relationships" xmlns:p="http://schemas.openxmlformats.org/presentationml/2006/main">
-  <p:cSld>
-    <p:spTree>
-      <p:nvGrpSpPr>
-        <p:cNvPr id="1" name=""/>
-        <p:cNvGrpSpPr/>
-        <p:nvPr/>
-      </p:nvGrpSpPr>
-      <p:grpSpPr>
-        <a:xfrm>
-          <a:off x="0" y="0"/>
-          <a:ext cx="0" cy="0"/>
-          <a:chOff x="0" y="0"/>
-          <a:chExt cx="0" cy="0"/>
-        </a:xfrm>
-      </p:grpSpPr>
-      <p:sp>
-        <p:nvSpPr>
-          <p:cNvPr id="2" name="Заголовок 1"/>
-          <p:cNvSpPr>
-            <a:spLocks noGrp="1"/>
-          </p:cNvSpPr>
-          <p:nvPr>
-            <p:ph type="title"/>
-          </p:nvPr>
-        </p:nvSpPr>
-        <p:spPr/>
-        <p:txBody>
-          <a:bodyPr>
-            <a:normAutofit fontScale="90000"/>
-          </a:bodyPr>
-          <a:lstStyle/>
-          <a:p>
-            <a:r>
-              <a:rPr lang="ru-RU" dirty="0" smtClean="0"/>
               <a:t>Предложенное решение: агент мониторинга</a:t>
             </a:r>
             <a:endParaRPr lang="en-US" dirty="0"/>
@@ -4981,7 +4979,7 @@
           <a:graphicData uri="http://schemas.openxmlformats.org/presentationml/2006/ole">
             <mc:AlternateContent xmlns:mc="http://schemas.openxmlformats.org/markup-compatibility/2006">
               <mc:Choice xmlns:v="urn:schemas-microsoft-com:vml" Requires="v">
-                <p:oleObj spid="_x0000_s1213" name="Acrobat Document" r:id="rId3" imgW="5476473" imgH="4790822" progId="Acrobat.Document.11">
+                <p:oleObj spid="_x0000_s1238" name="Acrobat Document" r:id="rId3" imgW="5476473" imgH="4790822" progId="Acrobat.Document.11">
                   <p:embed/>
                 </p:oleObj>
               </mc:Choice>
@@ -5036,7 +5034,7 @@
 </p:sld>
 </file>
 
-<file path=ppt/slides/slide17.xml><?xml version="1.0" encoding="utf-8"?>
+<file path=ppt/slides/slide14.xml><?xml version="1.0" encoding="utf-8"?>
 <p:sld xmlns:a="http://schemas.openxmlformats.org/drawingml/2006/main" xmlns:r="http://schemas.openxmlformats.org/officeDocument/2006/relationships" xmlns:p="http://schemas.openxmlformats.org/presentationml/2006/main">
   <p:cSld>
     <p:spTree>
@@ -5203,10 +5201,17 @@
   <p:clrMapOvr>
     <a:masterClrMapping/>
   </p:clrMapOvr>
+  <p:timing>
+    <p:tnLst>
+      <p:par>
+        <p:cTn id="1" dur="indefinite" restart="never" nodeType="tmRoot"/>
+      </p:par>
+    </p:tnLst>
+  </p:timing>
 </p:sld>
 </file>
 
-<file path=ppt/slides/slide18.xml><?xml version="1.0" encoding="utf-8"?>
+<file path=ppt/slides/slide15.xml><?xml version="1.0" encoding="utf-8"?>
 <p:sld xmlns:a="http://schemas.openxmlformats.org/drawingml/2006/main" xmlns:r="http://schemas.openxmlformats.org/officeDocument/2006/relationships" xmlns:p="http://schemas.openxmlformats.org/presentationml/2006/main">
   <p:cSld>
     <p:spTree>
@@ -5376,10 +5381,17 @@
   <p:clrMapOvr>
     <a:masterClrMapping/>
   </p:clrMapOvr>
+  <p:timing>
+    <p:tnLst>
+      <p:par>
+        <p:cTn id="1" dur="indefinite" restart="never" nodeType="tmRoot"/>
+      </p:par>
+    </p:tnLst>
+  </p:timing>
 </p:sld>
 </file>
 
-<file path=ppt/slides/slide19.xml><?xml version="1.0" encoding="utf-8"?>
+<file path=ppt/slides/slide16.xml><?xml version="1.0" encoding="utf-8"?>
 <p:sld xmlns:a="http://schemas.openxmlformats.org/drawingml/2006/main" xmlns:r="http://schemas.openxmlformats.org/officeDocument/2006/relationships" xmlns:p="http://schemas.openxmlformats.org/presentationml/2006/main">
   <p:cSld>
     <p:spTree>
@@ -5495,6 +5507,852 @@
   <p:clrMapOvr>
     <a:masterClrMapping/>
   </p:clrMapOvr>
+  <p:timing>
+    <p:tnLst>
+      <p:par>
+        <p:cTn id="1" dur="indefinite" restart="never" nodeType="tmRoot"/>
+      </p:par>
+    </p:tnLst>
+  </p:timing>
+</p:sld>
+</file>
+
+<file path=ppt/slides/slide17.xml><?xml version="1.0" encoding="utf-8"?>
+<p:sld xmlns:a="http://schemas.openxmlformats.org/drawingml/2006/main" xmlns:r="http://schemas.openxmlformats.org/officeDocument/2006/relationships" xmlns:p="http://schemas.openxmlformats.org/presentationml/2006/main">
+  <p:cSld>
+    <p:spTree>
+      <p:nvGrpSpPr>
+        <p:cNvPr id="1" name=""/>
+        <p:cNvGrpSpPr/>
+        <p:nvPr/>
+      </p:nvGrpSpPr>
+      <p:grpSpPr>
+        <a:xfrm>
+          <a:off x="0" y="0"/>
+          <a:ext cx="0" cy="0"/>
+          <a:chOff x="0" y="0"/>
+          <a:chExt cx="0" cy="0"/>
+        </a:xfrm>
+      </p:grpSpPr>
+      <p:sp>
+        <p:nvSpPr>
+          <p:cNvPr id="2" name="Заголовок 1"/>
+          <p:cNvSpPr>
+            <a:spLocks noGrp="1"/>
+          </p:cNvSpPr>
+          <p:nvPr>
+            <p:ph type="title"/>
+          </p:nvPr>
+        </p:nvSpPr>
+        <p:spPr/>
+        <p:txBody>
+          <a:bodyPr>
+            <a:normAutofit fontScale="90000"/>
+          </a:bodyPr>
+          <a:lstStyle/>
+          <a:p>
+            <a:r>
+              <a:rPr lang="ru-RU" dirty="0"/>
+              <a:t>Экспериментальные исследования</a:t>
+            </a:r>
+            <a:endParaRPr lang="en-US" dirty="0"/>
+          </a:p>
+        </p:txBody>
+      </p:sp>
+      <p:sp>
+        <p:nvSpPr>
+          <p:cNvPr id="7" name="Объект 2"/>
+          <p:cNvSpPr txBox="1">
+            <a:spLocks/>
+          </p:cNvSpPr>
+          <p:nvPr/>
+        </p:nvSpPr>
+        <p:spPr>
+          <a:xfrm>
+            <a:off x="539552" y="5661248"/>
+            <a:ext cx="8229600" cy="1033941"/>
+          </a:xfrm>
+          <a:prstGeom prst="rect">
+            <a:avLst/>
+          </a:prstGeom>
+        </p:spPr>
+        <p:txBody>
+          <a:bodyPr vert="horz" lIns="91440" tIns="45720" rIns="91440" bIns="45720" rtlCol="0">
+            <a:noAutofit/>
+          </a:bodyPr>
+          <a:lstStyle>
+            <a:lvl1pPr marL="342900" indent="-342900" algn="l" defTabSz="914400" rtl="0" eaLnBrk="1" latinLnBrk="0" hangingPunct="1">
+              <a:spcBef>
+                <a:spcPct val="20000"/>
+              </a:spcBef>
+              <a:buFont typeface="Arial" pitchFamily="34" charset="0"/>
+              <a:buChar char="•"/>
+              <a:defRPr sz="3200" kern="1200">
+                <a:solidFill>
+                  <a:schemeClr val="tx1"/>
+                </a:solidFill>
+                <a:latin typeface="+mn-lt"/>
+                <a:ea typeface="+mn-ea"/>
+                <a:cs typeface="+mn-cs"/>
+              </a:defRPr>
+            </a:lvl1pPr>
+            <a:lvl2pPr marL="742950" indent="-285750" algn="l" defTabSz="914400" rtl="0" eaLnBrk="1" latinLnBrk="0" hangingPunct="1">
+              <a:spcBef>
+                <a:spcPct val="20000"/>
+              </a:spcBef>
+              <a:buFont typeface="Arial" pitchFamily="34" charset="0"/>
+              <a:buChar char="–"/>
+              <a:defRPr sz="2800" kern="1200">
+                <a:solidFill>
+                  <a:schemeClr val="tx1"/>
+                </a:solidFill>
+                <a:latin typeface="+mn-lt"/>
+                <a:ea typeface="+mn-ea"/>
+                <a:cs typeface="+mn-cs"/>
+              </a:defRPr>
+            </a:lvl2pPr>
+            <a:lvl3pPr marL="1143000" indent="-228600" algn="l" defTabSz="914400" rtl="0" eaLnBrk="1" latinLnBrk="0" hangingPunct="1">
+              <a:spcBef>
+                <a:spcPct val="20000"/>
+              </a:spcBef>
+              <a:buFont typeface="Arial" pitchFamily="34" charset="0"/>
+              <a:buChar char="•"/>
+              <a:defRPr sz="2400" kern="1200">
+                <a:solidFill>
+                  <a:schemeClr val="tx1"/>
+                </a:solidFill>
+                <a:latin typeface="+mn-lt"/>
+                <a:ea typeface="+mn-ea"/>
+                <a:cs typeface="+mn-cs"/>
+              </a:defRPr>
+            </a:lvl3pPr>
+            <a:lvl4pPr marL="1600200" indent="-228600" algn="l" defTabSz="914400" rtl="0" eaLnBrk="1" latinLnBrk="0" hangingPunct="1">
+              <a:spcBef>
+                <a:spcPct val="20000"/>
+              </a:spcBef>
+              <a:buFont typeface="Arial" pitchFamily="34" charset="0"/>
+              <a:buChar char="–"/>
+              <a:defRPr sz="2000" kern="1200">
+                <a:solidFill>
+                  <a:schemeClr val="tx1"/>
+                </a:solidFill>
+                <a:latin typeface="+mn-lt"/>
+                <a:ea typeface="+mn-ea"/>
+                <a:cs typeface="+mn-cs"/>
+              </a:defRPr>
+            </a:lvl4pPr>
+            <a:lvl5pPr marL="2057400" indent="-228600" algn="l" defTabSz="914400" rtl="0" eaLnBrk="1" latinLnBrk="0" hangingPunct="1">
+              <a:spcBef>
+                <a:spcPct val="20000"/>
+              </a:spcBef>
+              <a:buFont typeface="Arial" pitchFamily="34" charset="0"/>
+              <a:buChar char="»"/>
+              <a:defRPr sz="2000" kern="1200">
+                <a:solidFill>
+                  <a:schemeClr val="tx1"/>
+                </a:solidFill>
+                <a:latin typeface="+mn-lt"/>
+                <a:ea typeface="+mn-ea"/>
+                <a:cs typeface="+mn-cs"/>
+              </a:defRPr>
+            </a:lvl5pPr>
+            <a:lvl6pPr marL="2514600" indent="-228600" algn="l" defTabSz="914400" rtl="0" eaLnBrk="1" latinLnBrk="0" hangingPunct="1">
+              <a:spcBef>
+                <a:spcPct val="20000"/>
+              </a:spcBef>
+              <a:buFont typeface="Arial" pitchFamily="34" charset="0"/>
+              <a:buChar char="•"/>
+              <a:defRPr sz="2000" kern="1200">
+                <a:solidFill>
+                  <a:schemeClr val="tx1"/>
+                </a:solidFill>
+                <a:latin typeface="+mn-lt"/>
+                <a:ea typeface="+mn-ea"/>
+                <a:cs typeface="+mn-cs"/>
+              </a:defRPr>
+            </a:lvl6pPr>
+            <a:lvl7pPr marL="2971800" indent="-228600" algn="l" defTabSz="914400" rtl="0" eaLnBrk="1" latinLnBrk="0" hangingPunct="1">
+              <a:spcBef>
+                <a:spcPct val="20000"/>
+              </a:spcBef>
+              <a:buFont typeface="Arial" pitchFamily="34" charset="0"/>
+              <a:buChar char="•"/>
+              <a:defRPr sz="2000" kern="1200">
+                <a:solidFill>
+                  <a:schemeClr val="tx1"/>
+                </a:solidFill>
+                <a:latin typeface="+mn-lt"/>
+                <a:ea typeface="+mn-ea"/>
+                <a:cs typeface="+mn-cs"/>
+              </a:defRPr>
+            </a:lvl7pPr>
+            <a:lvl8pPr marL="3429000" indent="-228600" algn="l" defTabSz="914400" rtl="0" eaLnBrk="1" latinLnBrk="0" hangingPunct="1">
+              <a:spcBef>
+                <a:spcPct val="20000"/>
+              </a:spcBef>
+              <a:buFont typeface="Arial" pitchFamily="34" charset="0"/>
+              <a:buChar char="•"/>
+              <a:defRPr sz="2000" kern="1200">
+                <a:solidFill>
+                  <a:schemeClr val="tx1"/>
+                </a:solidFill>
+                <a:latin typeface="+mn-lt"/>
+                <a:ea typeface="+mn-ea"/>
+                <a:cs typeface="+mn-cs"/>
+              </a:defRPr>
+            </a:lvl8pPr>
+            <a:lvl9pPr marL="3886200" indent="-228600" algn="l" defTabSz="914400" rtl="0" eaLnBrk="1" latinLnBrk="0" hangingPunct="1">
+              <a:spcBef>
+                <a:spcPct val="20000"/>
+              </a:spcBef>
+              <a:buFont typeface="Arial" pitchFamily="34" charset="0"/>
+              <a:buChar char="•"/>
+              <a:defRPr sz="2000" kern="1200">
+                <a:solidFill>
+                  <a:schemeClr val="tx1"/>
+                </a:solidFill>
+                <a:latin typeface="+mn-lt"/>
+                <a:ea typeface="+mn-ea"/>
+                <a:cs typeface="+mn-cs"/>
+              </a:defRPr>
+            </a:lvl9pPr>
+          </a:lstStyle>
+          <a:p>
+            <a:r>
+              <a:rPr lang="ru-RU" sz="2200" dirty="0" smtClean="0"/>
+              <a:t>Зависимость количества </a:t>
+            </a:r>
+            <a:r>
+              <a:rPr lang="ru-RU" sz="2200" dirty="0"/>
+              <a:t>доступной памяти </a:t>
+            </a:r>
+            <a:r>
+              <a:rPr lang="ru-RU" sz="2200" dirty="0" smtClean="0"/>
+              <a:t>и нагрузки ЦП от </a:t>
+            </a:r>
+            <a:r>
+              <a:rPr lang="ru-RU" sz="2200" dirty="0"/>
+              <a:t>числа пользователей </a:t>
+            </a:r>
+            <a:r>
+              <a:rPr lang="ru-RU" sz="2200" dirty="0" smtClean="0"/>
+              <a:t> линейно</a:t>
+            </a:r>
+            <a:r>
+              <a:rPr lang="ru-RU" sz="2200" dirty="0"/>
+              <a:t>, что говорит о масштабируемости</a:t>
+            </a:r>
+          </a:p>
+        </p:txBody>
+      </p:sp>
+      <p:graphicFrame>
+        <p:nvGraphicFramePr>
+          <p:cNvPr id="8" name="Диаграмма 7"/>
+          <p:cNvGraphicFramePr>
+            <a:graphicFrameLocks/>
+          </p:cNvGraphicFramePr>
+          <p:nvPr>
+            <p:extLst>
+              <p:ext uri="{D42A27DB-BD31-4B8C-83A1-F6EECF244321}">
+                <p14:modId xmlns:p14="http://schemas.microsoft.com/office/powerpoint/2010/main" val="2764923743"/>
+              </p:ext>
+            </p:extLst>
+          </p:nvPr>
+        </p:nvGraphicFramePr>
+        <p:xfrm>
+          <a:off x="395536" y="1196752"/>
+          <a:ext cx="4752528" cy="2376264"/>
+        </p:xfrm>
+        <a:graphic>
+          <a:graphicData uri="http://schemas.openxmlformats.org/drawingml/2006/chart">
+            <c:chart xmlns:c="http://schemas.openxmlformats.org/drawingml/2006/chart" xmlns:r="http://schemas.openxmlformats.org/officeDocument/2006/relationships" r:id="rId2"/>
+          </a:graphicData>
+        </a:graphic>
+      </p:graphicFrame>
+      <p:graphicFrame>
+        <p:nvGraphicFramePr>
+          <p:cNvPr id="12" name="Диаграмма 11"/>
+          <p:cNvGraphicFramePr>
+            <a:graphicFrameLocks/>
+          </p:cNvGraphicFramePr>
+          <p:nvPr>
+            <p:extLst>
+              <p:ext uri="{D42A27DB-BD31-4B8C-83A1-F6EECF244321}">
+                <p14:modId xmlns:p14="http://schemas.microsoft.com/office/powerpoint/2010/main" val="2633812696"/>
+              </p:ext>
+            </p:extLst>
+          </p:nvPr>
+        </p:nvGraphicFramePr>
+        <p:xfrm>
+          <a:off x="539552" y="3573016"/>
+          <a:ext cx="4723152" cy="2210743"/>
+        </p:xfrm>
+        <a:graphic>
+          <a:graphicData uri="http://schemas.openxmlformats.org/drawingml/2006/chart">
+            <c:chart xmlns:c="http://schemas.openxmlformats.org/drawingml/2006/chart" xmlns:r="http://schemas.openxmlformats.org/officeDocument/2006/relationships" r:id="rId3"/>
+          </a:graphicData>
+        </a:graphic>
+      </p:graphicFrame>
+      <p:sp>
+        <p:nvSpPr>
+          <p:cNvPr id="13" name="Объект 2"/>
+          <p:cNvSpPr txBox="1">
+            <a:spLocks/>
+          </p:cNvSpPr>
+          <p:nvPr/>
+        </p:nvSpPr>
+        <p:spPr>
+          <a:xfrm>
+            <a:off x="5148064" y="1556792"/>
+            <a:ext cx="3621088" cy="3744416"/>
+          </a:xfrm>
+          <a:prstGeom prst="rect">
+            <a:avLst/>
+          </a:prstGeom>
+        </p:spPr>
+        <p:txBody>
+          <a:bodyPr vert="horz" lIns="91440" tIns="45720" rIns="91440" bIns="45720" rtlCol="0">
+            <a:noAutofit/>
+          </a:bodyPr>
+          <a:lstStyle>
+            <a:lvl1pPr marL="342900" indent="-342900" algn="l" defTabSz="914400" rtl="0" eaLnBrk="1" latinLnBrk="0" hangingPunct="1">
+              <a:spcBef>
+                <a:spcPct val="20000"/>
+              </a:spcBef>
+              <a:buFont typeface="Arial" pitchFamily="34" charset="0"/>
+              <a:buChar char="•"/>
+              <a:defRPr sz="3200" kern="1200">
+                <a:solidFill>
+                  <a:schemeClr val="tx1"/>
+                </a:solidFill>
+                <a:latin typeface="+mn-lt"/>
+                <a:ea typeface="+mn-ea"/>
+                <a:cs typeface="+mn-cs"/>
+              </a:defRPr>
+            </a:lvl1pPr>
+            <a:lvl2pPr marL="742950" indent="-285750" algn="l" defTabSz="914400" rtl="0" eaLnBrk="1" latinLnBrk="0" hangingPunct="1">
+              <a:spcBef>
+                <a:spcPct val="20000"/>
+              </a:spcBef>
+              <a:buFont typeface="Arial" pitchFamily="34" charset="0"/>
+              <a:buChar char="–"/>
+              <a:defRPr sz="2800" kern="1200">
+                <a:solidFill>
+                  <a:schemeClr val="tx1"/>
+                </a:solidFill>
+                <a:latin typeface="+mn-lt"/>
+                <a:ea typeface="+mn-ea"/>
+                <a:cs typeface="+mn-cs"/>
+              </a:defRPr>
+            </a:lvl2pPr>
+            <a:lvl3pPr marL="1143000" indent="-228600" algn="l" defTabSz="914400" rtl="0" eaLnBrk="1" latinLnBrk="0" hangingPunct="1">
+              <a:spcBef>
+                <a:spcPct val="20000"/>
+              </a:spcBef>
+              <a:buFont typeface="Arial" pitchFamily="34" charset="0"/>
+              <a:buChar char="•"/>
+              <a:defRPr sz="2400" kern="1200">
+                <a:solidFill>
+                  <a:schemeClr val="tx1"/>
+                </a:solidFill>
+                <a:latin typeface="+mn-lt"/>
+                <a:ea typeface="+mn-ea"/>
+                <a:cs typeface="+mn-cs"/>
+              </a:defRPr>
+            </a:lvl3pPr>
+            <a:lvl4pPr marL="1600200" indent="-228600" algn="l" defTabSz="914400" rtl="0" eaLnBrk="1" latinLnBrk="0" hangingPunct="1">
+              <a:spcBef>
+                <a:spcPct val="20000"/>
+              </a:spcBef>
+              <a:buFont typeface="Arial" pitchFamily="34" charset="0"/>
+              <a:buChar char="–"/>
+              <a:defRPr sz="2000" kern="1200">
+                <a:solidFill>
+                  <a:schemeClr val="tx1"/>
+                </a:solidFill>
+                <a:latin typeface="+mn-lt"/>
+                <a:ea typeface="+mn-ea"/>
+                <a:cs typeface="+mn-cs"/>
+              </a:defRPr>
+            </a:lvl4pPr>
+            <a:lvl5pPr marL="2057400" indent="-228600" algn="l" defTabSz="914400" rtl="0" eaLnBrk="1" latinLnBrk="0" hangingPunct="1">
+              <a:spcBef>
+                <a:spcPct val="20000"/>
+              </a:spcBef>
+              <a:buFont typeface="Arial" pitchFamily="34" charset="0"/>
+              <a:buChar char="»"/>
+              <a:defRPr sz="2000" kern="1200">
+                <a:solidFill>
+                  <a:schemeClr val="tx1"/>
+                </a:solidFill>
+                <a:latin typeface="+mn-lt"/>
+                <a:ea typeface="+mn-ea"/>
+                <a:cs typeface="+mn-cs"/>
+              </a:defRPr>
+            </a:lvl5pPr>
+            <a:lvl6pPr marL="2514600" indent="-228600" algn="l" defTabSz="914400" rtl="0" eaLnBrk="1" latinLnBrk="0" hangingPunct="1">
+              <a:spcBef>
+                <a:spcPct val="20000"/>
+              </a:spcBef>
+              <a:buFont typeface="Arial" pitchFamily="34" charset="0"/>
+              <a:buChar char="•"/>
+              <a:defRPr sz="2000" kern="1200">
+                <a:solidFill>
+                  <a:schemeClr val="tx1"/>
+                </a:solidFill>
+                <a:latin typeface="+mn-lt"/>
+                <a:ea typeface="+mn-ea"/>
+                <a:cs typeface="+mn-cs"/>
+              </a:defRPr>
+            </a:lvl6pPr>
+            <a:lvl7pPr marL="2971800" indent="-228600" algn="l" defTabSz="914400" rtl="0" eaLnBrk="1" latinLnBrk="0" hangingPunct="1">
+              <a:spcBef>
+                <a:spcPct val="20000"/>
+              </a:spcBef>
+              <a:buFont typeface="Arial" pitchFamily="34" charset="0"/>
+              <a:buChar char="•"/>
+              <a:defRPr sz="2000" kern="1200">
+                <a:solidFill>
+                  <a:schemeClr val="tx1"/>
+                </a:solidFill>
+                <a:latin typeface="+mn-lt"/>
+                <a:ea typeface="+mn-ea"/>
+                <a:cs typeface="+mn-cs"/>
+              </a:defRPr>
+            </a:lvl7pPr>
+            <a:lvl8pPr marL="3429000" indent="-228600" algn="l" defTabSz="914400" rtl="0" eaLnBrk="1" latinLnBrk="0" hangingPunct="1">
+              <a:spcBef>
+                <a:spcPct val="20000"/>
+              </a:spcBef>
+              <a:buFont typeface="Arial" pitchFamily="34" charset="0"/>
+              <a:buChar char="•"/>
+              <a:defRPr sz="2000" kern="1200">
+                <a:solidFill>
+                  <a:schemeClr val="tx1"/>
+                </a:solidFill>
+                <a:latin typeface="+mn-lt"/>
+                <a:ea typeface="+mn-ea"/>
+                <a:cs typeface="+mn-cs"/>
+              </a:defRPr>
+            </a:lvl8pPr>
+            <a:lvl9pPr marL="3886200" indent="-228600" algn="l" defTabSz="914400" rtl="0" eaLnBrk="1" latinLnBrk="0" hangingPunct="1">
+              <a:spcBef>
+                <a:spcPct val="20000"/>
+              </a:spcBef>
+              <a:buFont typeface="Arial" pitchFamily="34" charset="0"/>
+              <a:buChar char="•"/>
+              <a:defRPr sz="2000" kern="1200">
+                <a:solidFill>
+                  <a:schemeClr val="tx1"/>
+                </a:solidFill>
+                <a:latin typeface="+mn-lt"/>
+                <a:ea typeface="+mn-ea"/>
+                <a:cs typeface="+mn-cs"/>
+              </a:defRPr>
+            </a:lvl9pPr>
+          </a:lstStyle>
+          <a:p>
+            <a:pPr marL="0" indent="0">
+              <a:buNone/>
+            </a:pPr>
+            <a:r>
+              <a:rPr lang="ru-RU" sz="2200" dirty="0" smtClean="0"/>
+              <a:t>Сценарий тестирования:</a:t>
+            </a:r>
+          </a:p>
+          <a:p>
+            <a:r>
+              <a:rPr lang="ru-RU" sz="2200" dirty="0" smtClean="0"/>
+              <a:t>Стартовое число клиентов 0</a:t>
+            </a:r>
+          </a:p>
+          <a:p>
+            <a:r>
+              <a:rPr lang="ru-RU" sz="2200" dirty="0" smtClean="0"/>
+              <a:t>Каждую секунду добавляется 1 клиент</a:t>
+            </a:r>
+          </a:p>
+          <a:p>
+            <a:r>
+              <a:rPr lang="ru-RU" sz="2200" dirty="0" smtClean="0"/>
+              <a:t>Каждые 10 секунд клиент посылает 1 Мб данных</a:t>
+            </a:r>
+          </a:p>
+          <a:p>
+            <a:r>
+              <a:rPr lang="ru-RU" sz="2200" dirty="0" smtClean="0"/>
+              <a:t>Максимальное количество клиентов 100</a:t>
+            </a:r>
+          </a:p>
+          <a:p>
+            <a:endParaRPr lang="ru-RU" sz="2200" dirty="0"/>
+          </a:p>
+        </p:txBody>
+      </p:sp>
+    </p:spTree>
+    <p:extLst>
+      <p:ext uri="{BB962C8B-B14F-4D97-AF65-F5344CB8AC3E}">
+        <p14:creationId xmlns:p14="http://schemas.microsoft.com/office/powerpoint/2010/main" val="1282072879"/>
+      </p:ext>
+    </p:extLst>
+  </p:cSld>
+  <p:clrMapOvr>
+    <a:masterClrMapping/>
+  </p:clrMapOvr>
+  <p:timing>
+    <p:tnLst>
+      <p:par>
+        <p:cTn id="1" dur="indefinite" restart="never" nodeType="tmRoot"/>
+      </p:par>
+    </p:tnLst>
+  </p:timing>
+</p:sld>
+</file>
+
+<file path=ppt/slides/slide18.xml><?xml version="1.0" encoding="utf-8"?>
+<p:sld xmlns:a="http://schemas.openxmlformats.org/drawingml/2006/main" xmlns:r="http://schemas.openxmlformats.org/officeDocument/2006/relationships" xmlns:p="http://schemas.openxmlformats.org/presentationml/2006/main">
+  <p:cSld>
+    <p:spTree>
+      <p:nvGrpSpPr>
+        <p:cNvPr id="1" name=""/>
+        <p:cNvGrpSpPr/>
+        <p:nvPr/>
+      </p:nvGrpSpPr>
+      <p:grpSpPr>
+        <a:xfrm>
+          <a:off x="0" y="0"/>
+          <a:ext cx="0" cy="0"/>
+          <a:chOff x="0" y="0"/>
+          <a:chExt cx="0" cy="0"/>
+        </a:xfrm>
+      </p:grpSpPr>
+      <p:sp>
+        <p:nvSpPr>
+          <p:cNvPr id="2" name="Заголовок 1"/>
+          <p:cNvSpPr>
+            <a:spLocks noGrp="1"/>
+          </p:cNvSpPr>
+          <p:nvPr>
+            <p:ph type="title"/>
+          </p:nvPr>
+        </p:nvSpPr>
+        <p:spPr/>
+        <p:txBody>
+          <a:bodyPr/>
+          <a:lstStyle/>
+          <a:p>
+            <a:r>
+              <a:rPr lang="ru-RU" dirty="0" smtClean="0"/>
+              <a:t>Заключение </a:t>
+            </a:r>
+            <a:endParaRPr lang="en-US" dirty="0"/>
+          </a:p>
+        </p:txBody>
+      </p:sp>
+      <p:sp>
+        <p:nvSpPr>
+          <p:cNvPr id="3" name="Объект 2"/>
+          <p:cNvSpPr>
+            <a:spLocks noGrp="1"/>
+          </p:cNvSpPr>
+          <p:nvPr>
+            <p:ph idx="1"/>
+          </p:nvPr>
+        </p:nvSpPr>
+        <p:spPr/>
+        <p:txBody>
+          <a:bodyPr>
+            <a:normAutofit fontScale="92500"/>
+          </a:bodyPr>
+          <a:lstStyle/>
+          <a:p>
+            <a:r>
+              <a:rPr lang="ru-RU" dirty="0" smtClean="0"/>
+              <a:t>Основные результаты</a:t>
+            </a:r>
+          </a:p>
+          <a:p>
+            <a:pPr lvl="1"/>
+            <a:r>
+              <a:rPr lang="ru-RU" dirty="0" smtClean="0"/>
+              <a:t>Проведено исследование современных подходов к решению задачи многотемной классификации и выбран метод на основе машинного обучения с возможностью дообучения, добавления и удаления тематик</a:t>
+            </a:r>
+          </a:p>
+          <a:p>
+            <a:pPr lvl="1"/>
+            <a:r>
+              <a:rPr lang="ru-RU" dirty="0" smtClean="0"/>
+              <a:t>Реализован экспериментальный прототип системы сбора </a:t>
+            </a:r>
+            <a:r>
+              <a:rPr lang="ru-RU" dirty="0"/>
+              <a:t>и </a:t>
+            </a:r>
+            <a:r>
+              <a:rPr lang="ru-RU" dirty="0" smtClean="0"/>
+              <a:t>многотемной классификации веб-страниц пользователя, удовлетворяющий требованиям масштабируемости </a:t>
+            </a:r>
+            <a:r>
+              <a:rPr lang="ru-RU" smtClean="0"/>
+              <a:t>и защищенности</a:t>
+            </a:r>
+            <a:endParaRPr lang="ru-RU" dirty="0" smtClean="0"/>
+          </a:p>
+        </p:txBody>
+      </p:sp>
+    </p:spTree>
+    <p:extLst>
+      <p:ext uri="{BB962C8B-B14F-4D97-AF65-F5344CB8AC3E}">
+        <p14:creationId xmlns:p14="http://schemas.microsoft.com/office/powerpoint/2010/main" val="3195769907"/>
+      </p:ext>
+    </p:extLst>
+  </p:cSld>
+  <p:clrMapOvr>
+    <a:masterClrMapping/>
+  </p:clrMapOvr>
+  <p:timing>
+    <p:tnLst>
+      <p:par>
+        <p:cTn id="1" dur="indefinite" restart="never" nodeType="tmRoot"/>
+      </p:par>
+    </p:tnLst>
+  </p:timing>
+</p:sld>
+</file>
+
+<file path=ppt/slides/slide19.xml><?xml version="1.0" encoding="utf-8"?>
+<p:sld xmlns:a="http://schemas.openxmlformats.org/drawingml/2006/main" xmlns:r="http://schemas.openxmlformats.org/officeDocument/2006/relationships" xmlns:p="http://schemas.openxmlformats.org/presentationml/2006/main" show="0">
+  <p:cSld>
+    <p:spTree>
+      <p:nvGrpSpPr>
+        <p:cNvPr id="1" name=""/>
+        <p:cNvGrpSpPr/>
+        <p:nvPr/>
+      </p:nvGrpSpPr>
+      <p:grpSpPr>
+        <a:xfrm>
+          <a:off x="0" y="0"/>
+          <a:ext cx="0" cy="0"/>
+          <a:chOff x="0" y="0"/>
+          <a:chExt cx="0" cy="0"/>
+        </a:xfrm>
+      </p:grpSpPr>
+      <p:sp>
+        <p:nvSpPr>
+          <p:cNvPr id="2" name="Заголовок 1"/>
+          <p:cNvSpPr>
+            <a:spLocks noGrp="1"/>
+          </p:cNvSpPr>
+          <p:nvPr>
+            <p:ph type="title"/>
+          </p:nvPr>
+        </p:nvSpPr>
+        <p:spPr/>
+        <p:txBody>
+          <a:bodyPr>
+            <a:normAutofit fontScale="90000"/>
+          </a:bodyPr>
+          <a:lstStyle/>
+          <a:p>
+            <a:r>
+              <a:rPr lang="ru-RU" dirty="0" smtClean="0"/>
+              <a:t>Методы многотемной классификации</a:t>
+            </a:r>
+            <a:endParaRPr lang="en-US" dirty="0"/>
+          </a:p>
+        </p:txBody>
+      </p:sp>
+      <p:sp>
+        <p:nvSpPr>
+          <p:cNvPr id="3" name="Объект 2"/>
+          <p:cNvSpPr>
+            <a:spLocks noGrp="1"/>
+          </p:cNvSpPr>
+          <p:nvPr>
+            <p:ph idx="1"/>
+          </p:nvPr>
+        </p:nvSpPr>
+        <p:spPr/>
+        <p:txBody>
+          <a:bodyPr>
+            <a:normAutofit fontScale="85000" lnSpcReduction="20000"/>
+          </a:bodyPr>
+          <a:lstStyle/>
+          <a:p>
+            <a:r>
+              <a:rPr lang="ru-RU" dirty="0" smtClean="0"/>
+              <a:t>Методы, основанные на «оптимизационном» подходе</a:t>
+            </a:r>
+          </a:p>
+          <a:p>
+            <a:pPr lvl="1"/>
+            <a:r>
+              <a:rPr lang="ru-RU" dirty="0" smtClean="0"/>
+              <a:t>Решается задача нахождения экстремума целевой функции</a:t>
+            </a:r>
+          </a:p>
+          <a:p>
+            <a:pPr lvl="2"/>
+            <a:r>
+              <a:rPr lang="en-US" dirty="0" err="1" smtClean="0"/>
+              <a:t>AdaBoost</a:t>
+            </a:r>
+            <a:r>
+              <a:rPr lang="en-US" dirty="0" smtClean="0"/>
+              <a:t>  </a:t>
+            </a:r>
+            <a:r>
+              <a:rPr lang="ru-RU" dirty="0" smtClean="0"/>
+              <a:t>- минимизируется функция </a:t>
+            </a:r>
+            <a:r>
+              <a:rPr lang="en-US" dirty="0" smtClean="0"/>
+              <a:t>Hamming Loss</a:t>
+            </a:r>
+            <a:r>
+              <a:rPr lang="ru-RU" dirty="0" smtClean="0"/>
+              <a:t> (критерий оценивает количество неверных предсказаний)</a:t>
+            </a:r>
+            <a:r>
+              <a:rPr lang="en-US" dirty="0" smtClean="0"/>
+              <a:t> </a:t>
+            </a:r>
+            <a:r>
+              <a:rPr lang="ru-RU" dirty="0" smtClean="0"/>
+              <a:t>для оценки </a:t>
+            </a:r>
+            <a:r>
+              <a:rPr lang="ru-RU" dirty="0"/>
+              <a:t>потерь </a:t>
+            </a:r>
+            <a:r>
+              <a:rPr lang="ru-RU" dirty="0" smtClean="0"/>
+              <a:t>многотемной</a:t>
+            </a:r>
+            <a:r>
+              <a:rPr lang="en-GB" dirty="0" smtClean="0"/>
+              <a:t> </a:t>
+            </a:r>
+            <a:r>
+              <a:rPr lang="ru-RU" dirty="0" smtClean="0"/>
+              <a:t>классификации</a:t>
+            </a:r>
+            <a:endParaRPr lang="en-US" dirty="0" smtClean="0"/>
+          </a:p>
+          <a:p>
+            <a:pPr lvl="2"/>
+            <a:r>
+              <a:rPr lang="en-GB" dirty="0" smtClean="0"/>
+              <a:t>Multi</a:t>
+            </a:r>
+            <a:r>
+              <a:rPr lang="ru-RU" dirty="0" smtClean="0"/>
+              <a:t>-</a:t>
+            </a:r>
+            <a:r>
+              <a:rPr lang="en-GB" dirty="0" smtClean="0"/>
+              <a:t>Label</a:t>
+            </a:r>
+            <a:r>
+              <a:rPr lang="ru-RU" dirty="0" smtClean="0"/>
+              <a:t>-</a:t>
+            </a:r>
+            <a:r>
+              <a:rPr lang="en-GB" dirty="0" err="1" smtClean="0"/>
+              <a:t>kNN</a:t>
+            </a:r>
+            <a:r>
+              <a:rPr lang="ru-RU" dirty="0" smtClean="0"/>
+              <a:t> (многотемный </a:t>
+            </a:r>
+            <a:r>
+              <a:rPr lang="en-US" dirty="0"/>
+              <a:t> </a:t>
+            </a:r>
+            <a:r>
+              <a:rPr lang="en-US" i="1" dirty="0"/>
+              <a:t>k</a:t>
+            </a:r>
+            <a:r>
+              <a:rPr lang="en-US" dirty="0"/>
+              <a:t>-</a:t>
+            </a:r>
+            <a:r>
+              <a:rPr lang="ru-RU" dirty="0"/>
+              <a:t>ближайших соседей</a:t>
+            </a:r>
+            <a:r>
+              <a:rPr lang="ru-RU" dirty="0" smtClean="0"/>
+              <a:t>)  - </a:t>
+            </a:r>
+            <a:r>
+              <a:rPr lang="ru-RU" dirty="0" err="1" smtClean="0"/>
+              <a:t>максимизируются</a:t>
+            </a:r>
+            <a:r>
+              <a:rPr lang="ru-RU" dirty="0" smtClean="0"/>
+              <a:t> </a:t>
+            </a:r>
+            <a:r>
+              <a:rPr lang="ru-RU" dirty="0"/>
+              <a:t>апостериорные вероятности принадлежности </a:t>
+            </a:r>
+            <a:r>
+              <a:rPr lang="ru-RU" dirty="0" smtClean="0"/>
+              <a:t>классам</a:t>
+            </a:r>
+          </a:p>
+          <a:p>
+            <a:pPr lvl="1"/>
+            <a:r>
+              <a:rPr lang="ru-RU" dirty="0" smtClean="0"/>
+              <a:t>Недостатки</a:t>
+            </a:r>
+            <a:endParaRPr lang="en-US" dirty="0" smtClean="0"/>
+          </a:p>
+          <a:p>
+            <a:pPr lvl="2"/>
+            <a:r>
+              <a:rPr lang="ru-RU" dirty="0" smtClean="0"/>
+              <a:t>Для данной задачи требуется весь тренировочный набор, т.е. не поддерживается </a:t>
+            </a:r>
+            <a:r>
+              <a:rPr lang="ru-RU" dirty="0" err="1" smtClean="0"/>
+              <a:t>дообучение</a:t>
+            </a:r>
+            <a:r>
+              <a:rPr lang="ru-RU" dirty="0" smtClean="0"/>
+              <a:t>, добавление и удаление тематик</a:t>
+            </a:r>
+            <a:endParaRPr lang="en-US" dirty="0"/>
+          </a:p>
+        </p:txBody>
+      </p:sp>
+    </p:spTree>
+    <p:extLst>
+      <p:ext uri="{BB962C8B-B14F-4D97-AF65-F5344CB8AC3E}">
+        <p14:creationId xmlns:p14="http://schemas.microsoft.com/office/powerpoint/2010/main" val="507851981"/>
+      </p:ext>
+    </p:extLst>
+  </p:cSld>
+  <p:clrMapOvr>
+    <a:masterClrMapping/>
+  </p:clrMapOvr>
+  <mc:AlternateContent xmlns:mc="http://schemas.openxmlformats.org/markup-compatibility/2006">
+    <mc:Choice xmlns:p14="http://schemas.microsoft.com/office/powerpoint/2010/main" Requires="p14">
+      <p:transition spd="slow" p14:dur="2000"/>
+    </mc:Choice>
+    <mc:Fallback>
+      <p:transition spd="slow"/>
+    </mc:Fallback>
+  </mc:AlternateContent>
+  <p:timing>
+    <p:tnLst>
+      <p:par>
+        <p:cTn id="1" dur="indefinite" restart="never" nodeType="tmRoot"/>
+      </p:par>
+    </p:tnLst>
+  </p:timing>
 </p:sld>
 </file>
 
@@ -5680,6 +6538,658 @@
 </file>
 
 <file path=ppt/slides/slide20.xml><?xml version="1.0" encoding="utf-8"?>
+<p:sld xmlns:a="http://schemas.openxmlformats.org/drawingml/2006/main" xmlns:r="http://schemas.openxmlformats.org/officeDocument/2006/relationships" xmlns:p="http://schemas.openxmlformats.org/presentationml/2006/main" show="0">
+  <p:cSld>
+    <p:spTree>
+      <p:nvGrpSpPr>
+        <p:cNvPr id="1" name=""/>
+        <p:cNvGrpSpPr/>
+        <p:nvPr/>
+      </p:nvGrpSpPr>
+      <p:grpSpPr>
+        <a:xfrm>
+          <a:off x="0" y="0"/>
+          <a:ext cx="0" cy="0"/>
+          <a:chOff x="0" y="0"/>
+          <a:chExt cx="0" cy="0"/>
+        </a:xfrm>
+      </p:grpSpPr>
+      <p:sp>
+        <p:nvSpPr>
+          <p:cNvPr id="2" name="Заголовок 1"/>
+          <p:cNvSpPr>
+            <a:spLocks noGrp="1"/>
+          </p:cNvSpPr>
+          <p:nvPr>
+            <p:ph type="title"/>
+          </p:nvPr>
+        </p:nvSpPr>
+        <p:spPr/>
+        <p:txBody>
+          <a:bodyPr>
+            <a:normAutofit fontScale="90000"/>
+          </a:bodyPr>
+          <a:lstStyle/>
+          <a:p>
+            <a:r>
+              <a:rPr lang="ru-RU" dirty="0"/>
+              <a:t>Методы многотемной классификации</a:t>
+            </a:r>
+            <a:endParaRPr lang="en-US" dirty="0"/>
+          </a:p>
+        </p:txBody>
+      </p:sp>
+      <p:sp>
+        <p:nvSpPr>
+          <p:cNvPr id="3" name="Объект 2"/>
+          <p:cNvSpPr>
+            <a:spLocks noGrp="1"/>
+          </p:cNvSpPr>
+          <p:nvPr>
+            <p:ph idx="1"/>
+          </p:nvPr>
+        </p:nvSpPr>
+        <p:spPr/>
+        <p:txBody>
+          <a:bodyPr>
+            <a:normAutofit fontScale="92500"/>
+          </a:bodyPr>
+          <a:lstStyle/>
+          <a:p>
+            <a:pPr marL="457200" lvl="1" indent="-457200"/>
+            <a:r>
+              <a:rPr lang="ru-RU" dirty="0" smtClean="0"/>
+              <a:t>Подход </a:t>
+            </a:r>
+            <a:r>
+              <a:rPr lang="ru-RU" dirty="0"/>
+              <a:t>на основе декомпозиции в набор независимых бинарных </a:t>
+            </a:r>
+            <a:r>
+              <a:rPr lang="ru-RU" dirty="0" smtClean="0"/>
+              <a:t>проблем</a:t>
+            </a:r>
+          </a:p>
+          <a:p>
+            <a:pPr marL="742950" lvl="2" indent="-342900"/>
+            <a:r>
+              <a:rPr lang="ru-RU" dirty="0" smtClean="0"/>
+              <a:t>Для каждого из </a:t>
+            </a:r>
+            <a:r>
+              <a:rPr lang="en-US" dirty="0" smtClean="0"/>
+              <a:t>N </a:t>
+            </a:r>
+            <a:r>
+              <a:rPr lang="ru-RU" dirty="0" smtClean="0"/>
+              <a:t>классов строится бинарный классификатор</a:t>
+            </a:r>
+          </a:p>
+          <a:p>
+            <a:pPr marL="742950" lvl="2" indent="-342900"/>
+            <a:r>
+              <a:rPr lang="ru-RU" dirty="0" smtClean="0"/>
+              <a:t>Далее, используя решающую функцию как функцию ранжирования, определяется релевантность класса</a:t>
+            </a:r>
+          </a:p>
+          <a:p>
+            <a:pPr marL="342900" lvl="1" indent="-342900"/>
+            <a:r>
+              <a:rPr lang="ru-RU" dirty="0" smtClean="0"/>
+              <a:t>Недостатки</a:t>
+            </a:r>
+          </a:p>
+          <a:p>
+            <a:pPr marL="742950" lvl="2" indent="-342900"/>
+            <a:r>
+              <a:rPr lang="ru-RU" dirty="0" smtClean="0"/>
+              <a:t>Высокая вычислительная сложность (для каждого класса строится отдельный классификатор)</a:t>
+            </a:r>
+          </a:p>
+          <a:p>
+            <a:pPr marL="742950" lvl="2" indent="-342900"/>
+            <a:r>
+              <a:rPr lang="ru-RU" dirty="0" smtClean="0"/>
+              <a:t>Строятся независимые классификаторы, которые не учитывают корреляци</a:t>
+            </a:r>
+            <a:r>
+              <a:rPr lang="ru-RU" dirty="0"/>
+              <a:t>ю</a:t>
+            </a:r>
+            <a:r>
+              <a:rPr lang="ru-RU" dirty="0" smtClean="0"/>
+              <a:t> между классами, что существенно для задачи многотемной классификации</a:t>
+            </a:r>
+          </a:p>
+          <a:p>
+            <a:pPr marL="342900" lvl="1" indent="-342900"/>
+            <a:endParaRPr lang="ru-RU" dirty="0" smtClean="0"/>
+          </a:p>
+          <a:p>
+            <a:pPr marL="742950" lvl="2" indent="-342900"/>
+            <a:endParaRPr lang="ru-RU" dirty="0"/>
+          </a:p>
+          <a:p>
+            <a:pPr lvl="1"/>
+            <a:endParaRPr lang="en-US" dirty="0"/>
+          </a:p>
+        </p:txBody>
+      </p:sp>
+    </p:spTree>
+    <p:extLst>
+      <p:ext uri="{BB962C8B-B14F-4D97-AF65-F5344CB8AC3E}">
+        <p14:creationId xmlns:p14="http://schemas.microsoft.com/office/powerpoint/2010/main" val="596553632"/>
+      </p:ext>
+    </p:extLst>
+  </p:cSld>
+  <p:clrMapOvr>
+    <a:masterClrMapping/>
+  </p:clrMapOvr>
+  <mc:AlternateContent xmlns:mc="http://schemas.openxmlformats.org/markup-compatibility/2006">
+    <mc:Choice xmlns:p14="http://schemas.microsoft.com/office/powerpoint/2010/main" Requires="p14">
+      <p:transition spd="slow" p14:dur="2000"/>
+    </mc:Choice>
+    <mc:Fallback>
+      <p:transition spd="slow"/>
+    </mc:Fallback>
+  </mc:AlternateContent>
+  <p:timing>
+    <p:tnLst>
+      <p:par>
+        <p:cTn id="1" dur="indefinite" restart="never" nodeType="tmRoot"/>
+      </p:par>
+    </p:tnLst>
+  </p:timing>
+</p:sld>
+</file>
+
+<file path=ppt/slides/slide21.xml><?xml version="1.0" encoding="utf-8"?>
+<p:sld xmlns:a="http://schemas.openxmlformats.org/drawingml/2006/main" xmlns:r="http://schemas.openxmlformats.org/officeDocument/2006/relationships" xmlns:p="http://schemas.openxmlformats.org/presentationml/2006/main" show="0">
+  <p:cSld>
+    <p:spTree>
+      <p:nvGrpSpPr>
+        <p:cNvPr id="1" name=""/>
+        <p:cNvGrpSpPr/>
+        <p:nvPr/>
+      </p:nvGrpSpPr>
+      <p:grpSpPr>
+        <a:xfrm>
+          <a:off x="0" y="0"/>
+          <a:ext cx="0" cy="0"/>
+          <a:chOff x="0" y="0"/>
+          <a:chExt cx="0" cy="0"/>
+        </a:xfrm>
+      </p:grpSpPr>
+      <p:sp>
+        <p:nvSpPr>
+          <p:cNvPr id="2" name="Заголовок 1"/>
+          <p:cNvSpPr>
+            <a:spLocks noGrp="1"/>
+          </p:cNvSpPr>
+          <p:nvPr>
+            <p:ph type="title"/>
+          </p:nvPr>
+        </p:nvSpPr>
+        <p:spPr/>
+        <p:txBody>
+          <a:bodyPr>
+            <a:normAutofit fontScale="90000"/>
+          </a:bodyPr>
+          <a:lstStyle/>
+          <a:p>
+            <a:r>
+              <a:rPr lang="ru-RU" dirty="0"/>
+              <a:t>Методы многотемной классификации</a:t>
+            </a:r>
+            <a:endParaRPr lang="en-US" dirty="0"/>
+          </a:p>
+        </p:txBody>
+      </p:sp>
+      <p:sp>
+        <p:nvSpPr>
+          <p:cNvPr id="3" name="Объект 2"/>
+          <p:cNvSpPr>
+            <a:spLocks noGrp="1"/>
+          </p:cNvSpPr>
+          <p:nvPr>
+            <p:ph idx="1"/>
+          </p:nvPr>
+        </p:nvSpPr>
+        <p:spPr/>
+        <p:txBody>
+          <a:bodyPr>
+            <a:noAutofit/>
+          </a:bodyPr>
+          <a:lstStyle/>
+          <a:p>
+            <a:pPr marL="400050" lvl="1" indent="-400050"/>
+            <a:r>
+              <a:rPr lang="ru-RU" dirty="0" smtClean="0"/>
+              <a:t>Подход ранжирования с отсечением нерелевантных классов</a:t>
+            </a:r>
+            <a:endParaRPr lang="en-US" dirty="0" smtClean="0"/>
+          </a:p>
+          <a:p>
+            <a:pPr marL="742950" lvl="2" indent="-342900"/>
+            <a:r>
+              <a:rPr lang="ru-RU" dirty="0" smtClean="0"/>
+              <a:t>Алгоритмы работают в два этапа:</a:t>
+            </a:r>
+          </a:p>
+          <a:p>
+            <a:pPr marL="1200150" lvl="3" indent="-342900"/>
+            <a:r>
+              <a:rPr lang="ru-RU" dirty="0" smtClean="0"/>
+              <a:t>Классы ранжируются по релевантности относительно заданного классифицируемого объекта</a:t>
+            </a:r>
+          </a:p>
+          <a:p>
+            <a:pPr marL="1200150" lvl="3" indent="-342900"/>
+            <a:r>
+              <a:rPr lang="ru-RU" dirty="0"/>
+              <a:t>Н</a:t>
+            </a:r>
+            <a:r>
+              <a:rPr lang="ru-RU" dirty="0" smtClean="0"/>
+              <a:t>ерелевантные классы отсекаются с помощью пороговой функции</a:t>
+            </a:r>
+          </a:p>
+          <a:p>
+            <a:pPr marL="342900" lvl="1" indent="-342900"/>
+            <a:r>
+              <a:rPr lang="ru-RU" dirty="0" smtClean="0"/>
+              <a:t>Недостатки</a:t>
+            </a:r>
+          </a:p>
+          <a:p>
+            <a:pPr marL="742950" lvl="2" indent="-342900"/>
+            <a:r>
+              <a:rPr lang="ru-RU" dirty="0" smtClean="0"/>
+              <a:t>Алгоритмы либо не имеют возможности дообучения, либо показывают низкую точность</a:t>
+            </a:r>
+          </a:p>
+          <a:p>
+            <a:pPr lvl="1"/>
+            <a:endParaRPr lang="en-US" dirty="0"/>
+          </a:p>
+        </p:txBody>
+      </p:sp>
+    </p:spTree>
+    <p:extLst>
+      <p:ext uri="{BB962C8B-B14F-4D97-AF65-F5344CB8AC3E}">
+        <p14:creationId xmlns:p14="http://schemas.microsoft.com/office/powerpoint/2010/main" val="1448234633"/>
+      </p:ext>
+    </p:extLst>
+  </p:cSld>
+  <p:clrMapOvr>
+    <a:masterClrMapping/>
+  </p:clrMapOvr>
+  <mc:AlternateContent xmlns:mc="http://schemas.openxmlformats.org/markup-compatibility/2006">
+    <mc:Choice xmlns:p14="http://schemas.microsoft.com/office/powerpoint/2010/main" Requires="p14">
+      <p:transition spd="slow" p14:dur="2000"/>
+    </mc:Choice>
+    <mc:Fallback>
+      <p:transition spd="slow"/>
+    </mc:Fallback>
+  </mc:AlternateContent>
+  <p:timing>
+    <p:tnLst>
+      <p:par>
+        <p:cTn id="1" dur="indefinite" restart="never" nodeType="tmRoot"/>
+      </p:par>
+    </p:tnLst>
+  </p:timing>
+</p:sld>
+</file>
+
+<file path=ppt/slides/slide22.xml><?xml version="1.0" encoding="utf-8"?>
+<p:sld xmlns:a="http://schemas.openxmlformats.org/drawingml/2006/main" xmlns:r="http://schemas.openxmlformats.org/officeDocument/2006/relationships" xmlns:p="http://schemas.openxmlformats.org/presentationml/2006/main" show="0">
+  <p:cSld>
+    <p:spTree>
+      <p:nvGrpSpPr>
+        <p:cNvPr id="1" name=""/>
+        <p:cNvGrpSpPr/>
+        <p:nvPr/>
+      </p:nvGrpSpPr>
+      <p:grpSpPr>
+        <a:xfrm>
+          <a:off x="0" y="0"/>
+          <a:ext cx="0" cy="0"/>
+          <a:chOff x="0" y="0"/>
+          <a:chExt cx="0" cy="0"/>
+        </a:xfrm>
+      </p:grpSpPr>
+      <p:sp>
+        <p:nvSpPr>
+          <p:cNvPr id="2" name="Заголовок 1"/>
+          <p:cNvSpPr>
+            <a:spLocks noGrp="1"/>
+          </p:cNvSpPr>
+          <p:nvPr>
+            <p:ph type="title"/>
+          </p:nvPr>
+        </p:nvSpPr>
+        <p:spPr/>
+        <p:txBody>
+          <a:bodyPr>
+            <a:normAutofit fontScale="90000"/>
+          </a:bodyPr>
+          <a:lstStyle/>
+          <a:p>
+            <a:r>
+              <a:rPr lang="ru-RU" dirty="0" smtClean="0"/>
+              <a:t>Обзор методов многотемной классификации</a:t>
+            </a:r>
+            <a:endParaRPr lang="en-US" dirty="0"/>
+          </a:p>
+        </p:txBody>
+      </p:sp>
+      <p:graphicFrame>
+        <p:nvGraphicFramePr>
+          <p:cNvPr id="6" name="Объект 5"/>
+          <p:cNvGraphicFramePr>
+            <a:graphicFrameLocks/>
+          </p:cNvGraphicFramePr>
+          <p:nvPr>
+            <p:extLst>
+              <p:ext uri="{D42A27DB-BD31-4B8C-83A1-F6EECF244321}">
+                <p14:modId xmlns:p14="http://schemas.microsoft.com/office/powerpoint/2010/main" val="1679100491"/>
+              </p:ext>
+            </p:extLst>
+          </p:nvPr>
+        </p:nvGraphicFramePr>
+        <p:xfrm>
+          <a:off x="683568" y="1556792"/>
+          <a:ext cx="7848872" cy="5205484"/>
+        </p:xfrm>
+        <a:graphic>
+          <a:graphicData uri="http://schemas.openxmlformats.org/drawingml/2006/table">
+            <a:tbl>
+              <a:tblPr firstRow="1" bandRow="1">
+                <a:tableStyleId>{5C22544A-7EE6-4342-B048-85BDC9FD1C3A}</a:tableStyleId>
+              </a:tblPr>
+              <a:tblGrid>
+                <a:gridCol w="2808312"/>
+                <a:gridCol w="5040560"/>
+              </a:tblGrid>
+              <a:tr h="450604">
+                <a:tc>
+                  <a:txBody>
+                    <a:bodyPr/>
+                    <a:lstStyle/>
+                    <a:p>
+                      <a:r>
+                        <a:rPr lang="ru-RU" dirty="0" smtClean="0"/>
+                        <a:t>Подход</a:t>
+                      </a:r>
+                      <a:r>
+                        <a:rPr lang="ru-RU" baseline="0" dirty="0" smtClean="0"/>
+                        <a:t> к классификации</a:t>
+                      </a:r>
+                      <a:endParaRPr lang="en-US" dirty="0"/>
+                    </a:p>
+                  </a:txBody>
+                  <a:tcPr/>
+                </a:tc>
+                <a:tc>
+                  <a:txBody>
+                    <a:bodyPr/>
+                    <a:lstStyle/>
+                    <a:p>
+                      <a:r>
+                        <a:rPr lang="ru-RU" dirty="0" smtClean="0"/>
+                        <a:t>Недостатки</a:t>
+                      </a:r>
+                      <a:endParaRPr lang="en-US" dirty="0"/>
+                    </a:p>
+                  </a:txBody>
+                  <a:tcPr/>
+                </a:tc>
+              </a:tr>
+              <a:tr h="643720">
+                <a:tc>
+                  <a:txBody>
+                    <a:bodyPr/>
+                    <a:lstStyle/>
+                    <a:p>
+                      <a:r>
+                        <a:rPr lang="ru-RU" dirty="0" smtClean="0"/>
+                        <a:t>Оптимизационный подход</a:t>
+                      </a:r>
+                      <a:endParaRPr lang="en-US" dirty="0"/>
+                    </a:p>
+                  </a:txBody>
+                  <a:tcPr/>
+                </a:tc>
+                <a:tc>
+                  <a:txBody>
+                    <a:bodyPr/>
+                    <a:lstStyle/>
+                    <a:p>
+                      <a:pPr marL="285750" indent="-285750">
+                        <a:buFont typeface="Arial" pitchFamily="34" charset="0"/>
+                        <a:buChar char="•"/>
+                      </a:pPr>
+                      <a:r>
+                        <a:rPr lang="ru-RU" dirty="0" smtClean="0"/>
+                        <a:t>Нет возможности</a:t>
+                      </a:r>
+                      <a:r>
+                        <a:rPr lang="ru-RU" baseline="0" dirty="0" smtClean="0"/>
+                        <a:t> дообучения</a:t>
+                      </a:r>
+                    </a:p>
+                    <a:p>
+                      <a:pPr marL="285750" indent="-285750">
+                        <a:buFont typeface="Arial" pitchFamily="34" charset="0"/>
+                        <a:buChar char="•"/>
+                      </a:pPr>
+                      <a:r>
+                        <a:rPr lang="ru-RU" baseline="0" dirty="0" smtClean="0"/>
+                        <a:t>Большие затраты памяти</a:t>
+                      </a:r>
+                    </a:p>
+                    <a:p>
+                      <a:pPr marL="285750" indent="-285750">
+                        <a:buFont typeface="Arial" pitchFamily="34" charset="0"/>
+                        <a:buChar char="•"/>
+                      </a:pPr>
+                      <a:r>
+                        <a:rPr lang="ru-RU" baseline="0" dirty="0" smtClean="0"/>
+                        <a:t>Нет возможности удаления и добавления классов</a:t>
+                      </a:r>
+                    </a:p>
+                    <a:p>
+                      <a:pPr marL="0" indent="0">
+                        <a:buFont typeface="Arial" pitchFamily="34" charset="0"/>
+                        <a:buNone/>
+                      </a:pPr>
+                      <a:endParaRPr lang="en-US" dirty="0"/>
+                    </a:p>
+                  </a:txBody>
+                  <a:tcPr/>
+                </a:tc>
+              </a:tr>
+              <a:tr h="643720">
+                <a:tc>
+                  <a:txBody>
+                    <a:bodyPr/>
+                    <a:lstStyle/>
+                    <a:p>
+                      <a:r>
+                        <a:rPr lang="ru-RU" dirty="0" smtClean="0"/>
+                        <a:t>Подход</a:t>
+                      </a:r>
+                      <a:r>
+                        <a:rPr lang="ru-RU" baseline="0" dirty="0" smtClean="0"/>
+                        <a:t> на основе декомпозиции в набор независимых бинарных проблем</a:t>
+                      </a:r>
+                      <a:endParaRPr lang="en-US" dirty="0"/>
+                    </a:p>
+                  </a:txBody>
+                  <a:tcPr/>
+                </a:tc>
+                <a:tc>
+                  <a:txBody>
+                    <a:bodyPr/>
+                    <a:lstStyle/>
+                    <a:p>
+                      <a:pPr marL="285750" indent="-285750">
+                        <a:buFont typeface="Arial" pitchFamily="34" charset="0"/>
+                        <a:buChar char="•"/>
+                      </a:pPr>
+                      <a:r>
+                        <a:rPr lang="ru-RU" dirty="0" smtClean="0"/>
+                        <a:t>Нет</a:t>
+                      </a:r>
+                      <a:r>
+                        <a:rPr lang="ru-RU" baseline="0" dirty="0" smtClean="0"/>
+                        <a:t> учета корреляции между классами</a:t>
+                      </a:r>
+                    </a:p>
+                    <a:p>
+                      <a:pPr marL="285750" indent="-285750">
+                        <a:buFont typeface="Arial" pitchFamily="34" charset="0"/>
+                        <a:buChar char="•"/>
+                      </a:pPr>
+                      <a:r>
+                        <a:rPr lang="ru-RU" baseline="0" dirty="0" smtClean="0"/>
+                        <a:t>Высокая вычислительная сложность</a:t>
+                      </a:r>
+                      <a:endParaRPr lang="en-US" dirty="0" smtClean="0"/>
+                    </a:p>
+                    <a:p>
+                      <a:pPr marL="0" indent="0">
+                        <a:buFont typeface="Arial" pitchFamily="34" charset="0"/>
+                        <a:buNone/>
+                      </a:pPr>
+                      <a:endParaRPr lang="en-US" dirty="0"/>
+                    </a:p>
+                  </a:txBody>
+                  <a:tcPr/>
+                </a:tc>
+              </a:tr>
+              <a:tr h="643720">
+                <a:tc>
+                  <a:txBody>
+                    <a:bodyPr/>
+                    <a:lstStyle/>
+                    <a:p>
+                      <a:r>
+                        <a:rPr lang="ru-RU" dirty="0" smtClean="0"/>
+                        <a:t>Подход на основе ранжирования</a:t>
+                      </a:r>
+                      <a:endParaRPr lang="en-US" dirty="0"/>
+                    </a:p>
+                  </a:txBody>
+                  <a:tcPr/>
+                </a:tc>
+                <a:tc>
+                  <a:txBody>
+                    <a:bodyPr/>
+                    <a:lstStyle/>
+                    <a:p>
+                      <a:pPr marL="285750" indent="-285750">
+                        <a:buFont typeface="Arial" pitchFamily="34" charset="0"/>
+                        <a:buChar char="•"/>
+                      </a:pPr>
+                      <a:r>
+                        <a:rPr lang="ru-RU" baseline="0" dirty="0" smtClean="0"/>
+                        <a:t>Высокая вычислительная сложность</a:t>
+                      </a:r>
+                    </a:p>
+                    <a:p>
+                      <a:pPr marL="285750" indent="-285750">
+                        <a:buFont typeface="Arial" pitchFamily="34" charset="0"/>
+                        <a:buChar char="•"/>
+                      </a:pPr>
+                      <a:r>
+                        <a:rPr lang="ru-RU" baseline="0" dirty="0" smtClean="0"/>
+                        <a:t>Нет возможности дообучения</a:t>
+                      </a:r>
+                    </a:p>
+                    <a:p>
+                      <a:pPr marL="0" indent="0">
+                        <a:buFont typeface="Arial" pitchFamily="34" charset="0"/>
+                        <a:buNone/>
+                      </a:pPr>
+                      <a:endParaRPr lang="en-US" dirty="0"/>
+                    </a:p>
+                  </a:txBody>
+                  <a:tcPr/>
+                </a:tc>
+              </a:tr>
+              <a:tr h="643720">
+                <a:tc>
+                  <a:txBody>
+                    <a:bodyPr/>
+                    <a:lstStyle/>
+                    <a:p>
+                      <a:r>
+                        <a:rPr lang="ru-RU" dirty="0" smtClean="0"/>
+                        <a:t>Модифицированный</a:t>
+                      </a:r>
+                      <a:r>
+                        <a:rPr lang="ru-RU" baseline="0" dirty="0" smtClean="0"/>
+                        <a:t> подход,  разработанный в лаборатории Технологий Программирования</a:t>
+                      </a:r>
+                      <a:endParaRPr lang="en-US" dirty="0"/>
+                    </a:p>
+                  </a:txBody>
+                  <a:tcPr/>
+                </a:tc>
+                <a:tc>
+                  <a:txBody>
+                    <a:bodyPr/>
+                    <a:lstStyle/>
+                    <a:p>
+                      <a:pPr marL="285750" indent="-285750">
+                        <a:buFont typeface="Arial" pitchFamily="34" charset="0"/>
+                        <a:buChar char="•"/>
+                      </a:pPr>
+                      <a:r>
+                        <a:rPr lang="ru-RU" baseline="0" dirty="0" smtClean="0"/>
+                        <a:t>Разработанный метод модифицирован с учетом недостатков существующих подходов, поэтому, с точки зрения сформулированных требований, недостатков нет</a:t>
+                      </a:r>
+                      <a:endParaRPr lang="en-US" dirty="0"/>
+                    </a:p>
+                  </a:txBody>
+                  <a:tcPr/>
+                </a:tc>
+              </a:tr>
+            </a:tbl>
+          </a:graphicData>
+        </a:graphic>
+      </p:graphicFrame>
+    </p:spTree>
+    <p:extLst>
+      <p:ext uri="{BB962C8B-B14F-4D97-AF65-F5344CB8AC3E}">
+        <p14:creationId xmlns:p14="http://schemas.microsoft.com/office/powerpoint/2010/main" val="2739718834"/>
+      </p:ext>
+    </p:extLst>
+  </p:cSld>
+  <p:clrMapOvr>
+    <a:masterClrMapping/>
+  </p:clrMapOvr>
+  <mc:AlternateContent xmlns:mc="http://schemas.openxmlformats.org/markup-compatibility/2006" xmlns:p14="http://schemas.microsoft.com/office/powerpoint/2010/main">
+    <mc:Choice Requires="p14">
+      <p:transition spd="slow" p14:dur="2000"/>
+    </mc:Choice>
+    <mc:Fallback xmlns="">
+      <p:transition spd="slow"/>
+    </mc:Fallback>
+  </mc:AlternateContent>
+  <p:timing>
+    <p:tnLst>
+      <p:par>
+        <p:cTn id="1" dur="indefinite" restart="never" nodeType="tmRoot"/>
+      </p:par>
+    </p:tnLst>
+  </p:timing>
+</p:sld>
+</file>
+
+<file path=ppt/slides/slide3.xml><?xml version="1.0" encoding="utf-8"?>
 <p:sld xmlns:a="http://schemas.openxmlformats.org/drawingml/2006/main" xmlns:r="http://schemas.openxmlformats.org/officeDocument/2006/relationships" xmlns:p="http://schemas.openxmlformats.org/presentationml/2006/main">
   <p:cSld>
     <p:spTree>
@@ -5715,7 +7225,614 @@
           <a:p>
             <a:r>
               <a:rPr lang="ru-RU" dirty="0" smtClean="0"/>
-              <a:t>Экспериментальные исследования</a:t>
+              <a:t>Области применения классификации веб-данных</a:t>
+            </a:r>
+            <a:endParaRPr lang="en-US" dirty="0"/>
+          </a:p>
+        </p:txBody>
+      </p:sp>
+      <p:sp>
+        <p:nvSpPr>
+          <p:cNvPr id="3" name="Объект 2"/>
+          <p:cNvSpPr>
+            <a:spLocks noGrp="1"/>
+          </p:cNvSpPr>
+          <p:nvPr>
+            <p:ph idx="1"/>
+          </p:nvPr>
+        </p:nvSpPr>
+        <p:spPr/>
+        <p:txBody>
+          <a:bodyPr>
+            <a:normAutofit fontScale="70000" lnSpcReduction="20000"/>
+          </a:bodyPr>
+          <a:lstStyle/>
+          <a:p>
+            <a:r>
+              <a:rPr lang="ru-RU" dirty="0" smtClean="0"/>
+              <a:t>Актуальные задачи</a:t>
+            </a:r>
+            <a:endParaRPr lang="ru-RU" dirty="0" smtClean="0"/>
+          </a:p>
+          <a:p>
+            <a:pPr lvl="1"/>
+            <a:r>
+              <a:rPr lang="ru-RU" dirty="0" smtClean="0"/>
+              <a:t>Определени</a:t>
+            </a:r>
+            <a:r>
+              <a:rPr lang="ru-RU" dirty="0"/>
+              <a:t>е</a:t>
+            </a:r>
+            <a:r>
+              <a:rPr lang="ru-RU" dirty="0" smtClean="0"/>
+              <a:t> </a:t>
+            </a:r>
+            <a:r>
+              <a:rPr lang="ru-RU" dirty="0"/>
+              <a:t>категорий информации, с которой работает </a:t>
+            </a:r>
+            <a:r>
+              <a:rPr lang="ru-RU" dirty="0" smtClean="0"/>
+              <a:t>пользователь, для применения политик безопасности</a:t>
+            </a:r>
+          </a:p>
+          <a:p>
+            <a:pPr lvl="1"/>
+            <a:r>
+              <a:rPr lang="ru-RU" dirty="0" smtClean="0"/>
+              <a:t>Фильтрация контента</a:t>
+            </a:r>
+            <a:r>
+              <a:rPr lang="ru-RU" dirty="0" smtClean="0"/>
+              <a:t>, для обнаружения информации, относящейся к определенному делу</a:t>
+            </a:r>
+          </a:p>
+          <a:p>
+            <a:pPr lvl="1"/>
+            <a:r>
+              <a:rPr lang="ru-RU" dirty="0" smtClean="0"/>
+              <a:t>Определение </a:t>
+            </a:r>
+            <a:r>
+              <a:rPr lang="ru-RU" dirty="0" smtClean="0"/>
+              <a:t>конфиденциальности документа, для предотвращения утечек информации</a:t>
+            </a:r>
+          </a:p>
+          <a:p>
+            <a:pPr lvl="1"/>
+            <a:r>
+              <a:rPr lang="ru-RU" dirty="0" smtClean="0"/>
+              <a:t>И </a:t>
+            </a:r>
+            <a:r>
+              <a:rPr lang="ru-RU" dirty="0" smtClean="0"/>
+              <a:t>другие</a:t>
+            </a:r>
+            <a:endParaRPr lang="ru-RU" dirty="0" smtClean="0"/>
+          </a:p>
+          <a:p>
+            <a:r>
+              <a:rPr lang="ru-RU" dirty="0"/>
+              <a:t>Классификация контентных данных пользователя, в частности веб-страниц, применяется в </a:t>
+            </a:r>
+          </a:p>
+          <a:p>
+            <a:pPr lvl="1"/>
+            <a:r>
+              <a:rPr lang="ru-RU" dirty="0"/>
+              <a:t>Системах</a:t>
+            </a:r>
+            <a:r>
+              <a:rPr lang="en-US" dirty="0"/>
+              <a:t> </a:t>
+            </a:r>
+            <a:r>
+              <a:rPr lang="ru-RU" dirty="0"/>
+              <a:t>предотвращения утечки информации (</a:t>
+            </a:r>
+            <a:r>
+              <a:rPr lang="en-US" dirty="0"/>
+              <a:t>Data Loss Prevention, DLP</a:t>
+            </a:r>
+            <a:r>
+              <a:rPr lang="ru-RU" dirty="0"/>
+              <a:t>)</a:t>
+            </a:r>
+          </a:p>
+          <a:p>
+            <a:pPr lvl="1"/>
+            <a:r>
+              <a:rPr lang="ru-RU" dirty="0"/>
+              <a:t>Системах управления корпоративным контентом (</a:t>
+            </a:r>
+            <a:r>
+              <a:rPr lang="en-US" dirty="0"/>
+              <a:t>Enterprise Content  Manager, ECM</a:t>
+            </a:r>
+            <a:r>
+              <a:rPr lang="ru-RU" dirty="0"/>
+              <a:t>)</a:t>
+            </a:r>
+          </a:p>
+          <a:p>
+            <a:pPr lvl="2"/>
+            <a:r>
+              <a:rPr lang="ru-RU" dirty="0"/>
+              <a:t>Системах обнаружения информации (</a:t>
+            </a:r>
+            <a:r>
+              <a:rPr lang="en-US" dirty="0"/>
+              <a:t>e-Discovery</a:t>
+            </a:r>
+            <a:r>
+              <a:rPr lang="ru-RU" dirty="0"/>
+              <a:t>)</a:t>
+            </a:r>
+            <a:endParaRPr lang="en-US" dirty="0"/>
+          </a:p>
+        </p:txBody>
+      </p:sp>
+    </p:spTree>
+    <p:extLst>
+      <p:ext uri="{BB962C8B-B14F-4D97-AF65-F5344CB8AC3E}">
+        <p14:creationId xmlns:p14="http://schemas.microsoft.com/office/powerpoint/2010/main" val="1520676688"/>
+      </p:ext>
+    </p:extLst>
+  </p:cSld>
+  <p:clrMapOvr>
+    <a:masterClrMapping/>
+  </p:clrMapOvr>
+  <p:timing>
+    <p:tnLst>
+      <p:par>
+        <p:cTn id="1" dur="indefinite" restart="never" nodeType="tmRoot"/>
+      </p:par>
+    </p:tnLst>
+  </p:timing>
+</p:sld>
+</file>
+
+<file path=ppt/slides/slide4.xml><?xml version="1.0" encoding="utf-8"?>
+<p:sld xmlns:a="http://schemas.openxmlformats.org/drawingml/2006/main" xmlns:r="http://schemas.openxmlformats.org/officeDocument/2006/relationships" xmlns:p="http://schemas.openxmlformats.org/presentationml/2006/main">
+  <p:cSld>
+    <p:spTree>
+      <p:nvGrpSpPr>
+        <p:cNvPr id="1" name=""/>
+        <p:cNvGrpSpPr/>
+        <p:nvPr/>
+      </p:nvGrpSpPr>
+      <p:grpSpPr>
+        <a:xfrm>
+          <a:off x="0" y="0"/>
+          <a:ext cx="0" cy="0"/>
+          <a:chOff x="0" y="0"/>
+          <a:chExt cx="0" cy="0"/>
+        </a:xfrm>
+      </p:grpSpPr>
+      <p:sp>
+        <p:nvSpPr>
+          <p:cNvPr id="2" name="Заголовок 1"/>
+          <p:cNvSpPr>
+            <a:spLocks noGrp="1"/>
+          </p:cNvSpPr>
+          <p:nvPr>
+            <p:ph type="title"/>
+          </p:nvPr>
+        </p:nvSpPr>
+        <p:spPr/>
+        <p:txBody>
+          <a:bodyPr>
+            <a:noAutofit/>
+          </a:bodyPr>
+          <a:lstStyle/>
+          <a:p>
+            <a:r>
+              <a:rPr lang="ru-RU" sz="3600" dirty="0" smtClean="0"/>
+              <a:t>Основные методы классификации данных в корпоративных системах</a:t>
+            </a:r>
+            <a:endParaRPr lang="en-US" sz="3600" dirty="0"/>
+          </a:p>
+        </p:txBody>
+      </p:sp>
+      <p:graphicFrame>
+        <p:nvGraphicFramePr>
+          <p:cNvPr id="4" name="Объект 3"/>
+          <p:cNvGraphicFramePr>
+            <a:graphicFrameLocks/>
+          </p:cNvGraphicFramePr>
+          <p:nvPr>
+            <p:extLst>
+              <p:ext uri="{D42A27DB-BD31-4B8C-83A1-F6EECF244321}">
+                <p14:modId xmlns:p14="http://schemas.microsoft.com/office/powerpoint/2010/main" val="975980278"/>
+              </p:ext>
+            </p:extLst>
+          </p:nvPr>
+        </p:nvGraphicFramePr>
+        <p:xfrm>
+          <a:off x="467544" y="1484784"/>
+          <a:ext cx="8229600" cy="4953000"/>
+        </p:xfrm>
+        <a:graphic>
+          <a:graphicData uri="http://schemas.openxmlformats.org/drawingml/2006/table">
+            <a:tbl>
+              <a:tblPr firstRow="1" bandRow="1">
+                <a:tableStyleId>{5C22544A-7EE6-4342-B048-85BDC9FD1C3A}</a:tableStyleId>
+              </a:tblPr>
+              <a:tblGrid>
+                <a:gridCol w="2743200"/>
+                <a:gridCol w="2743200"/>
+                <a:gridCol w="2743200"/>
+              </a:tblGrid>
+              <a:tr h="370840">
+                <a:tc>
+                  <a:txBody>
+                    <a:bodyPr/>
+                    <a:lstStyle/>
+                    <a:p>
+                      <a:endParaRPr lang="en-US" i="0" dirty="0"/>
+                    </a:p>
+                  </a:txBody>
+                  <a:tcPr/>
+                </a:tc>
+                <a:tc>
+                  <a:txBody>
+                    <a:bodyPr/>
+                    <a:lstStyle/>
+                    <a:p>
+                      <a:r>
+                        <a:rPr lang="ru-RU" i="0" dirty="0" smtClean="0"/>
+                        <a:t>Достоинства</a:t>
+                      </a:r>
+                      <a:endParaRPr lang="en-US" i="0" dirty="0"/>
+                    </a:p>
+                  </a:txBody>
+                  <a:tcPr/>
+                </a:tc>
+                <a:tc>
+                  <a:txBody>
+                    <a:bodyPr/>
+                    <a:lstStyle/>
+                    <a:p>
+                      <a:r>
+                        <a:rPr lang="ru-RU" i="0" dirty="0" smtClean="0"/>
+                        <a:t>Недостатки</a:t>
+                      </a:r>
+                      <a:endParaRPr lang="en-US" i="0" dirty="0"/>
+                    </a:p>
+                  </a:txBody>
+                  <a:tcPr/>
+                </a:tc>
+              </a:tr>
+              <a:tr h="370840">
+                <a:tc>
+                  <a:txBody>
+                    <a:bodyPr/>
+                    <a:lstStyle/>
+                    <a:p>
+                      <a:r>
+                        <a:rPr lang="ru-RU" b="1" i="0" dirty="0" smtClean="0"/>
+                        <a:t>Цифровые</a:t>
+                      </a:r>
+                      <a:r>
+                        <a:rPr lang="ru-RU" b="1" i="0" baseline="0" dirty="0" smtClean="0"/>
+                        <a:t> отпечатки </a:t>
+                      </a:r>
+                      <a:r>
+                        <a:rPr lang="ru-RU" i="0" baseline="0" dirty="0" smtClean="0"/>
+                        <a:t>- </a:t>
+                      </a:r>
+                      <a:r>
+                        <a:rPr lang="ru-RU" i="0" dirty="0" smtClean="0"/>
+                        <a:t>обнаружение в тексте цитат из документов-образцов</a:t>
+                      </a:r>
+                      <a:endParaRPr lang="en-US" i="0" dirty="0"/>
+                    </a:p>
+                  </a:txBody>
+                  <a:tcPr/>
+                </a:tc>
+                <a:tc>
+                  <a:txBody>
+                    <a:bodyPr/>
+                    <a:lstStyle/>
+                    <a:p>
+                      <a:r>
+                        <a:rPr lang="ru-RU" sz="1800" i="0" kern="1200" dirty="0" smtClean="0">
+                          <a:solidFill>
+                            <a:schemeClr val="dk1"/>
+                          </a:solidFill>
+                          <a:effectLst/>
+                          <a:latin typeface="+mn-lt"/>
+                          <a:ea typeface="+mn-ea"/>
+                          <a:cs typeface="+mn-cs"/>
+                        </a:rPr>
+                        <a:t>Высокая точность детектирования статичных документов</a:t>
+                      </a:r>
+                      <a:endParaRPr lang="en-US" i="0" dirty="0"/>
+                    </a:p>
+                  </a:txBody>
+                  <a:tcPr/>
+                </a:tc>
+                <a:tc>
+                  <a:txBody>
+                    <a:bodyPr/>
+                    <a:lstStyle/>
+                    <a:p>
+                      <a:r>
+                        <a:rPr lang="ru-RU" sz="1800" i="0" kern="1200" dirty="0" smtClean="0">
+                          <a:solidFill>
+                            <a:schemeClr val="dk1"/>
+                          </a:solidFill>
+                          <a:effectLst/>
+                          <a:latin typeface="+mn-lt"/>
+                          <a:ea typeface="+mn-ea"/>
+                          <a:cs typeface="+mn-cs"/>
+                        </a:rPr>
+                        <a:t>Чувствительность к текстовым изменениям</a:t>
+                      </a:r>
+                      <a:endParaRPr lang="en-US" i="0" dirty="0"/>
+                    </a:p>
+                  </a:txBody>
+                  <a:tcPr/>
+                </a:tc>
+              </a:tr>
+              <a:tr h="370840">
+                <a:tc>
+                  <a:txBody>
+                    <a:bodyPr/>
+                    <a:lstStyle/>
+                    <a:p>
+                      <a:pPr marL="0" marR="0" lvl="1" indent="0" algn="l" defTabSz="914400" rtl="0" eaLnBrk="1" fontAlgn="auto" latinLnBrk="0" hangingPunct="1">
+                        <a:lnSpc>
+                          <a:spcPct val="100000"/>
+                        </a:lnSpc>
+                        <a:spcBef>
+                          <a:spcPts val="0"/>
+                        </a:spcBef>
+                        <a:spcAft>
+                          <a:spcPts val="0"/>
+                        </a:spcAft>
+                        <a:buClrTx/>
+                        <a:buSzTx/>
+                        <a:buFontTx/>
+                        <a:buNone/>
+                        <a:tabLst/>
+                        <a:defRPr/>
+                      </a:pPr>
+                      <a:r>
+                        <a:rPr lang="ru-RU" b="1" i="0" dirty="0" smtClean="0"/>
+                        <a:t>Анализ</a:t>
+                      </a:r>
+                      <a:r>
+                        <a:rPr lang="ru-RU" b="1" i="0" baseline="0" dirty="0" smtClean="0"/>
+                        <a:t> шаблонов </a:t>
+                      </a:r>
+                      <a:r>
+                        <a:rPr lang="ru-RU" i="0" baseline="0" dirty="0" smtClean="0"/>
+                        <a:t>- </a:t>
+                      </a:r>
+                      <a:r>
+                        <a:rPr lang="ru-RU" i="0" dirty="0" smtClean="0"/>
+                        <a:t>анализ текстов на основе словарей и регулярных выражений</a:t>
+                      </a:r>
+                    </a:p>
+                    <a:p>
+                      <a:endParaRPr lang="en-US" i="0" dirty="0"/>
+                    </a:p>
+                  </a:txBody>
+                  <a:tcPr/>
+                </a:tc>
+                <a:tc>
+                  <a:txBody>
+                    <a:bodyPr/>
+                    <a:lstStyle/>
+                    <a:p>
+                      <a:r>
+                        <a:rPr lang="ru-RU" sz="1800" i="0" kern="1200" dirty="0" smtClean="0">
+                          <a:solidFill>
+                            <a:schemeClr val="dk1"/>
+                          </a:solidFill>
+                          <a:effectLst/>
+                          <a:latin typeface="+mn-lt"/>
+                          <a:ea typeface="+mn-ea"/>
+                          <a:cs typeface="+mn-cs"/>
+                        </a:rPr>
+                        <a:t>Эффективность детектирования формализованных данных</a:t>
+                      </a:r>
+                      <a:endParaRPr lang="en-US" i="0" dirty="0"/>
+                    </a:p>
+                  </a:txBody>
+                  <a:tcPr/>
+                </a:tc>
+                <a:tc>
+                  <a:txBody>
+                    <a:bodyPr/>
+                    <a:lstStyle/>
+                    <a:p>
+                      <a:r>
+                        <a:rPr lang="ru-RU" sz="1800" i="0" kern="1200" dirty="0" smtClean="0">
+                          <a:solidFill>
+                            <a:schemeClr val="dk1"/>
+                          </a:solidFill>
+                          <a:effectLst/>
+                          <a:latin typeface="+mn-lt"/>
+                          <a:ea typeface="+mn-ea"/>
+                          <a:cs typeface="+mn-cs"/>
+                        </a:rPr>
+                        <a:t>Не применим для детектирования неформализованных данных</a:t>
+                      </a:r>
+                      <a:endParaRPr lang="en-US" i="0" dirty="0"/>
+                    </a:p>
+                  </a:txBody>
+                  <a:tcPr/>
+                </a:tc>
+              </a:tr>
+              <a:tr h="1930400">
+                <a:tc>
+                  <a:txBody>
+                    <a:bodyPr/>
+                    <a:lstStyle/>
+                    <a:p>
+                      <a:r>
+                        <a:rPr lang="ru-RU" b="1" i="0" dirty="0" smtClean="0"/>
+                        <a:t>Машинное обучение </a:t>
+                      </a:r>
+                      <a:r>
+                        <a:rPr lang="ru-RU" i="0" dirty="0" smtClean="0"/>
+                        <a:t>– построение на основе обучающего набора статистической модели</a:t>
+                      </a:r>
+                      <a:endParaRPr lang="en-US" i="0" dirty="0"/>
+                    </a:p>
+                  </a:txBody>
+                  <a:tcPr/>
+                </a:tc>
+                <a:tc>
+                  <a:txBody>
+                    <a:bodyPr/>
+                    <a:lstStyle/>
+                    <a:p>
+                      <a:r>
+                        <a:rPr lang="ru-RU" sz="1800" i="0" kern="1200" dirty="0" smtClean="0">
+                          <a:solidFill>
+                            <a:schemeClr val="dk1"/>
+                          </a:solidFill>
+                          <a:effectLst/>
+                          <a:latin typeface="+mn-lt"/>
+                          <a:ea typeface="+mn-ea"/>
+                          <a:cs typeface="+mn-cs"/>
+                        </a:rPr>
+                        <a:t>Работают напрямую с содержимым документов</a:t>
+                      </a:r>
+                    </a:p>
+                    <a:p>
+                      <a:r>
+                        <a:rPr lang="ru-RU" sz="1800" i="0" kern="1200" dirty="0" smtClean="0">
+                          <a:solidFill>
+                            <a:schemeClr val="dk1"/>
+                          </a:solidFill>
+                          <a:effectLst/>
+                          <a:latin typeface="+mn-lt"/>
+                          <a:ea typeface="+mn-ea"/>
+                          <a:cs typeface="+mn-cs"/>
+                        </a:rPr>
+                        <a:t>Обучаемость</a:t>
+                      </a:r>
+                    </a:p>
+                    <a:p>
+                      <a:r>
+                        <a:rPr lang="ru-RU" sz="1800" i="0" kern="1200" dirty="0" smtClean="0">
+                          <a:solidFill>
+                            <a:schemeClr val="dk1"/>
+                          </a:solidFill>
+                          <a:effectLst/>
+                          <a:latin typeface="+mn-lt"/>
+                          <a:ea typeface="+mn-ea"/>
+                          <a:cs typeface="+mn-cs"/>
+                        </a:rPr>
+                        <a:t>Возможность обобщения</a:t>
+                      </a:r>
+                      <a:endParaRPr lang="en-US" i="0" dirty="0"/>
+                    </a:p>
+                  </a:txBody>
+                  <a:tcPr/>
+                </a:tc>
+                <a:tc>
+                  <a:txBody>
+                    <a:bodyPr/>
+                    <a:lstStyle/>
+                    <a:p>
+                      <a:r>
+                        <a:rPr lang="ru-RU" sz="1800" i="0" kern="1200" dirty="0" smtClean="0">
+                          <a:solidFill>
+                            <a:schemeClr val="dk1"/>
+                          </a:solidFill>
+                          <a:effectLst/>
+                          <a:latin typeface="+mn-lt"/>
+                          <a:ea typeface="+mn-ea"/>
+                          <a:cs typeface="+mn-cs"/>
+                        </a:rPr>
+                        <a:t>Требуется формирование обучающего набора</a:t>
+                      </a:r>
+                    </a:p>
+                    <a:p>
+                      <a:r>
+                        <a:rPr lang="ru-RU" sz="1800" i="0" kern="1200" dirty="0" smtClean="0">
+                          <a:solidFill>
+                            <a:schemeClr val="dk1"/>
+                          </a:solidFill>
+                          <a:effectLst/>
+                          <a:latin typeface="+mn-lt"/>
+                          <a:ea typeface="+mn-ea"/>
+                          <a:cs typeface="+mn-cs"/>
+                        </a:rPr>
+                        <a:t>Возможность ложноотрицательных и ложноположительные срабатываний</a:t>
+                      </a:r>
+                    </a:p>
+                  </a:txBody>
+                  <a:tcPr/>
+                </a:tc>
+              </a:tr>
+            </a:tbl>
+          </a:graphicData>
+        </a:graphic>
+      </p:graphicFrame>
+    </p:spTree>
+    <p:extLst>
+      <p:ext uri="{BB962C8B-B14F-4D97-AF65-F5344CB8AC3E}">
+        <p14:creationId xmlns:p14="http://schemas.microsoft.com/office/powerpoint/2010/main" val="613559626"/>
+      </p:ext>
+    </p:extLst>
+  </p:cSld>
+  <p:clrMapOvr>
+    <a:masterClrMapping/>
+  </p:clrMapOvr>
+  <p:timing>
+    <p:tnLst>
+      <p:par>
+        <p:cTn id="1" dur="indefinite" restart="never" nodeType="tmRoot"/>
+      </p:par>
+    </p:tnLst>
+  </p:timing>
+</p:sld>
+</file>
+
+<file path=ppt/slides/slide5.xml><?xml version="1.0" encoding="utf-8"?>
+<p:sld xmlns:a="http://schemas.openxmlformats.org/drawingml/2006/main" xmlns:r="http://schemas.openxmlformats.org/officeDocument/2006/relationships" xmlns:p="http://schemas.openxmlformats.org/presentationml/2006/main">
+  <p:cSld>
+    <p:spTree>
+      <p:nvGrpSpPr>
+        <p:cNvPr id="1" name=""/>
+        <p:cNvGrpSpPr/>
+        <p:nvPr/>
+      </p:nvGrpSpPr>
+      <p:grpSpPr>
+        <a:xfrm>
+          <a:off x="0" y="0"/>
+          <a:ext cx="0" cy="0"/>
+          <a:chOff x="0" y="0"/>
+          <a:chExt cx="0" cy="0"/>
+        </a:xfrm>
+      </p:grpSpPr>
+      <p:sp>
+        <p:nvSpPr>
+          <p:cNvPr id="2" name="Заголовок 1"/>
+          <p:cNvSpPr>
+            <a:spLocks noGrp="1"/>
+          </p:cNvSpPr>
+          <p:nvPr>
+            <p:ph type="title"/>
+          </p:nvPr>
+        </p:nvSpPr>
+        <p:spPr/>
+        <p:txBody>
+          <a:bodyPr>
+            <a:normAutofit fontScale="90000"/>
+          </a:bodyPr>
+          <a:lstStyle/>
+          <a:p>
+            <a:r>
+              <a:rPr lang="ru-RU" dirty="0" smtClean="0"/>
+              <a:t>Специфика классификации веб-контента пользователей</a:t>
             </a:r>
             <a:endParaRPr lang="en-US" dirty="0"/>
           </a:p>
@@ -5733,126 +7850,1025 @@
         </p:nvSpPr>
         <p:spPr>
           <a:xfrm>
-            <a:off x="457200" y="1600201"/>
-            <a:ext cx="8229600" cy="1468759"/>
+            <a:off x="451292" y="1844824"/>
+            <a:ext cx="8229600" cy="1396751"/>
           </a:xfrm>
         </p:spPr>
         <p:txBody>
           <a:bodyPr>
-            <a:normAutofit fontScale="77500" lnSpcReduction="20000"/>
+            <a:noAutofit/>
           </a:bodyPr>
           <a:lstStyle/>
           <a:p>
             <a:r>
-              <a:rPr lang="ru-RU" dirty="0" smtClean="0"/>
-              <a:t>Исследование зависимости нагрузки ЦП от количества подключенных клиентов</a:t>
-            </a:r>
-            <a:r>
-              <a:rPr lang="en-US" dirty="0"/>
-              <a:t>	</a:t>
-            </a:r>
-            <a:endParaRPr lang="en-US" dirty="0" smtClean="0"/>
-          </a:p>
-          <a:p>
-            <a:pPr lvl="1">
-              <a:buFont typeface="Arial" pitchFamily="34" charset="0"/>
-              <a:buChar char="•"/>
-            </a:pPr>
-            <a:r>
-              <a:rPr lang="ru-RU" dirty="0">
-                <a:solidFill>
-                  <a:srgbClr val="FF0000"/>
-                </a:solidFill>
-              </a:rPr>
-              <a:t> </a:t>
-            </a:r>
-            <a:r>
-              <a:rPr lang="ru-RU" dirty="0" smtClean="0">
-                <a:solidFill>
-                  <a:srgbClr val="FF0000"/>
-                </a:solidFill>
-              </a:rPr>
-              <a:t>Количество клиентов</a:t>
-            </a:r>
-          </a:p>
-          <a:p>
-            <a:pPr lvl="1">
-              <a:buFont typeface="Arial" pitchFamily="34" charset="0"/>
-              <a:buChar char="•"/>
-            </a:pPr>
-            <a:r>
-              <a:rPr lang="ru-RU" dirty="0" smtClean="0">
-                <a:solidFill>
-                  <a:schemeClr val="accent3">
-                    <a:lumMod val="50000"/>
-                  </a:schemeClr>
-                </a:solidFill>
-              </a:rPr>
-              <a:t> Загрузка ЦП</a:t>
-            </a:r>
-          </a:p>
-          <a:p>
-            <a:pPr marL="457200" lvl="1" indent="0">
-              <a:buNone/>
-            </a:pPr>
-            <a:endParaRPr lang="en-US" dirty="0">
-              <a:solidFill>
-                <a:srgbClr val="FF0000"/>
-              </a:solidFill>
-            </a:endParaRPr>
-          </a:p>
-        </p:txBody>
-      </p:sp>
-      <p:pic>
-        <p:nvPicPr>
-          <p:cNvPr id="5" name="Рисунок 4" descr="C:\Users\admin\AppData\Local\Temp\ltm_graph1.png"/>
-          <p:cNvPicPr>
-            <a:picLocks noChangeAspect="1" noChangeArrowheads="1"/>
-          </p:cNvPicPr>
+              <a:rPr lang="ru-RU" sz="2200" dirty="0" smtClean="0"/>
+              <a:t>Состав и содержимое веб-страниц постоянно меняется</a:t>
+            </a:r>
+          </a:p>
+          <a:p>
+            <a:r>
+              <a:rPr lang="ru-RU" sz="2200" dirty="0" smtClean="0"/>
+              <a:t>Веб-страницы имеют многотемную природу</a:t>
+            </a:r>
+          </a:p>
+          <a:p>
+            <a:r>
+              <a:rPr lang="ru-RU" sz="2200" dirty="0" smtClean="0"/>
+              <a:t>Каждый пользователь является источником собираемой информации</a:t>
+            </a:r>
+            <a:endParaRPr lang="en-US" sz="2200" dirty="0"/>
+          </a:p>
+        </p:txBody>
+      </p:sp>
+      <p:sp>
+        <p:nvSpPr>
+          <p:cNvPr id="4" name="Объект 2"/>
+          <p:cNvSpPr txBox="1">
+            <a:spLocks/>
+          </p:cNvSpPr>
           <p:nvPr/>
-        </p:nvPicPr>
-        <p:blipFill>
-          <a:blip r:embed="rId2">
-            <a:extLst>
-              <a:ext uri="{BEBA8EAE-BF5A-486C-A8C5-ECC9F3942E4B}">
-                <a14:imgProps xmlns:a14="http://schemas.microsoft.com/office/drawing/2010/main">
-                  <a14:imgLayer r:embed="rId3">
-                    <a14:imgEffect>
-                      <a14:sharpenSoften amount="50000"/>
-                    </a14:imgEffect>
-                  </a14:imgLayer>
-                </a14:imgProps>
-              </a:ext>
-              <a:ext uri="{28A0092B-C50C-407E-A947-70E740481C1C}">
-                <a14:useLocalDpi xmlns:a14="http://schemas.microsoft.com/office/drawing/2010/main" val="0"/>
-              </a:ext>
-            </a:extLst>
-          </a:blip>
-          <a:srcRect/>
-          <a:stretch>
-            <a:fillRect/>
-          </a:stretch>
-        </p:blipFill>
-        <p:spPr bwMode="auto">
+        </p:nvSpPr>
+        <p:spPr>
           <a:xfrm>
-            <a:off x="609600" y="2996952"/>
-            <a:ext cx="7924800" cy="1978622"/>
+            <a:off x="457200" y="4069478"/>
+            <a:ext cx="8229600" cy="2056686"/>
           </a:xfrm>
           <a:prstGeom prst="rect">
             <a:avLst/>
           </a:prstGeom>
-          <a:noFill/>
-          <a:extLst>
-            <a:ext uri="{909E8E84-426E-40DD-AFC4-6F175D3DCCD1}">
-              <a14:hiddenFill xmlns:a14="http://schemas.microsoft.com/office/drawing/2010/main">
+        </p:spPr>
+        <p:txBody>
+          <a:bodyPr vert="horz" lIns="91440" tIns="45720" rIns="91440" bIns="45720" rtlCol="0">
+            <a:normAutofit fontScale="70000" lnSpcReduction="20000"/>
+          </a:bodyPr>
+          <a:lstStyle>
+            <a:lvl1pPr marL="342900" indent="-342900" algn="l" defTabSz="914400" rtl="0" eaLnBrk="1" latinLnBrk="0" hangingPunct="1">
+              <a:spcBef>
+                <a:spcPct val="20000"/>
+              </a:spcBef>
+              <a:buFont typeface="Arial" pitchFamily="34" charset="0"/>
+              <a:buChar char="•"/>
+              <a:defRPr sz="3200" kern="1200">
                 <a:solidFill>
-                  <a:srgbClr val="FFFFFF"/>
+                  <a:schemeClr val="tx1"/>
                 </a:solidFill>
-              </a14:hiddenFill>
-            </a:ext>
-          </a:extLst>
+                <a:latin typeface="+mn-lt"/>
+                <a:ea typeface="+mn-ea"/>
+                <a:cs typeface="+mn-cs"/>
+              </a:defRPr>
+            </a:lvl1pPr>
+            <a:lvl2pPr marL="742950" indent="-285750" algn="l" defTabSz="914400" rtl="0" eaLnBrk="1" latinLnBrk="0" hangingPunct="1">
+              <a:spcBef>
+                <a:spcPct val="20000"/>
+              </a:spcBef>
+              <a:buFont typeface="Arial" pitchFamily="34" charset="0"/>
+              <a:buChar char="–"/>
+              <a:defRPr sz="2800" kern="1200">
+                <a:solidFill>
+                  <a:schemeClr val="tx1"/>
+                </a:solidFill>
+                <a:latin typeface="+mn-lt"/>
+                <a:ea typeface="+mn-ea"/>
+                <a:cs typeface="+mn-cs"/>
+              </a:defRPr>
+            </a:lvl2pPr>
+            <a:lvl3pPr marL="1143000" indent="-228600" algn="l" defTabSz="914400" rtl="0" eaLnBrk="1" latinLnBrk="0" hangingPunct="1">
+              <a:spcBef>
+                <a:spcPct val="20000"/>
+              </a:spcBef>
+              <a:buFont typeface="Arial" pitchFamily="34" charset="0"/>
+              <a:buChar char="•"/>
+              <a:defRPr sz="2400" kern="1200">
+                <a:solidFill>
+                  <a:schemeClr val="tx1"/>
+                </a:solidFill>
+                <a:latin typeface="+mn-lt"/>
+                <a:ea typeface="+mn-ea"/>
+                <a:cs typeface="+mn-cs"/>
+              </a:defRPr>
+            </a:lvl3pPr>
+            <a:lvl4pPr marL="1600200" indent="-228600" algn="l" defTabSz="914400" rtl="0" eaLnBrk="1" latinLnBrk="0" hangingPunct="1">
+              <a:spcBef>
+                <a:spcPct val="20000"/>
+              </a:spcBef>
+              <a:buFont typeface="Arial" pitchFamily="34" charset="0"/>
+              <a:buChar char="–"/>
+              <a:defRPr sz="2000" kern="1200">
+                <a:solidFill>
+                  <a:schemeClr val="tx1"/>
+                </a:solidFill>
+                <a:latin typeface="+mn-lt"/>
+                <a:ea typeface="+mn-ea"/>
+                <a:cs typeface="+mn-cs"/>
+              </a:defRPr>
+            </a:lvl4pPr>
+            <a:lvl5pPr marL="2057400" indent="-228600" algn="l" defTabSz="914400" rtl="0" eaLnBrk="1" latinLnBrk="0" hangingPunct="1">
+              <a:spcBef>
+                <a:spcPct val="20000"/>
+              </a:spcBef>
+              <a:buFont typeface="Arial" pitchFamily="34" charset="0"/>
+              <a:buChar char="»"/>
+              <a:defRPr sz="2000" kern="1200">
+                <a:solidFill>
+                  <a:schemeClr val="tx1"/>
+                </a:solidFill>
+                <a:latin typeface="+mn-lt"/>
+                <a:ea typeface="+mn-ea"/>
+                <a:cs typeface="+mn-cs"/>
+              </a:defRPr>
+            </a:lvl5pPr>
+            <a:lvl6pPr marL="2514600" indent="-228600" algn="l" defTabSz="914400" rtl="0" eaLnBrk="1" latinLnBrk="0" hangingPunct="1">
+              <a:spcBef>
+                <a:spcPct val="20000"/>
+              </a:spcBef>
+              <a:buFont typeface="Arial" pitchFamily="34" charset="0"/>
+              <a:buChar char="•"/>
+              <a:defRPr sz="2000" kern="1200">
+                <a:solidFill>
+                  <a:schemeClr val="tx1"/>
+                </a:solidFill>
+                <a:latin typeface="+mn-lt"/>
+                <a:ea typeface="+mn-ea"/>
+                <a:cs typeface="+mn-cs"/>
+              </a:defRPr>
+            </a:lvl6pPr>
+            <a:lvl7pPr marL="2971800" indent="-228600" algn="l" defTabSz="914400" rtl="0" eaLnBrk="1" latinLnBrk="0" hangingPunct="1">
+              <a:spcBef>
+                <a:spcPct val="20000"/>
+              </a:spcBef>
+              <a:buFont typeface="Arial" pitchFamily="34" charset="0"/>
+              <a:buChar char="•"/>
+              <a:defRPr sz="2000" kern="1200">
+                <a:solidFill>
+                  <a:schemeClr val="tx1"/>
+                </a:solidFill>
+                <a:latin typeface="+mn-lt"/>
+                <a:ea typeface="+mn-ea"/>
+                <a:cs typeface="+mn-cs"/>
+              </a:defRPr>
+            </a:lvl7pPr>
+            <a:lvl8pPr marL="3429000" indent="-228600" algn="l" defTabSz="914400" rtl="0" eaLnBrk="1" latinLnBrk="0" hangingPunct="1">
+              <a:spcBef>
+                <a:spcPct val="20000"/>
+              </a:spcBef>
+              <a:buFont typeface="Arial" pitchFamily="34" charset="0"/>
+              <a:buChar char="•"/>
+              <a:defRPr sz="2000" kern="1200">
+                <a:solidFill>
+                  <a:schemeClr val="tx1"/>
+                </a:solidFill>
+                <a:latin typeface="+mn-lt"/>
+                <a:ea typeface="+mn-ea"/>
+                <a:cs typeface="+mn-cs"/>
+              </a:defRPr>
+            </a:lvl8pPr>
+            <a:lvl9pPr marL="3886200" indent="-228600" algn="l" defTabSz="914400" rtl="0" eaLnBrk="1" latinLnBrk="0" hangingPunct="1">
+              <a:spcBef>
+                <a:spcPct val="20000"/>
+              </a:spcBef>
+              <a:buFont typeface="Arial" pitchFamily="34" charset="0"/>
+              <a:buChar char="•"/>
+              <a:defRPr sz="2000" kern="1200">
+                <a:solidFill>
+                  <a:schemeClr val="tx1"/>
+                </a:solidFill>
+                <a:latin typeface="+mn-lt"/>
+                <a:ea typeface="+mn-ea"/>
+                <a:cs typeface="+mn-cs"/>
+              </a:defRPr>
+            </a:lvl9pPr>
+          </a:lstStyle>
+          <a:p>
+            <a:r>
+              <a:rPr lang="ru-RU" dirty="0" smtClean="0"/>
+              <a:t>Для классификации следует использовать методы машинного обучения с возможностью дообучения</a:t>
+            </a:r>
+          </a:p>
+          <a:p>
+            <a:r>
+              <a:rPr lang="ru-RU" dirty="0" smtClean="0"/>
+              <a:t>Для анализа необходимо решать задачу </a:t>
+            </a:r>
+            <a:r>
+              <a:rPr lang="ru-RU" i="1" dirty="0" smtClean="0"/>
+              <a:t>многотемной</a:t>
+            </a:r>
+            <a:r>
+              <a:rPr lang="ru-RU" dirty="0" smtClean="0"/>
+              <a:t> классификации </a:t>
+            </a:r>
+          </a:p>
+          <a:p>
+            <a:r>
+              <a:rPr lang="ru-RU" dirty="0" smtClean="0"/>
+              <a:t>Агенты сбора, установленные на пользовательских машинах не должны влиять на работу пользователя</a:t>
+            </a:r>
+          </a:p>
+          <a:p>
+            <a:endParaRPr lang="ru-RU" dirty="0" smtClean="0"/>
+          </a:p>
+          <a:p>
+            <a:endParaRPr lang="en-US" dirty="0"/>
+          </a:p>
+        </p:txBody>
+      </p:sp>
+      <p:sp>
+        <p:nvSpPr>
+          <p:cNvPr id="5" name="Стрелка вниз 4"/>
+          <p:cNvSpPr/>
+          <p:nvPr/>
+        </p:nvSpPr>
+        <p:spPr>
+          <a:xfrm>
+            <a:off x="3995936" y="3284984"/>
+            <a:ext cx="576064" cy="648072"/>
+          </a:xfrm>
+          <a:prstGeom prst="downArrow">
+            <a:avLst/>
+          </a:prstGeom>
+          <a:solidFill>
+            <a:schemeClr val="accent1">
+              <a:alpha val="10000"/>
+            </a:schemeClr>
+          </a:solidFill>
         </p:spPr>
-      </p:pic>
+        <p:style>
+          <a:lnRef idx="2">
+            <a:schemeClr val="accent1">
+              <a:shade val="50000"/>
+            </a:schemeClr>
+          </a:lnRef>
+          <a:fillRef idx="1">
+            <a:schemeClr val="accent1"/>
+          </a:fillRef>
+          <a:effectRef idx="0">
+            <a:schemeClr val="accent1"/>
+          </a:effectRef>
+          <a:fontRef idx="minor">
+            <a:schemeClr val="lt1"/>
+          </a:fontRef>
+        </p:style>
+        <p:txBody>
+          <a:bodyPr rtlCol="0" anchor="ctr"/>
+          <a:lstStyle/>
+          <a:p>
+            <a:pPr algn="ctr"/>
+            <a:endParaRPr lang="en-US" dirty="0"/>
+          </a:p>
+        </p:txBody>
+      </p:sp>
+    </p:spTree>
+    <p:extLst>
+      <p:ext uri="{BB962C8B-B14F-4D97-AF65-F5344CB8AC3E}">
+        <p14:creationId xmlns:p14="http://schemas.microsoft.com/office/powerpoint/2010/main" val="3490027475"/>
+      </p:ext>
+    </p:extLst>
+  </p:cSld>
+  <p:clrMapOvr>
+    <a:masterClrMapping/>
+  </p:clrMapOvr>
+  <p:timing>
+    <p:tnLst>
+      <p:par>
+        <p:cTn id="1" dur="indefinite" restart="never" nodeType="tmRoot"/>
+      </p:par>
+    </p:tnLst>
+  </p:timing>
+</p:sld>
+</file>
+
+<file path=ppt/slides/slide6.xml><?xml version="1.0" encoding="utf-8"?>
+<p:sld xmlns:a="http://schemas.openxmlformats.org/drawingml/2006/main" xmlns:r="http://schemas.openxmlformats.org/officeDocument/2006/relationships" xmlns:p="http://schemas.openxmlformats.org/presentationml/2006/main">
+  <p:cSld>
+    <p:spTree>
+      <p:nvGrpSpPr>
+        <p:cNvPr id="1" name=""/>
+        <p:cNvGrpSpPr/>
+        <p:nvPr/>
+      </p:nvGrpSpPr>
+      <p:grpSpPr>
+        <a:xfrm>
+          <a:off x="0" y="0"/>
+          <a:ext cx="0" cy="0"/>
+          <a:chOff x="0" y="0"/>
+          <a:chExt cx="0" cy="0"/>
+        </a:xfrm>
+      </p:grpSpPr>
+      <p:sp>
+        <p:nvSpPr>
+          <p:cNvPr id="2" name="Заголовок 1"/>
+          <p:cNvSpPr>
+            <a:spLocks noGrp="1"/>
+          </p:cNvSpPr>
+          <p:nvPr>
+            <p:ph type="title"/>
+          </p:nvPr>
+        </p:nvSpPr>
+        <p:spPr/>
+        <p:txBody>
+          <a:bodyPr>
+            <a:normAutofit/>
+          </a:bodyPr>
+          <a:lstStyle/>
+          <a:p>
+            <a:r>
+              <a:rPr lang="ru-RU" dirty="0" smtClean="0"/>
+              <a:t>Постановка задачи	</a:t>
+            </a:r>
+            <a:endParaRPr lang="en-US" dirty="0"/>
+          </a:p>
+        </p:txBody>
+      </p:sp>
+      <p:sp>
+        <p:nvSpPr>
+          <p:cNvPr id="3" name="Объект 2"/>
+          <p:cNvSpPr>
+            <a:spLocks noGrp="1"/>
+          </p:cNvSpPr>
+          <p:nvPr>
+            <p:ph idx="1"/>
+          </p:nvPr>
+        </p:nvSpPr>
+        <p:spPr/>
+        <p:txBody>
+          <a:bodyPr>
+            <a:normAutofit fontScale="70000" lnSpcReduction="20000"/>
+          </a:bodyPr>
+          <a:lstStyle/>
+          <a:p>
+            <a:r>
+              <a:rPr lang="ru-RU" dirty="0" smtClean="0"/>
+              <a:t>Разработать архитектуру и реализовать прототип системы сбора и </a:t>
+            </a:r>
+            <a:r>
+              <a:rPr lang="ru-RU" i="1" dirty="0" smtClean="0"/>
+              <a:t>многотемной</a:t>
+            </a:r>
+            <a:r>
+              <a:rPr lang="ru-RU" dirty="0" smtClean="0"/>
+              <a:t> классификации текстовых веб-данных пользователя в соответствии  с требованиями</a:t>
+            </a:r>
+          </a:p>
+          <a:p>
+            <a:r>
+              <a:rPr lang="ru-RU" dirty="0" smtClean="0"/>
+              <a:t>Модуль сбора должен обеспечивать</a:t>
+            </a:r>
+          </a:p>
+          <a:p>
+            <a:pPr lvl="1"/>
+            <a:r>
+              <a:rPr lang="ru-RU" dirty="0" smtClean="0"/>
+              <a:t>Масштабируемость (линейный рост </a:t>
+            </a:r>
+            <a:r>
+              <a:rPr lang="ru-RU" dirty="0"/>
+              <a:t>расхода ресурсов </a:t>
+            </a:r>
+            <a:r>
+              <a:rPr lang="ru-RU" dirty="0" smtClean="0"/>
+              <a:t>при росте </a:t>
+            </a:r>
+            <a:r>
+              <a:rPr lang="ru-RU" dirty="0"/>
+              <a:t>числа подключений</a:t>
+            </a:r>
+            <a:r>
+              <a:rPr lang="ru-RU" dirty="0" smtClean="0"/>
+              <a:t>)</a:t>
+            </a:r>
+            <a:endParaRPr lang="ru-RU" dirty="0"/>
+          </a:p>
+          <a:p>
+            <a:pPr lvl="1"/>
+            <a:r>
+              <a:rPr lang="ru-RU" dirty="0" smtClean="0"/>
+              <a:t>Защищенность (пользователь не должен иметь возможности фальсифицировать данные)</a:t>
+            </a:r>
+            <a:endParaRPr lang="en-US" dirty="0" smtClean="0"/>
+          </a:p>
+          <a:p>
+            <a:pPr lvl="1"/>
+            <a:r>
+              <a:rPr lang="ru-RU" dirty="0" smtClean="0"/>
+              <a:t>Функционирование под ОС </a:t>
+            </a:r>
+            <a:r>
+              <a:rPr lang="en-US" dirty="0" smtClean="0"/>
+              <a:t>Windows </a:t>
+            </a:r>
+            <a:r>
+              <a:rPr lang="ru-RU" dirty="0" smtClean="0"/>
+              <a:t>и браузером </a:t>
+            </a:r>
+            <a:r>
+              <a:rPr lang="en-US" dirty="0" smtClean="0"/>
+              <a:t>IE </a:t>
+            </a:r>
+            <a:endParaRPr lang="ru-RU" dirty="0"/>
+          </a:p>
+          <a:p>
+            <a:r>
+              <a:rPr lang="ru-RU" dirty="0" smtClean="0"/>
+              <a:t>Модуль классификации должен обеспечивать</a:t>
+            </a:r>
+          </a:p>
+          <a:p>
+            <a:pPr lvl="1"/>
+            <a:r>
+              <a:rPr lang="ru-RU" dirty="0" smtClean="0"/>
+              <a:t>Многотемную классификацию на основе машинного обучения с возможностью дообучения</a:t>
+            </a:r>
+          </a:p>
+          <a:p>
+            <a:pPr lvl="1"/>
+            <a:r>
+              <a:rPr lang="ru-RU" dirty="0" smtClean="0"/>
+              <a:t>Возможность добавления и удаления тематик</a:t>
+            </a:r>
+          </a:p>
+        </p:txBody>
+      </p:sp>
+    </p:spTree>
+    <p:extLst>
+      <p:ext uri="{BB962C8B-B14F-4D97-AF65-F5344CB8AC3E}">
+        <p14:creationId xmlns:p14="http://schemas.microsoft.com/office/powerpoint/2010/main" val="169311102"/>
+      </p:ext>
+    </p:extLst>
+  </p:cSld>
+  <p:clrMapOvr>
+    <a:masterClrMapping/>
+  </p:clrMapOvr>
+  <p:timing>
+    <p:tnLst>
+      <p:par>
+        <p:cTn id="1" dur="indefinite" restart="never" nodeType="tmRoot"/>
+      </p:par>
+    </p:tnLst>
+  </p:timing>
+</p:sld>
+</file>
+
+<file path=ppt/slides/slide7.xml><?xml version="1.0" encoding="utf-8"?>
+<p:sld xmlns:a="http://schemas.openxmlformats.org/drawingml/2006/main" xmlns:r="http://schemas.openxmlformats.org/officeDocument/2006/relationships" xmlns:p="http://schemas.openxmlformats.org/presentationml/2006/main">
+  <p:cSld>
+    <p:spTree>
+      <p:nvGrpSpPr>
+        <p:cNvPr id="1" name=""/>
+        <p:cNvGrpSpPr/>
+        <p:nvPr/>
+      </p:nvGrpSpPr>
+      <p:grpSpPr>
+        <a:xfrm>
+          <a:off x="0" y="0"/>
+          <a:ext cx="0" cy="0"/>
+          <a:chOff x="0" y="0"/>
+          <a:chExt cx="0" cy="0"/>
+        </a:xfrm>
+      </p:grpSpPr>
+      <p:sp>
+        <p:nvSpPr>
+          <p:cNvPr id="2" name="Заголовок 1"/>
+          <p:cNvSpPr>
+            <a:spLocks noGrp="1"/>
+          </p:cNvSpPr>
+          <p:nvPr>
+            <p:ph type="title"/>
+          </p:nvPr>
+        </p:nvSpPr>
+        <p:spPr/>
+        <p:txBody>
+          <a:bodyPr>
+            <a:normAutofit fontScale="90000"/>
+          </a:bodyPr>
+          <a:lstStyle/>
+          <a:p>
+            <a:r>
+              <a:rPr lang="ru-RU" dirty="0" smtClean="0"/>
+              <a:t>Обзор средств реализации модуля сбора</a:t>
+            </a:r>
+            <a:endParaRPr lang="en-US" dirty="0"/>
+          </a:p>
+        </p:txBody>
+      </p:sp>
+      <p:sp>
+        <p:nvSpPr>
+          <p:cNvPr id="3" name="Объект 2"/>
+          <p:cNvSpPr>
+            <a:spLocks noGrp="1"/>
+          </p:cNvSpPr>
+          <p:nvPr>
+            <p:ph idx="1"/>
+          </p:nvPr>
+        </p:nvSpPr>
+        <p:spPr>
+          <a:xfrm>
+            <a:off x="539552" y="5949280"/>
+            <a:ext cx="8229600" cy="534888"/>
+          </a:xfrm>
+        </p:spPr>
+        <p:txBody>
+          <a:bodyPr>
+            <a:normAutofit fontScale="55000" lnSpcReduction="20000"/>
+          </a:bodyPr>
+          <a:lstStyle/>
+          <a:p>
+            <a:r>
+              <a:rPr lang="ru-RU" dirty="0" smtClean="0"/>
+              <a:t>Доступ к локальной ФС, не требующий подтверждения пользователя, имеет только </a:t>
+            </a:r>
+            <a:r>
+              <a:rPr lang="en-US" dirty="0" smtClean="0"/>
+              <a:t>BHO</a:t>
+            </a:r>
+            <a:endParaRPr lang="en-US" dirty="0"/>
+          </a:p>
+        </p:txBody>
+      </p:sp>
+      <p:graphicFrame>
+        <p:nvGraphicFramePr>
+          <p:cNvPr id="5" name="Объект 3"/>
+          <p:cNvGraphicFramePr>
+            <a:graphicFrameLocks/>
+          </p:cNvGraphicFramePr>
+          <p:nvPr>
+            <p:extLst>
+              <p:ext uri="{D42A27DB-BD31-4B8C-83A1-F6EECF244321}">
+                <p14:modId xmlns:p14="http://schemas.microsoft.com/office/powerpoint/2010/main" val="799231762"/>
+              </p:ext>
+            </p:extLst>
+          </p:nvPr>
+        </p:nvGraphicFramePr>
+        <p:xfrm>
+          <a:off x="395536" y="2048006"/>
+          <a:ext cx="8377809" cy="3657600"/>
+        </p:xfrm>
+        <a:graphic>
+          <a:graphicData uri="http://schemas.openxmlformats.org/drawingml/2006/table">
+            <a:tbl>
+              <a:tblPr firstRow="1" bandRow="1">
+                <a:tableStyleId>{5C22544A-7EE6-4342-B048-85BDC9FD1C3A}</a:tableStyleId>
+              </a:tblPr>
+              <a:tblGrid>
+                <a:gridCol w="1602710"/>
+                <a:gridCol w="1675562"/>
+                <a:gridCol w="1748413"/>
+                <a:gridCol w="1675562"/>
+                <a:gridCol w="1675562"/>
+              </a:tblGrid>
+              <a:tr h="385192">
+                <a:tc>
+                  <a:txBody>
+                    <a:bodyPr/>
+                    <a:lstStyle/>
+                    <a:p>
+                      <a:pPr algn="ctr"/>
+                      <a:endParaRPr lang="en-US" dirty="0"/>
+                    </a:p>
+                  </a:txBody>
+                  <a:tcPr/>
+                </a:tc>
+                <a:tc>
+                  <a:txBody>
+                    <a:bodyPr/>
+                    <a:lstStyle/>
+                    <a:p>
+                      <a:pPr algn="ctr"/>
+                      <a:r>
+                        <a:rPr lang="en-US" sz="2400" dirty="0" smtClean="0"/>
+                        <a:t>BHO*</a:t>
+                      </a:r>
+                      <a:endParaRPr lang="en-US" sz="2400" dirty="0"/>
+                    </a:p>
+                  </a:txBody>
+                  <a:tcPr/>
+                </a:tc>
+                <a:tc>
+                  <a:txBody>
+                    <a:bodyPr/>
+                    <a:lstStyle/>
+                    <a:p>
+                      <a:pPr algn="ctr"/>
+                      <a:r>
+                        <a:rPr lang="en-US" sz="2400" dirty="0" err="1" smtClean="0"/>
+                        <a:t>Crossrider</a:t>
+                      </a:r>
+                      <a:endParaRPr lang="en-US" sz="2400" dirty="0"/>
+                    </a:p>
+                  </a:txBody>
+                  <a:tcPr/>
+                </a:tc>
+                <a:tc>
+                  <a:txBody>
+                    <a:bodyPr/>
+                    <a:lstStyle/>
+                    <a:p>
+                      <a:pPr algn="ctr"/>
+                      <a:r>
+                        <a:rPr lang="en-US" sz="2400" dirty="0" err="1" smtClean="0"/>
+                        <a:t>Kynext</a:t>
+                      </a:r>
+                      <a:endParaRPr lang="en-US" sz="2400" dirty="0"/>
+                    </a:p>
+                  </a:txBody>
+                  <a:tcPr/>
+                </a:tc>
+                <a:tc>
+                  <a:txBody>
+                    <a:bodyPr/>
+                    <a:lstStyle/>
+                    <a:p>
+                      <a:pPr algn="ctr"/>
+                      <a:r>
+                        <a:rPr lang="en-US" sz="2400" dirty="0" err="1" smtClean="0"/>
+                        <a:t>WebMynd</a:t>
+                      </a:r>
+                      <a:endParaRPr lang="en-US" sz="2400" dirty="0"/>
+                    </a:p>
+                  </a:txBody>
+                  <a:tcPr/>
+                </a:tc>
+              </a:tr>
+              <a:tr h="539269">
+                <a:tc>
+                  <a:txBody>
+                    <a:bodyPr/>
+                    <a:lstStyle/>
+                    <a:p>
+                      <a:pPr algn="ctr"/>
+                      <a:r>
+                        <a:rPr lang="ru-RU" dirty="0" err="1" smtClean="0"/>
+                        <a:t>Кроссплатформеность</a:t>
+                      </a:r>
+                      <a:endParaRPr lang="en-US" dirty="0"/>
+                    </a:p>
+                  </a:txBody>
+                  <a:tcPr/>
+                </a:tc>
+                <a:tc>
+                  <a:txBody>
+                    <a:bodyPr/>
+                    <a:lstStyle/>
+                    <a:p>
+                      <a:pPr algn="ctr"/>
+                      <a:r>
+                        <a:rPr lang="ru-RU" sz="2400" dirty="0" smtClean="0"/>
+                        <a:t>-</a:t>
+                      </a:r>
+                      <a:r>
+                        <a:rPr lang="ru-RU" dirty="0" smtClean="0"/>
+                        <a:t> (только </a:t>
+                      </a:r>
+                      <a:r>
+                        <a:rPr lang="en-US" dirty="0" smtClean="0"/>
+                        <a:t>IE</a:t>
+                      </a:r>
+                      <a:r>
+                        <a:rPr lang="ru-RU" dirty="0" smtClean="0"/>
+                        <a:t>)</a:t>
+                      </a:r>
+                      <a:endParaRPr lang="en-US" dirty="0"/>
+                    </a:p>
+                  </a:txBody>
+                  <a:tcPr/>
+                </a:tc>
+                <a:tc>
+                  <a:txBody>
+                    <a:bodyPr/>
+                    <a:lstStyle/>
+                    <a:p>
+                      <a:pPr algn="ctr"/>
+                      <a:r>
+                        <a:rPr lang="en-US" sz="2400" dirty="0" smtClean="0"/>
+                        <a:t>+</a:t>
+                      </a:r>
+                      <a:endParaRPr lang="en-US" sz="2400" dirty="0"/>
+                    </a:p>
+                  </a:txBody>
+                  <a:tcPr/>
+                </a:tc>
+                <a:tc>
+                  <a:txBody>
+                    <a:bodyPr/>
+                    <a:lstStyle/>
+                    <a:p>
+                      <a:pPr algn="ctr"/>
+                      <a:r>
+                        <a:rPr lang="en-US" sz="2400" dirty="0" smtClean="0"/>
+                        <a:t>+</a:t>
+                      </a:r>
+                      <a:endParaRPr lang="en-US" sz="2400" dirty="0"/>
+                    </a:p>
+                  </a:txBody>
+                  <a:tcPr/>
+                </a:tc>
+                <a:tc>
+                  <a:txBody>
+                    <a:bodyPr/>
+                    <a:lstStyle/>
+                    <a:p>
+                      <a:pPr algn="ctr"/>
+                      <a:r>
+                        <a:rPr lang="en-US" sz="2400" dirty="0" smtClean="0"/>
+                        <a:t>+</a:t>
+                      </a:r>
+                      <a:endParaRPr lang="en-US" sz="2400" dirty="0"/>
+                    </a:p>
+                  </a:txBody>
+                  <a:tcPr/>
+                </a:tc>
+              </a:tr>
+              <a:tr h="385192">
+                <a:tc>
+                  <a:txBody>
+                    <a:bodyPr/>
+                    <a:lstStyle/>
+                    <a:p>
+                      <a:pPr algn="ctr"/>
+                      <a:r>
+                        <a:rPr lang="ru-RU" dirty="0" smtClean="0"/>
+                        <a:t>Бесплатность</a:t>
+                      </a:r>
+                      <a:endParaRPr lang="en-US" dirty="0"/>
+                    </a:p>
+                  </a:txBody>
+                  <a:tcPr/>
+                </a:tc>
+                <a:tc>
+                  <a:txBody>
+                    <a:bodyPr/>
+                    <a:lstStyle/>
+                    <a:p>
+                      <a:pPr algn="ctr"/>
+                      <a:r>
+                        <a:rPr lang="ru-RU" sz="2400" dirty="0" smtClean="0"/>
+                        <a:t>+</a:t>
+                      </a:r>
+                      <a:endParaRPr lang="en-US" sz="2400" dirty="0"/>
+                    </a:p>
+                  </a:txBody>
+                  <a:tcPr/>
+                </a:tc>
+                <a:tc>
+                  <a:txBody>
+                    <a:bodyPr/>
+                    <a:lstStyle/>
+                    <a:p>
+                      <a:pPr algn="ctr"/>
+                      <a:r>
+                        <a:rPr lang="ru-RU" sz="2400" dirty="0" smtClean="0"/>
+                        <a:t>+</a:t>
+                      </a:r>
+                      <a:endParaRPr lang="en-US" sz="2400" dirty="0"/>
+                    </a:p>
+                  </a:txBody>
+                  <a:tcPr/>
+                </a:tc>
+                <a:tc>
+                  <a:txBody>
+                    <a:bodyPr/>
+                    <a:lstStyle/>
+                    <a:p>
+                      <a:pPr algn="ctr"/>
+                      <a:r>
+                        <a:rPr lang="ru-RU" sz="2400" dirty="0" smtClean="0"/>
+                        <a:t>+</a:t>
+                      </a:r>
+                      <a:endParaRPr lang="en-US" sz="2400" dirty="0"/>
+                    </a:p>
+                  </a:txBody>
+                  <a:tcPr/>
+                </a:tc>
+                <a:tc>
+                  <a:txBody>
+                    <a:bodyPr/>
+                    <a:lstStyle/>
+                    <a:p>
+                      <a:pPr algn="ctr"/>
+                      <a:r>
+                        <a:rPr lang="ru-RU" sz="2400" dirty="0" smtClean="0"/>
+                        <a:t>-</a:t>
+                      </a:r>
+                      <a:endParaRPr lang="en-US" sz="2400" dirty="0"/>
+                    </a:p>
+                  </a:txBody>
+                  <a:tcPr/>
+                </a:tc>
+              </a:tr>
+              <a:tr h="539269">
+                <a:tc>
+                  <a:txBody>
+                    <a:bodyPr/>
+                    <a:lstStyle/>
+                    <a:p>
+                      <a:pPr algn="ctr"/>
+                      <a:r>
+                        <a:rPr lang="ru-RU" dirty="0" smtClean="0"/>
+                        <a:t>Поддерживаемые</a:t>
+                      </a:r>
+                      <a:r>
+                        <a:rPr lang="ru-RU" baseline="0" dirty="0" smtClean="0"/>
+                        <a:t> языки</a:t>
+                      </a:r>
+                      <a:endParaRPr lang="en-US" dirty="0"/>
+                    </a:p>
+                  </a:txBody>
+                  <a:tcPr/>
+                </a:tc>
+                <a:tc>
+                  <a:txBody>
+                    <a:bodyPr/>
+                    <a:lstStyle/>
+                    <a:p>
+                      <a:pPr algn="ctr"/>
+                      <a:r>
+                        <a:rPr lang="en-US" dirty="0" smtClean="0"/>
+                        <a:t>C++, C#</a:t>
+                      </a:r>
+                      <a:endParaRPr lang="en-US" dirty="0"/>
+                    </a:p>
+                  </a:txBody>
+                  <a:tcPr/>
+                </a:tc>
+                <a:tc>
+                  <a:txBody>
+                    <a:bodyPr/>
+                    <a:lstStyle/>
+                    <a:p>
+                      <a:pPr algn="ctr"/>
+                      <a:r>
+                        <a:rPr lang="en-US" dirty="0" smtClean="0"/>
+                        <a:t>JavaScript</a:t>
+                      </a:r>
+                      <a:endParaRPr lang="en-US" dirty="0"/>
+                    </a:p>
+                  </a:txBody>
+                  <a:tcPr/>
+                </a:tc>
+                <a:tc>
+                  <a:txBody>
+                    <a:bodyPr/>
+                    <a:lstStyle/>
+                    <a:p>
+                      <a:pPr algn="ctr"/>
+                      <a:r>
+                        <a:rPr lang="en-US" dirty="0" err="1" smtClean="0"/>
+                        <a:t>Kynext</a:t>
+                      </a:r>
+                      <a:r>
+                        <a:rPr lang="en-US" dirty="0" smtClean="0"/>
+                        <a:t> Rules Language</a:t>
+                      </a:r>
+                      <a:endParaRPr lang="en-US" dirty="0"/>
+                    </a:p>
+                  </a:txBody>
+                  <a:tcPr/>
+                </a:tc>
+                <a:tc>
+                  <a:txBody>
+                    <a:bodyPr/>
+                    <a:lstStyle/>
+                    <a:p>
+                      <a:pPr algn="ctr"/>
+                      <a:r>
+                        <a:rPr lang="en-US" dirty="0" smtClean="0"/>
+                        <a:t>JavaScript</a:t>
+                      </a:r>
+                      <a:endParaRPr lang="en-US" dirty="0"/>
+                    </a:p>
+                  </a:txBody>
+                  <a:tcPr/>
+                </a:tc>
+              </a:tr>
+              <a:tr h="1232614">
+                <a:tc>
+                  <a:txBody>
+                    <a:bodyPr/>
+                    <a:lstStyle/>
+                    <a:p>
+                      <a:pPr algn="ctr"/>
+                      <a:r>
+                        <a:rPr lang="ru-RU" dirty="0" smtClean="0"/>
+                        <a:t>Возможность</a:t>
+                      </a:r>
+                      <a:r>
+                        <a:rPr lang="ru-RU" baseline="0" dirty="0" smtClean="0"/>
+                        <a:t> записи в локальную ФС</a:t>
+                      </a:r>
+                      <a:endParaRPr lang="en-US" dirty="0"/>
+                    </a:p>
+                  </a:txBody>
+                  <a:tcPr/>
+                </a:tc>
+                <a:tc>
+                  <a:txBody>
+                    <a:bodyPr/>
+                    <a:lstStyle/>
+                    <a:p>
+                      <a:pPr algn="ctr"/>
+                      <a:r>
+                        <a:rPr lang="ru-RU" sz="1800" dirty="0" smtClean="0"/>
+                        <a:t>Без</a:t>
+                      </a:r>
+                      <a:r>
+                        <a:rPr lang="ru-RU" sz="1800" baseline="0" dirty="0" smtClean="0"/>
+                        <a:t> подтверждения</a:t>
+                      </a:r>
+                      <a:endParaRPr lang="en-US" sz="1800" dirty="0"/>
+                    </a:p>
+                  </a:txBody>
+                  <a:tcPr/>
+                </a:tc>
+                <a:tc>
+                  <a:txBody>
+                    <a:bodyPr/>
+                    <a:lstStyle/>
+                    <a:p>
+                      <a:pPr algn="ctr"/>
+                      <a:r>
+                        <a:rPr lang="ru-RU" sz="1800" baseline="0" dirty="0" smtClean="0"/>
+                        <a:t>Требуется подтверждение пользователем</a:t>
+                      </a:r>
+                      <a:endParaRPr lang="en-US" sz="1800" dirty="0"/>
+                    </a:p>
+                  </a:txBody>
+                  <a:tcPr/>
+                </a:tc>
+                <a:tc>
+                  <a:txBody>
+                    <a:bodyPr/>
+                    <a:lstStyle/>
+                    <a:p>
+                      <a:pPr marL="0" marR="0" indent="0" algn="ctr" defTabSz="914400" rtl="0" eaLnBrk="1" fontAlgn="auto" latinLnBrk="0" hangingPunct="1">
+                        <a:lnSpc>
+                          <a:spcPct val="100000"/>
+                        </a:lnSpc>
+                        <a:spcBef>
+                          <a:spcPts val="0"/>
+                        </a:spcBef>
+                        <a:spcAft>
+                          <a:spcPts val="0"/>
+                        </a:spcAft>
+                        <a:buClrTx/>
+                        <a:buSzTx/>
+                        <a:buFontTx/>
+                        <a:buNone/>
+                        <a:tabLst/>
+                        <a:defRPr/>
+                      </a:pPr>
+                      <a:r>
+                        <a:rPr lang="ru-RU" sz="1800" baseline="0" dirty="0" smtClean="0"/>
+                        <a:t>Требуется подтверждение пользователем</a:t>
+                      </a:r>
+                      <a:endParaRPr lang="en-US" sz="1800" dirty="0" smtClean="0"/>
+                    </a:p>
+                    <a:p>
+                      <a:pPr algn="ctr"/>
+                      <a:endParaRPr lang="en-US" sz="1800" dirty="0"/>
+                    </a:p>
+                  </a:txBody>
+                  <a:tcPr/>
+                </a:tc>
+                <a:tc>
+                  <a:txBody>
+                    <a:bodyPr/>
+                    <a:lstStyle/>
+                    <a:p>
+                      <a:pPr marL="0" marR="0" indent="0" algn="ctr" defTabSz="914400" rtl="0" eaLnBrk="1" fontAlgn="auto" latinLnBrk="0" hangingPunct="1">
+                        <a:lnSpc>
+                          <a:spcPct val="100000"/>
+                        </a:lnSpc>
+                        <a:spcBef>
+                          <a:spcPts val="0"/>
+                        </a:spcBef>
+                        <a:spcAft>
+                          <a:spcPts val="0"/>
+                        </a:spcAft>
+                        <a:buClrTx/>
+                        <a:buSzTx/>
+                        <a:buFontTx/>
+                        <a:buNone/>
+                        <a:tabLst/>
+                        <a:defRPr/>
+                      </a:pPr>
+                      <a:r>
+                        <a:rPr lang="ru-RU" sz="1800" baseline="0" dirty="0" smtClean="0"/>
+                        <a:t>Требуется подтверждение пользователем</a:t>
+                      </a:r>
+                      <a:endParaRPr lang="en-US" sz="1800" dirty="0" smtClean="0"/>
+                    </a:p>
+                    <a:p>
+                      <a:pPr algn="ctr"/>
+                      <a:endParaRPr lang="en-US" sz="1800" dirty="0"/>
+                    </a:p>
+                  </a:txBody>
+                  <a:tcPr/>
+                </a:tc>
+              </a:tr>
+            </a:tbl>
+          </a:graphicData>
+        </a:graphic>
+      </p:graphicFrame>
       <p:sp>
         <p:nvSpPr>
           <p:cNvPr id="6" name="Объект 2"/>
@@ -5863,8 +8879,8 @@
         </p:nvSpPr>
         <p:spPr>
           <a:xfrm>
-            <a:off x="304800" y="5181601"/>
-            <a:ext cx="8229600" cy="1447799"/>
+            <a:off x="365650" y="1454653"/>
+            <a:ext cx="8229600" cy="678904"/>
           </a:xfrm>
           <a:prstGeom prst="rect">
             <a:avLst/>
@@ -6012,2502 +9028,6 @@
             </a:lvl9pPr>
           </a:lstStyle>
           <a:p>
-            <a:pPr marL="457200" lvl="1" indent="0">
-              <a:buFont typeface="Arial" pitchFamily="34" charset="0"/>
-              <a:buNone/>
-            </a:pPr>
-            <a:endParaRPr lang="en-US" dirty="0">
-              <a:solidFill>
-                <a:srgbClr val="FF0000"/>
-              </a:solidFill>
-            </a:endParaRPr>
-          </a:p>
-        </p:txBody>
-      </p:sp>
-      <p:sp>
-        <p:nvSpPr>
-          <p:cNvPr id="7" name="Объект 2"/>
-          <p:cNvSpPr txBox="1">
-            <a:spLocks/>
-          </p:cNvSpPr>
-          <p:nvPr/>
-        </p:nvSpPr>
-        <p:spPr>
-          <a:xfrm>
-            <a:off x="609600" y="4975575"/>
-            <a:ext cx="8229600" cy="929925"/>
-          </a:xfrm>
-          <a:prstGeom prst="rect">
-            <a:avLst/>
-          </a:prstGeom>
-        </p:spPr>
-        <p:txBody>
-          <a:bodyPr vert="horz" lIns="91440" tIns="45720" rIns="91440" bIns="45720" rtlCol="0">
-            <a:normAutofit fontScale="92500" lnSpcReduction="10000"/>
-          </a:bodyPr>
-          <a:lstStyle>
-            <a:lvl1pPr marL="342900" indent="-342900" algn="l" defTabSz="914400" rtl="0" eaLnBrk="1" latinLnBrk="0" hangingPunct="1">
-              <a:spcBef>
-                <a:spcPct val="20000"/>
-              </a:spcBef>
-              <a:buFont typeface="Arial" pitchFamily="34" charset="0"/>
-              <a:buChar char="•"/>
-              <a:defRPr sz="3200" kern="1200">
-                <a:solidFill>
-                  <a:schemeClr val="tx1"/>
-                </a:solidFill>
-                <a:latin typeface="+mn-lt"/>
-                <a:ea typeface="+mn-ea"/>
-                <a:cs typeface="+mn-cs"/>
-              </a:defRPr>
-            </a:lvl1pPr>
-            <a:lvl2pPr marL="742950" indent="-285750" algn="l" defTabSz="914400" rtl="0" eaLnBrk="1" latinLnBrk="0" hangingPunct="1">
-              <a:spcBef>
-                <a:spcPct val="20000"/>
-              </a:spcBef>
-              <a:buFont typeface="Arial" pitchFamily="34" charset="0"/>
-              <a:buChar char="–"/>
-              <a:defRPr sz="2800" kern="1200">
-                <a:solidFill>
-                  <a:schemeClr val="tx1"/>
-                </a:solidFill>
-                <a:latin typeface="+mn-lt"/>
-                <a:ea typeface="+mn-ea"/>
-                <a:cs typeface="+mn-cs"/>
-              </a:defRPr>
-            </a:lvl2pPr>
-            <a:lvl3pPr marL="1143000" indent="-228600" algn="l" defTabSz="914400" rtl="0" eaLnBrk="1" latinLnBrk="0" hangingPunct="1">
-              <a:spcBef>
-                <a:spcPct val="20000"/>
-              </a:spcBef>
-              <a:buFont typeface="Arial" pitchFamily="34" charset="0"/>
-              <a:buChar char="•"/>
-              <a:defRPr sz="2400" kern="1200">
-                <a:solidFill>
-                  <a:schemeClr val="tx1"/>
-                </a:solidFill>
-                <a:latin typeface="+mn-lt"/>
-                <a:ea typeface="+mn-ea"/>
-                <a:cs typeface="+mn-cs"/>
-              </a:defRPr>
-            </a:lvl3pPr>
-            <a:lvl4pPr marL="1600200" indent="-228600" algn="l" defTabSz="914400" rtl="0" eaLnBrk="1" latinLnBrk="0" hangingPunct="1">
-              <a:spcBef>
-                <a:spcPct val="20000"/>
-              </a:spcBef>
-              <a:buFont typeface="Arial" pitchFamily="34" charset="0"/>
-              <a:buChar char="–"/>
-              <a:defRPr sz="2000" kern="1200">
-                <a:solidFill>
-                  <a:schemeClr val="tx1"/>
-                </a:solidFill>
-                <a:latin typeface="+mn-lt"/>
-                <a:ea typeface="+mn-ea"/>
-                <a:cs typeface="+mn-cs"/>
-              </a:defRPr>
-            </a:lvl4pPr>
-            <a:lvl5pPr marL="2057400" indent="-228600" algn="l" defTabSz="914400" rtl="0" eaLnBrk="1" latinLnBrk="0" hangingPunct="1">
-              <a:spcBef>
-                <a:spcPct val="20000"/>
-              </a:spcBef>
-              <a:buFont typeface="Arial" pitchFamily="34" charset="0"/>
-              <a:buChar char="»"/>
-              <a:defRPr sz="2000" kern="1200">
-                <a:solidFill>
-                  <a:schemeClr val="tx1"/>
-                </a:solidFill>
-                <a:latin typeface="+mn-lt"/>
-                <a:ea typeface="+mn-ea"/>
-                <a:cs typeface="+mn-cs"/>
-              </a:defRPr>
-            </a:lvl5pPr>
-            <a:lvl6pPr marL="2514600" indent="-228600" algn="l" defTabSz="914400" rtl="0" eaLnBrk="1" latinLnBrk="0" hangingPunct="1">
-              <a:spcBef>
-                <a:spcPct val="20000"/>
-              </a:spcBef>
-              <a:buFont typeface="Arial" pitchFamily="34" charset="0"/>
-              <a:buChar char="•"/>
-              <a:defRPr sz="2000" kern="1200">
-                <a:solidFill>
-                  <a:schemeClr val="tx1"/>
-                </a:solidFill>
-                <a:latin typeface="+mn-lt"/>
-                <a:ea typeface="+mn-ea"/>
-                <a:cs typeface="+mn-cs"/>
-              </a:defRPr>
-            </a:lvl6pPr>
-            <a:lvl7pPr marL="2971800" indent="-228600" algn="l" defTabSz="914400" rtl="0" eaLnBrk="1" latinLnBrk="0" hangingPunct="1">
-              <a:spcBef>
-                <a:spcPct val="20000"/>
-              </a:spcBef>
-              <a:buFont typeface="Arial" pitchFamily="34" charset="0"/>
-              <a:buChar char="•"/>
-              <a:defRPr sz="2000" kern="1200">
-                <a:solidFill>
-                  <a:schemeClr val="tx1"/>
-                </a:solidFill>
-                <a:latin typeface="+mn-lt"/>
-                <a:ea typeface="+mn-ea"/>
-                <a:cs typeface="+mn-cs"/>
-              </a:defRPr>
-            </a:lvl7pPr>
-            <a:lvl8pPr marL="3429000" indent="-228600" algn="l" defTabSz="914400" rtl="0" eaLnBrk="1" latinLnBrk="0" hangingPunct="1">
-              <a:spcBef>
-                <a:spcPct val="20000"/>
-              </a:spcBef>
-              <a:buFont typeface="Arial" pitchFamily="34" charset="0"/>
-              <a:buChar char="•"/>
-              <a:defRPr sz="2000" kern="1200">
-                <a:solidFill>
-                  <a:schemeClr val="tx1"/>
-                </a:solidFill>
-                <a:latin typeface="+mn-lt"/>
-                <a:ea typeface="+mn-ea"/>
-                <a:cs typeface="+mn-cs"/>
-              </a:defRPr>
-            </a:lvl8pPr>
-            <a:lvl9pPr marL="3886200" indent="-228600" algn="l" defTabSz="914400" rtl="0" eaLnBrk="1" latinLnBrk="0" hangingPunct="1">
-              <a:spcBef>
-                <a:spcPct val="20000"/>
-              </a:spcBef>
-              <a:buFont typeface="Arial" pitchFamily="34" charset="0"/>
-              <a:buChar char="•"/>
-              <a:defRPr sz="2000" kern="1200">
-                <a:solidFill>
-                  <a:schemeClr val="tx1"/>
-                </a:solidFill>
-                <a:latin typeface="+mn-lt"/>
-                <a:ea typeface="+mn-ea"/>
-                <a:cs typeface="+mn-cs"/>
-              </a:defRPr>
-            </a:lvl9pPr>
-          </a:lstStyle>
-          <a:p>
-            <a:r>
-              <a:rPr lang="ru-RU" dirty="0"/>
-              <a:t>Рост загрузки ЦП от количества клиентов </a:t>
-            </a:r>
-            <a:r>
-              <a:rPr lang="ru-RU" dirty="0" smtClean="0"/>
-              <a:t>линейный</a:t>
-            </a:r>
-            <a:r>
-              <a:rPr lang="ru-RU" dirty="0"/>
-              <a:t>, что говорит о масштабируемости</a:t>
-            </a:r>
-          </a:p>
-        </p:txBody>
-      </p:sp>
-    </p:spTree>
-    <p:extLst>
-      <p:ext uri="{BB962C8B-B14F-4D97-AF65-F5344CB8AC3E}">
-        <p14:creationId xmlns:p14="http://schemas.microsoft.com/office/powerpoint/2010/main" val="1984146863"/>
-      </p:ext>
-    </p:extLst>
-  </p:cSld>
-  <p:clrMapOvr>
-    <a:masterClrMapping/>
-  </p:clrMapOvr>
-</p:sld>
-</file>
-
-<file path=ppt/slides/slide21.xml><?xml version="1.0" encoding="utf-8"?>
-<p:sld xmlns:a="http://schemas.openxmlformats.org/drawingml/2006/main" xmlns:r="http://schemas.openxmlformats.org/officeDocument/2006/relationships" xmlns:p="http://schemas.openxmlformats.org/presentationml/2006/main">
-  <p:cSld>
-    <p:spTree>
-      <p:nvGrpSpPr>
-        <p:cNvPr id="1" name=""/>
-        <p:cNvGrpSpPr/>
-        <p:nvPr/>
-      </p:nvGrpSpPr>
-      <p:grpSpPr>
-        <a:xfrm>
-          <a:off x="0" y="0"/>
-          <a:ext cx="0" cy="0"/>
-          <a:chOff x="0" y="0"/>
-          <a:chExt cx="0" cy="0"/>
-        </a:xfrm>
-      </p:grpSpPr>
-      <p:sp>
-        <p:nvSpPr>
-          <p:cNvPr id="2" name="Заголовок 1"/>
-          <p:cNvSpPr>
-            <a:spLocks noGrp="1"/>
-          </p:cNvSpPr>
-          <p:nvPr>
-            <p:ph type="title"/>
-          </p:nvPr>
-        </p:nvSpPr>
-        <p:spPr/>
-        <p:txBody>
-          <a:bodyPr>
-            <a:normAutofit fontScale="90000"/>
-          </a:bodyPr>
-          <a:lstStyle/>
-          <a:p>
-            <a:r>
-              <a:rPr lang="ru-RU" dirty="0"/>
-              <a:t>Экспериментальные исследования</a:t>
-            </a:r>
-            <a:endParaRPr lang="en-US" dirty="0"/>
-          </a:p>
-        </p:txBody>
-      </p:sp>
-      <p:sp>
-        <p:nvSpPr>
-          <p:cNvPr id="3" name="Объект 2"/>
-          <p:cNvSpPr>
-            <a:spLocks noGrp="1"/>
-          </p:cNvSpPr>
-          <p:nvPr>
-            <p:ph idx="1"/>
-          </p:nvPr>
-        </p:nvSpPr>
-        <p:spPr>
-          <a:xfrm>
-            <a:off x="457200" y="1600201"/>
-            <a:ext cx="8229600" cy="1252735"/>
-          </a:xfrm>
-        </p:spPr>
-        <p:txBody>
-          <a:bodyPr>
-            <a:normAutofit fontScale="70000" lnSpcReduction="20000"/>
-          </a:bodyPr>
-          <a:lstStyle/>
-          <a:p>
-            <a:r>
-              <a:rPr lang="ru-RU" dirty="0" smtClean="0"/>
-              <a:t>Исследование использовани</a:t>
-            </a:r>
-            <a:r>
-              <a:rPr lang="ru-RU" dirty="0"/>
-              <a:t>я</a:t>
-            </a:r>
-            <a:r>
-              <a:rPr lang="ru-RU" dirty="0" smtClean="0"/>
-              <a:t> оперативной памяти от количества клиентов</a:t>
-            </a:r>
-          </a:p>
-          <a:p>
-            <a:pPr lvl="1">
-              <a:buFont typeface="Arial" pitchFamily="34" charset="0"/>
-              <a:buChar char="•"/>
-            </a:pPr>
-            <a:r>
-              <a:rPr lang="ru-RU" dirty="0" smtClean="0">
-                <a:solidFill>
-                  <a:srgbClr val="0070C0"/>
-                </a:solidFill>
-              </a:rPr>
-              <a:t>Доступная память</a:t>
-            </a:r>
-          </a:p>
-          <a:p>
-            <a:pPr lvl="1">
-              <a:buFont typeface="Arial" pitchFamily="34" charset="0"/>
-              <a:buChar char="•"/>
-            </a:pPr>
-            <a:r>
-              <a:rPr lang="ru-RU" dirty="0" smtClean="0">
-                <a:solidFill>
-                  <a:srgbClr val="FF0000"/>
-                </a:solidFill>
-              </a:rPr>
-              <a:t>Количество пользователей</a:t>
-            </a:r>
-          </a:p>
-        </p:txBody>
-      </p:sp>
-      <p:pic>
-        <p:nvPicPr>
-          <p:cNvPr id="2050" name="Picture 2" descr="C:\Users\admin\AppData\Local\Temp\ltm_graph1.png"/>
-          <p:cNvPicPr>
-            <a:picLocks noChangeAspect="1" noChangeArrowheads="1"/>
-          </p:cNvPicPr>
-          <p:nvPr/>
-        </p:nvPicPr>
-        <p:blipFill>
-          <a:blip r:embed="rId2">
-            <a:extLst>
-              <a:ext uri="{BEBA8EAE-BF5A-486C-A8C5-ECC9F3942E4B}">
-                <a14:imgProps xmlns:a14="http://schemas.microsoft.com/office/drawing/2010/main">
-                  <a14:imgLayer r:embed="rId3">
-                    <a14:imgEffect>
-                      <a14:sharpenSoften amount="33000"/>
-                    </a14:imgEffect>
-                    <a14:imgEffect>
-                      <a14:brightnessContrast contrast="43000"/>
-                    </a14:imgEffect>
-                  </a14:imgLayer>
-                </a14:imgProps>
-              </a:ext>
-              <a:ext uri="{28A0092B-C50C-407E-A947-70E740481C1C}">
-                <a14:useLocalDpi xmlns:a14="http://schemas.microsoft.com/office/drawing/2010/main" val="0"/>
-              </a:ext>
-            </a:extLst>
-          </a:blip>
-          <a:srcRect/>
-          <a:stretch>
-            <a:fillRect/>
-          </a:stretch>
-        </p:blipFill>
-        <p:spPr bwMode="auto">
-          <a:xfrm>
-            <a:off x="179511" y="2924944"/>
-            <a:ext cx="8288181" cy="1774371"/>
-          </a:xfrm>
-          <a:prstGeom prst="rect">
-            <a:avLst/>
-          </a:prstGeom>
-          <a:noFill/>
-          <a:extLst>
-            <a:ext uri="{909E8E84-426E-40DD-AFC4-6F175D3DCCD1}">
-              <a14:hiddenFill xmlns:a14="http://schemas.microsoft.com/office/drawing/2010/main">
-                <a:solidFill>
-                  <a:srgbClr val="FFFFFF"/>
-                </a:solidFill>
-              </a14:hiddenFill>
-            </a:ext>
-          </a:extLst>
-        </p:spPr>
-      </p:pic>
-      <p:sp>
-        <p:nvSpPr>
-          <p:cNvPr id="7" name="Объект 2"/>
-          <p:cNvSpPr txBox="1">
-            <a:spLocks/>
-          </p:cNvSpPr>
-          <p:nvPr/>
-        </p:nvSpPr>
-        <p:spPr>
-          <a:xfrm>
-            <a:off x="609600" y="4941168"/>
-            <a:ext cx="8229600" cy="1033941"/>
-          </a:xfrm>
-          <a:prstGeom prst="rect">
-            <a:avLst/>
-          </a:prstGeom>
-        </p:spPr>
-        <p:txBody>
-          <a:bodyPr vert="horz" lIns="91440" tIns="45720" rIns="91440" bIns="45720" rtlCol="0">
-            <a:noAutofit/>
-          </a:bodyPr>
-          <a:lstStyle>
-            <a:lvl1pPr marL="342900" indent="-342900" algn="l" defTabSz="914400" rtl="0" eaLnBrk="1" latinLnBrk="0" hangingPunct="1">
-              <a:spcBef>
-                <a:spcPct val="20000"/>
-              </a:spcBef>
-              <a:buFont typeface="Arial" pitchFamily="34" charset="0"/>
-              <a:buChar char="•"/>
-              <a:defRPr sz="3200" kern="1200">
-                <a:solidFill>
-                  <a:schemeClr val="tx1"/>
-                </a:solidFill>
-                <a:latin typeface="+mn-lt"/>
-                <a:ea typeface="+mn-ea"/>
-                <a:cs typeface="+mn-cs"/>
-              </a:defRPr>
-            </a:lvl1pPr>
-            <a:lvl2pPr marL="742950" indent="-285750" algn="l" defTabSz="914400" rtl="0" eaLnBrk="1" latinLnBrk="0" hangingPunct="1">
-              <a:spcBef>
-                <a:spcPct val="20000"/>
-              </a:spcBef>
-              <a:buFont typeface="Arial" pitchFamily="34" charset="0"/>
-              <a:buChar char="–"/>
-              <a:defRPr sz="2800" kern="1200">
-                <a:solidFill>
-                  <a:schemeClr val="tx1"/>
-                </a:solidFill>
-                <a:latin typeface="+mn-lt"/>
-                <a:ea typeface="+mn-ea"/>
-                <a:cs typeface="+mn-cs"/>
-              </a:defRPr>
-            </a:lvl2pPr>
-            <a:lvl3pPr marL="1143000" indent="-228600" algn="l" defTabSz="914400" rtl="0" eaLnBrk="1" latinLnBrk="0" hangingPunct="1">
-              <a:spcBef>
-                <a:spcPct val="20000"/>
-              </a:spcBef>
-              <a:buFont typeface="Arial" pitchFamily="34" charset="0"/>
-              <a:buChar char="•"/>
-              <a:defRPr sz="2400" kern="1200">
-                <a:solidFill>
-                  <a:schemeClr val="tx1"/>
-                </a:solidFill>
-                <a:latin typeface="+mn-lt"/>
-                <a:ea typeface="+mn-ea"/>
-                <a:cs typeface="+mn-cs"/>
-              </a:defRPr>
-            </a:lvl3pPr>
-            <a:lvl4pPr marL="1600200" indent="-228600" algn="l" defTabSz="914400" rtl="0" eaLnBrk="1" latinLnBrk="0" hangingPunct="1">
-              <a:spcBef>
-                <a:spcPct val="20000"/>
-              </a:spcBef>
-              <a:buFont typeface="Arial" pitchFamily="34" charset="0"/>
-              <a:buChar char="–"/>
-              <a:defRPr sz="2000" kern="1200">
-                <a:solidFill>
-                  <a:schemeClr val="tx1"/>
-                </a:solidFill>
-                <a:latin typeface="+mn-lt"/>
-                <a:ea typeface="+mn-ea"/>
-                <a:cs typeface="+mn-cs"/>
-              </a:defRPr>
-            </a:lvl4pPr>
-            <a:lvl5pPr marL="2057400" indent="-228600" algn="l" defTabSz="914400" rtl="0" eaLnBrk="1" latinLnBrk="0" hangingPunct="1">
-              <a:spcBef>
-                <a:spcPct val="20000"/>
-              </a:spcBef>
-              <a:buFont typeface="Arial" pitchFamily="34" charset="0"/>
-              <a:buChar char="»"/>
-              <a:defRPr sz="2000" kern="1200">
-                <a:solidFill>
-                  <a:schemeClr val="tx1"/>
-                </a:solidFill>
-                <a:latin typeface="+mn-lt"/>
-                <a:ea typeface="+mn-ea"/>
-                <a:cs typeface="+mn-cs"/>
-              </a:defRPr>
-            </a:lvl5pPr>
-            <a:lvl6pPr marL="2514600" indent="-228600" algn="l" defTabSz="914400" rtl="0" eaLnBrk="1" latinLnBrk="0" hangingPunct="1">
-              <a:spcBef>
-                <a:spcPct val="20000"/>
-              </a:spcBef>
-              <a:buFont typeface="Arial" pitchFamily="34" charset="0"/>
-              <a:buChar char="•"/>
-              <a:defRPr sz="2000" kern="1200">
-                <a:solidFill>
-                  <a:schemeClr val="tx1"/>
-                </a:solidFill>
-                <a:latin typeface="+mn-lt"/>
-                <a:ea typeface="+mn-ea"/>
-                <a:cs typeface="+mn-cs"/>
-              </a:defRPr>
-            </a:lvl6pPr>
-            <a:lvl7pPr marL="2971800" indent="-228600" algn="l" defTabSz="914400" rtl="0" eaLnBrk="1" latinLnBrk="0" hangingPunct="1">
-              <a:spcBef>
-                <a:spcPct val="20000"/>
-              </a:spcBef>
-              <a:buFont typeface="Arial" pitchFamily="34" charset="0"/>
-              <a:buChar char="•"/>
-              <a:defRPr sz="2000" kern="1200">
-                <a:solidFill>
-                  <a:schemeClr val="tx1"/>
-                </a:solidFill>
-                <a:latin typeface="+mn-lt"/>
-                <a:ea typeface="+mn-ea"/>
-                <a:cs typeface="+mn-cs"/>
-              </a:defRPr>
-            </a:lvl7pPr>
-            <a:lvl8pPr marL="3429000" indent="-228600" algn="l" defTabSz="914400" rtl="0" eaLnBrk="1" latinLnBrk="0" hangingPunct="1">
-              <a:spcBef>
-                <a:spcPct val="20000"/>
-              </a:spcBef>
-              <a:buFont typeface="Arial" pitchFamily="34" charset="0"/>
-              <a:buChar char="•"/>
-              <a:defRPr sz="2000" kern="1200">
-                <a:solidFill>
-                  <a:schemeClr val="tx1"/>
-                </a:solidFill>
-                <a:latin typeface="+mn-lt"/>
-                <a:ea typeface="+mn-ea"/>
-                <a:cs typeface="+mn-cs"/>
-              </a:defRPr>
-            </a:lvl8pPr>
-            <a:lvl9pPr marL="3886200" indent="-228600" algn="l" defTabSz="914400" rtl="0" eaLnBrk="1" latinLnBrk="0" hangingPunct="1">
-              <a:spcBef>
-                <a:spcPct val="20000"/>
-              </a:spcBef>
-              <a:buFont typeface="Arial" pitchFamily="34" charset="0"/>
-              <a:buChar char="•"/>
-              <a:defRPr sz="2000" kern="1200">
-                <a:solidFill>
-                  <a:schemeClr val="tx1"/>
-                </a:solidFill>
-                <a:latin typeface="+mn-lt"/>
-                <a:ea typeface="+mn-ea"/>
-                <a:cs typeface="+mn-cs"/>
-              </a:defRPr>
-            </a:lvl9pPr>
-          </a:lstStyle>
-          <a:p>
-            <a:r>
-              <a:rPr lang="ru-RU" sz="2200" dirty="0"/>
-              <a:t>Уменьшение количества доступной памяти от числа пользователей </a:t>
-            </a:r>
-            <a:r>
-              <a:rPr lang="ru-RU" sz="2200" dirty="0" smtClean="0"/>
-              <a:t> линейно</a:t>
-            </a:r>
-            <a:r>
-              <a:rPr lang="ru-RU" sz="2200" dirty="0"/>
-              <a:t>, что говорит о масштабируемости</a:t>
-            </a:r>
-          </a:p>
-        </p:txBody>
-      </p:sp>
-    </p:spTree>
-    <p:extLst>
-      <p:ext uri="{BB962C8B-B14F-4D97-AF65-F5344CB8AC3E}">
-        <p14:creationId xmlns:p14="http://schemas.microsoft.com/office/powerpoint/2010/main" val="1282072879"/>
-      </p:ext>
-    </p:extLst>
-  </p:cSld>
-  <p:clrMapOvr>
-    <a:masterClrMapping/>
-  </p:clrMapOvr>
-</p:sld>
-</file>
-
-<file path=ppt/slides/slide22.xml><?xml version="1.0" encoding="utf-8"?>
-<p:sld xmlns:a="http://schemas.openxmlformats.org/drawingml/2006/main" xmlns:r="http://schemas.openxmlformats.org/officeDocument/2006/relationships" xmlns:p="http://schemas.openxmlformats.org/presentationml/2006/main">
-  <p:cSld>
-    <p:spTree>
-      <p:nvGrpSpPr>
-        <p:cNvPr id="1" name=""/>
-        <p:cNvGrpSpPr/>
-        <p:nvPr/>
-      </p:nvGrpSpPr>
-      <p:grpSpPr>
-        <a:xfrm>
-          <a:off x="0" y="0"/>
-          <a:ext cx="0" cy="0"/>
-          <a:chOff x="0" y="0"/>
-          <a:chExt cx="0" cy="0"/>
-        </a:xfrm>
-      </p:grpSpPr>
-      <p:sp>
-        <p:nvSpPr>
-          <p:cNvPr id="2" name="Заголовок 1"/>
-          <p:cNvSpPr>
-            <a:spLocks noGrp="1"/>
-          </p:cNvSpPr>
-          <p:nvPr>
-            <p:ph type="title"/>
-          </p:nvPr>
-        </p:nvSpPr>
-        <p:spPr/>
-        <p:txBody>
-          <a:bodyPr/>
-          <a:lstStyle/>
-          <a:p>
-            <a:r>
-              <a:rPr lang="ru-RU" dirty="0" smtClean="0"/>
-              <a:t>Заключение </a:t>
-            </a:r>
-            <a:endParaRPr lang="en-US" dirty="0"/>
-          </a:p>
-        </p:txBody>
-      </p:sp>
-      <p:sp>
-        <p:nvSpPr>
-          <p:cNvPr id="3" name="Объект 2"/>
-          <p:cNvSpPr>
-            <a:spLocks noGrp="1"/>
-          </p:cNvSpPr>
-          <p:nvPr>
-            <p:ph idx="1"/>
-          </p:nvPr>
-        </p:nvSpPr>
-        <p:spPr/>
-        <p:txBody>
-          <a:bodyPr>
-            <a:normAutofit fontScale="92500"/>
-          </a:bodyPr>
-          <a:lstStyle/>
-          <a:p>
-            <a:r>
-              <a:rPr lang="ru-RU" dirty="0" smtClean="0"/>
-              <a:t>Основные результаты</a:t>
-            </a:r>
-          </a:p>
-          <a:p>
-            <a:pPr lvl="1"/>
-            <a:r>
-              <a:rPr lang="ru-RU" dirty="0" smtClean="0"/>
-              <a:t>Проведено исследование современных </a:t>
-            </a:r>
-            <a:r>
-              <a:rPr lang="ru-RU" dirty="0" smtClean="0"/>
-              <a:t>подходов к </a:t>
-            </a:r>
-            <a:r>
-              <a:rPr lang="ru-RU" dirty="0" smtClean="0"/>
-              <a:t>решению задачи многотемной классификации </a:t>
-            </a:r>
-            <a:r>
-              <a:rPr lang="ru-RU" dirty="0" smtClean="0"/>
-              <a:t>и выбран метод на основе машинного обучения с возможностью дообучения, добавления и удаления тематик</a:t>
-            </a:r>
-            <a:endParaRPr lang="ru-RU" dirty="0" smtClean="0"/>
-          </a:p>
-          <a:p>
-            <a:pPr lvl="1"/>
-            <a:r>
-              <a:rPr lang="ru-RU" dirty="0" smtClean="0"/>
-              <a:t>Реализован экспериментальный прототип системы сбора </a:t>
-            </a:r>
-            <a:r>
-              <a:rPr lang="ru-RU" dirty="0"/>
-              <a:t>и </a:t>
-            </a:r>
-            <a:r>
-              <a:rPr lang="ru-RU" dirty="0" smtClean="0"/>
-              <a:t>многотемной классификации веб-страниц пользователя, </a:t>
-            </a:r>
-            <a:r>
-              <a:rPr lang="ru-RU" dirty="0" smtClean="0"/>
-              <a:t>удовлетворяющий требованиям масштабируемости </a:t>
-            </a:r>
-            <a:r>
-              <a:rPr lang="ru-RU" smtClean="0"/>
-              <a:t>и защищенности</a:t>
-            </a:r>
-            <a:endParaRPr lang="ru-RU" dirty="0" smtClean="0"/>
-          </a:p>
-        </p:txBody>
-      </p:sp>
-    </p:spTree>
-    <p:extLst>
-      <p:ext uri="{BB962C8B-B14F-4D97-AF65-F5344CB8AC3E}">
-        <p14:creationId xmlns:p14="http://schemas.microsoft.com/office/powerpoint/2010/main" val="3195769907"/>
-      </p:ext>
-    </p:extLst>
-  </p:cSld>
-  <p:clrMapOvr>
-    <a:masterClrMapping/>
-  </p:clrMapOvr>
-</p:sld>
-</file>
-
-<file path=ppt/slides/slide3.xml><?xml version="1.0" encoding="utf-8"?>
-<p:sld xmlns:a="http://schemas.openxmlformats.org/drawingml/2006/main" xmlns:r="http://schemas.openxmlformats.org/officeDocument/2006/relationships" xmlns:p="http://schemas.openxmlformats.org/presentationml/2006/main">
-  <p:cSld>
-    <p:spTree>
-      <p:nvGrpSpPr>
-        <p:cNvPr id="1" name=""/>
-        <p:cNvGrpSpPr/>
-        <p:nvPr/>
-      </p:nvGrpSpPr>
-      <p:grpSpPr>
-        <a:xfrm>
-          <a:off x="0" y="0"/>
-          <a:ext cx="0" cy="0"/>
-          <a:chOff x="0" y="0"/>
-          <a:chExt cx="0" cy="0"/>
-        </a:xfrm>
-      </p:grpSpPr>
-      <p:sp>
-        <p:nvSpPr>
-          <p:cNvPr id="2" name="Заголовок 1"/>
-          <p:cNvSpPr>
-            <a:spLocks noGrp="1"/>
-          </p:cNvSpPr>
-          <p:nvPr>
-            <p:ph type="title"/>
-          </p:nvPr>
-        </p:nvSpPr>
-        <p:spPr/>
-        <p:txBody>
-          <a:bodyPr>
-            <a:normAutofit fontScale="90000"/>
-          </a:bodyPr>
-          <a:lstStyle/>
-          <a:p>
-            <a:r>
-              <a:rPr lang="ru-RU" dirty="0" smtClean="0"/>
-              <a:t>Области применения классификации веб-данных</a:t>
-            </a:r>
-            <a:endParaRPr lang="en-US" dirty="0"/>
-          </a:p>
-        </p:txBody>
-      </p:sp>
-      <p:sp>
-        <p:nvSpPr>
-          <p:cNvPr id="3" name="Объект 2"/>
-          <p:cNvSpPr>
-            <a:spLocks noGrp="1"/>
-          </p:cNvSpPr>
-          <p:nvPr>
-            <p:ph idx="1"/>
-          </p:nvPr>
-        </p:nvSpPr>
-        <p:spPr/>
-        <p:txBody>
-          <a:bodyPr>
-            <a:normAutofit fontScale="62500" lnSpcReduction="20000"/>
-          </a:bodyPr>
-          <a:lstStyle/>
-          <a:p>
-            <a:r>
-              <a:rPr lang="ru-RU" dirty="0"/>
-              <a:t>На сегодняшний день существует ряд </a:t>
-            </a:r>
-            <a:r>
-              <a:rPr lang="ru-RU" dirty="0" smtClean="0"/>
-              <a:t>актуальных задач</a:t>
-            </a:r>
-            <a:r>
-              <a:rPr lang="ru-RU" dirty="0"/>
-              <a:t>, для решения которых требуются системы сбора и классификации контента, частным случаем которого является </a:t>
-            </a:r>
-            <a:r>
-              <a:rPr lang="ru-RU" dirty="0" smtClean="0"/>
-              <a:t>веб-контент</a:t>
-            </a:r>
-          </a:p>
-          <a:p>
-            <a:pPr lvl="1"/>
-            <a:r>
-              <a:rPr lang="ru-RU" dirty="0" smtClean="0"/>
-              <a:t>Определения </a:t>
-            </a:r>
-            <a:r>
-              <a:rPr lang="ru-RU" dirty="0"/>
-              <a:t>категорий информации, с которой работает </a:t>
-            </a:r>
-            <a:r>
-              <a:rPr lang="ru-RU" dirty="0" smtClean="0"/>
-              <a:t>пользователь, для применения политик безопасности</a:t>
-            </a:r>
-          </a:p>
-          <a:p>
-            <a:pPr lvl="1"/>
-            <a:r>
-              <a:rPr lang="ru-RU" dirty="0" smtClean="0"/>
-              <a:t>Фильтрации контента, для обнаружения информации, относящейся к определенному делу</a:t>
-            </a:r>
-          </a:p>
-          <a:p>
-            <a:pPr lvl="1"/>
-            <a:r>
-              <a:rPr lang="ru-RU" dirty="0" smtClean="0"/>
-              <a:t>Определения конфиденциальности документа, для предотвращения утечек информации</a:t>
-            </a:r>
-          </a:p>
-          <a:p>
-            <a:pPr lvl="1"/>
-            <a:r>
-              <a:rPr lang="ru-RU" dirty="0" smtClean="0"/>
-              <a:t>И других</a:t>
-            </a:r>
-          </a:p>
-          <a:p>
-            <a:r>
-              <a:rPr lang="ru-RU" dirty="0"/>
-              <a:t>Классификация контентных данных пользователя, в частности веб-страниц, применяется в </a:t>
-            </a:r>
-          </a:p>
-          <a:p>
-            <a:pPr lvl="1"/>
-            <a:r>
-              <a:rPr lang="ru-RU" dirty="0"/>
-              <a:t>Системах</a:t>
-            </a:r>
-            <a:r>
-              <a:rPr lang="en-US" dirty="0"/>
-              <a:t> </a:t>
-            </a:r>
-            <a:r>
-              <a:rPr lang="ru-RU" dirty="0"/>
-              <a:t>предотвращения утечки информации (</a:t>
-            </a:r>
-            <a:r>
-              <a:rPr lang="en-US" dirty="0"/>
-              <a:t>Data Loss Prevention, DLP</a:t>
-            </a:r>
-            <a:r>
-              <a:rPr lang="ru-RU" dirty="0"/>
-              <a:t>)</a:t>
-            </a:r>
-          </a:p>
-          <a:p>
-            <a:pPr lvl="1"/>
-            <a:r>
-              <a:rPr lang="ru-RU" dirty="0"/>
-              <a:t>Системах управления корпоративным контентом (</a:t>
-            </a:r>
-            <a:r>
-              <a:rPr lang="en-US" dirty="0"/>
-              <a:t>Enterprise Content  Manager, ECM</a:t>
-            </a:r>
-            <a:r>
-              <a:rPr lang="ru-RU" dirty="0"/>
-              <a:t>)</a:t>
-            </a:r>
-          </a:p>
-          <a:p>
-            <a:pPr lvl="2"/>
-            <a:r>
-              <a:rPr lang="ru-RU" dirty="0"/>
-              <a:t>Системах обнаружения информации (</a:t>
-            </a:r>
-            <a:r>
-              <a:rPr lang="en-US" dirty="0"/>
-              <a:t>e-Discovery</a:t>
-            </a:r>
-            <a:r>
-              <a:rPr lang="ru-RU" dirty="0"/>
-              <a:t>)</a:t>
-            </a:r>
-            <a:endParaRPr lang="en-US" dirty="0"/>
-          </a:p>
-        </p:txBody>
-      </p:sp>
-    </p:spTree>
-    <p:extLst>
-      <p:ext uri="{BB962C8B-B14F-4D97-AF65-F5344CB8AC3E}">
-        <p14:creationId xmlns:p14="http://schemas.microsoft.com/office/powerpoint/2010/main" val="1520676688"/>
-      </p:ext>
-    </p:extLst>
-  </p:cSld>
-  <p:clrMapOvr>
-    <a:masterClrMapping/>
-  </p:clrMapOvr>
-  <p:timing>
-    <p:tnLst>
-      <p:par>
-        <p:cTn id="1" dur="indefinite" restart="never" nodeType="tmRoot"/>
-      </p:par>
-    </p:tnLst>
-  </p:timing>
-</p:sld>
-</file>
-
-<file path=ppt/slides/slide4.xml><?xml version="1.0" encoding="utf-8"?>
-<p:sld xmlns:a="http://schemas.openxmlformats.org/drawingml/2006/main" xmlns:r="http://schemas.openxmlformats.org/officeDocument/2006/relationships" xmlns:p="http://schemas.openxmlformats.org/presentationml/2006/main">
-  <p:cSld>
-    <p:spTree>
-      <p:nvGrpSpPr>
-        <p:cNvPr id="1" name=""/>
-        <p:cNvGrpSpPr/>
-        <p:nvPr/>
-      </p:nvGrpSpPr>
-      <p:grpSpPr>
-        <a:xfrm>
-          <a:off x="0" y="0"/>
-          <a:ext cx="0" cy="0"/>
-          <a:chOff x="0" y="0"/>
-          <a:chExt cx="0" cy="0"/>
-        </a:xfrm>
-      </p:grpSpPr>
-      <p:sp>
-        <p:nvSpPr>
-          <p:cNvPr id="2" name="Заголовок 1"/>
-          <p:cNvSpPr>
-            <a:spLocks noGrp="1"/>
-          </p:cNvSpPr>
-          <p:nvPr>
-            <p:ph type="title"/>
-          </p:nvPr>
-        </p:nvSpPr>
-        <p:spPr/>
-        <p:txBody>
-          <a:bodyPr>
-            <a:noAutofit/>
-          </a:bodyPr>
-          <a:lstStyle/>
-          <a:p>
-            <a:r>
-              <a:rPr lang="ru-RU" sz="3600" dirty="0" smtClean="0"/>
-              <a:t>Основные методы классификации данных в корпоративных системах</a:t>
-            </a:r>
-            <a:endParaRPr lang="en-US" sz="3600" dirty="0"/>
-          </a:p>
-        </p:txBody>
-      </p:sp>
-      <p:graphicFrame>
-        <p:nvGraphicFramePr>
-          <p:cNvPr id="4" name="Объект 3"/>
-          <p:cNvGraphicFramePr>
-            <a:graphicFrameLocks/>
-          </p:cNvGraphicFramePr>
-          <p:nvPr>
-            <p:extLst>
-              <p:ext uri="{D42A27DB-BD31-4B8C-83A1-F6EECF244321}">
-                <p14:modId xmlns:p14="http://schemas.microsoft.com/office/powerpoint/2010/main" val="975980278"/>
-              </p:ext>
-            </p:extLst>
-          </p:nvPr>
-        </p:nvGraphicFramePr>
-        <p:xfrm>
-          <a:off x="467544" y="1484784"/>
-          <a:ext cx="8229600" cy="4953000"/>
-        </p:xfrm>
-        <a:graphic>
-          <a:graphicData uri="http://schemas.openxmlformats.org/drawingml/2006/table">
-            <a:tbl>
-              <a:tblPr firstRow="1" bandRow="1">
-                <a:tableStyleId>{5C22544A-7EE6-4342-B048-85BDC9FD1C3A}</a:tableStyleId>
-              </a:tblPr>
-              <a:tblGrid>
-                <a:gridCol w="2743200"/>
-                <a:gridCol w="2743200"/>
-                <a:gridCol w="2743200"/>
-              </a:tblGrid>
-              <a:tr h="370840">
-                <a:tc>
-                  <a:txBody>
-                    <a:bodyPr/>
-                    <a:lstStyle/>
-                    <a:p>
-                      <a:endParaRPr lang="en-US" i="0" dirty="0"/>
-                    </a:p>
-                  </a:txBody>
-                  <a:tcPr/>
-                </a:tc>
-                <a:tc>
-                  <a:txBody>
-                    <a:bodyPr/>
-                    <a:lstStyle/>
-                    <a:p>
-                      <a:r>
-                        <a:rPr lang="ru-RU" i="0" dirty="0" smtClean="0"/>
-                        <a:t>Достоинства</a:t>
-                      </a:r>
-                      <a:endParaRPr lang="en-US" i="0" dirty="0"/>
-                    </a:p>
-                  </a:txBody>
-                  <a:tcPr/>
-                </a:tc>
-                <a:tc>
-                  <a:txBody>
-                    <a:bodyPr/>
-                    <a:lstStyle/>
-                    <a:p>
-                      <a:r>
-                        <a:rPr lang="ru-RU" i="0" dirty="0" smtClean="0"/>
-                        <a:t>Недостатки</a:t>
-                      </a:r>
-                      <a:endParaRPr lang="en-US" i="0" dirty="0"/>
-                    </a:p>
-                  </a:txBody>
-                  <a:tcPr/>
-                </a:tc>
-              </a:tr>
-              <a:tr h="370840">
-                <a:tc>
-                  <a:txBody>
-                    <a:bodyPr/>
-                    <a:lstStyle/>
-                    <a:p>
-                      <a:r>
-                        <a:rPr lang="ru-RU" b="1" i="0" dirty="0" smtClean="0"/>
-                        <a:t>Цифровые</a:t>
-                      </a:r>
-                      <a:r>
-                        <a:rPr lang="ru-RU" b="1" i="0" baseline="0" dirty="0" smtClean="0"/>
-                        <a:t> отпечатки </a:t>
-                      </a:r>
-                      <a:r>
-                        <a:rPr lang="ru-RU" i="0" baseline="0" dirty="0" smtClean="0"/>
-                        <a:t>- </a:t>
-                      </a:r>
-                      <a:r>
-                        <a:rPr lang="ru-RU" i="0" dirty="0" smtClean="0"/>
-                        <a:t>обнаружение в тексте цитат из документов-образцов</a:t>
-                      </a:r>
-                      <a:endParaRPr lang="en-US" i="0" dirty="0"/>
-                    </a:p>
-                  </a:txBody>
-                  <a:tcPr/>
-                </a:tc>
-                <a:tc>
-                  <a:txBody>
-                    <a:bodyPr/>
-                    <a:lstStyle/>
-                    <a:p>
-                      <a:r>
-                        <a:rPr lang="ru-RU" sz="1800" i="0" kern="1200" dirty="0" smtClean="0">
-                          <a:solidFill>
-                            <a:schemeClr val="dk1"/>
-                          </a:solidFill>
-                          <a:effectLst/>
-                          <a:latin typeface="+mn-lt"/>
-                          <a:ea typeface="+mn-ea"/>
-                          <a:cs typeface="+mn-cs"/>
-                        </a:rPr>
-                        <a:t>Высокая точность детектирования статичных документов</a:t>
-                      </a:r>
-                      <a:endParaRPr lang="en-US" i="0" dirty="0"/>
-                    </a:p>
-                  </a:txBody>
-                  <a:tcPr/>
-                </a:tc>
-                <a:tc>
-                  <a:txBody>
-                    <a:bodyPr/>
-                    <a:lstStyle/>
-                    <a:p>
-                      <a:r>
-                        <a:rPr lang="ru-RU" sz="1800" i="0" kern="1200" dirty="0" smtClean="0">
-                          <a:solidFill>
-                            <a:schemeClr val="dk1"/>
-                          </a:solidFill>
-                          <a:effectLst/>
-                          <a:latin typeface="+mn-lt"/>
-                          <a:ea typeface="+mn-ea"/>
-                          <a:cs typeface="+mn-cs"/>
-                        </a:rPr>
-                        <a:t>Чувствительность к текстовым изменениям</a:t>
-                      </a:r>
-                      <a:endParaRPr lang="en-US" i="0" dirty="0"/>
-                    </a:p>
-                  </a:txBody>
-                  <a:tcPr/>
-                </a:tc>
-              </a:tr>
-              <a:tr h="370840">
-                <a:tc>
-                  <a:txBody>
-                    <a:bodyPr/>
-                    <a:lstStyle/>
-                    <a:p>
-                      <a:pPr marL="0" marR="0" lvl="1" indent="0" algn="l" defTabSz="914400" rtl="0" eaLnBrk="1" fontAlgn="auto" latinLnBrk="0" hangingPunct="1">
-                        <a:lnSpc>
-                          <a:spcPct val="100000"/>
-                        </a:lnSpc>
-                        <a:spcBef>
-                          <a:spcPts val="0"/>
-                        </a:spcBef>
-                        <a:spcAft>
-                          <a:spcPts val="0"/>
-                        </a:spcAft>
-                        <a:buClrTx/>
-                        <a:buSzTx/>
-                        <a:buFontTx/>
-                        <a:buNone/>
-                        <a:tabLst/>
-                        <a:defRPr/>
-                      </a:pPr>
-                      <a:r>
-                        <a:rPr lang="ru-RU" b="1" i="0" dirty="0" smtClean="0"/>
-                        <a:t>Анализ</a:t>
-                      </a:r>
-                      <a:r>
-                        <a:rPr lang="ru-RU" b="1" i="0" baseline="0" dirty="0" smtClean="0"/>
-                        <a:t> шаблонов </a:t>
-                      </a:r>
-                      <a:r>
-                        <a:rPr lang="ru-RU" i="0" baseline="0" dirty="0" smtClean="0"/>
-                        <a:t>- </a:t>
-                      </a:r>
-                      <a:r>
-                        <a:rPr lang="ru-RU" i="0" dirty="0" smtClean="0"/>
-                        <a:t>анализ текстов на основе словарей и регулярных выражений</a:t>
-                      </a:r>
-                    </a:p>
-                    <a:p>
-                      <a:endParaRPr lang="en-US" i="0" dirty="0"/>
-                    </a:p>
-                  </a:txBody>
-                  <a:tcPr/>
-                </a:tc>
-                <a:tc>
-                  <a:txBody>
-                    <a:bodyPr/>
-                    <a:lstStyle/>
-                    <a:p>
-                      <a:r>
-                        <a:rPr lang="ru-RU" sz="1800" i="0" kern="1200" dirty="0" smtClean="0">
-                          <a:solidFill>
-                            <a:schemeClr val="dk1"/>
-                          </a:solidFill>
-                          <a:effectLst/>
-                          <a:latin typeface="+mn-lt"/>
-                          <a:ea typeface="+mn-ea"/>
-                          <a:cs typeface="+mn-cs"/>
-                        </a:rPr>
-                        <a:t>Эффективность детектирования формализованных данных</a:t>
-                      </a:r>
-                      <a:endParaRPr lang="en-US" i="0" dirty="0"/>
-                    </a:p>
-                  </a:txBody>
-                  <a:tcPr/>
-                </a:tc>
-                <a:tc>
-                  <a:txBody>
-                    <a:bodyPr/>
-                    <a:lstStyle/>
-                    <a:p>
-                      <a:r>
-                        <a:rPr lang="ru-RU" sz="1800" i="0" kern="1200" dirty="0" smtClean="0">
-                          <a:solidFill>
-                            <a:schemeClr val="dk1"/>
-                          </a:solidFill>
-                          <a:effectLst/>
-                          <a:latin typeface="+mn-lt"/>
-                          <a:ea typeface="+mn-ea"/>
-                          <a:cs typeface="+mn-cs"/>
-                        </a:rPr>
-                        <a:t>Не применим для детектирования неформализованных данных</a:t>
-                      </a:r>
-                      <a:endParaRPr lang="en-US" i="0" dirty="0"/>
-                    </a:p>
-                  </a:txBody>
-                  <a:tcPr/>
-                </a:tc>
-              </a:tr>
-              <a:tr h="1930400">
-                <a:tc>
-                  <a:txBody>
-                    <a:bodyPr/>
-                    <a:lstStyle/>
-                    <a:p>
-                      <a:r>
-                        <a:rPr lang="ru-RU" b="1" i="0" dirty="0" smtClean="0"/>
-                        <a:t>Машинное обучение </a:t>
-                      </a:r>
-                      <a:r>
-                        <a:rPr lang="ru-RU" i="0" dirty="0" smtClean="0"/>
-                        <a:t>– построение на основе обучающего набора статистической модели</a:t>
-                      </a:r>
-                      <a:endParaRPr lang="en-US" i="0" dirty="0"/>
-                    </a:p>
-                  </a:txBody>
-                  <a:tcPr/>
-                </a:tc>
-                <a:tc>
-                  <a:txBody>
-                    <a:bodyPr/>
-                    <a:lstStyle/>
-                    <a:p>
-                      <a:r>
-                        <a:rPr lang="ru-RU" sz="1800" i="0" kern="1200" dirty="0" smtClean="0">
-                          <a:solidFill>
-                            <a:schemeClr val="dk1"/>
-                          </a:solidFill>
-                          <a:effectLst/>
-                          <a:latin typeface="+mn-lt"/>
-                          <a:ea typeface="+mn-ea"/>
-                          <a:cs typeface="+mn-cs"/>
-                        </a:rPr>
-                        <a:t>Работают напрямую с содержимым документов</a:t>
-                      </a:r>
-                    </a:p>
-                    <a:p>
-                      <a:r>
-                        <a:rPr lang="ru-RU" sz="1800" i="0" kern="1200" dirty="0" smtClean="0">
-                          <a:solidFill>
-                            <a:schemeClr val="dk1"/>
-                          </a:solidFill>
-                          <a:effectLst/>
-                          <a:latin typeface="+mn-lt"/>
-                          <a:ea typeface="+mn-ea"/>
-                          <a:cs typeface="+mn-cs"/>
-                        </a:rPr>
-                        <a:t>Обучаемость</a:t>
-                      </a:r>
-                    </a:p>
-                    <a:p>
-                      <a:r>
-                        <a:rPr lang="ru-RU" sz="1800" i="0" kern="1200" dirty="0" smtClean="0">
-                          <a:solidFill>
-                            <a:schemeClr val="dk1"/>
-                          </a:solidFill>
-                          <a:effectLst/>
-                          <a:latin typeface="+mn-lt"/>
-                          <a:ea typeface="+mn-ea"/>
-                          <a:cs typeface="+mn-cs"/>
-                        </a:rPr>
-                        <a:t>Возможность обобщения</a:t>
-                      </a:r>
-                      <a:endParaRPr lang="en-US" i="0" dirty="0"/>
-                    </a:p>
-                  </a:txBody>
-                  <a:tcPr/>
-                </a:tc>
-                <a:tc>
-                  <a:txBody>
-                    <a:bodyPr/>
-                    <a:lstStyle/>
-                    <a:p>
-                      <a:r>
-                        <a:rPr lang="ru-RU" sz="1800" i="0" kern="1200" dirty="0" smtClean="0">
-                          <a:solidFill>
-                            <a:schemeClr val="dk1"/>
-                          </a:solidFill>
-                          <a:effectLst/>
-                          <a:latin typeface="+mn-lt"/>
-                          <a:ea typeface="+mn-ea"/>
-                          <a:cs typeface="+mn-cs"/>
-                        </a:rPr>
-                        <a:t>Требуется формирование обучающего набора</a:t>
-                      </a:r>
-                    </a:p>
-                    <a:p>
-                      <a:r>
-                        <a:rPr lang="ru-RU" sz="1800" i="0" kern="1200" dirty="0" smtClean="0">
-                          <a:solidFill>
-                            <a:schemeClr val="dk1"/>
-                          </a:solidFill>
-                          <a:effectLst/>
-                          <a:latin typeface="+mn-lt"/>
-                          <a:ea typeface="+mn-ea"/>
-                          <a:cs typeface="+mn-cs"/>
-                        </a:rPr>
-                        <a:t>Возможность ложноотрицательных и ложноположительные срабатываний</a:t>
-                      </a:r>
-                    </a:p>
-                  </a:txBody>
-                  <a:tcPr/>
-                </a:tc>
-              </a:tr>
-            </a:tbl>
-          </a:graphicData>
-        </a:graphic>
-      </p:graphicFrame>
-    </p:spTree>
-    <p:extLst>
-      <p:ext uri="{BB962C8B-B14F-4D97-AF65-F5344CB8AC3E}">
-        <p14:creationId xmlns:p14="http://schemas.microsoft.com/office/powerpoint/2010/main" val="613559626"/>
-      </p:ext>
-    </p:extLst>
-  </p:cSld>
-  <p:clrMapOvr>
-    <a:masterClrMapping/>
-  </p:clrMapOvr>
-  <p:timing>
-    <p:tnLst>
-      <p:par>
-        <p:cTn id="1" dur="indefinite" restart="never" nodeType="tmRoot"/>
-      </p:par>
-    </p:tnLst>
-  </p:timing>
-</p:sld>
-</file>
-
-<file path=ppt/slides/slide5.xml><?xml version="1.0" encoding="utf-8"?>
-<p:sld xmlns:a="http://schemas.openxmlformats.org/drawingml/2006/main" xmlns:r="http://schemas.openxmlformats.org/officeDocument/2006/relationships" xmlns:p="http://schemas.openxmlformats.org/presentationml/2006/main">
-  <p:cSld>
-    <p:spTree>
-      <p:nvGrpSpPr>
-        <p:cNvPr id="1" name=""/>
-        <p:cNvGrpSpPr/>
-        <p:nvPr/>
-      </p:nvGrpSpPr>
-      <p:grpSpPr>
-        <a:xfrm>
-          <a:off x="0" y="0"/>
-          <a:ext cx="0" cy="0"/>
-          <a:chOff x="0" y="0"/>
-          <a:chExt cx="0" cy="0"/>
-        </a:xfrm>
-      </p:grpSpPr>
-      <p:sp>
-        <p:nvSpPr>
-          <p:cNvPr id="2" name="Заголовок 1"/>
-          <p:cNvSpPr>
-            <a:spLocks noGrp="1"/>
-          </p:cNvSpPr>
-          <p:nvPr>
-            <p:ph type="title"/>
-          </p:nvPr>
-        </p:nvSpPr>
-        <p:spPr/>
-        <p:txBody>
-          <a:bodyPr>
-            <a:normAutofit fontScale="90000"/>
-          </a:bodyPr>
-          <a:lstStyle/>
-          <a:p>
-            <a:r>
-              <a:rPr lang="ru-RU" dirty="0" smtClean="0"/>
-              <a:t>Специфика классификации веб-контента пользователей</a:t>
-            </a:r>
-            <a:endParaRPr lang="en-US" dirty="0"/>
-          </a:p>
-        </p:txBody>
-      </p:sp>
-      <p:sp>
-        <p:nvSpPr>
-          <p:cNvPr id="3" name="Объект 2"/>
-          <p:cNvSpPr>
-            <a:spLocks noGrp="1"/>
-          </p:cNvSpPr>
-          <p:nvPr>
-            <p:ph idx="1"/>
-          </p:nvPr>
-        </p:nvSpPr>
-        <p:spPr>
-          <a:xfrm>
-            <a:off x="451292" y="1844824"/>
-            <a:ext cx="8229600" cy="1396751"/>
-          </a:xfrm>
-        </p:spPr>
-        <p:txBody>
-          <a:bodyPr>
-            <a:noAutofit/>
-          </a:bodyPr>
-          <a:lstStyle/>
-          <a:p>
-            <a:r>
-              <a:rPr lang="ru-RU" sz="2200" dirty="0" smtClean="0"/>
-              <a:t>Состав и содержимое веб-страниц постоянно меняется</a:t>
-            </a:r>
-          </a:p>
-          <a:p>
-            <a:r>
-              <a:rPr lang="ru-RU" sz="2200" dirty="0" smtClean="0"/>
-              <a:t>Веб-страницы имеют многотемную природу</a:t>
-            </a:r>
-          </a:p>
-          <a:p>
-            <a:r>
-              <a:rPr lang="ru-RU" sz="2200" dirty="0" smtClean="0"/>
-              <a:t>Каждый пользователь является источником собираемой информации</a:t>
-            </a:r>
-            <a:endParaRPr lang="en-US" sz="2200" dirty="0"/>
-          </a:p>
-        </p:txBody>
-      </p:sp>
-      <p:sp>
-        <p:nvSpPr>
-          <p:cNvPr id="4" name="Объект 2"/>
-          <p:cNvSpPr txBox="1">
-            <a:spLocks/>
-          </p:cNvSpPr>
-          <p:nvPr/>
-        </p:nvSpPr>
-        <p:spPr>
-          <a:xfrm>
-            <a:off x="457200" y="4069478"/>
-            <a:ext cx="8229600" cy="2056686"/>
-          </a:xfrm>
-          <a:prstGeom prst="rect">
-            <a:avLst/>
-          </a:prstGeom>
-        </p:spPr>
-        <p:txBody>
-          <a:bodyPr vert="horz" lIns="91440" tIns="45720" rIns="91440" bIns="45720" rtlCol="0">
-            <a:normAutofit fontScale="70000" lnSpcReduction="20000"/>
-          </a:bodyPr>
-          <a:lstStyle>
-            <a:lvl1pPr marL="342900" indent="-342900" algn="l" defTabSz="914400" rtl="0" eaLnBrk="1" latinLnBrk="0" hangingPunct="1">
-              <a:spcBef>
-                <a:spcPct val="20000"/>
-              </a:spcBef>
-              <a:buFont typeface="Arial" pitchFamily="34" charset="0"/>
-              <a:buChar char="•"/>
-              <a:defRPr sz="3200" kern="1200">
-                <a:solidFill>
-                  <a:schemeClr val="tx1"/>
-                </a:solidFill>
-                <a:latin typeface="+mn-lt"/>
-                <a:ea typeface="+mn-ea"/>
-                <a:cs typeface="+mn-cs"/>
-              </a:defRPr>
-            </a:lvl1pPr>
-            <a:lvl2pPr marL="742950" indent="-285750" algn="l" defTabSz="914400" rtl="0" eaLnBrk="1" latinLnBrk="0" hangingPunct="1">
-              <a:spcBef>
-                <a:spcPct val="20000"/>
-              </a:spcBef>
-              <a:buFont typeface="Arial" pitchFamily="34" charset="0"/>
-              <a:buChar char="–"/>
-              <a:defRPr sz="2800" kern="1200">
-                <a:solidFill>
-                  <a:schemeClr val="tx1"/>
-                </a:solidFill>
-                <a:latin typeface="+mn-lt"/>
-                <a:ea typeface="+mn-ea"/>
-                <a:cs typeface="+mn-cs"/>
-              </a:defRPr>
-            </a:lvl2pPr>
-            <a:lvl3pPr marL="1143000" indent="-228600" algn="l" defTabSz="914400" rtl="0" eaLnBrk="1" latinLnBrk="0" hangingPunct="1">
-              <a:spcBef>
-                <a:spcPct val="20000"/>
-              </a:spcBef>
-              <a:buFont typeface="Arial" pitchFamily="34" charset="0"/>
-              <a:buChar char="•"/>
-              <a:defRPr sz="2400" kern="1200">
-                <a:solidFill>
-                  <a:schemeClr val="tx1"/>
-                </a:solidFill>
-                <a:latin typeface="+mn-lt"/>
-                <a:ea typeface="+mn-ea"/>
-                <a:cs typeface="+mn-cs"/>
-              </a:defRPr>
-            </a:lvl3pPr>
-            <a:lvl4pPr marL="1600200" indent="-228600" algn="l" defTabSz="914400" rtl="0" eaLnBrk="1" latinLnBrk="0" hangingPunct="1">
-              <a:spcBef>
-                <a:spcPct val="20000"/>
-              </a:spcBef>
-              <a:buFont typeface="Arial" pitchFamily="34" charset="0"/>
-              <a:buChar char="–"/>
-              <a:defRPr sz="2000" kern="1200">
-                <a:solidFill>
-                  <a:schemeClr val="tx1"/>
-                </a:solidFill>
-                <a:latin typeface="+mn-lt"/>
-                <a:ea typeface="+mn-ea"/>
-                <a:cs typeface="+mn-cs"/>
-              </a:defRPr>
-            </a:lvl4pPr>
-            <a:lvl5pPr marL="2057400" indent="-228600" algn="l" defTabSz="914400" rtl="0" eaLnBrk="1" latinLnBrk="0" hangingPunct="1">
-              <a:spcBef>
-                <a:spcPct val="20000"/>
-              </a:spcBef>
-              <a:buFont typeface="Arial" pitchFamily="34" charset="0"/>
-              <a:buChar char="»"/>
-              <a:defRPr sz="2000" kern="1200">
-                <a:solidFill>
-                  <a:schemeClr val="tx1"/>
-                </a:solidFill>
-                <a:latin typeface="+mn-lt"/>
-                <a:ea typeface="+mn-ea"/>
-                <a:cs typeface="+mn-cs"/>
-              </a:defRPr>
-            </a:lvl5pPr>
-            <a:lvl6pPr marL="2514600" indent="-228600" algn="l" defTabSz="914400" rtl="0" eaLnBrk="1" latinLnBrk="0" hangingPunct="1">
-              <a:spcBef>
-                <a:spcPct val="20000"/>
-              </a:spcBef>
-              <a:buFont typeface="Arial" pitchFamily="34" charset="0"/>
-              <a:buChar char="•"/>
-              <a:defRPr sz="2000" kern="1200">
-                <a:solidFill>
-                  <a:schemeClr val="tx1"/>
-                </a:solidFill>
-                <a:latin typeface="+mn-lt"/>
-                <a:ea typeface="+mn-ea"/>
-                <a:cs typeface="+mn-cs"/>
-              </a:defRPr>
-            </a:lvl6pPr>
-            <a:lvl7pPr marL="2971800" indent="-228600" algn="l" defTabSz="914400" rtl="0" eaLnBrk="1" latinLnBrk="0" hangingPunct="1">
-              <a:spcBef>
-                <a:spcPct val="20000"/>
-              </a:spcBef>
-              <a:buFont typeface="Arial" pitchFamily="34" charset="0"/>
-              <a:buChar char="•"/>
-              <a:defRPr sz="2000" kern="1200">
-                <a:solidFill>
-                  <a:schemeClr val="tx1"/>
-                </a:solidFill>
-                <a:latin typeface="+mn-lt"/>
-                <a:ea typeface="+mn-ea"/>
-                <a:cs typeface="+mn-cs"/>
-              </a:defRPr>
-            </a:lvl7pPr>
-            <a:lvl8pPr marL="3429000" indent="-228600" algn="l" defTabSz="914400" rtl="0" eaLnBrk="1" latinLnBrk="0" hangingPunct="1">
-              <a:spcBef>
-                <a:spcPct val="20000"/>
-              </a:spcBef>
-              <a:buFont typeface="Arial" pitchFamily="34" charset="0"/>
-              <a:buChar char="•"/>
-              <a:defRPr sz="2000" kern="1200">
-                <a:solidFill>
-                  <a:schemeClr val="tx1"/>
-                </a:solidFill>
-                <a:latin typeface="+mn-lt"/>
-                <a:ea typeface="+mn-ea"/>
-                <a:cs typeface="+mn-cs"/>
-              </a:defRPr>
-            </a:lvl8pPr>
-            <a:lvl9pPr marL="3886200" indent="-228600" algn="l" defTabSz="914400" rtl="0" eaLnBrk="1" latinLnBrk="0" hangingPunct="1">
-              <a:spcBef>
-                <a:spcPct val="20000"/>
-              </a:spcBef>
-              <a:buFont typeface="Arial" pitchFamily="34" charset="0"/>
-              <a:buChar char="•"/>
-              <a:defRPr sz="2000" kern="1200">
-                <a:solidFill>
-                  <a:schemeClr val="tx1"/>
-                </a:solidFill>
-                <a:latin typeface="+mn-lt"/>
-                <a:ea typeface="+mn-ea"/>
-                <a:cs typeface="+mn-cs"/>
-              </a:defRPr>
-            </a:lvl9pPr>
-          </a:lstStyle>
-          <a:p>
-            <a:r>
-              <a:rPr lang="ru-RU" dirty="0" smtClean="0"/>
-              <a:t>Для классификации следует использовать методы машинного обучения с возможностью дообучения</a:t>
-            </a:r>
-          </a:p>
-          <a:p>
-            <a:r>
-              <a:rPr lang="ru-RU" dirty="0" smtClean="0"/>
-              <a:t>Для анализа необходимо решать задачу </a:t>
-            </a:r>
-            <a:r>
-              <a:rPr lang="ru-RU" i="1" dirty="0" smtClean="0"/>
-              <a:t>многотемной</a:t>
-            </a:r>
-            <a:r>
-              <a:rPr lang="ru-RU" dirty="0" smtClean="0"/>
-              <a:t> классификации </a:t>
-            </a:r>
-          </a:p>
-          <a:p>
-            <a:r>
-              <a:rPr lang="ru-RU" dirty="0" smtClean="0"/>
-              <a:t>Агенты сбора, установленные на пользовательских машинах не должны влиять на работу пользователя</a:t>
-            </a:r>
-          </a:p>
-          <a:p>
-            <a:endParaRPr lang="ru-RU" dirty="0" smtClean="0"/>
-          </a:p>
-          <a:p>
-            <a:endParaRPr lang="en-US" dirty="0"/>
-          </a:p>
-        </p:txBody>
-      </p:sp>
-      <p:sp>
-        <p:nvSpPr>
-          <p:cNvPr id="5" name="Стрелка вниз 4"/>
-          <p:cNvSpPr/>
-          <p:nvPr/>
-        </p:nvSpPr>
-        <p:spPr>
-          <a:xfrm>
-            <a:off x="3995936" y="3284984"/>
-            <a:ext cx="576064" cy="648072"/>
-          </a:xfrm>
-          <a:prstGeom prst="downArrow">
-            <a:avLst/>
-          </a:prstGeom>
-          <a:solidFill>
-            <a:schemeClr val="accent1">
-              <a:alpha val="10000"/>
-            </a:schemeClr>
-          </a:solidFill>
-        </p:spPr>
-        <p:style>
-          <a:lnRef idx="2">
-            <a:schemeClr val="accent1">
-              <a:shade val="50000"/>
-            </a:schemeClr>
-          </a:lnRef>
-          <a:fillRef idx="1">
-            <a:schemeClr val="accent1"/>
-          </a:fillRef>
-          <a:effectRef idx="0">
-            <a:schemeClr val="accent1"/>
-          </a:effectRef>
-          <a:fontRef idx="minor">
-            <a:schemeClr val="lt1"/>
-          </a:fontRef>
-        </p:style>
-        <p:txBody>
-          <a:bodyPr rtlCol="0" anchor="ctr"/>
-          <a:lstStyle/>
-          <a:p>
-            <a:pPr algn="ctr"/>
-            <a:endParaRPr lang="en-US" dirty="0"/>
-          </a:p>
-        </p:txBody>
-      </p:sp>
-    </p:spTree>
-    <p:extLst>
-      <p:ext uri="{BB962C8B-B14F-4D97-AF65-F5344CB8AC3E}">
-        <p14:creationId xmlns:p14="http://schemas.microsoft.com/office/powerpoint/2010/main" val="3490027475"/>
-      </p:ext>
-    </p:extLst>
-  </p:cSld>
-  <p:clrMapOvr>
-    <a:masterClrMapping/>
-  </p:clrMapOvr>
-  <p:timing>
-    <p:tnLst>
-      <p:par>
-        <p:cTn id="1" dur="indefinite" restart="never" nodeType="tmRoot"/>
-      </p:par>
-    </p:tnLst>
-  </p:timing>
-</p:sld>
-</file>
-
-<file path=ppt/slides/slide6.xml><?xml version="1.0" encoding="utf-8"?>
-<p:sld xmlns:a="http://schemas.openxmlformats.org/drawingml/2006/main" xmlns:r="http://schemas.openxmlformats.org/officeDocument/2006/relationships" xmlns:p="http://schemas.openxmlformats.org/presentationml/2006/main">
-  <p:cSld>
-    <p:spTree>
-      <p:nvGrpSpPr>
-        <p:cNvPr id="1" name=""/>
-        <p:cNvGrpSpPr/>
-        <p:nvPr/>
-      </p:nvGrpSpPr>
-      <p:grpSpPr>
-        <a:xfrm>
-          <a:off x="0" y="0"/>
-          <a:ext cx="0" cy="0"/>
-          <a:chOff x="0" y="0"/>
-          <a:chExt cx="0" cy="0"/>
-        </a:xfrm>
-      </p:grpSpPr>
-      <p:sp>
-        <p:nvSpPr>
-          <p:cNvPr id="2" name="Заголовок 1"/>
-          <p:cNvSpPr>
-            <a:spLocks noGrp="1"/>
-          </p:cNvSpPr>
-          <p:nvPr>
-            <p:ph type="title"/>
-          </p:nvPr>
-        </p:nvSpPr>
-        <p:spPr/>
-        <p:txBody>
-          <a:bodyPr>
-            <a:normAutofit/>
-          </a:bodyPr>
-          <a:lstStyle/>
-          <a:p>
-            <a:r>
-              <a:rPr lang="ru-RU" dirty="0" smtClean="0"/>
-              <a:t>Постановка задачи	</a:t>
-            </a:r>
-            <a:endParaRPr lang="en-US" dirty="0"/>
-          </a:p>
-        </p:txBody>
-      </p:sp>
-      <p:sp>
-        <p:nvSpPr>
-          <p:cNvPr id="3" name="Объект 2"/>
-          <p:cNvSpPr>
-            <a:spLocks noGrp="1"/>
-          </p:cNvSpPr>
-          <p:nvPr>
-            <p:ph idx="1"/>
-          </p:nvPr>
-        </p:nvSpPr>
-        <p:spPr/>
-        <p:txBody>
-          <a:bodyPr>
-            <a:normAutofit fontScale="70000" lnSpcReduction="20000"/>
-          </a:bodyPr>
-          <a:lstStyle/>
-          <a:p>
-            <a:r>
-              <a:rPr lang="ru-RU" dirty="0" smtClean="0"/>
-              <a:t>Разработать архитектуру и реализовать прототип системы сбора и </a:t>
-            </a:r>
-            <a:r>
-              <a:rPr lang="ru-RU" i="1" dirty="0" smtClean="0"/>
-              <a:t>многотемной</a:t>
-            </a:r>
-            <a:r>
-              <a:rPr lang="ru-RU" dirty="0" smtClean="0"/>
-              <a:t> классификации текстовых веб-данных пользователя в соответствии  с требованиями</a:t>
-            </a:r>
-          </a:p>
-          <a:p>
-            <a:r>
-              <a:rPr lang="ru-RU" dirty="0" smtClean="0"/>
-              <a:t>Модуль сбора должен обеспечивать</a:t>
-            </a:r>
-          </a:p>
-          <a:p>
-            <a:pPr lvl="1"/>
-            <a:r>
-              <a:rPr lang="ru-RU" dirty="0" smtClean="0"/>
-              <a:t>Масштабируемость (линейный рост </a:t>
-            </a:r>
-            <a:r>
-              <a:rPr lang="ru-RU" dirty="0"/>
-              <a:t>расхода ресурсов </a:t>
-            </a:r>
-            <a:r>
-              <a:rPr lang="ru-RU" dirty="0" smtClean="0"/>
-              <a:t>при росте </a:t>
-            </a:r>
-            <a:r>
-              <a:rPr lang="ru-RU" dirty="0"/>
-              <a:t>числа подключений</a:t>
-            </a:r>
-            <a:r>
-              <a:rPr lang="ru-RU" dirty="0" smtClean="0"/>
-              <a:t>)</a:t>
-            </a:r>
-            <a:endParaRPr lang="ru-RU" dirty="0"/>
-          </a:p>
-          <a:p>
-            <a:pPr lvl="1"/>
-            <a:r>
-              <a:rPr lang="ru-RU" dirty="0" smtClean="0"/>
-              <a:t>Защищенность (пользователь не должен иметь возможности фальсифицировать данные)</a:t>
-            </a:r>
-            <a:endParaRPr lang="en-US" dirty="0" smtClean="0"/>
-          </a:p>
-          <a:p>
-            <a:pPr lvl="1"/>
-            <a:r>
-              <a:rPr lang="ru-RU" dirty="0" smtClean="0"/>
-              <a:t>Функционирование под ОС </a:t>
-            </a:r>
-            <a:r>
-              <a:rPr lang="en-US" dirty="0" smtClean="0"/>
-              <a:t>Windows </a:t>
-            </a:r>
-            <a:r>
-              <a:rPr lang="ru-RU" dirty="0" smtClean="0"/>
-              <a:t>и браузером </a:t>
-            </a:r>
-            <a:r>
-              <a:rPr lang="en-US" dirty="0" smtClean="0"/>
-              <a:t>IE </a:t>
-            </a:r>
-            <a:endParaRPr lang="ru-RU" dirty="0"/>
-          </a:p>
-          <a:p>
-            <a:r>
-              <a:rPr lang="ru-RU" dirty="0" smtClean="0"/>
-              <a:t>Модуль классификации должен обеспечивать</a:t>
-            </a:r>
-          </a:p>
-          <a:p>
-            <a:pPr lvl="1"/>
-            <a:r>
-              <a:rPr lang="ru-RU" dirty="0" smtClean="0"/>
-              <a:t>Многотемную классификацию на основе машинного обучения с возможностью дообучения</a:t>
-            </a:r>
-          </a:p>
-          <a:p>
-            <a:pPr lvl="1"/>
-            <a:r>
-              <a:rPr lang="ru-RU" dirty="0" smtClean="0"/>
-              <a:t>Возможность добавления и удаления тематик</a:t>
-            </a:r>
-          </a:p>
-        </p:txBody>
-      </p:sp>
-    </p:spTree>
-    <p:extLst>
-      <p:ext uri="{BB962C8B-B14F-4D97-AF65-F5344CB8AC3E}">
-        <p14:creationId xmlns:p14="http://schemas.microsoft.com/office/powerpoint/2010/main" val="169311102"/>
-      </p:ext>
-    </p:extLst>
-  </p:cSld>
-  <p:clrMapOvr>
-    <a:masterClrMapping/>
-  </p:clrMapOvr>
-  <p:timing>
-    <p:tnLst>
-      <p:par>
-        <p:cTn id="1" dur="indefinite" restart="never" nodeType="tmRoot"/>
-      </p:par>
-    </p:tnLst>
-  </p:timing>
-</p:sld>
-</file>
-
-<file path=ppt/slides/slide7.xml><?xml version="1.0" encoding="utf-8"?>
-<p:sld xmlns:a="http://schemas.openxmlformats.org/drawingml/2006/main" xmlns:r="http://schemas.openxmlformats.org/officeDocument/2006/relationships" xmlns:p="http://schemas.openxmlformats.org/presentationml/2006/main">
-  <p:cSld>
-    <p:spTree>
-      <p:nvGrpSpPr>
-        <p:cNvPr id="1" name=""/>
-        <p:cNvGrpSpPr/>
-        <p:nvPr/>
-      </p:nvGrpSpPr>
-      <p:grpSpPr>
-        <a:xfrm>
-          <a:off x="0" y="0"/>
-          <a:ext cx="0" cy="0"/>
-          <a:chOff x="0" y="0"/>
-          <a:chExt cx="0" cy="0"/>
-        </a:xfrm>
-      </p:grpSpPr>
-      <p:sp>
-        <p:nvSpPr>
-          <p:cNvPr id="2" name="Заголовок 1"/>
-          <p:cNvSpPr>
-            <a:spLocks noGrp="1"/>
-          </p:cNvSpPr>
-          <p:nvPr>
-            <p:ph type="title"/>
-          </p:nvPr>
-        </p:nvSpPr>
-        <p:spPr/>
-        <p:txBody>
-          <a:bodyPr>
-            <a:normAutofit fontScale="90000"/>
-          </a:bodyPr>
-          <a:lstStyle/>
-          <a:p>
-            <a:r>
-              <a:rPr lang="ru-RU" dirty="0" smtClean="0"/>
-              <a:t>Обзор средств реализации модуля сбора</a:t>
-            </a:r>
-            <a:endParaRPr lang="en-US" dirty="0"/>
-          </a:p>
-        </p:txBody>
-      </p:sp>
-      <p:sp>
-        <p:nvSpPr>
-          <p:cNvPr id="3" name="Объект 2"/>
-          <p:cNvSpPr>
-            <a:spLocks noGrp="1"/>
-          </p:cNvSpPr>
-          <p:nvPr>
-            <p:ph idx="1"/>
-          </p:nvPr>
-        </p:nvSpPr>
-        <p:spPr>
-          <a:xfrm>
-            <a:off x="539552" y="5949280"/>
-            <a:ext cx="8229600" cy="534888"/>
-          </a:xfrm>
-        </p:spPr>
-        <p:txBody>
-          <a:bodyPr>
-            <a:normAutofit fontScale="55000" lnSpcReduction="20000"/>
-          </a:bodyPr>
-          <a:lstStyle/>
-          <a:p>
-            <a:r>
-              <a:rPr lang="ru-RU" dirty="0" smtClean="0"/>
-              <a:t>Доступ к локальной ФС, не требующий подтверждения пользователя, имеет только </a:t>
-            </a:r>
-            <a:r>
-              <a:rPr lang="en-US" dirty="0" smtClean="0"/>
-              <a:t>BHO</a:t>
-            </a:r>
-            <a:endParaRPr lang="en-US" dirty="0"/>
-          </a:p>
-        </p:txBody>
-      </p:sp>
-      <p:graphicFrame>
-        <p:nvGraphicFramePr>
-          <p:cNvPr id="5" name="Объект 3"/>
-          <p:cNvGraphicFramePr>
-            <a:graphicFrameLocks/>
-          </p:cNvGraphicFramePr>
-          <p:nvPr>
-            <p:extLst>
-              <p:ext uri="{D42A27DB-BD31-4B8C-83A1-F6EECF244321}">
-                <p14:modId xmlns:p14="http://schemas.microsoft.com/office/powerpoint/2010/main" val="799231762"/>
-              </p:ext>
-            </p:extLst>
-          </p:nvPr>
-        </p:nvGraphicFramePr>
-        <p:xfrm>
-          <a:off x="395536" y="2048006"/>
-          <a:ext cx="8377809" cy="3657600"/>
-        </p:xfrm>
-        <a:graphic>
-          <a:graphicData uri="http://schemas.openxmlformats.org/drawingml/2006/table">
-            <a:tbl>
-              <a:tblPr firstRow="1" bandRow="1">
-                <a:tableStyleId>{5C22544A-7EE6-4342-B048-85BDC9FD1C3A}</a:tableStyleId>
-              </a:tblPr>
-              <a:tblGrid>
-                <a:gridCol w="1602710"/>
-                <a:gridCol w="1675562"/>
-                <a:gridCol w="1748413"/>
-                <a:gridCol w="1675562"/>
-                <a:gridCol w="1675562"/>
-              </a:tblGrid>
-              <a:tr h="385192">
-                <a:tc>
-                  <a:txBody>
-                    <a:bodyPr/>
-                    <a:lstStyle/>
-                    <a:p>
-                      <a:pPr algn="ctr"/>
-                      <a:endParaRPr lang="en-US" dirty="0"/>
-                    </a:p>
-                  </a:txBody>
-                  <a:tcPr/>
-                </a:tc>
-                <a:tc>
-                  <a:txBody>
-                    <a:bodyPr/>
-                    <a:lstStyle/>
-                    <a:p>
-                      <a:pPr algn="ctr"/>
-                      <a:r>
-                        <a:rPr lang="en-US" sz="2400" dirty="0" smtClean="0"/>
-                        <a:t>BHO*</a:t>
-                      </a:r>
-                      <a:endParaRPr lang="en-US" sz="2400" dirty="0"/>
-                    </a:p>
-                  </a:txBody>
-                  <a:tcPr/>
-                </a:tc>
-                <a:tc>
-                  <a:txBody>
-                    <a:bodyPr/>
-                    <a:lstStyle/>
-                    <a:p>
-                      <a:pPr algn="ctr"/>
-                      <a:r>
-                        <a:rPr lang="en-US" sz="2400" dirty="0" err="1" smtClean="0"/>
-                        <a:t>Crossrider</a:t>
-                      </a:r>
-                      <a:endParaRPr lang="en-US" sz="2400" dirty="0"/>
-                    </a:p>
-                  </a:txBody>
-                  <a:tcPr/>
-                </a:tc>
-                <a:tc>
-                  <a:txBody>
-                    <a:bodyPr/>
-                    <a:lstStyle/>
-                    <a:p>
-                      <a:pPr algn="ctr"/>
-                      <a:r>
-                        <a:rPr lang="en-US" sz="2400" dirty="0" err="1" smtClean="0"/>
-                        <a:t>Kynext</a:t>
-                      </a:r>
-                      <a:endParaRPr lang="en-US" sz="2400" dirty="0"/>
-                    </a:p>
-                  </a:txBody>
-                  <a:tcPr/>
-                </a:tc>
-                <a:tc>
-                  <a:txBody>
-                    <a:bodyPr/>
-                    <a:lstStyle/>
-                    <a:p>
-                      <a:pPr algn="ctr"/>
-                      <a:r>
-                        <a:rPr lang="en-US" sz="2400" dirty="0" err="1" smtClean="0"/>
-                        <a:t>WebMynd</a:t>
-                      </a:r>
-                      <a:endParaRPr lang="en-US" sz="2400" dirty="0"/>
-                    </a:p>
-                  </a:txBody>
-                  <a:tcPr/>
-                </a:tc>
-              </a:tr>
-              <a:tr h="539269">
-                <a:tc>
-                  <a:txBody>
-                    <a:bodyPr/>
-                    <a:lstStyle/>
-                    <a:p>
-                      <a:pPr algn="ctr"/>
-                      <a:r>
-                        <a:rPr lang="ru-RU" dirty="0" err="1" smtClean="0"/>
-                        <a:t>Кроссплатформеность</a:t>
-                      </a:r>
-                      <a:endParaRPr lang="en-US" dirty="0"/>
-                    </a:p>
-                  </a:txBody>
-                  <a:tcPr/>
-                </a:tc>
-                <a:tc>
-                  <a:txBody>
-                    <a:bodyPr/>
-                    <a:lstStyle/>
-                    <a:p>
-                      <a:pPr algn="ctr"/>
-                      <a:r>
-                        <a:rPr lang="ru-RU" sz="2400" dirty="0" smtClean="0"/>
-                        <a:t>-</a:t>
-                      </a:r>
-                      <a:r>
-                        <a:rPr lang="ru-RU" dirty="0" smtClean="0"/>
-                        <a:t> (только </a:t>
-                      </a:r>
-                      <a:r>
-                        <a:rPr lang="en-US" dirty="0" smtClean="0"/>
-                        <a:t>IE</a:t>
-                      </a:r>
-                      <a:r>
-                        <a:rPr lang="ru-RU" dirty="0" smtClean="0"/>
-                        <a:t>)</a:t>
-                      </a:r>
-                      <a:endParaRPr lang="en-US" dirty="0"/>
-                    </a:p>
-                  </a:txBody>
-                  <a:tcPr/>
-                </a:tc>
-                <a:tc>
-                  <a:txBody>
-                    <a:bodyPr/>
-                    <a:lstStyle/>
-                    <a:p>
-                      <a:pPr algn="ctr"/>
-                      <a:r>
-                        <a:rPr lang="en-US" sz="2400" dirty="0" smtClean="0"/>
-                        <a:t>+</a:t>
-                      </a:r>
-                      <a:endParaRPr lang="en-US" sz="2400" dirty="0"/>
-                    </a:p>
-                  </a:txBody>
-                  <a:tcPr/>
-                </a:tc>
-                <a:tc>
-                  <a:txBody>
-                    <a:bodyPr/>
-                    <a:lstStyle/>
-                    <a:p>
-                      <a:pPr algn="ctr"/>
-                      <a:r>
-                        <a:rPr lang="en-US" sz="2400" dirty="0" smtClean="0"/>
-                        <a:t>+</a:t>
-                      </a:r>
-                      <a:endParaRPr lang="en-US" sz="2400" dirty="0"/>
-                    </a:p>
-                  </a:txBody>
-                  <a:tcPr/>
-                </a:tc>
-                <a:tc>
-                  <a:txBody>
-                    <a:bodyPr/>
-                    <a:lstStyle/>
-                    <a:p>
-                      <a:pPr algn="ctr"/>
-                      <a:r>
-                        <a:rPr lang="en-US" sz="2400" dirty="0" smtClean="0"/>
-                        <a:t>+</a:t>
-                      </a:r>
-                      <a:endParaRPr lang="en-US" sz="2400" dirty="0"/>
-                    </a:p>
-                  </a:txBody>
-                  <a:tcPr/>
-                </a:tc>
-              </a:tr>
-              <a:tr h="385192">
-                <a:tc>
-                  <a:txBody>
-                    <a:bodyPr/>
-                    <a:lstStyle/>
-                    <a:p>
-                      <a:pPr algn="ctr"/>
-                      <a:r>
-                        <a:rPr lang="ru-RU" dirty="0" smtClean="0"/>
-                        <a:t>Бесплатность</a:t>
-                      </a:r>
-                      <a:endParaRPr lang="en-US" dirty="0"/>
-                    </a:p>
-                  </a:txBody>
-                  <a:tcPr/>
-                </a:tc>
-                <a:tc>
-                  <a:txBody>
-                    <a:bodyPr/>
-                    <a:lstStyle/>
-                    <a:p>
-                      <a:pPr algn="ctr"/>
-                      <a:r>
-                        <a:rPr lang="ru-RU" sz="2400" dirty="0" smtClean="0"/>
-                        <a:t>+</a:t>
-                      </a:r>
-                      <a:endParaRPr lang="en-US" sz="2400" dirty="0"/>
-                    </a:p>
-                  </a:txBody>
-                  <a:tcPr/>
-                </a:tc>
-                <a:tc>
-                  <a:txBody>
-                    <a:bodyPr/>
-                    <a:lstStyle/>
-                    <a:p>
-                      <a:pPr algn="ctr"/>
-                      <a:r>
-                        <a:rPr lang="ru-RU" sz="2400" dirty="0" smtClean="0"/>
-                        <a:t>+</a:t>
-                      </a:r>
-                      <a:endParaRPr lang="en-US" sz="2400" dirty="0"/>
-                    </a:p>
-                  </a:txBody>
-                  <a:tcPr/>
-                </a:tc>
-                <a:tc>
-                  <a:txBody>
-                    <a:bodyPr/>
-                    <a:lstStyle/>
-                    <a:p>
-                      <a:pPr algn="ctr"/>
-                      <a:r>
-                        <a:rPr lang="ru-RU" sz="2400" dirty="0" smtClean="0"/>
-                        <a:t>+</a:t>
-                      </a:r>
-                      <a:endParaRPr lang="en-US" sz="2400" dirty="0"/>
-                    </a:p>
-                  </a:txBody>
-                  <a:tcPr/>
-                </a:tc>
-                <a:tc>
-                  <a:txBody>
-                    <a:bodyPr/>
-                    <a:lstStyle/>
-                    <a:p>
-                      <a:pPr algn="ctr"/>
-                      <a:r>
-                        <a:rPr lang="ru-RU" sz="2400" dirty="0" smtClean="0"/>
-                        <a:t>-</a:t>
-                      </a:r>
-                      <a:endParaRPr lang="en-US" sz="2400" dirty="0"/>
-                    </a:p>
-                  </a:txBody>
-                  <a:tcPr/>
-                </a:tc>
-              </a:tr>
-              <a:tr h="539269">
-                <a:tc>
-                  <a:txBody>
-                    <a:bodyPr/>
-                    <a:lstStyle/>
-                    <a:p>
-                      <a:pPr algn="ctr"/>
-                      <a:r>
-                        <a:rPr lang="ru-RU" dirty="0" smtClean="0"/>
-                        <a:t>Поддерживаемые</a:t>
-                      </a:r>
-                      <a:r>
-                        <a:rPr lang="ru-RU" baseline="0" dirty="0" smtClean="0"/>
-                        <a:t> языки</a:t>
-                      </a:r>
-                      <a:endParaRPr lang="en-US" dirty="0"/>
-                    </a:p>
-                  </a:txBody>
-                  <a:tcPr/>
-                </a:tc>
-                <a:tc>
-                  <a:txBody>
-                    <a:bodyPr/>
-                    <a:lstStyle/>
-                    <a:p>
-                      <a:pPr algn="ctr"/>
-                      <a:r>
-                        <a:rPr lang="en-US" dirty="0" smtClean="0"/>
-                        <a:t>C++, C#</a:t>
-                      </a:r>
-                      <a:endParaRPr lang="en-US" dirty="0"/>
-                    </a:p>
-                  </a:txBody>
-                  <a:tcPr/>
-                </a:tc>
-                <a:tc>
-                  <a:txBody>
-                    <a:bodyPr/>
-                    <a:lstStyle/>
-                    <a:p>
-                      <a:pPr algn="ctr"/>
-                      <a:r>
-                        <a:rPr lang="en-US" dirty="0" smtClean="0"/>
-                        <a:t>JavaScript</a:t>
-                      </a:r>
-                      <a:endParaRPr lang="en-US" dirty="0"/>
-                    </a:p>
-                  </a:txBody>
-                  <a:tcPr/>
-                </a:tc>
-                <a:tc>
-                  <a:txBody>
-                    <a:bodyPr/>
-                    <a:lstStyle/>
-                    <a:p>
-                      <a:pPr algn="ctr"/>
-                      <a:r>
-                        <a:rPr lang="en-US" dirty="0" err="1" smtClean="0"/>
-                        <a:t>Kynext</a:t>
-                      </a:r>
-                      <a:r>
-                        <a:rPr lang="en-US" dirty="0" smtClean="0"/>
-                        <a:t> Rules Language</a:t>
-                      </a:r>
-                      <a:endParaRPr lang="en-US" dirty="0"/>
-                    </a:p>
-                  </a:txBody>
-                  <a:tcPr/>
-                </a:tc>
-                <a:tc>
-                  <a:txBody>
-                    <a:bodyPr/>
-                    <a:lstStyle/>
-                    <a:p>
-                      <a:pPr algn="ctr"/>
-                      <a:r>
-                        <a:rPr lang="en-US" dirty="0" smtClean="0"/>
-                        <a:t>JavaScript</a:t>
-                      </a:r>
-                      <a:endParaRPr lang="en-US" dirty="0"/>
-                    </a:p>
-                  </a:txBody>
-                  <a:tcPr/>
-                </a:tc>
-              </a:tr>
-              <a:tr h="1232614">
-                <a:tc>
-                  <a:txBody>
-                    <a:bodyPr/>
-                    <a:lstStyle/>
-                    <a:p>
-                      <a:pPr algn="ctr"/>
-                      <a:r>
-                        <a:rPr lang="ru-RU" dirty="0" smtClean="0"/>
-                        <a:t>Возможность</a:t>
-                      </a:r>
-                      <a:r>
-                        <a:rPr lang="ru-RU" baseline="0" dirty="0" smtClean="0"/>
-                        <a:t> записи в локальную ФС</a:t>
-                      </a:r>
-                      <a:endParaRPr lang="en-US" dirty="0"/>
-                    </a:p>
-                  </a:txBody>
-                  <a:tcPr/>
-                </a:tc>
-                <a:tc>
-                  <a:txBody>
-                    <a:bodyPr/>
-                    <a:lstStyle/>
-                    <a:p>
-                      <a:pPr algn="ctr"/>
-                      <a:r>
-                        <a:rPr lang="ru-RU" sz="1800" dirty="0" smtClean="0"/>
-                        <a:t>Без</a:t>
-                      </a:r>
-                      <a:r>
-                        <a:rPr lang="ru-RU" sz="1800" baseline="0" dirty="0" smtClean="0"/>
-                        <a:t> подтверждения</a:t>
-                      </a:r>
-                      <a:endParaRPr lang="en-US" sz="1800" dirty="0"/>
-                    </a:p>
-                  </a:txBody>
-                  <a:tcPr/>
-                </a:tc>
-                <a:tc>
-                  <a:txBody>
-                    <a:bodyPr/>
-                    <a:lstStyle/>
-                    <a:p>
-                      <a:pPr algn="ctr"/>
-                      <a:r>
-                        <a:rPr lang="ru-RU" sz="1800" baseline="0" dirty="0" smtClean="0"/>
-                        <a:t>Требуется подтверждение пользователем</a:t>
-                      </a:r>
-                      <a:endParaRPr lang="en-US" sz="1800" dirty="0"/>
-                    </a:p>
-                  </a:txBody>
-                  <a:tcPr/>
-                </a:tc>
-                <a:tc>
-                  <a:txBody>
-                    <a:bodyPr/>
-                    <a:lstStyle/>
-                    <a:p>
-                      <a:pPr marL="0" marR="0" indent="0" algn="ctr" defTabSz="914400" rtl="0" eaLnBrk="1" fontAlgn="auto" latinLnBrk="0" hangingPunct="1">
-                        <a:lnSpc>
-                          <a:spcPct val="100000"/>
-                        </a:lnSpc>
-                        <a:spcBef>
-                          <a:spcPts val="0"/>
-                        </a:spcBef>
-                        <a:spcAft>
-                          <a:spcPts val="0"/>
-                        </a:spcAft>
-                        <a:buClrTx/>
-                        <a:buSzTx/>
-                        <a:buFontTx/>
-                        <a:buNone/>
-                        <a:tabLst/>
-                        <a:defRPr/>
-                      </a:pPr>
-                      <a:r>
-                        <a:rPr lang="ru-RU" sz="1800" baseline="0" dirty="0" smtClean="0"/>
-                        <a:t>Требуется подтверждение пользователем</a:t>
-                      </a:r>
-                      <a:endParaRPr lang="en-US" sz="1800" dirty="0" smtClean="0"/>
-                    </a:p>
-                    <a:p>
-                      <a:pPr algn="ctr"/>
-                      <a:endParaRPr lang="en-US" sz="1800" dirty="0"/>
-                    </a:p>
-                  </a:txBody>
-                  <a:tcPr/>
-                </a:tc>
-                <a:tc>
-                  <a:txBody>
-                    <a:bodyPr/>
-                    <a:lstStyle/>
-                    <a:p>
-                      <a:pPr marL="0" marR="0" indent="0" algn="ctr" defTabSz="914400" rtl="0" eaLnBrk="1" fontAlgn="auto" latinLnBrk="0" hangingPunct="1">
-                        <a:lnSpc>
-                          <a:spcPct val="100000"/>
-                        </a:lnSpc>
-                        <a:spcBef>
-                          <a:spcPts val="0"/>
-                        </a:spcBef>
-                        <a:spcAft>
-                          <a:spcPts val="0"/>
-                        </a:spcAft>
-                        <a:buClrTx/>
-                        <a:buSzTx/>
-                        <a:buFontTx/>
-                        <a:buNone/>
-                        <a:tabLst/>
-                        <a:defRPr/>
-                      </a:pPr>
-                      <a:r>
-                        <a:rPr lang="ru-RU" sz="1800" baseline="0" dirty="0" smtClean="0"/>
-                        <a:t>Требуется подтверждение пользователем</a:t>
-                      </a:r>
-                      <a:endParaRPr lang="en-US" sz="1800" dirty="0" smtClean="0"/>
-                    </a:p>
-                    <a:p>
-                      <a:pPr algn="ctr"/>
-                      <a:endParaRPr lang="en-US" sz="1800" dirty="0"/>
-                    </a:p>
-                  </a:txBody>
-                  <a:tcPr/>
-                </a:tc>
-              </a:tr>
-            </a:tbl>
-          </a:graphicData>
-        </a:graphic>
-      </p:graphicFrame>
-      <p:sp>
-        <p:nvSpPr>
-          <p:cNvPr id="6" name="Объект 2"/>
-          <p:cNvSpPr txBox="1">
-            <a:spLocks/>
-          </p:cNvSpPr>
-          <p:nvPr/>
-        </p:nvSpPr>
-        <p:spPr>
-          <a:xfrm>
-            <a:off x="365650" y="1454653"/>
-            <a:ext cx="8229600" cy="678904"/>
-          </a:xfrm>
-          <a:prstGeom prst="rect">
-            <a:avLst/>
-          </a:prstGeom>
-        </p:spPr>
-        <p:txBody>
-          <a:bodyPr vert="horz" lIns="91440" tIns="45720" rIns="91440" bIns="45720" rtlCol="0">
-            <a:normAutofit/>
-          </a:bodyPr>
-          <a:lstStyle>
-            <a:lvl1pPr marL="342900" indent="-342900" algn="l" defTabSz="914400" rtl="0" eaLnBrk="1" latinLnBrk="0" hangingPunct="1">
-              <a:spcBef>
-                <a:spcPct val="20000"/>
-              </a:spcBef>
-              <a:buFont typeface="Arial" pitchFamily="34" charset="0"/>
-              <a:buChar char="•"/>
-              <a:defRPr sz="3200" kern="1200">
-                <a:solidFill>
-                  <a:schemeClr val="tx1"/>
-                </a:solidFill>
-                <a:latin typeface="+mn-lt"/>
-                <a:ea typeface="+mn-ea"/>
-                <a:cs typeface="+mn-cs"/>
-              </a:defRPr>
-            </a:lvl1pPr>
-            <a:lvl2pPr marL="742950" indent="-285750" algn="l" defTabSz="914400" rtl="0" eaLnBrk="1" latinLnBrk="0" hangingPunct="1">
-              <a:spcBef>
-                <a:spcPct val="20000"/>
-              </a:spcBef>
-              <a:buFont typeface="Arial" pitchFamily="34" charset="0"/>
-              <a:buChar char="–"/>
-              <a:defRPr sz="2800" kern="1200">
-                <a:solidFill>
-                  <a:schemeClr val="tx1"/>
-                </a:solidFill>
-                <a:latin typeface="+mn-lt"/>
-                <a:ea typeface="+mn-ea"/>
-                <a:cs typeface="+mn-cs"/>
-              </a:defRPr>
-            </a:lvl2pPr>
-            <a:lvl3pPr marL="1143000" indent="-228600" algn="l" defTabSz="914400" rtl="0" eaLnBrk="1" latinLnBrk="0" hangingPunct="1">
-              <a:spcBef>
-                <a:spcPct val="20000"/>
-              </a:spcBef>
-              <a:buFont typeface="Arial" pitchFamily="34" charset="0"/>
-              <a:buChar char="•"/>
-              <a:defRPr sz="2400" kern="1200">
-                <a:solidFill>
-                  <a:schemeClr val="tx1"/>
-                </a:solidFill>
-                <a:latin typeface="+mn-lt"/>
-                <a:ea typeface="+mn-ea"/>
-                <a:cs typeface="+mn-cs"/>
-              </a:defRPr>
-            </a:lvl3pPr>
-            <a:lvl4pPr marL="1600200" indent="-228600" algn="l" defTabSz="914400" rtl="0" eaLnBrk="1" latinLnBrk="0" hangingPunct="1">
-              <a:spcBef>
-                <a:spcPct val="20000"/>
-              </a:spcBef>
-              <a:buFont typeface="Arial" pitchFamily="34" charset="0"/>
-              <a:buChar char="–"/>
-              <a:defRPr sz="2000" kern="1200">
-                <a:solidFill>
-                  <a:schemeClr val="tx1"/>
-                </a:solidFill>
-                <a:latin typeface="+mn-lt"/>
-                <a:ea typeface="+mn-ea"/>
-                <a:cs typeface="+mn-cs"/>
-              </a:defRPr>
-            </a:lvl4pPr>
-            <a:lvl5pPr marL="2057400" indent="-228600" algn="l" defTabSz="914400" rtl="0" eaLnBrk="1" latinLnBrk="0" hangingPunct="1">
-              <a:spcBef>
-                <a:spcPct val="20000"/>
-              </a:spcBef>
-              <a:buFont typeface="Arial" pitchFamily="34" charset="0"/>
-              <a:buChar char="»"/>
-              <a:defRPr sz="2000" kern="1200">
-                <a:solidFill>
-                  <a:schemeClr val="tx1"/>
-                </a:solidFill>
-                <a:latin typeface="+mn-lt"/>
-                <a:ea typeface="+mn-ea"/>
-                <a:cs typeface="+mn-cs"/>
-              </a:defRPr>
-            </a:lvl5pPr>
-            <a:lvl6pPr marL="2514600" indent="-228600" algn="l" defTabSz="914400" rtl="0" eaLnBrk="1" latinLnBrk="0" hangingPunct="1">
-              <a:spcBef>
-                <a:spcPct val="20000"/>
-              </a:spcBef>
-              <a:buFont typeface="Arial" pitchFamily="34" charset="0"/>
-              <a:buChar char="•"/>
-              <a:defRPr sz="2000" kern="1200">
-                <a:solidFill>
-                  <a:schemeClr val="tx1"/>
-                </a:solidFill>
-                <a:latin typeface="+mn-lt"/>
-                <a:ea typeface="+mn-ea"/>
-                <a:cs typeface="+mn-cs"/>
-              </a:defRPr>
-            </a:lvl6pPr>
-            <a:lvl7pPr marL="2971800" indent="-228600" algn="l" defTabSz="914400" rtl="0" eaLnBrk="1" latinLnBrk="0" hangingPunct="1">
-              <a:spcBef>
-                <a:spcPct val="20000"/>
-              </a:spcBef>
-              <a:buFont typeface="Arial" pitchFamily="34" charset="0"/>
-              <a:buChar char="•"/>
-              <a:defRPr sz="2000" kern="1200">
-                <a:solidFill>
-                  <a:schemeClr val="tx1"/>
-                </a:solidFill>
-                <a:latin typeface="+mn-lt"/>
-                <a:ea typeface="+mn-ea"/>
-                <a:cs typeface="+mn-cs"/>
-              </a:defRPr>
-            </a:lvl7pPr>
-            <a:lvl8pPr marL="3429000" indent="-228600" algn="l" defTabSz="914400" rtl="0" eaLnBrk="1" latinLnBrk="0" hangingPunct="1">
-              <a:spcBef>
-                <a:spcPct val="20000"/>
-              </a:spcBef>
-              <a:buFont typeface="Arial" pitchFamily="34" charset="0"/>
-              <a:buChar char="•"/>
-              <a:defRPr sz="2000" kern="1200">
-                <a:solidFill>
-                  <a:schemeClr val="tx1"/>
-                </a:solidFill>
-                <a:latin typeface="+mn-lt"/>
-                <a:ea typeface="+mn-ea"/>
-                <a:cs typeface="+mn-cs"/>
-              </a:defRPr>
-            </a:lvl8pPr>
-            <a:lvl9pPr marL="3886200" indent="-228600" algn="l" defTabSz="914400" rtl="0" eaLnBrk="1" latinLnBrk="0" hangingPunct="1">
-              <a:spcBef>
-                <a:spcPct val="20000"/>
-              </a:spcBef>
-              <a:buFont typeface="Arial" pitchFamily="34" charset="0"/>
-              <a:buChar char="•"/>
-              <a:defRPr sz="2000" kern="1200">
-                <a:solidFill>
-                  <a:schemeClr val="tx1"/>
-                </a:solidFill>
-                <a:latin typeface="+mn-lt"/>
-                <a:ea typeface="+mn-ea"/>
-                <a:cs typeface="+mn-cs"/>
-              </a:defRPr>
-            </a:lvl9pPr>
-          </a:lstStyle>
-          <a:p>
             <a:r>
               <a:rPr lang="ru-RU" sz="2400" dirty="0" smtClean="0"/>
               <a:t>Расширение для браузера</a:t>
@@ -8721,201 +9241,440 @@
           <a:chExt cx="0" cy="0"/>
         </a:xfrm>
       </p:grpSpPr>
-      <p:sp>
-        <p:nvSpPr>
-          <p:cNvPr id="2" name="Заголовок 1"/>
-          <p:cNvSpPr>
-            <a:spLocks noGrp="1"/>
-          </p:cNvSpPr>
-          <p:nvPr>
-            <p:ph type="title"/>
-          </p:nvPr>
-        </p:nvSpPr>
-        <p:spPr/>
-        <p:txBody>
-          <a:bodyPr>
-            <a:normAutofit fontScale="90000"/>
-          </a:bodyPr>
-          <a:lstStyle/>
-          <a:p>
-            <a:r>
-              <a:rPr lang="ru-RU" dirty="0" smtClean="0"/>
-              <a:t>Методы многотемной классификации</a:t>
-            </a:r>
-            <a:endParaRPr lang="en-US" dirty="0"/>
-          </a:p>
-        </p:txBody>
-      </p:sp>
-      <p:sp>
-        <p:nvSpPr>
-          <p:cNvPr id="3" name="Объект 2"/>
-          <p:cNvSpPr>
-            <a:spLocks noGrp="1"/>
-          </p:cNvSpPr>
+      <p:graphicFrame>
+        <p:nvGraphicFramePr>
+          <p:cNvPr id="4" name="Объект 3"/>
+          <p:cNvGraphicFramePr>
+            <a:graphicFrameLocks noGrp="1"/>
+          </p:cNvGraphicFramePr>
           <p:nvPr>
             <p:ph idx="1"/>
-          </p:nvPr>
-        </p:nvSpPr>
-        <p:spPr/>
-        <p:txBody>
-          <a:bodyPr>
-            <a:normAutofit fontScale="85000" lnSpcReduction="20000"/>
-          </a:bodyPr>
-          <a:lstStyle/>
-          <a:p>
-            <a:r>
-              <a:rPr lang="ru-RU" dirty="0" smtClean="0"/>
-              <a:t>Методы, основанные на «оптимизационном» подходе</a:t>
-            </a:r>
-          </a:p>
-          <a:p>
-            <a:pPr lvl="1"/>
-            <a:r>
-              <a:rPr lang="ru-RU" dirty="0" smtClean="0"/>
-              <a:t>Решается задача нахождения экстремума целевой функции</a:t>
-            </a:r>
-          </a:p>
-          <a:p>
-            <a:pPr lvl="2"/>
-            <a:r>
-              <a:rPr lang="en-US" dirty="0" err="1" smtClean="0"/>
-              <a:t>AdaBoost</a:t>
-            </a:r>
-            <a:r>
-              <a:rPr lang="en-US" dirty="0" smtClean="0"/>
-              <a:t>  </a:t>
-            </a:r>
-            <a:r>
-              <a:rPr lang="ru-RU" dirty="0" smtClean="0"/>
-              <a:t>- минимизируется функция </a:t>
-            </a:r>
-            <a:r>
-              <a:rPr lang="en-US" dirty="0" smtClean="0"/>
-              <a:t>Hamming Loss</a:t>
-            </a:r>
-            <a:r>
-              <a:rPr lang="ru-RU" dirty="0" smtClean="0"/>
-              <a:t> (критерий оценивает количество неверных предсказаний)</a:t>
-            </a:r>
-            <a:r>
-              <a:rPr lang="en-US" dirty="0" smtClean="0"/>
-              <a:t> </a:t>
-            </a:r>
-            <a:r>
-              <a:rPr lang="ru-RU" dirty="0" smtClean="0"/>
-              <a:t>для оценки </a:t>
-            </a:r>
-            <a:r>
-              <a:rPr lang="ru-RU" dirty="0"/>
-              <a:t>потерь </a:t>
-            </a:r>
-            <a:r>
-              <a:rPr lang="ru-RU" dirty="0" smtClean="0"/>
-              <a:t>многотемной</a:t>
-            </a:r>
-            <a:r>
-              <a:rPr lang="en-GB" dirty="0" smtClean="0"/>
-              <a:t> </a:t>
-            </a:r>
-            <a:r>
-              <a:rPr lang="ru-RU" dirty="0" smtClean="0"/>
-              <a:t>классификации</a:t>
-            </a:r>
-            <a:endParaRPr lang="en-US" dirty="0" smtClean="0"/>
-          </a:p>
-          <a:p>
-            <a:pPr lvl="2"/>
-            <a:r>
-              <a:rPr lang="en-GB" dirty="0" smtClean="0"/>
-              <a:t>Multi</a:t>
-            </a:r>
-            <a:r>
-              <a:rPr lang="ru-RU" dirty="0" smtClean="0"/>
-              <a:t>-</a:t>
-            </a:r>
-            <a:r>
-              <a:rPr lang="en-GB" dirty="0" smtClean="0"/>
-              <a:t>Label</a:t>
-            </a:r>
-            <a:r>
-              <a:rPr lang="ru-RU" dirty="0" smtClean="0"/>
-              <a:t>-</a:t>
-            </a:r>
-            <a:r>
-              <a:rPr lang="en-GB" dirty="0" err="1" smtClean="0"/>
-              <a:t>kNN</a:t>
-            </a:r>
-            <a:r>
-              <a:rPr lang="ru-RU" dirty="0" smtClean="0"/>
-              <a:t> (многотемный </a:t>
-            </a:r>
-            <a:r>
-              <a:rPr lang="en-US" dirty="0"/>
-              <a:t> </a:t>
-            </a:r>
-            <a:r>
-              <a:rPr lang="en-US" i="1" dirty="0"/>
-              <a:t>k</a:t>
-            </a:r>
-            <a:r>
-              <a:rPr lang="en-US" dirty="0"/>
-              <a:t>-</a:t>
-            </a:r>
-            <a:r>
-              <a:rPr lang="ru-RU" dirty="0"/>
-              <a:t>ближайших соседей</a:t>
-            </a:r>
-            <a:r>
-              <a:rPr lang="ru-RU" dirty="0" smtClean="0"/>
-              <a:t>)  - </a:t>
-            </a:r>
-            <a:r>
-              <a:rPr lang="ru-RU" dirty="0" err="1" smtClean="0"/>
-              <a:t>максимизируются</a:t>
-            </a:r>
-            <a:r>
-              <a:rPr lang="ru-RU" dirty="0" smtClean="0"/>
-              <a:t> </a:t>
-            </a:r>
-            <a:r>
-              <a:rPr lang="ru-RU" dirty="0"/>
-              <a:t>апостериорные вероятности принадлежности </a:t>
-            </a:r>
-            <a:r>
-              <a:rPr lang="ru-RU" dirty="0" smtClean="0"/>
-              <a:t>классам</a:t>
-            </a:r>
-          </a:p>
-          <a:p>
-            <a:pPr lvl="1"/>
-            <a:r>
-              <a:rPr lang="ru-RU" dirty="0" smtClean="0"/>
-              <a:t>Недостатки</a:t>
-            </a:r>
-            <a:endParaRPr lang="en-US" dirty="0" smtClean="0"/>
-          </a:p>
-          <a:p>
-            <a:pPr lvl="2"/>
-            <a:r>
-              <a:rPr lang="ru-RU" dirty="0" smtClean="0"/>
-              <a:t>Для данной задачи требуется весь тренировочный набор, т.е. не поддерживается </a:t>
-            </a:r>
-            <a:r>
-              <a:rPr lang="ru-RU" dirty="0" err="1" smtClean="0"/>
-              <a:t>дообучение</a:t>
-            </a:r>
-            <a:r>
-              <a:rPr lang="ru-RU" dirty="0" smtClean="0"/>
-              <a:t>, добавление и удаление тематик</a:t>
-            </a:r>
-            <a:endParaRPr lang="en-US" dirty="0"/>
-          </a:p>
-        </p:txBody>
-      </p:sp>
+            <p:extLst>
+              <p:ext uri="{D42A27DB-BD31-4B8C-83A1-F6EECF244321}">
+                <p14:modId xmlns:p14="http://schemas.microsoft.com/office/powerpoint/2010/main" val="56842712"/>
+              </p:ext>
+            </p:extLst>
+          </p:nvPr>
+        </p:nvGraphicFramePr>
+        <p:xfrm>
+          <a:off x="179512" y="188640"/>
+          <a:ext cx="8651303" cy="6499213"/>
+        </p:xfrm>
+        <a:graphic>
+          <a:graphicData uri="http://schemas.openxmlformats.org/drawingml/2006/table">
+            <a:tbl>
+              <a:tblPr firstRow="1" bandRow="1">
+                <a:tableStyleId>{5C22544A-7EE6-4342-B048-85BDC9FD1C3A}</a:tableStyleId>
+              </a:tblPr>
+              <a:tblGrid>
+                <a:gridCol w="2394315"/>
+                <a:gridCol w="3373220"/>
+                <a:gridCol w="2883768"/>
+              </a:tblGrid>
+              <a:tr h="636801">
+                <a:tc>
+                  <a:txBody>
+                    <a:bodyPr/>
+                    <a:lstStyle/>
+                    <a:p>
+                      <a:pPr algn="l"/>
+                      <a:r>
+                        <a:rPr lang="ru-RU" dirty="0" smtClean="0"/>
+                        <a:t>Подход классификации</a:t>
+                      </a:r>
+                      <a:r>
+                        <a:rPr lang="ru-RU" baseline="0" dirty="0" smtClean="0"/>
+                        <a:t> </a:t>
+                      </a:r>
+                      <a:endParaRPr lang="en-US" dirty="0"/>
+                    </a:p>
+                  </a:txBody>
+                  <a:tcPr/>
+                </a:tc>
+                <a:tc>
+                  <a:txBody>
+                    <a:bodyPr/>
+                    <a:lstStyle/>
+                    <a:p>
+                      <a:pPr algn="l"/>
+                      <a:r>
+                        <a:rPr lang="ru-RU" dirty="0" smtClean="0"/>
+                        <a:t>Принцип работы</a:t>
+                      </a:r>
+                      <a:endParaRPr lang="en-US" dirty="0"/>
+                    </a:p>
+                  </a:txBody>
+                  <a:tcPr/>
+                </a:tc>
+                <a:tc>
+                  <a:txBody>
+                    <a:bodyPr/>
+                    <a:lstStyle/>
+                    <a:p>
+                      <a:pPr algn="l"/>
+                      <a:r>
+                        <a:rPr lang="ru-RU" dirty="0" smtClean="0"/>
+                        <a:t>Недостатки</a:t>
+                      </a:r>
+                      <a:endParaRPr lang="en-US" dirty="0"/>
+                    </a:p>
+                  </a:txBody>
+                  <a:tcPr/>
+                </a:tc>
+              </a:tr>
+              <a:tr h="2198778">
+                <a:tc>
+                  <a:txBody>
+                    <a:bodyPr/>
+                    <a:lstStyle/>
+                    <a:p>
+                      <a:pPr marL="0" marR="0" lvl="1" indent="0" algn="l" defTabSz="914400" rtl="0" eaLnBrk="1" fontAlgn="auto" latinLnBrk="0" hangingPunct="1">
+                        <a:lnSpc>
+                          <a:spcPct val="100000"/>
+                        </a:lnSpc>
+                        <a:spcBef>
+                          <a:spcPts val="0"/>
+                        </a:spcBef>
+                        <a:spcAft>
+                          <a:spcPts val="0"/>
+                        </a:spcAft>
+                        <a:buClrTx/>
+                        <a:buSzTx/>
+                        <a:buFontTx/>
+                        <a:buNone/>
+                        <a:tabLst/>
+                        <a:defRPr/>
+                      </a:pPr>
+                      <a:r>
+                        <a:rPr lang="ru-RU" dirty="0" smtClean="0"/>
+                        <a:t>«Оптимизационный» подход </a:t>
+                      </a:r>
+                    </a:p>
+                    <a:p>
+                      <a:pPr algn="l"/>
+                      <a:endParaRPr lang="en-US" dirty="0"/>
+                    </a:p>
+                  </a:txBody>
+                  <a:tcPr/>
+                </a:tc>
+                <a:tc>
+                  <a:txBody>
+                    <a:bodyPr/>
+                    <a:lstStyle/>
+                    <a:p>
+                      <a:pPr marL="0" marR="0" lvl="1" indent="0" algn="l" defTabSz="914400" rtl="0" eaLnBrk="1" fontAlgn="auto" latinLnBrk="0" hangingPunct="1">
+                        <a:lnSpc>
+                          <a:spcPct val="100000"/>
+                        </a:lnSpc>
+                        <a:spcBef>
+                          <a:spcPts val="0"/>
+                        </a:spcBef>
+                        <a:spcAft>
+                          <a:spcPts val="0"/>
+                        </a:spcAft>
+                        <a:buClrTx/>
+                        <a:buSzTx/>
+                        <a:buFontTx/>
+                        <a:buNone/>
+                        <a:tabLst/>
+                        <a:defRPr/>
+                      </a:pPr>
+                      <a:r>
+                        <a:rPr lang="ru-RU" dirty="0" smtClean="0"/>
+                        <a:t>Решается задача нахождения экстремума целевой функции</a:t>
+                      </a:r>
+                      <a:r>
+                        <a:rPr lang="ru-RU" baseline="0" dirty="0" smtClean="0"/>
+                        <a:t> (</a:t>
+                      </a:r>
+                      <a:r>
+                        <a:rPr lang="en-US" baseline="0" dirty="0" err="1" smtClean="0"/>
+                        <a:t>AdaBoost</a:t>
+                      </a:r>
+                      <a:r>
+                        <a:rPr lang="en-US" baseline="0" dirty="0" smtClean="0"/>
+                        <a:t> </a:t>
+                      </a:r>
+                      <a:r>
+                        <a:rPr lang="ru-RU" baseline="0" dirty="0" smtClean="0"/>
+                        <a:t>минимизирует  </a:t>
+                      </a:r>
+                      <a:r>
+                        <a:rPr lang="en-US" baseline="0" dirty="0" smtClean="0"/>
+                        <a:t>Hamming Loss, </a:t>
+                      </a:r>
+                      <a:r>
+                        <a:rPr lang="en-GB" dirty="0" smtClean="0"/>
+                        <a:t>Multi</a:t>
+                      </a:r>
+                      <a:r>
+                        <a:rPr lang="ru-RU" dirty="0" smtClean="0"/>
+                        <a:t>-</a:t>
+                      </a:r>
+                      <a:r>
+                        <a:rPr lang="en-GB" dirty="0" smtClean="0"/>
+                        <a:t>Label</a:t>
+                      </a:r>
+                      <a:r>
+                        <a:rPr lang="ru-RU" dirty="0" smtClean="0"/>
+                        <a:t>-</a:t>
+                      </a:r>
+                      <a:r>
+                        <a:rPr lang="en-GB" dirty="0" err="1" smtClean="0"/>
+                        <a:t>kNN</a:t>
+                      </a:r>
+                      <a:r>
+                        <a:rPr lang="ru-RU" dirty="0" smtClean="0"/>
+                        <a:t> </a:t>
+                      </a:r>
+                      <a:r>
+                        <a:rPr lang="en-US" dirty="0" smtClean="0"/>
+                        <a:t> </a:t>
+                      </a:r>
+                      <a:r>
+                        <a:rPr lang="ru-RU" dirty="0" smtClean="0"/>
+                        <a:t>максимизирует</a:t>
+                      </a:r>
+                      <a:r>
+                        <a:rPr lang="ru-RU" baseline="0" dirty="0" smtClean="0"/>
+                        <a:t> </a:t>
+                      </a:r>
+                      <a:r>
+                        <a:rPr lang="ru-RU" dirty="0" smtClean="0"/>
+                        <a:t>апостериорные вероятности принадлежности классам</a:t>
+                      </a:r>
+                      <a:r>
+                        <a:rPr lang="ru-RU" baseline="0" dirty="0" smtClean="0"/>
+                        <a:t>)</a:t>
+                      </a:r>
+                      <a:endParaRPr lang="ru-RU" dirty="0" smtClean="0"/>
+                    </a:p>
+                    <a:p>
+                      <a:pPr algn="l"/>
+                      <a:endParaRPr lang="en-US" dirty="0"/>
+                    </a:p>
+                  </a:txBody>
+                  <a:tcPr/>
+                </a:tc>
+                <a:tc>
+                  <a:txBody>
+                    <a:bodyPr/>
+                    <a:lstStyle/>
+                    <a:p>
+                      <a:pPr marL="0" marR="0" lvl="2" indent="0" algn="l" defTabSz="914400" rtl="0" eaLnBrk="1" fontAlgn="auto" latinLnBrk="0" hangingPunct="1">
+                        <a:lnSpc>
+                          <a:spcPct val="100000"/>
+                        </a:lnSpc>
+                        <a:spcBef>
+                          <a:spcPts val="0"/>
+                        </a:spcBef>
+                        <a:spcAft>
+                          <a:spcPts val="0"/>
+                        </a:spcAft>
+                        <a:buClrTx/>
+                        <a:buSzTx/>
+                        <a:buFontTx/>
+                        <a:buNone/>
+                        <a:tabLst/>
+                        <a:defRPr/>
+                      </a:pPr>
+                      <a:r>
+                        <a:rPr lang="ru-RU" dirty="0" smtClean="0"/>
+                        <a:t>Для данной задачи требуется весь тренировочный набор, т.е. не поддерживается </a:t>
+                      </a:r>
+                      <a:r>
+                        <a:rPr lang="ru-RU" dirty="0" err="1" smtClean="0"/>
+                        <a:t>дообучение</a:t>
+                      </a:r>
+                      <a:r>
+                        <a:rPr lang="ru-RU" dirty="0" smtClean="0"/>
+                        <a:t>, добавление и удаление тематик</a:t>
+                      </a:r>
+                      <a:endParaRPr lang="en-US" dirty="0" smtClean="0"/>
+                    </a:p>
+                    <a:p>
+                      <a:pPr algn="l"/>
+                      <a:endParaRPr lang="en-US" dirty="0"/>
+                    </a:p>
+                  </a:txBody>
+                  <a:tcPr/>
+                </a:tc>
+              </a:tr>
+              <a:tr h="1493549">
+                <a:tc>
+                  <a:txBody>
+                    <a:bodyPr/>
+                    <a:lstStyle/>
+                    <a:p>
+                      <a:pPr marL="0" marR="0" lvl="1" indent="0" algn="l" defTabSz="914400" rtl="0" eaLnBrk="1" fontAlgn="auto" latinLnBrk="0" hangingPunct="1">
+                        <a:lnSpc>
+                          <a:spcPct val="100000"/>
+                        </a:lnSpc>
+                        <a:spcBef>
+                          <a:spcPts val="0"/>
+                        </a:spcBef>
+                        <a:spcAft>
+                          <a:spcPts val="0"/>
+                        </a:spcAft>
+                        <a:buClrTx/>
+                        <a:buSzTx/>
+                        <a:buFontTx/>
+                        <a:buNone/>
+                        <a:tabLst/>
+                        <a:defRPr/>
+                      </a:pPr>
+                      <a:r>
+                        <a:rPr lang="ru-RU" dirty="0" smtClean="0"/>
+                        <a:t>Подход на основе декомпозиции в набор независимых бинарных проблем</a:t>
+                      </a:r>
+                    </a:p>
+                    <a:p>
+                      <a:pPr algn="l"/>
+                      <a:endParaRPr lang="en-US" dirty="0"/>
+                    </a:p>
+                  </a:txBody>
+                  <a:tcPr/>
+                </a:tc>
+                <a:tc>
+                  <a:txBody>
+                    <a:bodyPr/>
+                    <a:lstStyle/>
+                    <a:p>
+                      <a:pPr algn="l"/>
+                      <a:r>
+                        <a:rPr lang="ru-RU" dirty="0" smtClean="0"/>
+                        <a:t>Для</a:t>
+                      </a:r>
+                      <a:r>
+                        <a:rPr lang="ru-RU" baseline="0" dirty="0" smtClean="0"/>
+                        <a:t> каждого из классов строится бинарный классификатор.  Решающая функция используется как функция ранжирования</a:t>
+                      </a:r>
+                      <a:endParaRPr lang="en-US" dirty="0"/>
+                    </a:p>
+                  </a:txBody>
+                  <a:tcPr/>
+                </a:tc>
+                <a:tc>
+                  <a:txBody>
+                    <a:bodyPr/>
+                    <a:lstStyle/>
+                    <a:p>
+                      <a:pPr algn="l"/>
+                      <a:r>
+                        <a:rPr lang="ru-RU" dirty="0" smtClean="0"/>
+                        <a:t>Высокая вычислительная сложность </a:t>
+                      </a:r>
+                    </a:p>
+                    <a:p>
+                      <a:pPr algn="l"/>
+                      <a:r>
+                        <a:rPr lang="ru-RU" dirty="0" smtClean="0"/>
+                        <a:t>Не учитывается корреляция между классами</a:t>
+                      </a:r>
+                      <a:endParaRPr lang="en-US" dirty="0"/>
+                    </a:p>
+                  </a:txBody>
+                  <a:tcPr/>
+                </a:tc>
+              </a:tr>
+              <a:tr h="2079584">
+                <a:tc>
+                  <a:txBody>
+                    <a:bodyPr/>
+                    <a:lstStyle/>
+                    <a:p>
+                      <a:pPr algn="l"/>
+                      <a:r>
+                        <a:rPr lang="ru-RU" dirty="0" smtClean="0"/>
+                        <a:t>Подход на основе ранжирования</a:t>
+                      </a:r>
+                      <a:endParaRPr lang="en-US" dirty="0"/>
+                    </a:p>
+                  </a:txBody>
+                  <a:tcPr/>
+                </a:tc>
+                <a:tc>
+                  <a:txBody>
+                    <a:bodyPr/>
+                    <a:lstStyle/>
+                    <a:p>
+                      <a:pPr marL="0" marR="0" lvl="3" indent="0" algn="l" defTabSz="914400" rtl="0" eaLnBrk="1" fontAlgn="auto" latinLnBrk="0" hangingPunct="1">
+                        <a:lnSpc>
+                          <a:spcPct val="100000"/>
+                        </a:lnSpc>
+                        <a:spcBef>
+                          <a:spcPts val="0"/>
+                        </a:spcBef>
+                        <a:spcAft>
+                          <a:spcPts val="0"/>
+                        </a:spcAft>
+                        <a:buClrTx/>
+                        <a:buSzTx/>
+                        <a:buFontTx/>
+                        <a:buNone/>
+                        <a:tabLst/>
+                        <a:defRPr/>
+                      </a:pPr>
+                      <a:r>
+                        <a:rPr lang="ru-RU" dirty="0" smtClean="0"/>
+                        <a:t>Классы ранжируются по релевантности относительно заданного классифицируемого объекта. Нерелевантные классы отсекаются</a:t>
+                      </a:r>
+                      <a:r>
+                        <a:rPr lang="ru-RU" baseline="0" dirty="0" smtClean="0"/>
+                        <a:t> с помощью пороговой функции</a:t>
+                      </a:r>
+                      <a:endParaRPr lang="ru-RU" dirty="0" smtClean="0"/>
+                    </a:p>
+                    <a:p>
+                      <a:pPr algn="l"/>
+                      <a:endParaRPr lang="en-US" dirty="0"/>
+                    </a:p>
+                  </a:txBody>
+                  <a:tcPr/>
+                </a:tc>
+                <a:tc>
+                  <a:txBody>
+                    <a:bodyPr/>
+                    <a:lstStyle/>
+                    <a:p>
+                      <a:pPr marL="0" marR="0" lvl="2" indent="0" algn="l" defTabSz="914400" rtl="0" eaLnBrk="1" fontAlgn="auto" latinLnBrk="0" hangingPunct="1">
+                        <a:lnSpc>
+                          <a:spcPct val="100000"/>
+                        </a:lnSpc>
+                        <a:spcBef>
+                          <a:spcPts val="0"/>
+                        </a:spcBef>
+                        <a:spcAft>
+                          <a:spcPts val="0"/>
+                        </a:spcAft>
+                        <a:buClrTx/>
+                        <a:buSzTx/>
+                        <a:buFontTx/>
+                        <a:buNone/>
+                        <a:tabLst/>
+                        <a:defRPr/>
+                      </a:pPr>
+                      <a:r>
+                        <a:rPr lang="ru-RU" dirty="0" smtClean="0"/>
+                        <a:t>Алгоритмы либо не имеют возможности дообучения, либо показывают низкую точность</a:t>
+                      </a:r>
+                    </a:p>
+                    <a:p>
+                      <a:pPr algn="l"/>
+                      <a:endParaRPr lang="en-US" dirty="0"/>
+                    </a:p>
+                  </a:txBody>
+                  <a:tcPr/>
+                </a:tc>
+              </a:tr>
+            </a:tbl>
+          </a:graphicData>
+        </a:graphic>
+      </p:graphicFrame>
     </p:spTree>
     <p:extLst>
       <p:ext uri="{BB962C8B-B14F-4D97-AF65-F5344CB8AC3E}">
-        <p14:creationId xmlns:p14="http://schemas.microsoft.com/office/powerpoint/2010/main" val="507851981"/>
+        <p14:creationId xmlns:p14="http://schemas.microsoft.com/office/powerpoint/2010/main" val="1192805076"/>
       </p:ext>
     </p:extLst>
   </p:cSld>
